--- a/2022 Joystick.pptx
+++ b/2022 Joystick.pptx
@@ -6,9 +6,13 @@
   </p:sldMasterIdLst>
   <p:sldIdLst>
     <p:sldId id="268" r:id="rId2"/>
-    <p:sldId id="269" r:id="rId3"/>
-    <p:sldId id="270" r:id="rId4"/>
-    <p:sldId id="271" r:id="rId5"/>
+    <p:sldId id="273" r:id="rId3"/>
+    <p:sldId id="275" r:id="rId4"/>
+    <p:sldId id="274" r:id="rId5"/>
+    <p:sldId id="272" r:id="rId6"/>
+    <p:sldId id="269" r:id="rId7"/>
+    <p:sldId id="270" r:id="rId8"/>
+    <p:sldId id="271" r:id="rId9"/>
   </p:sldIdLst>
   <p:sldSz cx="12192000" cy="6858000"/>
   <p:notesSz cx="6858000" cy="9144000"/>
@@ -244,7 +248,7 @@
           <a:p>
             <a:fld id="{D683890E-4472-4958-AE87-37F5298C508C}" type="datetimeFigureOut">
               <a:rPr lang="en-US" smtClean="0"/>
-              <a:t>3/5/2020</a:t>
+              <a:t>3/25/2022</a:t>
             </a:fld>
             <a:endParaRPr lang="en-US"/>
           </a:p>
@@ -412,7 +416,7 @@
           <a:p>
             <a:fld id="{D683890E-4472-4958-AE87-37F5298C508C}" type="datetimeFigureOut">
               <a:rPr lang="en-US" smtClean="0"/>
-              <a:t>3/5/2020</a:t>
+              <a:t>3/25/2022</a:t>
             </a:fld>
             <a:endParaRPr lang="en-US"/>
           </a:p>
@@ -590,7 +594,7 @@
           <a:p>
             <a:fld id="{D683890E-4472-4958-AE87-37F5298C508C}" type="datetimeFigureOut">
               <a:rPr lang="en-US" smtClean="0"/>
-              <a:t>3/5/2020</a:t>
+              <a:t>3/25/2022</a:t>
             </a:fld>
             <a:endParaRPr lang="en-US"/>
           </a:p>
@@ -758,7 +762,7 @@
           <a:p>
             <a:fld id="{D683890E-4472-4958-AE87-37F5298C508C}" type="datetimeFigureOut">
               <a:rPr lang="en-US" smtClean="0"/>
-              <a:t>3/5/2020</a:t>
+              <a:t>3/25/2022</a:t>
             </a:fld>
             <a:endParaRPr lang="en-US"/>
           </a:p>
@@ -1003,7 +1007,7 @@
           <a:p>
             <a:fld id="{D683890E-4472-4958-AE87-37F5298C508C}" type="datetimeFigureOut">
               <a:rPr lang="en-US" smtClean="0"/>
-              <a:t>3/5/2020</a:t>
+              <a:t>3/25/2022</a:t>
             </a:fld>
             <a:endParaRPr lang="en-US"/>
           </a:p>
@@ -1232,7 +1236,7 @@
           <a:p>
             <a:fld id="{D683890E-4472-4958-AE87-37F5298C508C}" type="datetimeFigureOut">
               <a:rPr lang="en-US" smtClean="0"/>
-              <a:t>3/5/2020</a:t>
+              <a:t>3/25/2022</a:t>
             </a:fld>
             <a:endParaRPr lang="en-US"/>
           </a:p>
@@ -1596,7 +1600,7 @@
           <a:p>
             <a:fld id="{D683890E-4472-4958-AE87-37F5298C508C}" type="datetimeFigureOut">
               <a:rPr lang="en-US" smtClean="0"/>
-              <a:t>3/5/2020</a:t>
+              <a:t>3/25/2022</a:t>
             </a:fld>
             <a:endParaRPr lang="en-US"/>
           </a:p>
@@ -1713,7 +1717,7 @@
           <a:p>
             <a:fld id="{D683890E-4472-4958-AE87-37F5298C508C}" type="datetimeFigureOut">
               <a:rPr lang="en-US" smtClean="0"/>
-              <a:t>3/5/2020</a:t>
+              <a:t>3/25/2022</a:t>
             </a:fld>
             <a:endParaRPr lang="en-US"/>
           </a:p>
@@ -1808,7 +1812,7 @@
           <a:p>
             <a:fld id="{D683890E-4472-4958-AE87-37F5298C508C}" type="datetimeFigureOut">
               <a:rPr lang="en-US" smtClean="0"/>
-              <a:t>3/5/2020</a:t>
+              <a:t>3/25/2022</a:t>
             </a:fld>
             <a:endParaRPr lang="en-US"/>
           </a:p>
@@ -2083,7 +2087,7 @@
           <a:p>
             <a:fld id="{D683890E-4472-4958-AE87-37F5298C508C}" type="datetimeFigureOut">
               <a:rPr lang="en-US" smtClean="0"/>
-              <a:t>3/5/2020</a:t>
+              <a:t>3/25/2022</a:t>
             </a:fld>
             <a:endParaRPr lang="en-US"/>
           </a:p>
@@ -2335,7 +2339,7 @@
           <a:p>
             <a:fld id="{D683890E-4472-4958-AE87-37F5298C508C}" type="datetimeFigureOut">
               <a:rPr lang="en-US" smtClean="0"/>
-              <a:t>3/5/2020</a:t>
+              <a:t>3/25/2022</a:t>
             </a:fld>
             <a:endParaRPr lang="en-US"/>
           </a:p>
@@ -2546,7 +2550,7 @@
           <a:p>
             <a:fld id="{D683890E-4472-4958-AE87-37F5298C508C}" type="datetimeFigureOut">
               <a:rPr lang="en-US" smtClean="0"/>
-              <a:t>3/5/2020</a:t>
+              <a:t>3/25/2022</a:t>
             </a:fld>
             <a:endParaRPr lang="en-US"/>
           </a:p>
@@ -2953,7 +2957,7 @@
       </p:grpSpPr>
       <p:pic>
         <p:nvPicPr>
-          <p:cNvPr id="2" name="Picture 1"/>
+          <p:cNvPr id="3" name="Picture 2"/>
           <p:cNvPicPr>
             <a:picLocks noChangeAspect="1"/>
           </p:cNvPicPr>
@@ -2973,8 +2977,8 @@
         </p:blipFill>
         <p:spPr>
           <a:xfrm>
-            <a:off x="2667000" y="0"/>
-            <a:ext cx="6858000" cy="6858000"/>
+            <a:off x="2862262" y="1414462"/>
+            <a:ext cx="6467475" cy="4029075"/>
           </a:xfrm>
           <a:prstGeom prst="rect">
             <a:avLst/>
@@ -3033,6 +3037,276 @@
         </p:blipFill>
         <p:spPr>
           <a:xfrm>
+            <a:off x="2186627" y="0"/>
+            <a:ext cx="7818745" cy="6858000"/>
+          </a:xfrm>
+          <a:prstGeom prst="rect">
+            <a:avLst/>
+          </a:prstGeom>
+        </p:spPr>
+      </p:pic>
+    </p:spTree>
+    <p:extLst>
+      <p:ext uri="{BB962C8B-B14F-4D97-AF65-F5344CB8AC3E}">
+        <p14:creationId xmlns:p14="http://schemas.microsoft.com/office/powerpoint/2010/main" val="3036929603"/>
+      </p:ext>
+    </p:extLst>
+  </p:cSld>
+  <p:clrMapOvr>
+    <a:masterClrMapping/>
+  </p:clrMapOvr>
+</p:sld>
+</file>
+
+<file path=ppt/slides/slide3.xml><?xml version="1.0" encoding="utf-8"?>
+<p:sld xmlns:a="http://schemas.openxmlformats.org/drawingml/2006/main" xmlns:r="http://schemas.openxmlformats.org/officeDocument/2006/relationships" xmlns:p="http://schemas.openxmlformats.org/presentationml/2006/main">
+  <p:cSld>
+    <p:spTree>
+      <p:nvGrpSpPr>
+        <p:cNvPr id="1" name=""/>
+        <p:cNvGrpSpPr/>
+        <p:nvPr/>
+      </p:nvGrpSpPr>
+      <p:grpSpPr>
+        <a:xfrm>
+          <a:off x="0" y="0"/>
+          <a:ext cx="0" cy="0"/>
+          <a:chOff x="0" y="0"/>
+          <a:chExt cx="0" cy="0"/>
+        </a:xfrm>
+      </p:grpSpPr>
+      <p:pic>
+        <p:nvPicPr>
+          <p:cNvPr id="2" name="Picture 1"/>
+          <p:cNvPicPr>
+            <a:picLocks noChangeAspect="1"/>
+          </p:cNvPicPr>
+          <p:nvPr/>
+        </p:nvPicPr>
+        <p:blipFill>
+          <a:blip r:embed="rId2">
+            <a:extLst>
+              <a:ext uri="{28A0092B-C50C-407E-A947-70E740481C1C}">
+                <a14:useLocalDpi xmlns:a14="http://schemas.microsoft.com/office/drawing/2010/main" val="0"/>
+              </a:ext>
+            </a:extLst>
+          </a:blip>
+          <a:stretch>
+            <a:fillRect/>
+          </a:stretch>
+        </p:blipFill>
+        <p:spPr>
+          <a:xfrm>
+            <a:off x="2862262" y="1857375"/>
+            <a:ext cx="6467475" cy="3143250"/>
+          </a:xfrm>
+          <a:prstGeom prst="rect">
+            <a:avLst/>
+          </a:prstGeom>
+        </p:spPr>
+      </p:pic>
+    </p:spTree>
+    <p:extLst>
+      <p:ext uri="{BB962C8B-B14F-4D97-AF65-F5344CB8AC3E}">
+        <p14:creationId xmlns:p14="http://schemas.microsoft.com/office/powerpoint/2010/main" val="3373474160"/>
+      </p:ext>
+    </p:extLst>
+  </p:cSld>
+  <p:clrMapOvr>
+    <a:masterClrMapping/>
+  </p:clrMapOvr>
+</p:sld>
+</file>
+
+<file path=ppt/slides/slide4.xml><?xml version="1.0" encoding="utf-8"?>
+<p:sld xmlns:a="http://schemas.openxmlformats.org/drawingml/2006/main" xmlns:r="http://schemas.openxmlformats.org/officeDocument/2006/relationships" xmlns:p="http://schemas.openxmlformats.org/presentationml/2006/main">
+  <p:cSld>
+    <p:spTree>
+      <p:nvGrpSpPr>
+        <p:cNvPr id="1" name=""/>
+        <p:cNvGrpSpPr/>
+        <p:nvPr/>
+      </p:nvGrpSpPr>
+      <p:grpSpPr>
+        <a:xfrm>
+          <a:off x="0" y="0"/>
+          <a:ext cx="0" cy="0"/>
+          <a:chOff x="0" y="0"/>
+          <a:chExt cx="0" cy="0"/>
+        </a:xfrm>
+      </p:grpSpPr>
+      <p:pic>
+        <p:nvPicPr>
+          <p:cNvPr id="2" name="Picture 1"/>
+          <p:cNvPicPr>
+            <a:picLocks noChangeAspect="1"/>
+          </p:cNvPicPr>
+          <p:nvPr/>
+        </p:nvPicPr>
+        <p:blipFill>
+          <a:blip r:embed="rId2">
+            <a:extLst>
+              <a:ext uri="{28A0092B-C50C-407E-A947-70E740481C1C}">
+                <a14:useLocalDpi xmlns:a14="http://schemas.microsoft.com/office/drawing/2010/main" val="0"/>
+              </a:ext>
+            </a:extLst>
+          </a:blip>
+          <a:stretch>
+            <a:fillRect/>
+          </a:stretch>
+        </p:blipFill>
+        <p:spPr>
+          <a:xfrm>
+            <a:off x="3514195" y="3437996"/>
+            <a:ext cx="4207405" cy="2621108"/>
+          </a:xfrm>
+          <a:prstGeom prst="rect">
+            <a:avLst/>
+          </a:prstGeom>
+        </p:spPr>
+      </p:pic>
+      <p:pic>
+        <p:nvPicPr>
+          <p:cNvPr id="3" name="Picture 2"/>
+          <p:cNvPicPr>
+            <a:picLocks noChangeAspect="1"/>
+          </p:cNvPicPr>
+          <p:nvPr/>
+        </p:nvPicPr>
+        <p:blipFill>
+          <a:blip r:embed="rId3">
+            <a:extLst>
+              <a:ext uri="{28A0092B-C50C-407E-A947-70E740481C1C}">
+                <a14:useLocalDpi xmlns:a14="http://schemas.microsoft.com/office/drawing/2010/main" val="0"/>
+              </a:ext>
+            </a:extLst>
+          </a:blip>
+          <a:stretch>
+            <a:fillRect/>
+          </a:stretch>
+        </p:blipFill>
+        <p:spPr>
+          <a:xfrm>
+            <a:off x="3437996" y="939799"/>
+            <a:ext cx="4331248" cy="2105025"/>
+          </a:xfrm>
+          <a:prstGeom prst="rect">
+            <a:avLst/>
+          </a:prstGeom>
+        </p:spPr>
+      </p:pic>
+    </p:spTree>
+    <p:extLst>
+      <p:ext uri="{BB962C8B-B14F-4D97-AF65-F5344CB8AC3E}">
+        <p14:creationId xmlns:p14="http://schemas.microsoft.com/office/powerpoint/2010/main" val="2611904194"/>
+      </p:ext>
+    </p:extLst>
+  </p:cSld>
+  <p:clrMapOvr>
+    <a:masterClrMapping/>
+  </p:clrMapOvr>
+</p:sld>
+</file>
+
+<file path=ppt/slides/slide5.xml><?xml version="1.0" encoding="utf-8"?>
+<p:sld xmlns:a="http://schemas.openxmlformats.org/drawingml/2006/main" xmlns:r="http://schemas.openxmlformats.org/officeDocument/2006/relationships" xmlns:p="http://schemas.openxmlformats.org/presentationml/2006/main">
+  <p:cSld>
+    <p:spTree>
+      <p:nvGrpSpPr>
+        <p:cNvPr id="1" name=""/>
+        <p:cNvGrpSpPr/>
+        <p:nvPr/>
+      </p:nvGrpSpPr>
+      <p:grpSpPr>
+        <a:xfrm>
+          <a:off x="0" y="0"/>
+          <a:ext cx="0" cy="0"/>
+          <a:chOff x="0" y="0"/>
+          <a:chExt cx="0" cy="0"/>
+        </a:xfrm>
+      </p:grpSpPr>
+      <p:pic>
+        <p:nvPicPr>
+          <p:cNvPr id="2" name="Picture 1"/>
+          <p:cNvPicPr>
+            <a:picLocks noChangeAspect="1"/>
+          </p:cNvPicPr>
+          <p:nvPr/>
+        </p:nvPicPr>
+        <p:blipFill>
+          <a:blip r:embed="rId2">
+            <a:extLst>
+              <a:ext uri="{28A0092B-C50C-407E-A947-70E740481C1C}">
+                <a14:useLocalDpi xmlns:a14="http://schemas.microsoft.com/office/drawing/2010/main" val="0"/>
+              </a:ext>
+            </a:extLst>
+          </a:blip>
+          <a:stretch>
+            <a:fillRect/>
+          </a:stretch>
+        </p:blipFill>
+        <p:spPr>
+          <a:xfrm>
+            <a:off x="2667000" y="0"/>
+            <a:ext cx="6858000" cy="6858000"/>
+          </a:xfrm>
+          <a:prstGeom prst="rect">
+            <a:avLst/>
+          </a:prstGeom>
+        </p:spPr>
+      </p:pic>
+    </p:spTree>
+    <p:extLst>
+      <p:ext uri="{BB962C8B-B14F-4D97-AF65-F5344CB8AC3E}">
+        <p14:creationId xmlns:p14="http://schemas.microsoft.com/office/powerpoint/2010/main" val="3582417615"/>
+      </p:ext>
+    </p:extLst>
+  </p:cSld>
+  <p:clrMapOvr>
+    <a:masterClrMapping/>
+  </p:clrMapOvr>
+</p:sld>
+</file>
+
+<file path=ppt/slides/slide6.xml><?xml version="1.0" encoding="utf-8"?>
+<p:sld xmlns:a="http://schemas.openxmlformats.org/drawingml/2006/main" xmlns:r="http://schemas.openxmlformats.org/officeDocument/2006/relationships" xmlns:p="http://schemas.openxmlformats.org/presentationml/2006/main">
+  <p:cSld>
+    <p:spTree>
+      <p:nvGrpSpPr>
+        <p:cNvPr id="1" name=""/>
+        <p:cNvGrpSpPr/>
+        <p:nvPr/>
+      </p:nvGrpSpPr>
+      <p:grpSpPr>
+        <a:xfrm>
+          <a:off x="0" y="0"/>
+          <a:ext cx="0" cy="0"/>
+          <a:chOff x="0" y="0"/>
+          <a:chExt cx="0" cy="0"/>
+        </a:xfrm>
+      </p:grpSpPr>
+      <p:pic>
+        <p:nvPicPr>
+          <p:cNvPr id="2" name="Picture 1"/>
+          <p:cNvPicPr>
+            <a:picLocks noChangeAspect="1"/>
+          </p:cNvPicPr>
+          <p:nvPr/>
+        </p:nvPicPr>
+        <p:blipFill>
+          <a:blip r:embed="rId2">
+            <a:extLst>
+              <a:ext uri="{28A0092B-C50C-407E-A947-70E740481C1C}">
+                <a14:useLocalDpi xmlns:a14="http://schemas.microsoft.com/office/drawing/2010/main" val="0"/>
+              </a:ext>
+            </a:extLst>
+          </a:blip>
+          <a:stretch>
+            <a:fillRect/>
+          </a:stretch>
+        </p:blipFill>
+        <p:spPr>
+          <a:xfrm>
             <a:off x="2648484" y="-121298"/>
             <a:ext cx="6858000" cy="6858000"/>
           </a:xfrm>
@@ -3107,15 +3381,7 @@
                   <a:srgbClr val="FF0000"/>
                 </a:solidFill>
               </a:rPr>
-              <a:t>Limelight </a:t>
-            </a:r>
-            <a:r>
-              <a:rPr lang="en-US" b="1" dirty="0" smtClean="0">
-                <a:solidFill>
-                  <a:srgbClr val="FF0000"/>
-                </a:solidFill>
-              </a:rPr>
-              <a:t>driving</a:t>
+              <a:t>Limelight driving</a:t>
             </a:r>
             <a:endParaRPr lang="en-US" b="1" dirty="0">
               <a:solidFill>
@@ -3602,15 +3868,7 @@
                   <a:srgbClr val="FF0000"/>
                 </a:solidFill>
               </a:rPr>
-              <a:t>Intake Arm </a:t>
-            </a:r>
-            <a:r>
-              <a:rPr lang="en-US" b="1" dirty="0" smtClean="0">
-                <a:solidFill>
-                  <a:srgbClr val="FF0000"/>
-                </a:solidFill>
-              </a:rPr>
-              <a:t>up</a:t>
+              <a:t>Intake Arm up</a:t>
             </a:r>
             <a:endParaRPr lang="en-US" b="1" dirty="0">
               <a:solidFill>
@@ -4329,15 +4587,7 @@
                   <a:srgbClr val="FF0000"/>
                 </a:solidFill>
               </a:rPr>
-              <a:t>Camera</a:t>
-            </a:r>
-            <a:r>
-              <a:rPr lang="en-US" b="1" dirty="0" smtClean="0">
-                <a:solidFill>
-                  <a:srgbClr val="FF0000"/>
-                </a:solidFill>
-              </a:rPr>
-              <a:t> </a:t>
+              <a:t>Camera </a:t>
             </a:r>
             <a:endParaRPr lang="en-US" b="1" dirty="0">
               <a:solidFill>
@@ -4500,7 +4750,7 @@
 </p:sld>
 </file>
 
-<file path=ppt/slides/slide3.xml><?xml version="1.0" encoding="utf-8"?>
+<file path=ppt/slides/slide7.xml><?xml version="1.0" encoding="utf-8"?>
 <p:sld xmlns:a="http://schemas.openxmlformats.org/drawingml/2006/main" xmlns:r="http://schemas.openxmlformats.org/officeDocument/2006/relationships" xmlns:p="http://schemas.openxmlformats.org/presentationml/2006/main">
   <p:cSld>
     <p:spTree>
@@ -4955,11 +5205,7 @@
           <a:p>
             <a:r>
               <a:rPr lang="en-US" b="1" dirty="0" smtClean="0"/>
-              <a:t>Climb </a:t>
-            </a:r>
-            <a:r>
-              <a:rPr lang="en-US" b="1" dirty="0" smtClean="0"/>
-              <a:t>motor safety</a:t>
+              <a:t>Climb motor safety</a:t>
             </a:r>
             <a:endParaRPr lang="en-US" b="1" dirty="0"/>
           </a:p>
@@ -5029,33 +5275,17 @@
                   <a:srgbClr val="FF0000"/>
                 </a:solidFill>
               </a:rPr>
-              <a:t>Intake Arm </a:t>
-            </a:r>
+              <a:t>Intake Arm up</a:t>
+            </a:r>
+          </a:p>
+          <a:p>
             <a:r>
               <a:rPr lang="en-US" b="1" dirty="0" smtClean="0">
                 <a:solidFill>
                   <a:srgbClr val="FF0000"/>
                 </a:solidFill>
               </a:rPr>
-              <a:t>up</a:t>
-            </a:r>
-          </a:p>
-          <a:p>
-            <a:r>
-              <a:rPr lang="en-US" b="1" dirty="0" smtClean="0">
-                <a:solidFill>
-                  <a:srgbClr val="FF0000"/>
-                </a:solidFill>
-              </a:rPr>
-              <a:t>Limelight LED OFF</a:t>
-            </a:r>
-            <a:r>
-              <a:rPr lang="en-US" b="1" dirty="0" smtClean="0">
-                <a:solidFill>
-                  <a:srgbClr val="FF0000"/>
-                </a:solidFill>
-              </a:rPr>
-              <a:t> </a:t>
+              <a:t>Limelight LED OFF </a:t>
             </a:r>
             <a:endParaRPr lang="en-US" b="1" dirty="0">
               <a:solidFill>
@@ -5317,15 +5547,7 @@
                   <a:srgbClr val="FF0000"/>
                 </a:solidFill>
               </a:rPr>
-              <a:t>Control Panel Color </a:t>
-            </a:r>
-            <a:r>
-              <a:rPr lang="en-US" b="1" dirty="0" smtClean="0">
-                <a:solidFill>
-                  <a:srgbClr val="FF0000"/>
-                </a:solidFill>
-              </a:rPr>
-              <a:t>Match</a:t>
+              <a:t>Control Panel Color Match</a:t>
             </a:r>
             <a:endParaRPr lang="en-US" b="1" dirty="0">
               <a:solidFill>
@@ -5773,7 +5995,7 @@
 </p:sld>
 </file>
 
-<file path=ppt/slides/slide4.xml><?xml version="1.0" encoding="utf-8"?>
+<file path=ppt/slides/slide8.xml><?xml version="1.0" encoding="utf-8"?>
 <p:sld xmlns:a="http://schemas.openxmlformats.org/drawingml/2006/main" xmlns:r="http://schemas.openxmlformats.org/officeDocument/2006/relationships" xmlns:p="http://schemas.openxmlformats.org/presentationml/2006/main">
   <p:cSld>
     <p:spTree>

--- a/2022 Joystick.pptx
+++ b/2022 Joystick.pptx
@@ -8,11 +8,13 @@
     <p:sldId id="268" r:id="rId2"/>
     <p:sldId id="273" r:id="rId3"/>
     <p:sldId id="275" r:id="rId4"/>
-    <p:sldId id="274" r:id="rId5"/>
-    <p:sldId id="272" r:id="rId6"/>
-    <p:sldId id="269" r:id="rId7"/>
-    <p:sldId id="270" r:id="rId8"/>
-    <p:sldId id="271" r:id="rId9"/>
+    <p:sldId id="278" r:id="rId5"/>
+    <p:sldId id="279" r:id="rId6"/>
+    <p:sldId id="277" r:id="rId7"/>
+    <p:sldId id="272" r:id="rId8"/>
+    <p:sldId id="269" r:id="rId9"/>
+    <p:sldId id="270" r:id="rId10"/>
+    <p:sldId id="271" r:id="rId11"/>
   </p:sldIdLst>
   <p:sldSz cx="12192000" cy="6858000"/>
   <p:notesSz cx="6858000" cy="9144000"/>
@@ -248,7 +250,7 @@
           <a:p>
             <a:fld id="{D683890E-4472-4958-AE87-37F5298C508C}" type="datetimeFigureOut">
               <a:rPr lang="en-US" smtClean="0"/>
-              <a:t>3/25/2022</a:t>
+              <a:t>3/26/2022</a:t>
             </a:fld>
             <a:endParaRPr lang="en-US"/>
           </a:p>
@@ -416,7 +418,7 @@
           <a:p>
             <a:fld id="{D683890E-4472-4958-AE87-37F5298C508C}" type="datetimeFigureOut">
               <a:rPr lang="en-US" smtClean="0"/>
-              <a:t>3/25/2022</a:t>
+              <a:t>3/26/2022</a:t>
             </a:fld>
             <a:endParaRPr lang="en-US"/>
           </a:p>
@@ -594,7 +596,7 @@
           <a:p>
             <a:fld id="{D683890E-4472-4958-AE87-37F5298C508C}" type="datetimeFigureOut">
               <a:rPr lang="en-US" smtClean="0"/>
-              <a:t>3/25/2022</a:t>
+              <a:t>3/26/2022</a:t>
             </a:fld>
             <a:endParaRPr lang="en-US"/>
           </a:p>
@@ -762,7 +764,7 @@
           <a:p>
             <a:fld id="{D683890E-4472-4958-AE87-37F5298C508C}" type="datetimeFigureOut">
               <a:rPr lang="en-US" smtClean="0"/>
-              <a:t>3/25/2022</a:t>
+              <a:t>3/26/2022</a:t>
             </a:fld>
             <a:endParaRPr lang="en-US"/>
           </a:p>
@@ -1007,7 +1009,7 @@
           <a:p>
             <a:fld id="{D683890E-4472-4958-AE87-37F5298C508C}" type="datetimeFigureOut">
               <a:rPr lang="en-US" smtClean="0"/>
-              <a:t>3/25/2022</a:t>
+              <a:t>3/26/2022</a:t>
             </a:fld>
             <a:endParaRPr lang="en-US"/>
           </a:p>
@@ -1236,7 +1238,7 @@
           <a:p>
             <a:fld id="{D683890E-4472-4958-AE87-37F5298C508C}" type="datetimeFigureOut">
               <a:rPr lang="en-US" smtClean="0"/>
-              <a:t>3/25/2022</a:t>
+              <a:t>3/26/2022</a:t>
             </a:fld>
             <a:endParaRPr lang="en-US"/>
           </a:p>
@@ -1600,7 +1602,7 @@
           <a:p>
             <a:fld id="{D683890E-4472-4958-AE87-37F5298C508C}" type="datetimeFigureOut">
               <a:rPr lang="en-US" smtClean="0"/>
-              <a:t>3/25/2022</a:t>
+              <a:t>3/26/2022</a:t>
             </a:fld>
             <a:endParaRPr lang="en-US"/>
           </a:p>
@@ -1717,7 +1719,7 @@
           <a:p>
             <a:fld id="{D683890E-4472-4958-AE87-37F5298C508C}" type="datetimeFigureOut">
               <a:rPr lang="en-US" smtClean="0"/>
-              <a:t>3/25/2022</a:t>
+              <a:t>3/26/2022</a:t>
             </a:fld>
             <a:endParaRPr lang="en-US"/>
           </a:p>
@@ -1812,7 +1814,7 @@
           <a:p>
             <a:fld id="{D683890E-4472-4958-AE87-37F5298C508C}" type="datetimeFigureOut">
               <a:rPr lang="en-US" smtClean="0"/>
-              <a:t>3/25/2022</a:t>
+              <a:t>3/26/2022</a:t>
             </a:fld>
             <a:endParaRPr lang="en-US"/>
           </a:p>
@@ -2087,7 +2089,7 @@
           <a:p>
             <a:fld id="{D683890E-4472-4958-AE87-37F5298C508C}" type="datetimeFigureOut">
               <a:rPr lang="en-US" smtClean="0"/>
-              <a:t>3/25/2022</a:t>
+              <a:t>3/26/2022</a:t>
             </a:fld>
             <a:endParaRPr lang="en-US"/>
           </a:p>
@@ -2339,7 +2341,7 @@
           <a:p>
             <a:fld id="{D683890E-4472-4958-AE87-37F5298C508C}" type="datetimeFigureOut">
               <a:rPr lang="en-US" smtClean="0"/>
-              <a:t>3/25/2022</a:t>
+              <a:t>3/26/2022</a:t>
             </a:fld>
             <a:endParaRPr lang="en-US"/>
           </a:p>
@@ -2550,7 +2552,7 @@
           <a:p>
             <a:fld id="{D683890E-4472-4958-AE87-37F5298C508C}" type="datetimeFigureOut">
               <a:rPr lang="en-US" smtClean="0"/>
-              <a:t>3/25/2022</a:t>
+              <a:t>3/26/2022</a:t>
             </a:fld>
             <a:endParaRPr lang="en-US"/>
           </a:p>
@@ -2998,6 +3000,898 @@
 </p:sld>
 </file>
 
+<file path=ppt/slides/slide10.xml><?xml version="1.0" encoding="utf-8"?>
+<p:sld xmlns:a="http://schemas.openxmlformats.org/drawingml/2006/main" xmlns:r="http://schemas.openxmlformats.org/officeDocument/2006/relationships" xmlns:p="http://schemas.openxmlformats.org/presentationml/2006/main">
+  <p:cSld>
+    <p:spTree>
+      <p:nvGrpSpPr>
+        <p:cNvPr id="1" name=""/>
+        <p:cNvGrpSpPr/>
+        <p:nvPr/>
+      </p:nvGrpSpPr>
+      <p:grpSpPr>
+        <a:xfrm>
+          <a:off x="0" y="0"/>
+          <a:ext cx="0" cy="0"/>
+          <a:chOff x="0" y="0"/>
+          <a:chExt cx="0" cy="0"/>
+        </a:xfrm>
+      </p:grpSpPr>
+      <p:pic>
+        <p:nvPicPr>
+          <p:cNvPr id="2" name="Picture 1"/>
+          <p:cNvPicPr>
+            <a:picLocks noChangeAspect="1"/>
+          </p:cNvPicPr>
+          <p:nvPr/>
+        </p:nvPicPr>
+        <p:blipFill>
+          <a:blip r:embed="rId2">
+            <a:extLst>
+              <a:ext uri="{28A0092B-C50C-407E-A947-70E740481C1C}">
+                <a14:useLocalDpi xmlns:a14="http://schemas.microsoft.com/office/drawing/2010/main" val="0"/>
+              </a:ext>
+            </a:extLst>
+          </a:blip>
+          <a:stretch>
+            <a:fillRect/>
+          </a:stretch>
+        </p:blipFill>
+        <p:spPr>
+          <a:xfrm>
+            <a:off x="2667000" y="0"/>
+            <a:ext cx="6858000" cy="6858000"/>
+          </a:xfrm>
+          <a:prstGeom prst="rect">
+            <a:avLst/>
+          </a:prstGeom>
+        </p:spPr>
+      </p:pic>
+      <p:cxnSp>
+        <p:nvCxnSpPr>
+          <p:cNvPr id="6" name="Straight Arrow Connector 5"/>
+          <p:cNvCxnSpPr/>
+          <p:nvPr/>
+        </p:nvCxnSpPr>
+        <p:spPr>
+          <a:xfrm flipH="1">
+            <a:off x="7277878" y="3023118"/>
+            <a:ext cx="1548881" cy="569168"/>
+          </a:xfrm>
+          <a:prstGeom prst="straightConnector1">
+            <a:avLst/>
+          </a:prstGeom>
+          <a:ln w="38100">
+            <a:solidFill>
+              <a:srgbClr val="FF0000"/>
+            </a:solidFill>
+            <a:tailEnd type="triangle"/>
+          </a:ln>
+        </p:spPr>
+        <p:style>
+          <a:lnRef idx="1">
+            <a:schemeClr val="accent1"/>
+          </a:lnRef>
+          <a:fillRef idx="0">
+            <a:schemeClr val="accent1"/>
+          </a:fillRef>
+          <a:effectRef idx="0">
+            <a:schemeClr val="accent1"/>
+          </a:effectRef>
+          <a:fontRef idx="minor">
+            <a:schemeClr val="tx1"/>
+          </a:fontRef>
+        </p:style>
+      </p:cxnSp>
+      <p:sp>
+        <p:nvSpPr>
+          <p:cNvPr id="8" name="TextBox 7"/>
+          <p:cNvSpPr txBox="1"/>
+          <p:nvPr/>
+        </p:nvSpPr>
+        <p:spPr>
+          <a:xfrm>
+            <a:off x="8826759" y="2745393"/>
+            <a:ext cx="2258008" cy="369332"/>
+          </a:xfrm>
+          <a:prstGeom prst="rect">
+            <a:avLst/>
+          </a:prstGeom>
+          <a:noFill/>
+        </p:spPr>
+        <p:txBody>
+          <a:bodyPr wrap="square" rtlCol="0">
+            <a:spAutoFit/>
+          </a:bodyPr>
+          <a:lstStyle/>
+          <a:p>
+            <a:r>
+              <a:rPr lang="en-US" b="1" dirty="0">
+                <a:solidFill>
+                  <a:srgbClr val="FF0000"/>
+                </a:solidFill>
+              </a:rPr>
+              <a:t>Button 0</a:t>
+            </a:r>
+          </a:p>
+        </p:txBody>
+      </p:sp>
+      <p:sp>
+        <p:nvSpPr>
+          <p:cNvPr id="9" name="TextBox 8"/>
+          <p:cNvSpPr txBox="1"/>
+          <p:nvPr/>
+        </p:nvSpPr>
+        <p:spPr>
+          <a:xfrm>
+            <a:off x="8826759" y="3307702"/>
+            <a:ext cx="2258008" cy="369332"/>
+          </a:xfrm>
+          <a:prstGeom prst="rect">
+            <a:avLst/>
+          </a:prstGeom>
+          <a:noFill/>
+        </p:spPr>
+        <p:txBody>
+          <a:bodyPr wrap="square" rtlCol="0">
+            <a:spAutoFit/>
+          </a:bodyPr>
+          <a:lstStyle/>
+          <a:p>
+            <a:r>
+              <a:rPr lang="en-US" b="1" dirty="0">
+                <a:solidFill>
+                  <a:srgbClr val="FF0000"/>
+                </a:solidFill>
+              </a:rPr>
+              <a:t>Button 1</a:t>
+            </a:r>
+          </a:p>
+        </p:txBody>
+      </p:sp>
+      <p:sp>
+        <p:nvSpPr>
+          <p:cNvPr id="10" name="TextBox 9"/>
+          <p:cNvSpPr txBox="1"/>
+          <p:nvPr/>
+        </p:nvSpPr>
+        <p:spPr>
+          <a:xfrm>
+            <a:off x="8826759" y="3963639"/>
+            <a:ext cx="2258008" cy="369332"/>
+          </a:xfrm>
+          <a:prstGeom prst="rect">
+            <a:avLst/>
+          </a:prstGeom>
+          <a:noFill/>
+        </p:spPr>
+        <p:txBody>
+          <a:bodyPr wrap="square" rtlCol="0">
+            <a:spAutoFit/>
+          </a:bodyPr>
+          <a:lstStyle/>
+          <a:p>
+            <a:r>
+              <a:rPr lang="en-US" b="1" dirty="0">
+                <a:solidFill>
+                  <a:srgbClr val="FF0000"/>
+                </a:solidFill>
+              </a:rPr>
+              <a:t>Button 3</a:t>
+            </a:r>
+          </a:p>
+        </p:txBody>
+      </p:sp>
+      <p:sp>
+        <p:nvSpPr>
+          <p:cNvPr id="11" name="TextBox 10"/>
+          <p:cNvSpPr txBox="1"/>
+          <p:nvPr/>
+        </p:nvSpPr>
+        <p:spPr>
+          <a:xfrm>
+            <a:off x="8826759" y="4615561"/>
+            <a:ext cx="2258008" cy="369332"/>
+          </a:xfrm>
+          <a:prstGeom prst="rect">
+            <a:avLst/>
+          </a:prstGeom>
+          <a:noFill/>
+        </p:spPr>
+        <p:txBody>
+          <a:bodyPr wrap="square" rtlCol="0">
+            <a:spAutoFit/>
+          </a:bodyPr>
+          <a:lstStyle/>
+          <a:p>
+            <a:r>
+              <a:rPr lang="en-US" b="1" dirty="0">
+                <a:solidFill>
+                  <a:srgbClr val="FF0000"/>
+                </a:solidFill>
+              </a:rPr>
+              <a:t>Button 2</a:t>
+            </a:r>
+          </a:p>
+        </p:txBody>
+      </p:sp>
+      <p:cxnSp>
+        <p:nvCxnSpPr>
+          <p:cNvPr id="12" name="Straight Arrow Connector 11"/>
+          <p:cNvCxnSpPr/>
+          <p:nvPr/>
+        </p:nvCxnSpPr>
+        <p:spPr>
+          <a:xfrm flipH="1" flipV="1">
+            <a:off x="6679361" y="4106056"/>
+            <a:ext cx="2147398" cy="24807"/>
+          </a:xfrm>
+          <a:prstGeom prst="straightConnector1">
+            <a:avLst/>
+          </a:prstGeom>
+          <a:ln w="38100">
+            <a:solidFill>
+              <a:srgbClr val="FF0000"/>
+            </a:solidFill>
+            <a:tailEnd type="triangle"/>
+          </a:ln>
+        </p:spPr>
+        <p:style>
+          <a:lnRef idx="1">
+            <a:schemeClr val="accent1"/>
+          </a:lnRef>
+          <a:fillRef idx="0">
+            <a:schemeClr val="accent1"/>
+          </a:fillRef>
+          <a:effectRef idx="0">
+            <a:schemeClr val="accent1"/>
+          </a:effectRef>
+          <a:fontRef idx="minor">
+            <a:schemeClr val="tx1"/>
+          </a:fontRef>
+        </p:style>
+      </p:cxnSp>
+      <p:cxnSp>
+        <p:nvCxnSpPr>
+          <p:cNvPr id="13" name="Straight Arrow Connector 12"/>
+          <p:cNvCxnSpPr/>
+          <p:nvPr/>
+        </p:nvCxnSpPr>
+        <p:spPr>
+          <a:xfrm flipH="1">
+            <a:off x="7555755" y="3502099"/>
+            <a:ext cx="1177698" cy="484326"/>
+          </a:xfrm>
+          <a:prstGeom prst="straightConnector1">
+            <a:avLst/>
+          </a:prstGeom>
+          <a:ln w="38100">
+            <a:solidFill>
+              <a:srgbClr val="FF0000"/>
+            </a:solidFill>
+            <a:tailEnd type="triangle"/>
+          </a:ln>
+        </p:spPr>
+        <p:style>
+          <a:lnRef idx="1">
+            <a:schemeClr val="accent1"/>
+          </a:lnRef>
+          <a:fillRef idx="0">
+            <a:schemeClr val="accent1"/>
+          </a:fillRef>
+          <a:effectRef idx="0">
+            <a:schemeClr val="accent1"/>
+          </a:effectRef>
+          <a:fontRef idx="minor">
+            <a:schemeClr val="tx1"/>
+          </a:fontRef>
+        </p:style>
+      </p:cxnSp>
+      <p:cxnSp>
+        <p:nvCxnSpPr>
+          <p:cNvPr id="14" name="Straight Arrow Connector 13"/>
+          <p:cNvCxnSpPr/>
+          <p:nvPr/>
+        </p:nvCxnSpPr>
+        <p:spPr>
+          <a:xfrm flipH="1" flipV="1">
+            <a:off x="7033925" y="4535078"/>
+            <a:ext cx="1792834" cy="224933"/>
+          </a:xfrm>
+          <a:prstGeom prst="straightConnector1">
+            <a:avLst/>
+          </a:prstGeom>
+          <a:ln w="38100">
+            <a:solidFill>
+              <a:srgbClr val="FF0000"/>
+            </a:solidFill>
+            <a:tailEnd type="triangle"/>
+          </a:ln>
+        </p:spPr>
+        <p:style>
+          <a:lnRef idx="1">
+            <a:schemeClr val="accent1"/>
+          </a:lnRef>
+          <a:fillRef idx="0">
+            <a:schemeClr val="accent1"/>
+          </a:fillRef>
+          <a:effectRef idx="0">
+            <a:schemeClr val="accent1"/>
+          </a:effectRef>
+          <a:fontRef idx="minor">
+            <a:schemeClr val="tx1"/>
+          </a:fontRef>
+        </p:style>
+      </p:cxnSp>
+      <p:sp>
+        <p:nvSpPr>
+          <p:cNvPr id="18" name="TextBox 17"/>
+          <p:cNvSpPr txBox="1"/>
+          <p:nvPr/>
+        </p:nvSpPr>
+        <p:spPr>
+          <a:xfrm>
+            <a:off x="9321282" y="755872"/>
+            <a:ext cx="2258008" cy="369332"/>
+          </a:xfrm>
+          <a:prstGeom prst="rect">
+            <a:avLst/>
+          </a:prstGeom>
+          <a:noFill/>
+        </p:spPr>
+        <p:txBody>
+          <a:bodyPr wrap="square" rtlCol="0">
+            <a:spAutoFit/>
+          </a:bodyPr>
+          <a:lstStyle/>
+          <a:p>
+            <a:r>
+              <a:rPr lang="en-US" b="1" dirty="0">
+                <a:solidFill>
+                  <a:srgbClr val="FF0000"/>
+                </a:solidFill>
+              </a:rPr>
+              <a:t>Button 4</a:t>
+            </a:r>
+          </a:p>
+        </p:txBody>
+      </p:sp>
+      <p:cxnSp>
+        <p:nvCxnSpPr>
+          <p:cNvPr id="19" name="Straight Arrow Connector 18"/>
+          <p:cNvCxnSpPr/>
+          <p:nvPr/>
+        </p:nvCxnSpPr>
+        <p:spPr>
+          <a:xfrm flipH="1">
+            <a:off x="8050278" y="950269"/>
+            <a:ext cx="1177698" cy="484326"/>
+          </a:xfrm>
+          <a:prstGeom prst="straightConnector1">
+            <a:avLst/>
+          </a:prstGeom>
+          <a:ln w="38100">
+            <a:solidFill>
+              <a:srgbClr val="FF0000"/>
+            </a:solidFill>
+            <a:tailEnd type="triangle"/>
+          </a:ln>
+        </p:spPr>
+        <p:style>
+          <a:lnRef idx="1">
+            <a:schemeClr val="accent1"/>
+          </a:lnRef>
+          <a:fillRef idx="0">
+            <a:schemeClr val="accent1"/>
+          </a:fillRef>
+          <a:effectRef idx="0">
+            <a:schemeClr val="accent1"/>
+          </a:effectRef>
+          <a:fontRef idx="minor">
+            <a:schemeClr val="tx1"/>
+          </a:fontRef>
+        </p:style>
+      </p:cxnSp>
+      <p:sp>
+        <p:nvSpPr>
+          <p:cNvPr id="20" name="TextBox 19"/>
+          <p:cNvSpPr txBox="1"/>
+          <p:nvPr/>
+        </p:nvSpPr>
+        <p:spPr>
+          <a:xfrm>
+            <a:off x="9321282" y="1540895"/>
+            <a:ext cx="2528596" cy="369332"/>
+          </a:xfrm>
+          <a:prstGeom prst="rect">
+            <a:avLst/>
+          </a:prstGeom>
+          <a:noFill/>
+        </p:spPr>
+        <p:txBody>
+          <a:bodyPr wrap="square" rtlCol="0">
+            <a:spAutoFit/>
+          </a:bodyPr>
+          <a:lstStyle/>
+          <a:p>
+            <a:r>
+              <a:rPr lang="en-US" b="1" dirty="0">
+                <a:solidFill>
+                  <a:srgbClr val="FF0000"/>
+                </a:solidFill>
+              </a:rPr>
+              <a:t>Button 6</a:t>
+            </a:r>
+          </a:p>
+        </p:txBody>
+      </p:sp>
+      <p:cxnSp>
+        <p:nvCxnSpPr>
+          <p:cNvPr id="21" name="Straight Arrow Connector 20"/>
+          <p:cNvCxnSpPr/>
+          <p:nvPr/>
+        </p:nvCxnSpPr>
+        <p:spPr>
+          <a:xfrm flipH="1">
+            <a:off x="8050278" y="1735292"/>
+            <a:ext cx="1177698" cy="484326"/>
+          </a:xfrm>
+          <a:prstGeom prst="straightConnector1">
+            <a:avLst/>
+          </a:prstGeom>
+          <a:ln w="38100">
+            <a:solidFill>
+              <a:srgbClr val="FF0000"/>
+            </a:solidFill>
+            <a:tailEnd type="triangle"/>
+          </a:ln>
+        </p:spPr>
+        <p:style>
+          <a:lnRef idx="1">
+            <a:schemeClr val="accent1"/>
+          </a:lnRef>
+          <a:fillRef idx="0">
+            <a:schemeClr val="accent1"/>
+          </a:fillRef>
+          <a:effectRef idx="0">
+            <a:schemeClr val="accent1"/>
+          </a:effectRef>
+          <a:fontRef idx="minor">
+            <a:schemeClr val="tx1"/>
+          </a:fontRef>
+        </p:style>
+      </p:cxnSp>
+      <p:sp>
+        <p:nvSpPr>
+          <p:cNvPr id="22" name="TextBox 21"/>
+          <p:cNvSpPr txBox="1"/>
+          <p:nvPr/>
+        </p:nvSpPr>
+        <p:spPr>
+          <a:xfrm>
+            <a:off x="2006082" y="950269"/>
+            <a:ext cx="1035698" cy="369332"/>
+          </a:xfrm>
+          <a:prstGeom prst="rect">
+            <a:avLst/>
+          </a:prstGeom>
+          <a:noFill/>
+        </p:spPr>
+        <p:txBody>
+          <a:bodyPr wrap="square" rtlCol="0">
+            <a:spAutoFit/>
+          </a:bodyPr>
+          <a:lstStyle/>
+          <a:p>
+            <a:r>
+              <a:rPr lang="en-US" b="1" dirty="0">
+                <a:solidFill>
+                  <a:srgbClr val="FF0000"/>
+                </a:solidFill>
+              </a:rPr>
+              <a:t>Button 5</a:t>
+            </a:r>
+          </a:p>
+        </p:txBody>
+      </p:sp>
+      <p:cxnSp>
+        <p:nvCxnSpPr>
+          <p:cNvPr id="23" name="Straight Arrow Connector 22"/>
+          <p:cNvCxnSpPr/>
+          <p:nvPr/>
+        </p:nvCxnSpPr>
+        <p:spPr>
+          <a:xfrm>
+            <a:off x="3041780" y="1125204"/>
+            <a:ext cx="1185814" cy="174935"/>
+          </a:xfrm>
+          <a:prstGeom prst="straightConnector1">
+            <a:avLst/>
+          </a:prstGeom>
+          <a:ln w="38100">
+            <a:solidFill>
+              <a:srgbClr val="FF0000"/>
+            </a:solidFill>
+            <a:tailEnd type="triangle"/>
+          </a:ln>
+        </p:spPr>
+        <p:style>
+          <a:lnRef idx="1">
+            <a:schemeClr val="accent1"/>
+          </a:lnRef>
+          <a:fillRef idx="0">
+            <a:schemeClr val="accent1"/>
+          </a:fillRef>
+          <a:effectRef idx="0">
+            <a:schemeClr val="accent1"/>
+          </a:effectRef>
+          <a:fontRef idx="minor">
+            <a:schemeClr val="tx1"/>
+          </a:fontRef>
+        </p:style>
+      </p:cxnSp>
+      <p:sp>
+        <p:nvSpPr>
+          <p:cNvPr id="24" name="TextBox 23"/>
+          <p:cNvSpPr txBox="1"/>
+          <p:nvPr/>
+        </p:nvSpPr>
+        <p:spPr>
+          <a:xfrm>
+            <a:off x="2006082" y="1753351"/>
+            <a:ext cx="1206759" cy="369332"/>
+          </a:xfrm>
+          <a:prstGeom prst="rect">
+            <a:avLst/>
+          </a:prstGeom>
+          <a:noFill/>
+        </p:spPr>
+        <p:txBody>
+          <a:bodyPr wrap="square" rtlCol="0">
+            <a:spAutoFit/>
+          </a:bodyPr>
+          <a:lstStyle/>
+          <a:p>
+            <a:r>
+              <a:rPr lang="en-US" b="1" dirty="0">
+                <a:solidFill>
+                  <a:srgbClr val="FF0000"/>
+                </a:solidFill>
+              </a:rPr>
+              <a:t>Button 7</a:t>
+            </a:r>
+          </a:p>
+        </p:txBody>
+      </p:sp>
+      <p:cxnSp>
+        <p:nvCxnSpPr>
+          <p:cNvPr id="25" name="Straight Arrow Connector 24"/>
+          <p:cNvCxnSpPr/>
+          <p:nvPr/>
+        </p:nvCxnSpPr>
+        <p:spPr>
+          <a:xfrm>
+            <a:off x="3041780" y="1910227"/>
+            <a:ext cx="1185814" cy="170067"/>
+          </a:xfrm>
+          <a:prstGeom prst="straightConnector1">
+            <a:avLst/>
+          </a:prstGeom>
+          <a:ln w="38100">
+            <a:solidFill>
+              <a:srgbClr val="FF0000"/>
+            </a:solidFill>
+            <a:tailEnd type="triangle"/>
+          </a:ln>
+        </p:spPr>
+        <p:style>
+          <a:lnRef idx="1">
+            <a:schemeClr val="accent1"/>
+          </a:lnRef>
+          <a:fillRef idx="0">
+            <a:schemeClr val="accent1"/>
+          </a:fillRef>
+          <a:effectRef idx="0">
+            <a:schemeClr val="accent1"/>
+          </a:effectRef>
+          <a:fontRef idx="minor">
+            <a:schemeClr val="tx1"/>
+          </a:fontRef>
+        </p:style>
+      </p:cxnSp>
+      <p:cxnSp>
+        <p:nvCxnSpPr>
+          <p:cNvPr id="28" name="Straight Arrow Connector 27"/>
+          <p:cNvCxnSpPr/>
+          <p:nvPr/>
+        </p:nvCxnSpPr>
+        <p:spPr>
+          <a:xfrm flipH="1">
+            <a:off x="4415519" y="3592286"/>
+            <a:ext cx="455061" cy="1869614"/>
+          </a:xfrm>
+          <a:prstGeom prst="straightConnector1">
+            <a:avLst/>
+          </a:prstGeom>
+          <a:ln w="38100">
+            <a:solidFill>
+              <a:srgbClr val="FF0000"/>
+            </a:solidFill>
+            <a:headEnd type="triangle" w="med" len="med"/>
+            <a:tailEnd type="triangle" w="med" len="med"/>
+          </a:ln>
+        </p:spPr>
+        <p:style>
+          <a:lnRef idx="1">
+            <a:schemeClr val="accent1"/>
+          </a:lnRef>
+          <a:fillRef idx="0">
+            <a:schemeClr val="accent1"/>
+          </a:fillRef>
+          <a:effectRef idx="0">
+            <a:schemeClr val="accent1"/>
+          </a:effectRef>
+          <a:fontRef idx="minor">
+            <a:schemeClr val="tx1"/>
+          </a:fontRef>
+        </p:style>
+      </p:cxnSp>
+      <p:cxnSp>
+        <p:nvCxnSpPr>
+          <p:cNvPr id="29" name="Straight Arrow Connector 28"/>
+          <p:cNvCxnSpPr/>
+          <p:nvPr/>
+        </p:nvCxnSpPr>
+        <p:spPr>
+          <a:xfrm flipH="1" flipV="1">
+            <a:off x="5474158" y="4589205"/>
+            <a:ext cx="1037055" cy="55428"/>
+          </a:xfrm>
+          <a:prstGeom prst="straightConnector1">
+            <a:avLst/>
+          </a:prstGeom>
+          <a:ln w="38100">
+            <a:solidFill>
+              <a:srgbClr val="FF0000"/>
+            </a:solidFill>
+            <a:headEnd type="triangle" w="med" len="med"/>
+            <a:tailEnd type="triangle" w="med" len="med"/>
+          </a:ln>
+        </p:spPr>
+        <p:style>
+          <a:lnRef idx="1">
+            <a:schemeClr val="accent1"/>
+          </a:lnRef>
+          <a:fillRef idx="0">
+            <a:schemeClr val="accent1"/>
+          </a:fillRef>
+          <a:effectRef idx="0">
+            <a:schemeClr val="accent1"/>
+          </a:effectRef>
+          <a:fontRef idx="minor">
+            <a:schemeClr val="tx1"/>
+          </a:fontRef>
+        </p:style>
+      </p:cxnSp>
+      <p:sp>
+        <p:nvSpPr>
+          <p:cNvPr id="30" name="TextBox 29"/>
+          <p:cNvSpPr txBox="1"/>
+          <p:nvPr/>
+        </p:nvSpPr>
+        <p:spPr>
+          <a:xfrm>
+            <a:off x="5992197" y="4723776"/>
+            <a:ext cx="1712945" cy="369332"/>
+          </a:xfrm>
+          <a:prstGeom prst="rect">
+            <a:avLst/>
+          </a:prstGeom>
+          <a:noFill/>
+        </p:spPr>
+        <p:txBody>
+          <a:bodyPr wrap="square" rtlCol="0">
+            <a:spAutoFit/>
+          </a:bodyPr>
+          <a:lstStyle/>
+          <a:p>
+            <a:r>
+              <a:rPr lang="en-US" b="1" dirty="0">
+                <a:solidFill>
+                  <a:srgbClr val="FF0000"/>
+                </a:solidFill>
+              </a:rPr>
+              <a:t>Right Joystick 2</a:t>
+            </a:r>
+          </a:p>
+        </p:txBody>
+      </p:sp>
+      <p:sp>
+        <p:nvSpPr>
+          <p:cNvPr id="31" name="TextBox 30"/>
+          <p:cNvSpPr txBox="1"/>
+          <p:nvPr/>
+        </p:nvSpPr>
+        <p:spPr>
+          <a:xfrm>
+            <a:off x="2986963" y="5577739"/>
+            <a:ext cx="2396800" cy="369332"/>
+          </a:xfrm>
+          <a:prstGeom prst="rect">
+            <a:avLst/>
+          </a:prstGeom>
+          <a:noFill/>
+        </p:spPr>
+        <p:txBody>
+          <a:bodyPr wrap="square" rtlCol="0">
+            <a:spAutoFit/>
+          </a:bodyPr>
+          <a:lstStyle/>
+          <a:p>
+            <a:r>
+              <a:rPr lang="en-US" b="1" dirty="0">
+                <a:solidFill>
+                  <a:srgbClr val="FF0000"/>
+                </a:solidFill>
+              </a:rPr>
+              <a:t>Left Joystick 1</a:t>
+            </a:r>
+          </a:p>
+        </p:txBody>
+      </p:sp>
+      <p:sp>
+        <p:nvSpPr>
+          <p:cNvPr id="27" name="TextBox 26"/>
+          <p:cNvSpPr txBox="1"/>
+          <p:nvPr/>
+        </p:nvSpPr>
+        <p:spPr>
+          <a:xfrm>
+            <a:off x="2496916" y="4350412"/>
+            <a:ext cx="1712945" cy="369332"/>
+          </a:xfrm>
+          <a:prstGeom prst="rect">
+            <a:avLst/>
+          </a:prstGeom>
+          <a:noFill/>
+        </p:spPr>
+        <p:txBody>
+          <a:bodyPr wrap="square" rtlCol="0">
+            <a:spAutoFit/>
+          </a:bodyPr>
+          <a:lstStyle/>
+          <a:p>
+            <a:r>
+              <a:rPr lang="en-US" b="1" dirty="0">
+                <a:solidFill>
+                  <a:srgbClr val="FF0000"/>
+                </a:solidFill>
+              </a:rPr>
+              <a:t>Left Joystick 0</a:t>
+            </a:r>
+          </a:p>
+        </p:txBody>
+      </p:sp>
+      <p:sp>
+        <p:nvSpPr>
+          <p:cNvPr id="32" name="TextBox 31"/>
+          <p:cNvSpPr txBox="1"/>
+          <p:nvPr/>
+        </p:nvSpPr>
+        <p:spPr>
+          <a:xfrm>
+            <a:off x="5747804" y="5682028"/>
+            <a:ext cx="2396800" cy="369332"/>
+          </a:xfrm>
+          <a:prstGeom prst="rect">
+            <a:avLst/>
+          </a:prstGeom>
+          <a:noFill/>
+        </p:spPr>
+        <p:txBody>
+          <a:bodyPr wrap="square" rtlCol="0">
+            <a:spAutoFit/>
+          </a:bodyPr>
+          <a:lstStyle/>
+          <a:p>
+            <a:r>
+              <a:rPr lang="en-US" b="1" dirty="0">
+                <a:solidFill>
+                  <a:srgbClr val="FF0000"/>
+                </a:solidFill>
+              </a:rPr>
+              <a:t>Right Joystick 4</a:t>
+            </a:r>
+          </a:p>
+        </p:txBody>
+      </p:sp>
+      <p:cxnSp>
+        <p:nvCxnSpPr>
+          <p:cNvPr id="33" name="Straight Arrow Connector 32"/>
+          <p:cNvCxnSpPr/>
+          <p:nvPr/>
+        </p:nvCxnSpPr>
+        <p:spPr>
+          <a:xfrm flipH="1" flipV="1">
+            <a:off x="4124521" y="4507364"/>
+            <a:ext cx="1037055" cy="55428"/>
+          </a:xfrm>
+          <a:prstGeom prst="straightConnector1">
+            <a:avLst/>
+          </a:prstGeom>
+          <a:ln w="38100">
+            <a:solidFill>
+              <a:srgbClr val="FF0000"/>
+            </a:solidFill>
+            <a:headEnd type="triangle" w="med" len="med"/>
+            <a:tailEnd type="triangle" w="med" len="med"/>
+          </a:ln>
+        </p:spPr>
+        <p:style>
+          <a:lnRef idx="1">
+            <a:schemeClr val="accent1"/>
+          </a:lnRef>
+          <a:fillRef idx="0">
+            <a:schemeClr val="accent1"/>
+          </a:fillRef>
+          <a:effectRef idx="0">
+            <a:schemeClr val="accent1"/>
+          </a:effectRef>
+          <a:fontRef idx="minor">
+            <a:schemeClr val="tx1"/>
+          </a:fontRef>
+        </p:style>
+      </p:cxnSp>
+      <p:cxnSp>
+        <p:nvCxnSpPr>
+          <p:cNvPr id="34" name="Straight Arrow Connector 33"/>
+          <p:cNvCxnSpPr/>
+          <p:nvPr/>
+        </p:nvCxnSpPr>
+        <p:spPr>
+          <a:xfrm flipH="1">
+            <a:off x="5769628" y="3654398"/>
+            <a:ext cx="455061" cy="1869614"/>
+          </a:xfrm>
+          <a:prstGeom prst="straightConnector1">
+            <a:avLst/>
+          </a:prstGeom>
+          <a:ln w="38100">
+            <a:solidFill>
+              <a:srgbClr val="FF0000"/>
+            </a:solidFill>
+            <a:headEnd type="triangle" w="med" len="med"/>
+            <a:tailEnd type="triangle" w="med" len="med"/>
+          </a:ln>
+        </p:spPr>
+        <p:style>
+          <a:lnRef idx="1">
+            <a:schemeClr val="accent1"/>
+          </a:lnRef>
+          <a:fillRef idx="0">
+            <a:schemeClr val="accent1"/>
+          </a:fillRef>
+          <a:effectRef idx="0">
+            <a:schemeClr val="accent1"/>
+          </a:effectRef>
+          <a:fontRef idx="minor">
+            <a:schemeClr val="tx1"/>
+          </a:fontRef>
+        </p:style>
+      </p:cxnSp>
+    </p:spTree>
+    <p:extLst>
+      <p:ext uri="{BB962C8B-B14F-4D97-AF65-F5344CB8AC3E}">
+        <p14:creationId xmlns:p14="http://schemas.microsoft.com/office/powerpoint/2010/main" val="4251703058"/>
+      </p:ext>
+    </p:extLst>
+  </p:cSld>
+  <p:clrMapOvr>
+    <a:masterClrMapping/>
+  </p:clrMapOvr>
+</p:sld>
+</file>
+
 <file path=ppt/slides/slide2.xml><?xml version="1.0" encoding="utf-8"?>
 <p:sld xmlns:a="http://schemas.openxmlformats.org/drawingml/2006/main" xmlns:r="http://schemas.openxmlformats.org/officeDocument/2006/relationships" xmlns:p="http://schemas.openxmlformats.org/presentationml/2006/main">
   <p:cSld>
@@ -3157,7 +4051,7 @@
         </p:blipFill>
         <p:spPr>
           <a:xfrm>
-            <a:off x="3514195" y="3437996"/>
+            <a:off x="3499917" y="3429000"/>
             <a:ext cx="4207405" cy="2621108"/>
           </a:xfrm>
           <a:prstGeom prst="rect">
@@ -3195,10 +4089,555 @@
           </a:prstGeom>
         </p:spPr>
       </p:pic>
+      <p:cxnSp>
+        <p:nvCxnSpPr>
+          <p:cNvPr id="12" name="Straight Arrow Connector 11">
+            <a:extLst>
+              <a:ext uri="{FF2B5EF4-FFF2-40B4-BE49-F238E27FC236}">
+                <a16:creationId xmlns:a16="http://schemas.microsoft.com/office/drawing/2014/main" id="{E90EF790-7188-42F6-B276-DD3BAAFFB86D}"/>
+              </a:ext>
+            </a:extLst>
+          </p:cNvPr>
+          <p:cNvCxnSpPr>
+            <a:cxnSpLocks/>
+          </p:cNvCxnSpPr>
+          <p:nvPr/>
+        </p:nvCxnSpPr>
+        <p:spPr>
+          <a:xfrm>
+            <a:off x="4985363" y="4359965"/>
+            <a:ext cx="2546" cy="1755460"/>
+          </a:xfrm>
+          <a:prstGeom prst="straightConnector1">
+            <a:avLst/>
+          </a:prstGeom>
+          <a:ln w="38100">
+            <a:solidFill>
+              <a:srgbClr val="FF0000"/>
+            </a:solidFill>
+            <a:headEnd type="triangle" w="med" len="med"/>
+            <a:tailEnd type="triangle" w="med" len="med"/>
+          </a:ln>
+        </p:spPr>
+        <p:style>
+          <a:lnRef idx="1">
+            <a:schemeClr val="accent1"/>
+          </a:lnRef>
+          <a:fillRef idx="0">
+            <a:schemeClr val="accent1"/>
+          </a:fillRef>
+          <a:effectRef idx="0">
+            <a:schemeClr val="accent1"/>
+          </a:effectRef>
+          <a:fontRef idx="minor">
+            <a:schemeClr val="tx1"/>
+          </a:fontRef>
+        </p:style>
+      </p:cxnSp>
+      <p:cxnSp>
+        <p:nvCxnSpPr>
+          <p:cNvPr id="17" name="Straight Arrow Connector 16">
+            <a:extLst>
+              <a:ext uri="{FF2B5EF4-FFF2-40B4-BE49-F238E27FC236}">
+                <a16:creationId xmlns:a16="http://schemas.microsoft.com/office/drawing/2014/main" id="{B94D510F-4540-4970-A2AC-550BC35A4BEB}"/>
+              </a:ext>
+            </a:extLst>
+          </p:cNvPr>
+          <p:cNvCxnSpPr>
+            <a:cxnSpLocks/>
+          </p:cNvCxnSpPr>
+          <p:nvPr/>
+        </p:nvCxnSpPr>
+        <p:spPr>
+          <a:xfrm>
+            <a:off x="5603619" y="5167404"/>
+            <a:ext cx="1075476" cy="0"/>
+          </a:xfrm>
+          <a:prstGeom prst="straightConnector1">
+            <a:avLst/>
+          </a:prstGeom>
+          <a:ln w="38100">
+            <a:solidFill>
+              <a:srgbClr val="FF0000"/>
+            </a:solidFill>
+            <a:headEnd type="triangle" w="med" len="med"/>
+            <a:tailEnd type="triangle" w="med" len="med"/>
+          </a:ln>
+        </p:spPr>
+        <p:style>
+          <a:lnRef idx="1">
+            <a:schemeClr val="accent1"/>
+          </a:lnRef>
+          <a:fillRef idx="0">
+            <a:schemeClr val="accent1"/>
+          </a:fillRef>
+          <a:effectRef idx="0">
+            <a:schemeClr val="accent1"/>
+          </a:effectRef>
+          <a:fontRef idx="minor">
+            <a:schemeClr val="tx1"/>
+          </a:fontRef>
+        </p:style>
+      </p:cxnSp>
+      <p:sp>
+        <p:nvSpPr>
+          <p:cNvPr id="22" name="TextBox 21">
+            <a:extLst>
+              <a:ext uri="{FF2B5EF4-FFF2-40B4-BE49-F238E27FC236}">
+                <a16:creationId xmlns:a16="http://schemas.microsoft.com/office/drawing/2014/main" id="{501EC76A-58B2-4DAF-B9D5-C6E3795FD2D8}"/>
+              </a:ext>
+            </a:extLst>
+          </p:cNvPr>
+          <p:cNvSpPr txBox="1"/>
+          <p:nvPr/>
+        </p:nvSpPr>
+        <p:spPr>
+          <a:xfrm>
+            <a:off x="3656832" y="6050108"/>
+            <a:ext cx="2657062" cy="369332"/>
+          </a:xfrm>
+          <a:prstGeom prst="rect">
+            <a:avLst/>
+          </a:prstGeom>
+          <a:noFill/>
+        </p:spPr>
+        <p:txBody>
+          <a:bodyPr wrap="square" rtlCol="0">
+            <a:spAutoFit/>
+          </a:bodyPr>
+          <a:lstStyle/>
+          <a:p>
+            <a:pPr algn="ctr"/>
+            <a:r>
+              <a:rPr lang="en-US" b="1" dirty="0">
+                <a:solidFill>
+                  <a:srgbClr val="FF0000"/>
+                </a:solidFill>
+              </a:rPr>
+              <a:t>Drive Forward/Backward</a:t>
+            </a:r>
+          </a:p>
+        </p:txBody>
+      </p:sp>
+      <p:sp>
+        <p:nvSpPr>
+          <p:cNvPr id="25" name="TextBox 24">
+            <a:extLst>
+              <a:ext uri="{FF2B5EF4-FFF2-40B4-BE49-F238E27FC236}">
+                <a16:creationId xmlns:a16="http://schemas.microsoft.com/office/drawing/2014/main" id="{E291AD0D-9375-4E83-B2D9-B063EF1558A7}"/>
+              </a:ext>
+            </a:extLst>
+          </p:cNvPr>
+          <p:cNvSpPr txBox="1"/>
+          <p:nvPr/>
+        </p:nvSpPr>
+        <p:spPr>
+          <a:xfrm>
+            <a:off x="6383387" y="4969473"/>
+            <a:ext cx="2186609" cy="369332"/>
+          </a:xfrm>
+          <a:prstGeom prst="rect">
+            <a:avLst/>
+          </a:prstGeom>
+          <a:noFill/>
+        </p:spPr>
+        <p:txBody>
+          <a:bodyPr wrap="square" rtlCol="0">
+            <a:spAutoFit/>
+          </a:bodyPr>
+          <a:lstStyle/>
+          <a:p>
+            <a:pPr algn="ctr"/>
+            <a:r>
+              <a:rPr lang="en-US" b="1" dirty="0">
+                <a:solidFill>
+                  <a:srgbClr val="FF0000"/>
+                </a:solidFill>
+              </a:rPr>
+              <a:t>Turn Left/Right</a:t>
+            </a:r>
+          </a:p>
+        </p:txBody>
+      </p:sp>
+      <p:sp>
+        <p:nvSpPr>
+          <p:cNvPr id="32" name="TextBox 31">
+            <a:extLst>
+              <a:ext uri="{FF2B5EF4-FFF2-40B4-BE49-F238E27FC236}">
+                <a16:creationId xmlns:a16="http://schemas.microsoft.com/office/drawing/2014/main" id="{EC732D11-9DBF-4AE0-894F-A4104302527B}"/>
+              </a:ext>
+            </a:extLst>
+          </p:cNvPr>
+          <p:cNvSpPr txBox="1"/>
+          <p:nvPr/>
+        </p:nvSpPr>
+        <p:spPr>
+          <a:xfrm>
+            <a:off x="1166191" y="1948336"/>
+            <a:ext cx="2186609" cy="369332"/>
+          </a:xfrm>
+          <a:prstGeom prst="rect">
+            <a:avLst/>
+          </a:prstGeom>
+          <a:noFill/>
+        </p:spPr>
+        <p:txBody>
+          <a:bodyPr wrap="square" rtlCol="0">
+            <a:spAutoFit/>
+          </a:bodyPr>
+          <a:lstStyle/>
+          <a:p>
+            <a:pPr algn="ctr"/>
+            <a:r>
+              <a:rPr lang="en-US" b="1" dirty="0">
+                <a:solidFill>
+                  <a:srgbClr val="FF0000"/>
+                </a:solidFill>
+              </a:rPr>
+              <a:t>Pivot Right</a:t>
+            </a:r>
+          </a:p>
+        </p:txBody>
+      </p:sp>
+      <p:sp>
+        <p:nvSpPr>
+          <p:cNvPr id="33" name="TextBox 32">
+            <a:extLst>
+              <a:ext uri="{FF2B5EF4-FFF2-40B4-BE49-F238E27FC236}">
+                <a16:creationId xmlns:a16="http://schemas.microsoft.com/office/drawing/2014/main" id="{8C92D660-6E93-44F1-97F0-565DBBA5B7E7}"/>
+              </a:ext>
+            </a:extLst>
+          </p:cNvPr>
+          <p:cNvSpPr txBox="1"/>
+          <p:nvPr/>
+        </p:nvSpPr>
+        <p:spPr>
+          <a:xfrm>
+            <a:off x="8000485" y="1173663"/>
+            <a:ext cx="2186609" cy="369332"/>
+          </a:xfrm>
+          <a:prstGeom prst="rect">
+            <a:avLst/>
+          </a:prstGeom>
+          <a:noFill/>
+        </p:spPr>
+        <p:txBody>
+          <a:bodyPr wrap="square" rtlCol="0">
+            <a:spAutoFit/>
+          </a:bodyPr>
+          <a:lstStyle/>
+          <a:p>
+            <a:pPr algn="ctr"/>
+            <a:r>
+              <a:rPr lang="en-US" b="1" dirty="0">
+                <a:solidFill>
+                  <a:srgbClr val="FF0000"/>
+                </a:solidFill>
+              </a:rPr>
+              <a:t>Record Path Start</a:t>
+            </a:r>
+          </a:p>
+        </p:txBody>
+      </p:sp>
+      <p:sp>
+        <p:nvSpPr>
+          <p:cNvPr id="34" name="TextBox 33">
+            <a:extLst>
+              <a:ext uri="{FF2B5EF4-FFF2-40B4-BE49-F238E27FC236}">
+                <a16:creationId xmlns:a16="http://schemas.microsoft.com/office/drawing/2014/main" id="{37527163-F972-4B33-A6ED-23E9224A1E55}"/>
+              </a:ext>
+            </a:extLst>
+          </p:cNvPr>
+          <p:cNvSpPr txBox="1"/>
+          <p:nvPr/>
+        </p:nvSpPr>
+        <p:spPr>
+          <a:xfrm>
+            <a:off x="1135766" y="1250091"/>
+            <a:ext cx="2186609" cy="369332"/>
+          </a:xfrm>
+          <a:prstGeom prst="rect">
+            <a:avLst/>
+          </a:prstGeom>
+          <a:noFill/>
+        </p:spPr>
+        <p:txBody>
+          <a:bodyPr wrap="square" rtlCol="0">
+            <a:spAutoFit/>
+          </a:bodyPr>
+          <a:lstStyle/>
+          <a:p>
+            <a:pPr algn="ctr"/>
+            <a:r>
+              <a:rPr lang="en-US" b="1" dirty="0">
+                <a:solidFill>
+                  <a:srgbClr val="FF0000"/>
+                </a:solidFill>
+              </a:rPr>
+              <a:t>Record Path Stop</a:t>
+            </a:r>
+          </a:p>
+        </p:txBody>
+      </p:sp>
+      <p:sp>
+        <p:nvSpPr>
+          <p:cNvPr id="35" name="TextBox 34">
+            <a:extLst>
+              <a:ext uri="{FF2B5EF4-FFF2-40B4-BE49-F238E27FC236}">
+                <a16:creationId xmlns:a16="http://schemas.microsoft.com/office/drawing/2014/main" id="{B8C2E5DF-8365-4685-811F-BAF212BF64B0}"/>
+              </a:ext>
+            </a:extLst>
+          </p:cNvPr>
+          <p:cNvSpPr txBox="1"/>
+          <p:nvPr/>
+        </p:nvSpPr>
+        <p:spPr>
+          <a:xfrm>
+            <a:off x="7714086" y="1977250"/>
+            <a:ext cx="2186609" cy="369332"/>
+          </a:xfrm>
+          <a:prstGeom prst="rect">
+            <a:avLst/>
+          </a:prstGeom>
+          <a:noFill/>
+        </p:spPr>
+        <p:txBody>
+          <a:bodyPr wrap="square" rtlCol="0">
+            <a:spAutoFit/>
+          </a:bodyPr>
+          <a:lstStyle/>
+          <a:p>
+            <a:pPr algn="ctr"/>
+            <a:r>
+              <a:rPr lang="en-US" b="1" dirty="0">
+                <a:solidFill>
+                  <a:srgbClr val="FF0000"/>
+                </a:solidFill>
+              </a:rPr>
+              <a:t>Pivot Left</a:t>
+            </a:r>
+          </a:p>
+        </p:txBody>
+      </p:sp>
+      <p:cxnSp>
+        <p:nvCxnSpPr>
+          <p:cNvPr id="44" name="Straight Arrow Connector 43">
+            <a:extLst>
+              <a:ext uri="{FF2B5EF4-FFF2-40B4-BE49-F238E27FC236}">
+                <a16:creationId xmlns:a16="http://schemas.microsoft.com/office/drawing/2014/main" id="{8766F88F-CE75-4075-A7FB-0016791A5FF0}"/>
+              </a:ext>
+            </a:extLst>
+          </p:cNvPr>
+          <p:cNvCxnSpPr>
+            <a:cxnSpLocks/>
+          </p:cNvCxnSpPr>
+          <p:nvPr/>
+        </p:nvCxnSpPr>
+        <p:spPr>
+          <a:xfrm flipH="1">
+            <a:off x="7064408" y="1501219"/>
+            <a:ext cx="1257957" cy="491092"/>
+          </a:xfrm>
+          <a:prstGeom prst="straightConnector1">
+            <a:avLst/>
+          </a:prstGeom>
+          <a:ln w="38100">
+            <a:solidFill>
+              <a:srgbClr val="FF0000"/>
+            </a:solidFill>
+            <a:tailEnd type="triangle"/>
+          </a:ln>
+        </p:spPr>
+        <p:style>
+          <a:lnRef idx="1">
+            <a:schemeClr val="accent1"/>
+          </a:lnRef>
+          <a:fillRef idx="0">
+            <a:schemeClr val="accent1"/>
+          </a:fillRef>
+          <a:effectRef idx="0">
+            <a:schemeClr val="accent1"/>
+          </a:effectRef>
+          <a:fontRef idx="minor">
+            <a:schemeClr val="tx1"/>
+          </a:fontRef>
+        </p:style>
+      </p:cxnSp>
+      <p:cxnSp>
+        <p:nvCxnSpPr>
+          <p:cNvPr id="46" name="Straight Arrow Connector 45">
+            <a:extLst>
+              <a:ext uri="{FF2B5EF4-FFF2-40B4-BE49-F238E27FC236}">
+                <a16:creationId xmlns:a16="http://schemas.microsoft.com/office/drawing/2014/main" id="{A1EFF5AC-23E1-46E4-9F3C-45143630E414}"/>
+              </a:ext>
+            </a:extLst>
+          </p:cNvPr>
+          <p:cNvCxnSpPr>
+            <a:cxnSpLocks/>
+          </p:cNvCxnSpPr>
+          <p:nvPr/>
+        </p:nvCxnSpPr>
+        <p:spPr>
+          <a:xfrm flipH="1">
+            <a:off x="6930293" y="2183198"/>
+            <a:ext cx="1333615" cy="344679"/>
+          </a:xfrm>
+          <a:prstGeom prst="straightConnector1">
+            <a:avLst/>
+          </a:prstGeom>
+          <a:ln w="38100">
+            <a:solidFill>
+              <a:srgbClr val="FF0000"/>
+            </a:solidFill>
+            <a:tailEnd type="triangle"/>
+          </a:ln>
+        </p:spPr>
+        <p:style>
+          <a:lnRef idx="1">
+            <a:schemeClr val="accent1"/>
+          </a:lnRef>
+          <a:fillRef idx="0">
+            <a:schemeClr val="accent1"/>
+          </a:fillRef>
+          <a:effectRef idx="0">
+            <a:schemeClr val="accent1"/>
+          </a:effectRef>
+          <a:fontRef idx="minor">
+            <a:schemeClr val="tx1"/>
+          </a:fontRef>
+        </p:style>
+      </p:cxnSp>
+      <p:cxnSp>
+        <p:nvCxnSpPr>
+          <p:cNvPr id="48" name="Straight Arrow Connector 47">
+            <a:extLst>
+              <a:ext uri="{FF2B5EF4-FFF2-40B4-BE49-F238E27FC236}">
+                <a16:creationId xmlns:a16="http://schemas.microsoft.com/office/drawing/2014/main" id="{6B6BE7A2-D1BD-4F76-96BF-04F237C36B73}"/>
+              </a:ext>
+            </a:extLst>
+          </p:cNvPr>
+          <p:cNvCxnSpPr>
+            <a:cxnSpLocks/>
+          </p:cNvCxnSpPr>
+          <p:nvPr/>
+        </p:nvCxnSpPr>
+        <p:spPr>
+          <a:xfrm>
+            <a:off x="3048000" y="1621778"/>
+            <a:ext cx="1154953" cy="375171"/>
+          </a:xfrm>
+          <a:prstGeom prst="straightConnector1">
+            <a:avLst/>
+          </a:prstGeom>
+          <a:ln w="38100">
+            <a:solidFill>
+              <a:srgbClr val="FF0000"/>
+            </a:solidFill>
+            <a:tailEnd type="triangle"/>
+          </a:ln>
+        </p:spPr>
+        <p:style>
+          <a:lnRef idx="1">
+            <a:schemeClr val="accent1"/>
+          </a:lnRef>
+          <a:fillRef idx="0">
+            <a:schemeClr val="accent1"/>
+          </a:fillRef>
+          <a:effectRef idx="0">
+            <a:schemeClr val="accent1"/>
+          </a:effectRef>
+          <a:fontRef idx="minor">
+            <a:schemeClr val="tx1"/>
+          </a:fontRef>
+        </p:style>
+      </p:cxnSp>
+      <p:cxnSp>
+        <p:nvCxnSpPr>
+          <p:cNvPr id="50" name="Straight Arrow Connector 49">
+            <a:extLst>
+              <a:ext uri="{FF2B5EF4-FFF2-40B4-BE49-F238E27FC236}">
+                <a16:creationId xmlns:a16="http://schemas.microsoft.com/office/drawing/2014/main" id="{7AB12831-494E-4990-A797-2DC7053DE7F5}"/>
+              </a:ext>
+            </a:extLst>
+          </p:cNvPr>
+          <p:cNvCxnSpPr>
+            <a:cxnSpLocks/>
+          </p:cNvCxnSpPr>
+          <p:nvPr/>
+        </p:nvCxnSpPr>
+        <p:spPr>
+          <a:xfrm>
+            <a:off x="2860519" y="2156864"/>
+            <a:ext cx="1371994" cy="402769"/>
+          </a:xfrm>
+          <a:prstGeom prst="straightConnector1">
+            <a:avLst/>
+          </a:prstGeom>
+          <a:ln w="38100">
+            <a:solidFill>
+              <a:srgbClr val="FF0000"/>
+            </a:solidFill>
+            <a:tailEnd type="triangle"/>
+          </a:ln>
+        </p:spPr>
+        <p:style>
+          <a:lnRef idx="1">
+            <a:schemeClr val="accent1"/>
+          </a:lnRef>
+          <a:fillRef idx="0">
+            <a:schemeClr val="accent1"/>
+          </a:fillRef>
+          <a:effectRef idx="0">
+            <a:schemeClr val="accent1"/>
+          </a:effectRef>
+          <a:fontRef idx="minor">
+            <a:schemeClr val="tx1"/>
+          </a:fontRef>
+        </p:style>
+      </p:cxnSp>
+      <p:sp>
+        <p:nvSpPr>
+          <p:cNvPr id="4" name="TextBox 3">
+            <a:extLst>
+              <a:ext uri="{FF2B5EF4-FFF2-40B4-BE49-F238E27FC236}">
+                <a16:creationId xmlns:a16="http://schemas.microsoft.com/office/drawing/2014/main" id="{78AF2CA0-9118-445D-B2F7-3F39AC39A6B8}"/>
+              </a:ext>
+            </a:extLst>
+          </p:cNvPr>
+          <p:cNvSpPr txBox="1"/>
+          <p:nvPr/>
+        </p:nvSpPr>
+        <p:spPr>
+          <a:xfrm>
+            <a:off x="357809" y="424070"/>
+            <a:ext cx="1616765" cy="584775"/>
+          </a:xfrm>
+          <a:prstGeom prst="rect">
+            <a:avLst/>
+          </a:prstGeom>
+          <a:noFill/>
+        </p:spPr>
+        <p:txBody>
+          <a:bodyPr wrap="square" rtlCol="0">
+            <a:spAutoFit/>
+          </a:bodyPr>
+          <a:lstStyle/>
+          <a:p>
+            <a:r>
+              <a:rPr lang="en-US" sz="3200" b="1" dirty="0">
+                <a:solidFill>
+                  <a:srgbClr val="FF0000"/>
+                </a:solidFill>
+              </a:rPr>
+              <a:t>DRIVER</a:t>
+            </a:r>
+          </a:p>
+        </p:txBody>
+      </p:sp>
     </p:spTree>
     <p:extLst>
       <p:ext uri="{BB962C8B-B14F-4D97-AF65-F5344CB8AC3E}">
-        <p14:creationId xmlns:p14="http://schemas.microsoft.com/office/powerpoint/2010/main" val="2611904194"/>
+        <p14:creationId xmlns:p14="http://schemas.microsoft.com/office/powerpoint/2010/main" val="1548786198"/>
       </p:ext>
     </p:extLst>
   </p:cSld>
@@ -3247,18 +4686,677 @@
         </p:blipFill>
         <p:spPr>
           <a:xfrm>
-            <a:off x="2667000" y="0"/>
-            <a:ext cx="6858000" cy="6858000"/>
+            <a:off x="3499917" y="3429000"/>
+            <a:ext cx="4207405" cy="2621108"/>
           </a:xfrm>
           <a:prstGeom prst="rect">
             <a:avLst/>
           </a:prstGeom>
         </p:spPr>
       </p:pic>
+      <p:pic>
+        <p:nvPicPr>
+          <p:cNvPr id="3" name="Picture 2"/>
+          <p:cNvPicPr>
+            <a:picLocks noChangeAspect="1"/>
+          </p:cNvPicPr>
+          <p:nvPr/>
+        </p:nvPicPr>
+        <p:blipFill>
+          <a:blip r:embed="rId3">
+            <a:extLst>
+              <a:ext uri="{28A0092B-C50C-407E-A947-70E740481C1C}">
+                <a14:useLocalDpi xmlns:a14="http://schemas.microsoft.com/office/drawing/2010/main" val="0"/>
+              </a:ext>
+            </a:extLst>
+          </a:blip>
+          <a:stretch>
+            <a:fillRect/>
+          </a:stretch>
+        </p:blipFill>
+        <p:spPr>
+          <a:xfrm>
+            <a:off x="3437996" y="939799"/>
+            <a:ext cx="4331248" cy="2105025"/>
+          </a:xfrm>
+          <a:prstGeom prst="rect">
+            <a:avLst/>
+          </a:prstGeom>
+        </p:spPr>
+      </p:pic>
+      <p:cxnSp>
+        <p:nvCxnSpPr>
+          <p:cNvPr id="12" name="Straight Arrow Connector 11">
+            <a:extLst>
+              <a:ext uri="{FF2B5EF4-FFF2-40B4-BE49-F238E27FC236}">
+                <a16:creationId xmlns:a16="http://schemas.microsoft.com/office/drawing/2014/main" id="{E90EF790-7188-42F6-B276-DD3BAAFFB86D}"/>
+              </a:ext>
+            </a:extLst>
+          </p:cNvPr>
+          <p:cNvCxnSpPr>
+            <a:cxnSpLocks/>
+          </p:cNvCxnSpPr>
+          <p:nvPr/>
+        </p:nvCxnSpPr>
+        <p:spPr>
+          <a:xfrm flipH="1">
+            <a:off x="4969052" y="4626907"/>
+            <a:ext cx="16311" cy="1080995"/>
+          </a:xfrm>
+          <a:prstGeom prst="straightConnector1">
+            <a:avLst/>
+          </a:prstGeom>
+          <a:ln w="38100">
+            <a:solidFill>
+              <a:srgbClr val="FF0000"/>
+            </a:solidFill>
+            <a:headEnd type="triangle" w="med" len="med"/>
+            <a:tailEnd type="triangle" w="med" len="med"/>
+          </a:ln>
+        </p:spPr>
+        <p:style>
+          <a:lnRef idx="1">
+            <a:schemeClr val="accent1"/>
+          </a:lnRef>
+          <a:fillRef idx="0">
+            <a:schemeClr val="accent1"/>
+          </a:fillRef>
+          <a:effectRef idx="0">
+            <a:schemeClr val="accent1"/>
+          </a:effectRef>
+          <a:fontRef idx="minor">
+            <a:schemeClr val="tx1"/>
+          </a:fontRef>
+        </p:style>
+      </p:cxnSp>
+      <p:cxnSp>
+        <p:nvCxnSpPr>
+          <p:cNvPr id="21" name="Straight Arrow Connector 20">
+            <a:extLst>
+              <a:ext uri="{FF2B5EF4-FFF2-40B4-BE49-F238E27FC236}">
+                <a16:creationId xmlns:a16="http://schemas.microsoft.com/office/drawing/2014/main" id="{83275F49-69BD-41FC-8870-7A98460F90DE}"/>
+              </a:ext>
+            </a:extLst>
+          </p:cNvPr>
+          <p:cNvCxnSpPr>
+            <a:cxnSpLocks/>
+          </p:cNvCxnSpPr>
+          <p:nvPr/>
+        </p:nvCxnSpPr>
+        <p:spPr>
+          <a:xfrm flipH="1">
+            <a:off x="6200992" y="4626907"/>
+            <a:ext cx="16311" cy="1080995"/>
+          </a:xfrm>
+          <a:prstGeom prst="straightConnector1">
+            <a:avLst/>
+          </a:prstGeom>
+          <a:ln w="38100">
+            <a:solidFill>
+              <a:srgbClr val="FF0000"/>
+            </a:solidFill>
+            <a:headEnd type="triangle" w="med" len="med"/>
+            <a:tailEnd type="triangle" w="med" len="med"/>
+          </a:ln>
+        </p:spPr>
+        <p:style>
+          <a:lnRef idx="1">
+            <a:schemeClr val="accent1"/>
+          </a:lnRef>
+          <a:fillRef idx="0">
+            <a:schemeClr val="accent1"/>
+          </a:fillRef>
+          <a:effectRef idx="0">
+            <a:schemeClr val="accent1"/>
+          </a:effectRef>
+          <a:fontRef idx="minor">
+            <a:schemeClr val="tx1"/>
+          </a:fontRef>
+        </p:style>
+      </p:cxnSp>
+      <p:sp>
+        <p:nvSpPr>
+          <p:cNvPr id="22" name="TextBox 21">
+            <a:extLst>
+              <a:ext uri="{FF2B5EF4-FFF2-40B4-BE49-F238E27FC236}">
+                <a16:creationId xmlns:a16="http://schemas.microsoft.com/office/drawing/2014/main" id="{501EC76A-58B2-4DAF-B9D5-C6E3795FD2D8}"/>
+              </a:ext>
+            </a:extLst>
+          </p:cNvPr>
+          <p:cNvSpPr txBox="1"/>
+          <p:nvPr/>
+        </p:nvSpPr>
+        <p:spPr>
+          <a:xfrm>
+            <a:off x="3857911" y="5648622"/>
+            <a:ext cx="2186609" cy="369332"/>
+          </a:xfrm>
+          <a:prstGeom prst="rect">
+            <a:avLst/>
+          </a:prstGeom>
+          <a:noFill/>
+        </p:spPr>
+        <p:txBody>
+          <a:bodyPr wrap="square" rtlCol="0">
+            <a:spAutoFit/>
+          </a:bodyPr>
+          <a:lstStyle/>
+          <a:p>
+            <a:pPr algn="ctr"/>
+            <a:r>
+              <a:rPr lang="en-US" b="1" dirty="0">
+                <a:solidFill>
+                  <a:srgbClr val="FF0000"/>
+                </a:solidFill>
+              </a:rPr>
+              <a:t>Spring Arms</a:t>
+            </a:r>
+          </a:p>
+        </p:txBody>
+      </p:sp>
+      <p:sp>
+        <p:nvSpPr>
+          <p:cNvPr id="24" name="TextBox 23">
+            <a:extLst>
+              <a:ext uri="{FF2B5EF4-FFF2-40B4-BE49-F238E27FC236}">
+                <a16:creationId xmlns:a16="http://schemas.microsoft.com/office/drawing/2014/main" id="{0ACF609C-5261-4435-A7C8-DF8E97856FD8}"/>
+              </a:ext>
+            </a:extLst>
+          </p:cNvPr>
+          <p:cNvSpPr txBox="1"/>
+          <p:nvPr/>
+        </p:nvSpPr>
+        <p:spPr>
+          <a:xfrm>
+            <a:off x="5298307" y="5667213"/>
+            <a:ext cx="2186609" cy="369332"/>
+          </a:xfrm>
+          <a:prstGeom prst="rect">
+            <a:avLst/>
+          </a:prstGeom>
+          <a:noFill/>
+        </p:spPr>
+        <p:txBody>
+          <a:bodyPr wrap="square" rtlCol="0">
+            <a:spAutoFit/>
+          </a:bodyPr>
+          <a:lstStyle/>
+          <a:p>
+            <a:pPr algn="ctr"/>
+            <a:r>
+              <a:rPr lang="en-US" b="1" dirty="0">
+                <a:solidFill>
+                  <a:srgbClr val="FF0000"/>
+                </a:solidFill>
+              </a:rPr>
+              <a:t>Climb Arms</a:t>
+            </a:r>
+          </a:p>
+        </p:txBody>
+      </p:sp>
+      <p:sp>
+        <p:nvSpPr>
+          <p:cNvPr id="31" name="TextBox 30">
+            <a:extLst>
+              <a:ext uri="{FF2B5EF4-FFF2-40B4-BE49-F238E27FC236}">
+                <a16:creationId xmlns:a16="http://schemas.microsoft.com/office/drawing/2014/main" id="{ECCBC355-B2DC-4F5E-8071-21D809982F15}"/>
+              </a:ext>
+            </a:extLst>
+          </p:cNvPr>
+          <p:cNvSpPr txBox="1"/>
+          <p:nvPr/>
+        </p:nvSpPr>
+        <p:spPr>
+          <a:xfrm>
+            <a:off x="8185575" y="4093223"/>
+            <a:ext cx="2186609" cy="646331"/>
+          </a:xfrm>
+          <a:prstGeom prst="rect">
+            <a:avLst/>
+          </a:prstGeom>
+          <a:noFill/>
+        </p:spPr>
+        <p:txBody>
+          <a:bodyPr wrap="square" rtlCol="0">
+            <a:spAutoFit/>
+          </a:bodyPr>
+          <a:lstStyle/>
+          <a:p>
+            <a:pPr algn="ctr"/>
+            <a:r>
+              <a:rPr lang="en-US" b="1" dirty="0">
+                <a:solidFill>
+                  <a:srgbClr val="FF0000"/>
+                </a:solidFill>
+              </a:rPr>
+              <a:t>Intake Motor with increased speed</a:t>
+            </a:r>
+          </a:p>
+        </p:txBody>
+      </p:sp>
+      <p:sp>
+        <p:nvSpPr>
+          <p:cNvPr id="32" name="TextBox 31">
+            <a:extLst>
+              <a:ext uri="{FF2B5EF4-FFF2-40B4-BE49-F238E27FC236}">
+                <a16:creationId xmlns:a16="http://schemas.microsoft.com/office/drawing/2014/main" id="{EC732D11-9DBF-4AE0-894F-A4104302527B}"/>
+              </a:ext>
+            </a:extLst>
+          </p:cNvPr>
+          <p:cNvSpPr txBox="1"/>
+          <p:nvPr/>
+        </p:nvSpPr>
+        <p:spPr>
+          <a:xfrm>
+            <a:off x="1076940" y="1972198"/>
+            <a:ext cx="2186609" cy="369332"/>
+          </a:xfrm>
+          <a:prstGeom prst="rect">
+            <a:avLst/>
+          </a:prstGeom>
+          <a:noFill/>
+        </p:spPr>
+        <p:txBody>
+          <a:bodyPr wrap="square" rtlCol="0">
+            <a:spAutoFit/>
+          </a:bodyPr>
+          <a:lstStyle/>
+          <a:p>
+            <a:pPr algn="ctr"/>
+            <a:r>
+              <a:rPr lang="en-US" b="1" dirty="0">
+                <a:solidFill>
+                  <a:srgbClr val="FF0000"/>
+                </a:solidFill>
+              </a:rPr>
+              <a:t>Intake Motor</a:t>
+            </a:r>
+          </a:p>
+        </p:txBody>
+      </p:sp>
+      <p:sp>
+        <p:nvSpPr>
+          <p:cNvPr id="33" name="TextBox 32">
+            <a:extLst>
+              <a:ext uri="{FF2B5EF4-FFF2-40B4-BE49-F238E27FC236}">
+                <a16:creationId xmlns:a16="http://schemas.microsoft.com/office/drawing/2014/main" id="{8C92D660-6E93-44F1-97F0-565DBBA5B7E7}"/>
+              </a:ext>
+            </a:extLst>
+          </p:cNvPr>
+          <p:cNvSpPr txBox="1"/>
+          <p:nvPr/>
+        </p:nvSpPr>
+        <p:spPr>
+          <a:xfrm>
+            <a:off x="7987979" y="1316553"/>
+            <a:ext cx="2186609" cy="369332"/>
+          </a:xfrm>
+          <a:prstGeom prst="rect">
+            <a:avLst/>
+          </a:prstGeom>
+          <a:noFill/>
+        </p:spPr>
+        <p:txBody>
+          <a:bodyPr wrap="square" rtlCol="0">
+            <a:spAutoFit/>
+          </a:bodyPr>
+          <a:lstStyle/>
+          <a:p>
+            <a:pPr algn="ctr"/>
+            <a:r>
+              <a:rPr lang="en-US" b="1" dirty="0">
+                <a:solidFill>
+                  <a:srgbClr val="FF0000"/>
+                </a:solidFill>
+              </a:rPr>
+              <a:t>Intake Arm UP</a:t>
+            </a:r>
+          </a:p>
+        </p:txBody>
+      </p:sp>
+      <p:sp>
+        <p:nvSpPr>
+          <p:cNvPr id="34" name="TextBox 33">
+            <a:extLst>
+              <a:ext uri="{FF2B5EF4-FFF2-40B4-BE49-F238E27FC236}">
+                <a16:creationId xmlns:a16="http://schemas.microsoft.com/office/drawing/2014/main" id="{37527163-F972-4B33-A6ED-23E9224A1E55}"/>
+              </a:ext>
+            </a:extLst>
+          </p:cNvPr>
+          <p:cNvSpPr txBox="1"/>
+          <p:nvPr/>
+        </p:nvSpPr>
+        <p:spPr>
+          <a:xfrm>
+            <a:off x="1462307" y="1363666"/>
+            <a:ext cx="2186609" cy="369332"/>
+          </a:xfrm>
+          <a:prstGeom prst="rect">
+            <a:avLst/>
+          </a:prstGeom>
+          <a:noFill/>
+        </p:spPr>
+        <p:txBody>
+          <a:bodyPr wrap="square" rtlCol="0">
+            <a:spAutoFit/>
+          </a:bodyPr>
+          <a:lstStyle/>
+          <a:p>
+            <a:pPr algn="ctr"/>
+            <a:r>
+              <a:rPr lang="en-US" b="1" dirty="0">
+                <a:solidFill>
+                  <a:srgbClr val="FF0000"/>
+                </a:solidFill>
+              </a:rPr>
+              <a:t>Shooter</a:t>
+            </a:r>
+          </a:p>
+        </p:txBody>
+      </p:sp>
+      <p:sp>
+        <p:nvSpPr>
+          <p:cNvPr id="35" name="TextBox 34">
+            <a:extLst>
+              <a:ext uri="{FF2B5EF4-FFF2-40B4-BE49-F238E27FC236}">
+                <a16:creationId xmlns:a16="http://schemas.microsoft.com/office/drawing/2014/main" id="{B8C2E5DF-8365-4685-811F-BAF212BF64B0}"/>
+              </a:ext>
+            </a:extLst>
+          </p:cNvPr>
+          <p:cNvSpPr txBox="1"/>
+          <p:nvPr/>
+        </p:nvSpPr>
+        <p:spPr>
+          <a:xfrm>
+            <a:off x="8118137" y="1904184"/>
+            <a:ext cx="2186609" cy="369332"/>
+          </a:xfrm>
+          <a:prstGeom prst="rect">
+            <a:avLst/>
+          </a:prstGeom>
+          <a:noFill/>
+        </p:spPr>
+        <p:txBody>
+          <a:bodyPr wrap="square" rtlCol="0">
+            <a:spAutoFit/>
+          </a:bodyPr>
+          <a:lstStyle/>
+          <a:p>
+            <a:pPr algn="ctr"/>
+            <a:r>
+              <a:rPr lang="en-US" b="1" dirty="0">
+                <a:solidFill>
+                  <a:srgbClr val="FF0000"/>
+                </a:solidFill>
+              </a:rPr>
+              <a:t>Intake Arm DOWN</a:t>
+            </a:r>
+          </a:p>
+        </p:txBody>
+      </p:sp>
+      <p:cxnSp>
+        <p:nvCxnSpPr>
+          <p:cNvPr id="36" name="Straight Arrow Connector 35">
+            <a:extLst>
+              <a:ext uri="{FF2B5EF4-FFF2-40B4-BE49-F238E27FC236}">
+                <a16:creationId xmlns:a16="http://schemas.microsoft.com/office/drawing/2014/main" id="{7D3EB286-A2E4-40A1-B2BB-89CCF6EAC0B7}"/>
+              </a:ext>
+            </a:extLst>
+          </p:cNvPr>
+          <p:cNvCxnSpPr>
+            <a:cxnSpLocks/>
+          </p:cNvCxnSpPr>
+          <p:nvPr/>
+        </p:nvCxnSpPr>
+        <p:spPr>
+          <a:xfrm flipH="1">
+            <a:off x="7100675" y="4350269"/>
+            <a:ext cx="1221690" cy="136010"/>
+          </a:xfrm>
+          <a:prstGeom prst="straightConnector1">
+            <a:avLst/>
+          </a:prstGeom>
+          <a:ln w="38100">
+            <a:solidFill>
+              <a:srgbClr val="FF0000"/>
+            </a:solidFill>
+            <a:tailEnd type="triangle"/>
+          </a:ln>
+        </p:spPr>
+        <p:style>
+          <a:lnRef idx="1">
+            <a:schemeClr val="accent1"/>
+          </a:lnRef>
+          <a:fillRef idx="0">
+            <a:schemeClr val="accent1"/>
+          </a:fillRef>
+          <a:effectRef idx="0">
+            <a:schemeClr val="accent1"/>
+          </a:effectRef>
+          <a:fontRef idx="minor">
+            <a:schemeClr val="tx1"/>
+          </a:fontRef>
+        </p:style>
+      </p:cxnSp>
+      <p:cxnSp>
+        <p:nvCxnSpPr>
+          <p:cNvPr id="44" name="Straight Arrow Connector 43">
+            <a:extLst>
+              <a:ext uri="{FF2B5EF4-FFF2-40B4-BE49-F238E27FC236}">
+                <a16:creationId xmlns:a16="http://schemas.microsoft.com/office/drawing/2014/main" id="{8766F88F-CE75-4075-A7FB-0016791A5FF0}"/>
+              </a:ext>
+            </a:extLst>
+          </p:cNvPr>
+          <p:cNvCxnSpPr>
+            <a:cxnSpLocks/>
+          </p:cNvCxnSpPr>
+          <p:nvPr/>
+        </p:nvCxnSpPr>
+        <p:spPr>
+          <a:xfrm flipH="1">
+            <a:off x="7064408" y="1501219"/>
+            <a:ext cx="1257957" cy="491092"/>
+          </a:xfrm>
+          <a:prstGeom prst="straightConnector1">
+            <a:avLst/>
+          </a:prstGeom>
+          <a:ln w="38100">
+            <a:solidFill>
+              <a:srgbClr val="FF0000"/>
+            </a:solidFill>
+            <a:tailEnd type="triangle"/>
+          </a:ln>
+        </p:spPr>
+        <p:style>
+          <a:lnRef idx="1">
+            <a:schemeClr val="accent1"/>
+          </a:lnRef>
+          <a:fillRef idx="0">
+            <a:schemeClr val="accent1"/>
+          </a:fillRef>
+          <a:effectRef idx="0">
+            <a:schemeClr val="accent1"/>
+          </a:effectRef>
+          <a:fontRef idx="minor">
+            <a:schemeClr val="tx1"/>
+          </a:fontRef>
+        </p:style>
+      </p:cxnSp>
+      <p:cxnSp>
+        <p:nvCxnSpPr>
+          <p:cNvPr id="46" name="Straight Arrow Connector 45">
+            <a:extLst>
+              <a:ext uri="{FF2B5EF4-FFF2-40B4-BE49-F238E27FC236}">
+                <a16:creationId xmlns:a16="http://schemas.microsoft.com/office/drawing/2014/main" id="{A1EFF5AC-23E1-46E4-9F3C-45143630E414}"/>
+              </a:ext>
+            </a:extLst>
+          </p:cNvPr>
+          <p:cNvCxnSpPr>
+            <a:cxnSpLocks/>
+          </p:cNvCxnSpPr>
+          <p:nvPr/>
+        </p:nvCxnSpPr>
+        <p:spPr>
+          <a:xfrm flipH="1">
+            <a:off x="6930293" y="2183198"/>
+            <a:ext cx="1333615" cy="344679"/>
+          </a:xfrm>
+          <a:prstGeom prst="straightConnector1">
+            <a:avLst/>
+          </a:prstGeom>
+          <a:ln w="38100">
+            <a:solidFill>
+              <a:srgbClr val="FF0000"/>
+            </a:solidFill>
+            <a:tailEnd type="triangle"/>
+          </a:ln>
+        </p:spPr>
+        <p:style>
+          <a:lnRef idx="1">
+            <a:schemeClr val="accent1"/>
+          </a:lnRef>
+          <a:fillRef idx="0">
+            <a:schemeClr val="accent1"/>
+          </a:fillRef>
+          <a:effectRef idx="0">
+            <a:schemeClr val="accent1"/>
+          </a:effectRef>
+          <a:fontRef idx="minor">
+            <a:schemeClr val="tx1"/>
+          </a:fontRef>
+        </p:style>
+      </p:cxnSp>
+      <p:cxnSp>
+        <p:nvCxnSpPr>
+          <p:cNvPr id="48" name="Straight Arrow Connector 47">
+            <a:extLst>
+              <a:ext uri="{FF2B5EF4-FFF2-40B4-BE49-F238E27FC236}">
+                <a16:creationId xmlns:a16="http://schemas.microsoft.com/office/drawing/2014/main" id="{6B6BE7A2-D1BD-4F76-96BF-04F237C36B73}"/>
+              </a:ext>
+            </a:extLst>
+          </p:cNvPr>
+          <p:cNvCxnSpPr>
+            <a:cxnSpLocks/>
+          </p:cNvCxnSpPr>
+          <p:nvPr/>
+        </p:nvCxnSpPr>
+        <p:spPr>
+          <a:xfrm>
+            <a:off x="3048000" y="1621778"/>
+            <a:ext cx="1154953" cy="375171"/>
+          </a:xfrm>
+          <a:prstGeom prst="straightConnector1">
+            <a:avLst/>
+          </a:prstGeom>
+          <a:ln w="38100">
+            <a:solidFill>
+              <a:srgbClr val="FF0000"/>
+            </a:solidFill>
+            <a:tailEnd type="triangle"/>
+          </a:ln>
+        </p:spPr>
+        <p:style>
+          <a:lnRef idx="1">
+            <a:schemeClr val="accent1"/>
+          </a:lnRef>
+          <a:fillRef idx="0">
+            <a:schemeClr val="accent1"/>
+          </a:fillRef>
+          <a:effectRef idx="0">
+            <a:schemeClr val="accent1"/>
+          </a:effectRef>
+          <a:fontRef idx="minor">
+            <a:schemeClr val="tx1"/>
+          </a:fontRef>
+        </p:style>
+      </p:cxnSp>
+      <p:cxnSp>
+        <p:nvCxnSpPr>
+          <p:cNvPr id="50" name="Straight Arrow Connector 49">
+            <a:extLst>
+              <a:ext uri="{FF2B5EF4-FFF2-40B4-BE49-F238E27FC236}">
+                <a16:creationId xmlns:a16="http://schemas.microsoft.com/office/drawing/2014/main" id="{7AB12831-494E-4990-A797-2DC7053DE7F5}"/>
+              </a:ext>
+            </a:extLst>
+          </p:cNvPr>
+          <p:cNvCxnSpPr>
+            <a:cxnSpLocks/>
+          </p:cNvCxnSpPr>
+          <p:nvPr/>
+        </p:nvCxnSpPr>
+        <p:spPr>
+          <a:xfrm>
+            <a:off x="2860519" y="2156864"/>
+            <a:ext cx="1371994" cy="402769"/>
+          </a:xfrm>
+          <a:prstGeom prst="straightConnector1">
+            <a:avLst/>
+          </a:prstGeom>
+          <a:ln w="38100">
+            <a:solidFill>
+              <a:srgbClr val="FF0000"/>
+            </a:solidFill>
+            <a:tailEnd type="triangle"/>
+          </a:ln>
+        </p:spPr>
+        <p:style>
+          <a:lnRef idx="1">
+            <a:schemeClr val="accent1"/>
+          </a:lnRef>
+          <a:fillRef idx="0">
+            <a:schemeClr val="accent1"/>
+          </a:fillRef>
+          <a:effectRef idx="0">
+            <a:schemeClr val="accent1"/>
+          </a:effectRef>
+          <a:fontRef idx="minor">
+            <a:schemeClr val="tx1"/>
+          </a:fontRef>
+        </p:style>
+      </p:cxnSp>
+      <p:sp>
+        <p:nvSpPr>
+          <p:cNvPr id="37" name="TextBox 36">
+            <a:extLst>
+              <a:ext uri="{FF2B5EF4-FFF2-40B4-BE49-F238E27FC236}">
+                <a16:creationId xmlns:a16="http://schemas.microsoft.com/office/drawing/2014/main" id="{3C5D0C7D-1F01-4E3E-93A1-3BE0C20562CB}"/>
+              </a:ext>
+            </a:extLst>
+          </p:cNvPr>
+          <p:cNvSpPr txBox="1"/>
+          <p:nvPr/>
+        </p:nvSpPr>
+        <p:spPr>
+          <a:xfrm>
+            <a:off x="357809" y="424070"/>
+            <a:ext cx="2185582" cy="584775"/>
+          </a:xfrm>
+          <a:prstGeom prst="rect">
+            <a:avLst/>
+          </a:prstGeom>
+          <a:noFill/>
+        </p:spPr>
+        <p:txBody>
+          <a:bodyPr wrap="square" rtlCol="0">
+            <a:spAutoFit/>
+          </a:bodyPr>
+          <a:lstStyle/>
+          <a:p>
+            <a:r>
+              <a:rPr lang="en-US" sz="3200" b="1" dirty="0">
+                <a:solidFill>
+                  <a:srgbClr val="FF0000"/>
+                </a:solidFill>
+              </a:rPr>
+              <a:t>OPERATOR</a:t>
+            </a:r>
+          </a:p>
+        </p:txBody>
+      </p:sp>
     </p:spTree>
     <p:extLst>
       <p:ext uri="{BB962C8B-B14F-4D97-AF65-F5344CB8AC3E}">
-        <p14:creationId xmlns:p14="http://schemas.microsoft.com/office/powerpoint/2010/main" val="3582417615"/>
+        <p14:creationId xmlns:p14="http://schemas.microsoft.com/office/powerpoint/2010/main" val="3706289862"/>
       </p:ext>
     </p:extLst>
   </p:cSld>
@@ -3307,6 +5405,1168 @@
         </p:blipFill>
         <p:spPr>
           <a:xfrm>
+            <a:off x="3499917" y="3429000"/>
+            <a:ext cx="4207405" cy="2621108"/>
+          </a:xfrm>
+          <a:prstGeom prst="rect">
+            <a:avLst/>
+          </a:prstGeom>
+        </p:spPr>
+      </p:pic>
+      <p:pic>
+        <p:nvPicPr>
+          <p:cNvPr id="3" name="Picture 2"/>
+          <p:cNvPicPr>
+            <a:picLocks noChangeAspect="1"/>
+          </p:cNvPicPr>
+          <p:nvPr/>
+        </p:nvPicPr>
+        <p:blipFill>
+          <a:blip r:embed="rId3">
+            <a:extLst>
+              <a:ext uri="{28A0092B-C50C-407E-A947-70E740481C1C}">
+                <a14:useLocalDpi xmlns:a14="http://schemas.microsoft.com/office/drawing/2010/main" val="0"/>
+              </a:ext>
+            </a:extLst>
+          </a:blip>
+          <a:stretch>
+            <a:fillRect/>
+          </a:stretch>
+        </p:blipFill>
+        <p:spPr>
+          <a:xfrm>
+            <a:off x="3437996" y="939799"/>
+            <a:ext cx="4331248" cy="2105025"/>
+          </a:xfrm>
+          <a:prstGeom prst="rect">
+            <a:avLst/>
+          </a:prstGeom>
+        </p:spPr>
+      </p:pic>
+      <p:cxnSp>
+        <p:nvCxnSpPr>
+          <p:cNvPr id="12" name="Straight Arrow Connector 11">
+            <a:extLst>
+              <a:ext uri="{FF2B5EF4-FFF2-40B4-BE49-F238E27FC236}">
+                <a16:creationId xmlns:a16="http://schemas.microsoft.com/office/drawing/2014/main" id="{E90EF790-7188-42F6-B276-DD3BAAFFB86D}"/>
+              </a:ext>
+            </a:extLst>
+          </p:cNvPr>
+          <p:cNvCxnSpPr>
+            <a:cxnSpLocks/>
+          </p:cNvCxnSpPr>
+          <p:nvPr/>
+        </p:nvCxnSpPr>
+        <p:spPr>
+          <a:xfrm flipH="1">
+            <a:off x="4969052" y="4626907"/>
+            <a:ext cx="16311" cy="1080995"/>
+          </a:xfrm>
+          <a:prstGeom prst="straightConnector1">
+            <a:avLst/>
+          </a:prstGeom>
+          <a:ln w="38100">
+            <a:solidFill>
+              <a:srgbClr val="FF0000"/>
+            </a:solidFill>
+            <a:headEnd type="triangle" w="med" len="med"/>
+            <a:tailEnd type="triangle" w="med" len="med"/>
+          </a:ln>
+        </p:spPr>
+        <p:style>
+          <a:lnRef idx="1">
+            <a:schemeClr val="accent1"/>
+          </a:lnRef>
+          <a:fillRef idx="0">
+            <a:schemeClr val="accent1"/>
+          </a:fillRef>
+          <a:effectRef idx="0">
+            <a:schemeClr val="accent1"/>
+          </a:effectRef>
+          <a:fontRef idx="minor">
+            <a:schemeClr val="tx1"/>
+          </a:fontRef>
+        </p:style>
+      </p:cxnSp>
+      <p:cxnSp>
+        <p:nvCxnSpPr>
+          <p:cNvPr id="15" name="Straight Arrow Connector 14">
+            <a:extLst>
+              <a:ext uri="{FF2B5EF4-FFF2-40B4-BE49-F238E27FC236}">
+                <a16:creationId xmlns:a16="http://schemas.microsoft.com/office/drawing/2014/main" id="{2A24ABB9-AC43-42AC-87D3-8C990CAC4439}"/>
+              </a:ext>
+            </a:extLst>
+          </p:cNvPr>
+          <p:cNvCxnSpPr>
+            <a:cxnSpLocks/>
+          </p:cNvCxnSpPr>
+          <p:nvPr/>
+        </p:nvCxnSpPr>
+        <p:spPr>
+          <a:xfrm>
+            <a:off x="4439478" y="5167405"/>
+            <a:ext cx="1059149" cy="0"/>
+          </a:xfrm>
+          <a:prstGeom prst="straightConnector1">
+            <a:avLst/>
+          </a:prstGeom>
+          <a:ln w="38100">
+            <a:solidFill>
+              <a:srgbClr val="FF0000"/>
+            </a:solidFill>
+            <a:headEnd type="triangle" w="med" len="med"/>
+            <a:tailEnd type="triangle" w="med" len="med"/>
+          </a:ln>
+        </p:spPr>
+        <p:style>
+          <a:lnRef idx="1">
+            <a:schemeClr val="accent1"/>
+          </a:lnRef>
+          <a:fillRef idx="0">
+            <a:schemeClr val="accent1"/>
+          </a:fillRef>
+          <a:effectRef idx="0">
+            <a:schemeClr val="accent1"/>
+          </a:effectRef>
+          <a:fontRef idx="minor">
+            <a:schemeClr val="tx1"/>
+          </a:fontRef>
+        </p:style>
+      </p:cxnSp>
+      <p:cxnSp>
+        <p:nvCxnSpPr>
+          <p:cNvPr id="17" name="Straight Arrow Connector 16">
+            <a:extLst>
+              <a:ext uri="{FF2B5EF4-FFF2-40B4-BE49-F238E27FC236}">
+                <a16:creationId xmlns:a16="http://schemas.microsoft.com/office/drawing/2014/main" id="{B94D510F-4540-4970-A2AC-550BC35A4BEB}"/>
+              </a:ext>
+            </a:extLst>
+          </p:cNvPr>
+          <p:cNvCxnSpPr>
+            <a:cxnSpLocks/>
+          </p:cNvCxnSpPr>
+          <p:nvPr/>
+        </p:nvCxnSpPr>
+        <p:spPr>
+          <a:xfrm>
+            <a:off x="5722889" y="5167404"/>
+            <a:ext cx="956206" cy="0"/>
+          </a:xfrm>
+          <a:prstGeom prst="straightConnector1">
+            <a:avLst/>
+          </a:prstGeom>
+          <a:ln w="38100">
+            <a:solidFill>
+              <a:srgbClr val="FF0000"/>
+            </a:solidFill>
+            <a:headEnd type="triangle" w="med" len="med"/>
+            <a:tailEnd type="triangle" w="med" len="med"/>
+          </a:ln>
+        </p:spPr>
+        <p:style>
+          <a:lnRef idx="1">
+            <a:schemeClr val="accent1"/>
+          </a:lnRef>
+          <a:fillRef idx="0">
+            <a:schemeClr val="accent1"/>
+          </a:fillRef>
+          <a:effectRef idx="0">
+            <a:schemeClr val="accent1"/>
+          </a:effectRef>
+          <a:fontRef idx="minor">
+            <a:schemeClr val="tx1"/>
+          </a:fontRef>
+        </p:style>
+      </p:cxnSp>
+      <p:cxnSp>
+        <p:nvCxnSpPr>
+          <p:cNvPr id="21" name="Straight Arrow Connector 20">
+            <a:extLst>
+              <a:ext uri="{FF2B5EF4-FFF2-40B4-BE49-F238E27FC236}">
+                <a16:creationId xmlns:a16="http://schemas.microsoft.com/office/drawing/2014/main" id="{83275F49-69BD-41FC-8870-7A98460F90DE}"/>
+              </a:ext>
+            </a:extLst>
+          </p:cNvPr>
+          <p:cNvCxnSpPr>
+            <a:cxnSpLocks/>
+          </p:cNvCxnSpPr>
+          <p:nvPr/>
+        </p:nvCxnSpPr>
+        <p:spPr>
+          <a:xfrm flipH="1">
+            <a:off x="6200992" y="4626907"/>
+            <a:ext cx="16311" cy="1080995"/>
+          </a:xfrm>
+          <a:prstGeom prst="straightConnector1">
+            <a:avLst/>
+          </a:prstGeom>
+          <a:ln w="38100">
+            <a:solidFill>
+              <a:srgbClr val="FF0000"/>
+            </a:solidFill>
+            <a:headEnd type="triangle" w="med" len="med"/>
+            <a:tailEnd type="triangle" w="med" len="med"/>
+          </a:ln>
+        </p:spPr>
+        <p:style>
+          <a:lnRef idx="1">
+            <a:schemeClr val="accent1"/>
+          </a:lnRef>
+          <a:fillRef idx="0">
+            <a:schemeClr val="accent1"/>
+          </a:fillRef>
+          <a:effectRef idx="0">
+            <a:schemeClr val="accent1"/>
+          </a:effectRef>
+          <a:fontRef idx="minor">
+            <a:schemeClr val="tx1"/>
+          </a:fontRef>
+        </p:style>
+      </p:cxnSp>
+      <p:sp>
+        <p:nvSpPr>
+          <p:cNvPr id="22" name="TextBox 21">
+            <a:extLst>
+              <a:ext uri="{FF2B5EF4-FFF2-40B4-BE49-F238E27FC236}">
+                <a16:creationId xmlns:a16="http://schemas.microsoft.com/office/drawing/2014/main" id="{501EC76A-58B2-4DAF-B9D5-C6E3795FD2D8}"/>
+              </a:ext>
+            </a:extLst>
+          </p:cNvPr>
+          <p:cNvSpPr txBox="1"/>
+          <p:nvPr/>
+        </p:nvSpPr>
+        <p:spPr>
+          <a:xfrm>
+            <a:off x="3346173" y="5712613"/>
+            <a:ext cx="2186609" cy="369332"/>
+          </a:xfrm>
+          <a:prstGeom prst="rect">
+            <a:avLst/>
+          </a:prstGeom>
+          <a:noFill/>
+        </p:spPr>
+        <p:txBody>
+          <a:bodyPr wrap="square" rtlCol="0">
+            <a:spAutoFit/>
+          </a:bodyPr>
+          <a:lstStyle/>
+          <a:p>
+            <a:pPr algn="ctr"/>
+            <a:r>
+              <a:rPr lang="en-US" b="1" dirty="0">
+                <a:solidFill>
+                  <a:srgbClr val="FF0000"/>
+                </a:solidFill>
+              </a:rPr>
+              <a:t>Joystick Axis 1</a:t>
+            </a:r>
+          </a:p>
+        </p:txBody>
+      </p:sp>
+      <p:sp>
+        <p:nvSpPr>
+          <p:cNvPr id="23" name="TextBox 22">
+            <a:extLst>
+              <a:ext uri="{FF2B5EF4-FFF2-40B4-BE49-F238E27FC236}">
+                <a16:creationId xmlns:a16="http://schemas.microsoft.com/office/drawing/2014/main" id="{757B4EDE-6F62-4AFE-A271-6C0CBD966EDD}"/>
+              </a:ext>
+            </a:extLst>
+          </p:cNvPr>
+          <p:cNvSpPr txBox="1"/>
+          <p:nvPr/>
+        </p:nvSpPr>
+        <p:spPr>
+          <a:xfrm>
+            <a:off x="2543391" y="4987449"/>
+            <a:ext cx="2186609" cy="369332"/>
+          </a:xfrm>
+          <a:prstGeom prst="rect">
+            <a:avLst/>
+          </a:prstGeom>
+          <a:noFill/>
+        </p:spPr>
+        <p:txBody>
+          <a:bodyPr wrap="square" rtlCol="0">
+            <a:spAutoFit/>
+          </a:bodyPr>
+          <a:lstStyle/>
+          <a:p>
+            <a:pPr algn="ctr"/>
+            <a:r>
+              <a:rPr lang="en-US" b="1" dirty="0">
+                <a:solidFill>
+                  <a:srgbClr val="FF0000"/>
+                </a:solidFill>
+              </a:rPr>
+              <a:t>Joystick Axis 0</a:t>
+            </a:r>
+          </a:p>
+        </p:txBody>
+      </p:sp>
+      <p:sp>
+        <p:nvSpPr>
+          <p:cNvPr id="24" name="TextBox 23">
+            <a:extLst>
+              <a:ext uri="{FF2B5EF4-FFF2-40B4-BE49-F238E27FC236}">
+                <a16:creationId xmlns:a16="http://schemas.microsoft.com/office/drawing/2014/main" id="{0ACF609C-5261-4435-A7C8-DF8E97856FD8}"/>
+              </a:ext>
+            </a:extLst>
+          </p:cNvPr>
+          <p:cNvSpPr txBox="1"/>
+          <p:nvPr/>
+        </p:nvSpPr>
+        <p:spPr>
+          <a:xfrm>
+            <a:off x="5603619" y="5667213"/>
+            <a:ext cx="2186609" cy="369332"/>
+          </a:xfrm>
+          <a:prstGeom prst="rect">
+            <a:avLst/>
+          </a:prstGeom>
+          <a:noFill/>
+        </p:spPr>
+        <p:txBody>
+          <a:bodyPr wrap="square" rtlCol="0">
+            <a:spAutoFit/>
+          </a:bodyPr>
+          <a:lstStyle/>
+          <a:p>
+            <a:pPr algn="ctr"/>
+            <a:r>
+              <a:rPr lang="en-US" b="1" dirty="0">
+                <a:solidFill>
+                  <a:srgbClr val="FF0000"/>
+                </a:solidFill>
+              </a:rPr>
+              <a:t>Joystick Axis 3</a:t>
+            </a:r>
+          </a:p>
+        </p:txBody>
+      </p:sp>
+      <p:sp>
+        <p:nvSpPr>
+          <p:cNvPr id="25" name="TextBox 24">
+            <a:extLst>
+              <a:ext uri="{FF2B5EF4-FFF2-40B4-BE49-F238E27FC236}">
+                <a16:creationId xmlns:a16="http://schemas.microsoft.com/office/drawing/2014/main" id="{E291AD0D-9375-4E83-B2D9-B063EF1558A7}"/>
+              </a:ext>
+            </a:extLst>
+          </p:cNvPr>
+          <p:cNvSpPr txBox="1"/>
+          <p:nvPr/>
+        </p:nvSpPr>
+        <p:spPr>
+          <a:xfrm>
+            <a:off x="6438188" y="4987449"/>
+            <a:ext cx="2186609" cy="369332"/>
+          </a:xfrm>
+          <a:prstGeom prst="rect">
+            <a:avLst/>
+          </a:prstGeom>
+          <a:noFill/>
+        </p:spPr>
+        <p:txBody>
+          <a:bodyPr wrap="square" rtlCol="0">
+            <a:spAutoFit/>
+          </a:bodyPr>
+          <a:lstStyle/>
+          <a:p>
+            <a:pPr algn="ctr"/>
+            <a:r>
+              <a:rPr lang="en-US" b="1" dirty="0">
+                <a:solidFill>
+                  <a:srgbClr val="FF0000"/>
+                </a:solidFill>
+              </a:rPr>
+              <a:t>Joystick Axis 2</a:t>
+            </a:r>
+          </a:p>
+        </p:txBody>
+      </p:sp>
+      <p:cxnSp>
+        <p:nvCxnSpPr>
+          <p:cNvPr id="26" name="Straight Arrow Connector 25">
+            <a:extLst>
+              <a:ext uri="{FF2B5EF4-FFF2-40B4-BE49-F238E27FC236}">
+                <a16:creationId xmlns:a16="http://schemas.microsoft.com/office/drawing/2014/main" id="{0F3B5E9B-C537-4A5D-ACE4-F79B7CFB9458}"/>
+              </a:ext>
+            </a:extLst>
+          </p:cNvPr>
+          <p:cNvCxnSpPr>
+            <a:cxnSpLocks/>
+          </p:cNvCxnSpPr>
+          <p:nvPr/>
+        </p:nvCxnSpPr>
+        <p:spPr>
+          <a:xfrm flipH="1">
+            <a:off x="6764809" y="3796893"/>
+            <a:ext cx="934167" cy="411332"/>
+          </a:xfrm>
+          <a:prstGeom prst="straightConnector1">
+            <a:avLst/>
+          </a:prstGeom>
+          <a:ln w="38100">
+            <a:solidFill>
+              <a:srgbClr val="FF0000"/>
+            </a:solidFill>
+            <a:tailEnd type="triangle"/>
+          </a:ln>
+        </p:spPr>
+        <p:style>
+          <a:lnRef idx="1">
+            <a:schemeClr val="accent1"/>
+          </a:lnRef>
+          <a:fillRef idx="0">
+            <a:schemeClr val="accent1"/>
+          </a:fillRef>
+          <a:effectRef idx="0">
+            <a:schemeClr val="accent1"/>
+          </a:effectRef>
+          <a:fontRef idx="minor">
+            <a:schemeClr val="tx1"/>
+          </a:fontRef>
+        </p:style>
+      </p:cxnSp>
+      <p:sp>
+        <p:nvSpPr>
+          <p:cNvPr id="28" name="TextBox 27">
+            <a:extLst>
+              <a:ext uri="{FF2B5EF4-FFF2-40B4-BE49-F238E27FC236}">
+                <a16:creationId xmlns:a16="http://schemas.microsoft.com/office/drawing/2014/main" id="{58A7AB82-4CED-48AC-A028-2D01782C9733}"/>
+              </a:ext>
+            </a:extLst>
+          </p:cNvPr>
+          <p:cNvSpPr txBox="1"/>
+          <p:nvPr/>
+        </p:nvSpPr>
+        <p:spPr>
+          <a:xfrm>
+            <a:off x="4205003" y="3344060"/>
+            <a:ext cx="2186609" cy="369332"/>
+          </a:xfrm>
+          <a:prstGeom prst="rect">
+            <a:avLst/>
+          </a:prstGeom>
+          <a:noFill/>
+        </p:spPr>
+        <p:txBody>
+          <a:bodyPr wrap="square" rtlCol="0">
+            <a:spAutoFit/>
+          </a:bodyPr>
+          <a:lstStyle/>
+          <a:p>
+            <a:pPr algn="ctr"/>
+            <a:r>
+              <a:rPr lang="en-US" b="1" dirty="0">
+                <a:solidFill>
+                  <a:srgbClr val="FF0000"/>
+                </a:solidFill>
+              </a:rPr>
+              <a:t>Button 0</a:t>
+            </a:r>
+          </a:p>
+        </p:txBody>
+      </p:sp>
+      <p:sp>
+        <p:nvSpPr>
+          <p:cNvPr id="29" name="TextBox 28">
+            <a:extLst>
+              <a:ext uri="{FF2B5EF4-FFF2-40B4-BE49-F238E27FC236}">
+                <a16:creationId xmlns:a16="http://schemas.microsoft.com/office/drawing/2014/main" id="{DDA261A3-1970-4B59-B5C6-34B2D077E1BB}"/>
+              </a:ext>
+            </a:extLst>
+          </p:cNvPr>
+          <p:cNvSpPr txBox="1"/>
+          <p:nvPr/>
+        </p:nvSpPr>
+        <p:spPr>
+          <a:xfrm>
+            <a:off x="7072755" y="3580390"/>
+            <a:ext cx="2186609" cy="369332"/>
+          </a:xfrm>
+          <a:prstGeom prst="rect">
+            <a:avLst/>
+          </a:prstGeom>
+          <a:noFill/>
+        </p:spPr>
+        <p:txBody>
+          <a:bodyPr wrap="square" rtlCol="0">
+            <a:spAutoFit/>
+          </a:bodyPr>
+          <a:lstStyle/>
+          <a:p>
+            <a:pPr algn="ctr"/>
+            <a:r>
+              <a:rPr lang="en-US" b="1" dirty="0">
+                <a:solidFill>
+                  <a:srgbClr val="FF0000"/>
+                </a:solidFill>
+              </a:rPr>
+              <a:t>Button 3</a:t>
+            </a:r>
+          </a:p>
+        </p:txBody>
+      </p:sp>
+      <p:sp>
+        <p:nvSpPr>
+          <p:cNvPr id="30" name="TextBox 29">
+            <a:extLst>
+              <a:ext uri="{FF2B5EF4-FFF2-40B4-BE49-F238E27FC236}">
+                <a16:creationId xmlns:a16="http://schemas.microsoft.com/office/drawing/2014/main" id="{20D526B3-D9A8-4378-8E52-1134477E15CF}"/>
+              </a:ext>
+            </a:extLst>
+          </p:cNvPr>
+          <p:cNvSpPr txBox="1"/>
+          <p:nvPr/>
+        </p:nvSpPr>
+        <p:spPr>
+          <a:xfrm>
+            <a:off x="8263908" y="4635014"/>
+            <a:ext cx="2186609" cy="369332"/>
+          </a:xfrm>
+          <a:prstGeom prst="rect">
+            <a:avLst/>
+          </a:prstGeom>
+          <a:noFill/>
+        </p:spPr>
+        <p:txBody>
+          <a:bodyPr wrap="square" rtlCol="0">
+            <a:spAutoFit/>
+          </a:bodyPr>
+          <a:lstStyle/>
+          <a:p>
+            <a:pPr algn="ctr"/>
+            <a:r>
+              <a:rPr lang="en-US" b="1" dirty="0">
+                <a:solidFill>
+                  <a:srgbClr val="FF0000"/>
+                </a:solidFill>
+              </a:rPr>
+              <a:t>Button 1</a:t>
+            </a:r>
+          </a:p>
+        </p:txBody>
+      </p:sp>
+      <p:sp>
+        <p:nvSpPr>
+          <p:cNvPr id="31" name="TextBox 30">
+            <a:extLst>
+              <a:ext uri="{FF2B5EF4-FFF2-40B4-BE49-F238E27FC236}">
+                <a16:creationId xmlns:a16="http://schemas.microsoft.com/office/drawing/2014/main" id="{ECCBC355-B2DC-4F5E-8071-21D809982F15}"/>
+              </a:ext>
+            </a:extLst>
+          </p:cNvPr>
+          <p:cNvSpPr txBox="1"/>
+          <p:nvPr/>
+        </p:nvSpPr>
+        <p:spPr>
+          <a:xfrm>
+            <a:off x="7698976" y="4142511"/>
+            <a:ext cx="2186609" cy="369332"/>
+          </a:xfrm>
+          <a:prstGeom prst="rect">
+            <a:avLst/>
+          </a:prstGeom>
+          <a:noFill/>
+        </p:spPr>
+        <p:txBody>
+          <a:bodyPr wrap="square" rtlCol="0">
+            <a:spAutoFit/>
+          </a:bodyPr>
+          <a:lstStyle/>
+          <a:p>
+            <a:pPr algn="ctr"/>
+            <a:r>
+              <a:rPr lang="en-US" b="1" dirty="0">
+                <a:solidFill>
+                  <a:srgbClr val="FF0000"/>
+                </a:solidFill>
+              </a:rPr>
+              <a:t>Button 2</a:t>
+            </a:r>
+          </a:p>
+        </p:txBody>
+      </p:sp>
+      <p:sp>
+        <p:nvSpPr>
+          <p:cNvPr id="32" name="TextBox 31">
+            <a:extLst>
+              <a:ext uri="{FF2B5EF4-FFF2-40B4-BE49-F238E27FC236}">
+                <a16:creationId xmlns:a16="http://schemas.microsoft.com/office/drawing/2014/main" id="{EC732D11-9DBF-4AE0-894F-A4104302527B}"/>
+              </a:ext>
+            </a:extLst>
+          </p:cNvPr>
+          <p:cNvSpPr txBox="1"/>
+          <p:nvPr/>
+        </p:nvSpPr>
+        <p:spPr>
+          <a:xfrm>
+            <a:off x="1289555" y="1956331"/>
+            <a:ext cx="2186609" cy="369332"/>
+          </a:xfrm>
+          <a:prstGeom prst="rect">
+            <a:avLst/>
+          </a:prstGeom>
+          <a:noFill/>
+        </p:spPr>
+        <p:txBody>
+          <a:bodyPr wrap="square" rtlCol="0">
+            <a:spAutoFit/>
+          </a:bodyPr>
+          <a:lstStyle/>
+          <a:p>
+            <a:pPr algn="ctr"/>
+            <a:r>
+              <a:rPr lang="en-US" b="1" dirty="0">
+                <a:solidFill>
+                  <a:srgbClr val="FF0000"/>
+                </a:solidFill>
+              </a:rPr>
+              <a:t>Button 7</a:t>
+            </a:r>
+          </a:p>
+        </p:txBody>
+      </p:sp>
+      <p:sp>
+        <p:nvSpPr>
+          <p:cNvPr id="33" name="TextBox 32">
+            <a:extLst>
+              <a:ext uri="{FF2B5EF4-FFF2-40B4-BE49-F238E27FC236}">
+                <a16:creationId xmlns:a16="http://schemas.microsoft.com/office/drawing/2014/main" id="{8C92D660-6E93-44F1-97F0-565DBBA5B7E7}"/>
+              </a:ext>
+            </a:extLst>
+          </p:cNvPr>
+          <p:cNvSpPr txBox="1"/>
+          <p:nvPr/>
+        </p:nvSpPr>
+        <p:spPr>
+          <a:xfrm>
+            <a:off x="7736188" y="1252446"/>
+            <a:ext cx="2186609" cy="369332"/>
+          </a:xfrm>
+          <a:prstGeom prst="rect">
+            <a:avLst/>
+          </a:prstGeom>
+          <a:noFill/>
+        </p:spPr>
+        <p:txBody>
+          <a:bodyPr wrap="square" rtlCol="0">
+            <a:spAutoFit/>
+          </a:bodyPr>
+          <a:lstStyle/>
+          <a:p>
+            <a:pPr algn="ctr"/>
+            <a:r>
+              <a:rPr lang="en-US" b="1" dirty="0">
+                <a:solidFill>
+                  <a:srgbClr val="FF0000"/>
+                </a:solidFill>
+              </a:rPr>
+              <a:t>Button 4</a:t>
+            </a:r>
+          </a:p>
+        </p:txBody>
+      </p:sp>
+      <p:sp>
+        <p:nvSpPr>
+          <p:cNvPr id="34" name="TextBox 33">
+            <a:extLst>
+              <a:ext uri="{FF2B5EF4-FFF2-40B4-BE49-F238E27FC236}">
+                <a16:creationId xmlns:a16="http://schemas.microsoft.com/office/drawing/2014/main" id="{37527163-F972-4B33-A6ED-23E9224A1E55}"/>
+              </a:ext>
+            </a:extLst>
+          </p:cNvPr>
+          <p:cNvSpPr txBox="1"/>
+          <p:nvPr/>
+        </p:nvSpPr>
+        <p:spPr>
+          <a:xfrm>
+            <a:off x="1462307" y="1363666"/>
+            <a:ext cx="2186609" cy="369332"/>
+          </a:xfrm>
+          <a:prstGeom prst="rect">
+            <a:avLst/>
+          </a:prstGeom>
+          <a:noFill/>
+        </p:spPr>
+        <p:txBody>
+          <a:bodyPr wrap="square" rtlCol="0">
+            <a:spAutoFit/>
+          </a:bodyPr>
+          <a:lstStyle/>
+          <a:p>
+            <a:pPr algn="ctr"/>
+            <a:r>
+              <a:rPr lang="en-US" b="1" dirty="0">
+                <a:solidFill>
+                  <a:srgbClr val="FF0000"/>
+                </a:solidFill>
+              </a:rPr>
+              <a:t>Button 5</a:t>
+            </a:r>
+          </a:p>
+        </p:txBody>
+      </p:sp>
+      <p:sp>
+        <p:nvSpPr>
+          <p:cNvPr id="35" name="TextBox 34">
+            <a:extLst>
+              <a:ext uri="{FF2B5EF4-FFF2-40B4-BE49-F238E27FC236}">
+                <a16:creationId xmlns:a16="http://schemas.microsoft.com/office/drawing/2014/main" id="{B8C2E5DF-8365-4685-811F-BAF212BF64B0}"/>
+              </a:ext>
+            </a:extLst>
+          </p:cNvPr>
+          <p:cNvSpPr txBox="1"/>
+          <p:nvPr/>
+        </p:nvSpPr>
+        <p:spPr>
+          <a:xfrm>
+            <a:off x="7678604" y="1973286"/>
+            <a:ext cx="2186609" cy="369332"/>
+          </a:xfrm>
+          <a:prstGeom prst="rect">
+            <a:avLst/>
+          </a:prstGeom>
+          <a:noFill/>
+        </p:spPr>
+        <p:txBody>
+          <a:bodyPr wrap="square" rtlCol="0">
+            <a:spAutoFit/>
+          </a:bodyPr>
+          <a:lstStyle/>
+          <a:p>
+            <a:pPr algn="ctr"/>
+            <a:r>
+              <a:rPr lang="en-US" b="1" dirty="0">
+                <a:solidFill>
+                  <a:srgbClr val="FF0000"/>
+                </a:solidFill>
+              </a:rPr>
+              <a:t>Button 6</a:t>
+            </a:r>
+          </a:p>
+        </p:txBody>
+      </p:sp>
+      <p:cxnSp>
+        <p:nvCxnSpPr>
+          <p:cNvPr id="36" name="Straight Arrow Connector 35">
+            <a:extLst>
+              <a:ext uri="{FF2B5EF4-FFF2-40B4-BE49-F238E27FC236}">
+                <a16:creationId xmlns:a16="http://schemas.microsoft.com/office/drawing/2014/main" id="{7D3EB286-A2E4-40A1-B2BB-89CCF6EAC0B7}"/>
+              </a:ext>
+            </a:extLst>
+          </p:cNvPr>
+          <p:cNvCxnSpPr>
+            <a:cxnSpLocks/>
+          </p:cNvCxnSpPr>
+          <p:nvPr/>
+        </p:nvCxnSpPr>
+        <p:spPr>
+          <a:xfrm flipH="1">
+            <a:off x="7100675" y="4350269"/>
+            <a:ext cx="1221690" cy="136010"/>
+          </a:xfrm>
+          <a:prstGeom prst="straightConnector1">
+            <a:avLst/>
+          </a:prstGeom>
+          <a:ln w="38100">
+            <a:solidFill>
+              <a:srgbClr val="FF0000"/>
+            </a:solidFill>
+            <a:tailEnd type="triangle"/>
+          </a:ln>
+        </p:spPr>
+        <p:style>
+          <a:lnRef idx="1">
+            <a:schemeClr val="accent1"/>
+          </a:lnRef>
+          <a:fillRef idx="0">
+            <a:schemeClr val="accent1"/>
+          </a:fillRef>
+          <a:effectRef idx="0">
+            <a:schemeClr val="accent1"/>
+          </a:effectRef>
+          <a:fontRef idx="minor">
+            <a:schemeClr val="tx1"/>
+          </a:fontRef>
+        </p:style>
+      </p:cxnSp>
+      <p:cxnSp>
+        <p:nvCxnSpPr>
+          <p:cNvPr id="38" name="Straight Arrow Connector 37">
+            <a:extLst>
+              <a:ext uri="{FF2B5EF4-FFF2-40B4-BE49-F238E27FC236}">
+                <a16:creationId xmlns:a16="http://schemas.microsoft.com/office/drawing/2014/main" id="{6D0C58A2-BBFF-4A08-8956-B6846A78085F}"/>
+              </a:ext>
+            </a:extLst>
+          </p:cNvPr>
+          <p:cNvCxnSpPr>
+            <a:cxnSpLocks/>
+          </p:cNvCxnSpPr>
+          <p:nvPr/>
+        </p:nvCxnSpPr>
+        <p:spPr>
+          <a:xfrm>
+            <a:off x="5722889" y="3607517"/>
+            <a:ext cx="787831" cy="861808"/>
+          </a:xfrm>
+          <a:prstGeom prst="straightConnector1">
+            <a:avLst/>
+          </a:prstGeom>
+          <a:ln w="38100">
+            <a:solidFill>
+              <a:srgbClr val="FF0000"/>
+            </a:solidFill>
+            <a:tailEnd type="triangle"/>
+          </a:ln>
+        </p:spPr>
+        <p:style>
+          <a:lnRef idx="1">
+            <a:schemeClr val="accent1"/>
+          </a:lnRef>
+          <a:fillRef idx="0">
+            <a:schemeClr val="accent1"/>
+          </a:fillRef>
+          <a:effectRef idx="0">
+            <a:schemeClr val="accent1"/>
+          </a:effectRef>
+          <a:fontRef idx="minor">
+            <a:schemeClr val="tx1"/>
+          </a:fontRef>
+        </p:style>
+      </p:cxnSp>
+      <p:cxnSp>
+        <p:nvCxnSpPr>
+          <p:cNvPr id="41" name="Straight Arrow Connector 40">
+            <a:extLst>
+              <a:ext uri="{FF2B5EF4-FFF2-40B4-BE49-F238E27FC236}">
+                <a16:creationId xmlns:a16="http://schemas.microsoft.com/office/drawing/2014/main" id="{53F1F003-B170-45EA-90B5-FE1EAAD42A63}"/>
+              </a:ext>
+            </a:extLst>
+          </p:cNvPr>
+          <p:cNvCxnSpPr>
+            <a:cxnSpLocks/>
+          </p:cNvCxnSpPr>
+          <p:nvPr/>
+        </p:nvCxnSpPr>
+        <p:spPr>
+          <a:xfrm flipH="1" flipV="1">
+            <a:off x="6735382" y="4782090"/>
+            <a:ext cx="2061071" cy="26543"/>
+          </a:xfrm>
+          <a:prstGeom prst="straightConnector1">
+            <a:avLst/>
+          </a:prstGeom>
+          <a:ln w="38100">
+            <a:solidFill>
+              <a:srgbClr val="FF0000"/>
+            </a:solidFill>
+            <a:tailEnd type="triangle"/>
+          </a:ln>
+        </p:spPr>
+        <p:style>
+          <a:lnRef idx="1">
+            <a:schemeClr val="accent1"/>
+          </a:lnRef>
+          <a:fillRef idx="0">
+            <a:schemeClr val="accent1"/>
+          </a:fillRef>
+          <a:effectRef idx="0">
+            <a:schemeClr val="accent1"/>
+          </a:effectRef>
+          <a:fontRef idx="minor">
+            <a:schemeClr val="tx1"/>
+          </a:fontRef>
+        </p:style>
+      </p:cxnSp>
+      <p:cxnSp>
+        <p:nvCxnSpPr>
+          <p:cNvPr id="44" name="Straight Arrow Connector 43">
+            <a:extLst>
+              <a:ext uri="{FF2B5EF4-FFF2-40B4-BE49-F238E27FC236}">
+                <a16:creationId xmlns:a16="http://schemas.microsoft.com/office/drawing/2014/main" id="{8766F88F-CE75-4075-A7FB-0016791A5FF0}"/>
+              </a:ext>
+            </a:extLst>
+          </p:cNvPr>
+          <p:cNvCxnSpPr>
+            <a:cxnSpLocks/>
+          </p:cNvCxnSpPr>
+          <p:nvPr/>
+        </p:nvCxnSpPr>
+        <p:spPr>
+          <a:xfrm flipH="1">
+            <a:off x="7064408" y="1501219"/>
+            <a:ext cx="1257957" cy="491092"/>
+          </a:xfrm>
+          <a:prstGeom prst="straightConnector1">
+            <a:avLst/>
+          </a:prstGeom>
+          <a:ln w="38100">
+            <a:solidFill>
+              <a:srgbClr val="FF0000"/>
+            </a:solidFill>
+            <a:tailEnd type="triangle"/>
+          </a:ln>
+        </p:spPr>
+        <p:style>
+          <a:lnRef idx="1">
+            <a:schemeClr val="accent1"/>
+          </a:lnRef>
+          <a:fillRef idx="0">
+            <a:schemeClr val="accent1"/>
+          </a:fillRef>
+          <a:effectRef idx="0">
+            <a:schemeClr val="accent1"/>
+          </a:effectRef>
+          <a:fontRef idx="minor">
+            <a:schemeClr val="tx1"/>
+          </a:fontRef>
+        </p:style>
+      </p:cxnSp>
+      <p:cxnSp>
+        <p:nvCxnSpPr>
+          <p:cNvPr id="46" name="Straight Arrow Connector 45">
+            <a:extLst>
+              <a:ext uri="{FF2B5EF4-FFF2-40B4-BE49-F238E27FC236}">
+                <a16:creationId xmlns:a16="http://schemas.microsoft.com/office/drawing/2014/main" id="{A1EFF5AC-23E1-46E4-9F3C-45143630E414}"/>
+              </a:ext>
+            </a:extLst>
+          </p:cNvPr>
+          <p:cNvCxnSpPr>
+            <a:cxnSpLocks/>
+          </p:cNvCxnSpPr>
+          <p:nvPr/>
+        </p:nvCxnSpPr>
+        <p:spPr>
+          <a:xfrm flipH="1">
+            <a:off x="6930293" y="2183198"/>
+            <a:ext cx="1333615" cy="344679"/>
+          </a:xfrm>
+          <a:prstGeom prst="straightConnector1">
+            <a:avLst/>
+          </a:prstGeom>
+          <a:ln w="38100">
+            <a:solidFill>
+              <a:srgbClr val="FF0000"/>
+            </a:solidFill>
+            <a:tailEnd type="triangle"/>
+          </a:ln>
+        </p:spPr>
+        <p:style>
+          <a:lnRef idx="1">
+            <a:schemeClr val="accent1"/>
+          </a:lnRef>
+          <a:fillRef idx="0">
+            <a:schemeClr val="accent1"/>
+          </a:fillRef>
+          <a:effectRef idx="0">
+            <a:schemeClr val="accent1"/>
+          </a:effectRef>
+          <a:fontRef idx="minor">
+            <a:schemeClr val="tx1"/>
+          </a:fontRef>
+        </p:style>
+      </p:cxnSp>
+      <p:cxnSp>
+        <p:nvCxnSpPr>
+          <p:cNvPr id="48" name="Straight Arrow Connector 47">
+            <a:extLst>
+              <a:ext uri="{FF2B5EF4-FFF2-40B4-BE49-F238E27FC236}">
+                <a16:creationId xmlns:a16="http://schemas.microsoft.com/office/drawing/2014/main" id="{6B6BE7A2-D1BD-4F76-96BF-04F237C36B73}"/>
+              </a:ext>
+            </a:extLst>
+          </p:cNvPr>
+          <p:cNvCxnSpPr>
+            <a:cxnSpLocks/>
+          </p:cNvCxnSpPr>
+          <p:nvPr/>
+        </p:nvCxnSpPr>
+        <p:spPr>
+          <a:xfrm>
+            <a:off x="3048000" y="1621778"/>
+            <a:ext cx="1154953" cy="375171"/>
+          </a:xfrm>
+          <a:prstGeom prst="straightConnector1">
+            <a:avLst/>
+          </a:prstGeom>
+          <a:ln w="38100">
+            <a:solidFill>
+              <a:srgbClr val="FF0000"/>
+            </a:solidFill>
+            <a:tailEnd type="triangle"/>
+          </a:ln>
+        </p:spPr>
+        <p:style>
+          <a:lnRef idx="1">
+            <a:schemeClr val="accent1"/>
+          </a:lnRef>
+          <a:fillRef idx="0">
+            <a:schemeClr val="accent1"/>
+          </a:fillRef>
+          <a:effectRef idx="0">
+            <a:schemeClr val="accent1"/>
+          </a:effectRef>
+          <a:fontRef idx="minor">
+            <a:schemeClr val="tx1"/>
+          </a:fontRef>
+        </p:style>
+      </p:cxnSp>
+      <p:cxnSp>
+        <p:nvCxnSpPr>
+          <p:cNvPr id="50" name="Straight Arrow Connector 49">
+            <a:extLst>
+              <a:ext uri="{FF2B5EF4-FFF2-40B4-BE49-F238E27FC236}">
+                <a16:creationId xmlns:a16="http://schemas.microsoft.com/office/drawing/2014/main" id="{7AB12831-494E-4990-A797-2DC7053DE7F5}"/>
+              </a:ext>
+            </a:extLst>
+          </p:cNvPr>
+          <p:cNvCxnSpPr>
+            <a:cxnSpLocks/>
+          </p:cNvCxnSpPr>
+          <p:nvPr/>
+        </p:nvCxnSpPr>
+        <p:spPr>
+          <a:xfrm>
+            <a:off x="2860519" y="2156864"/>
+            <a:ext cx="1371994" cy="402769"/>
+          </a:xfrm>
+          <a:prstGeom prst="straightConnector1">
+            <a:avLst/>
+          </a:prstGeom>
+          <a:ln w="38100">
+            <a:solidFill>
+              <a:srgbClr val="FF0000"/>
+            </a:solidFill>
+            <a:tailEnd type="triangle"/>
+          </a:ln>
+        </p:spPr>
+        <p:style>
+          <a:lnRef idx="1">
+            <a:schemeClr val="accent1"/>
+          </a:lnRef>
+          <a:fillRef idx="0">
+            <a:schemeClr val="accent1"/>
+          </a:fillRef>
+          <a:effectRef idx="0">
+            <a:schemeClr val="accent1"/>
+          </a:effectRef>
+          <a:fontRef idx="minor">
+            <a:schemeClr val="tx1"/>
+          </a:fontRef>
+        </p:style>
+      </p:cxnSp>
+    </p:spTree>
+    <p:extLst>
+      <p:ext uri="{BB962C8B-B14F-4D97-AF65-F5344CB8AC3E}">
+        <p14:creationId xmlns:p14="http://schemas.microsoft.com/office/powerpoint/2010/main" val="2312648096"/>
+      </p:ext>
+    </p:extLst>
+  </p:cSld>
+  <p:clrMapOvr>
+    <a:masterClrMapping/>
+  </p:clrMapOvr>
+</p:sld>
+</file>
+
+<file path=ppt/slides/slide7.xml><?xml version="1.0" encoding="utf-8"?>
+<p:sld xmlns:a="http://schemas.openxmlformats.org/drawingml/2006/main" xmlns:r="http://schemas.openxmlformats.org/officeDocument/2006/relationships" xmlns:p="http://schemas.openxmlformats.org/presentationml/2006/main">
+  <p:cSld>
+    <p:spTree>
+      <p:nvGrpSpPr>
+        <p:cNvPr id="1" name=""/>
+        <p:cNvGrpSpPr/>
+        <p:nvPr/>
+      </p:nvGrpSpPr>
+      <p:grpSpPr>
+        <a:xfrm>
+          <a:off x="0" y="0"/>
+          <a:ext cx="0" cy="0"/>
+          <a:chOff x="0" y="0"/>
+          <a:chExt cx="0" cy="0"/>
+        </a:xfrm>
+      </p:grpSpPr>
+      <p:pic>
+        <p:nvPicPr>
+          <p:cNvPr id="2" name="Picture 1"/>
+          <p:cNvPicPr>
+            <a:picLocks noChangeAspect="1"/>
+          </p:cNvPicPr>
+          <p:nvPr/>
+        </p:nvPicPr>
+        <p:blipFill>
+          <a:blip r:embed="rId2">
+            <a:extLst>
+              <a:ext uri="{28A0092B-C50C-407E-A947-70E740481C1C}">
+                <a14:useLocalDpi xmlns:a14="http://schemas.microsoft.com/office/drawing/2010/main" val="0"/>
+              </a:ext>
+            </a:extLst>
+          </a:blip>
+          <a:stretch>
+            <a:fillRect/>
+          </a:stretch>
+        </p:blipFill>
+        <p:spPr>
+          <a:xfrm>
+            <a:off x="2667000" y="0"/>
+            <a:ext cx="6858000" cy="6858000"/>
+          </a:xfrm>
+          <a:prstGeom prst="rect">
+            <a:avLst/>
+          </a:prstGeom>
+        </p:spPr>
+      </p:pic>
+    </p:spTree>
+    <p:extLst>
+      <p:ext uri="{BB962C8B-B14F-4D97-AF65-F5344CB8AC3E}">
+        <p14:creationId xmlns:p14="http://schemas.microsoft.com/office/powerpoint/2010/main" val="3582417615"/>
+      </p:ext>
+    </p:extLst>
+  </p:cSld>
+  <p:clrMapOvr>
+    <a:masterClrMapping/>
+  </p:clrMapOvr>
+</p:sld>
+</file>
+
+<file path=ppt/slides/slide8.xml><?xml version="1.0" encoding="utf-8"?>
+<p:sld xmlns:a="http://schemas.openxmlformats.org/drawingml/2006/main" xmlns:r="http://schemas.openxmlformats.org/officeDocument/2006/relationships" xmlns:p="http://schemas.openxmlformats.org/presentationml/2006/main">
+  <p:cSld>
+    <p:spTree>
+      <p:nvGrpSpPr>
+        <p:cNvPr id="1" name=""/>
+        <p:cNvGrpSpPr/>
+        <p:nvPr/>
+      </p:nvGrpSpPr>
+      <p:grpSpPr>
+        <a:xfrm>
+          <a:off x="0" y="0"/>
+          <a:ext cx="0" cy="0"/>
+          <a:chOff x="0" y="0"/>
+          <a:chExt cx="0" cy="0"/>
+        </a:xfrm>
+      </p:grpSpPr>
+      <p:pic>
+        <p:nvPicPr>
+          <p:cNvPr id="2" name="Picture 1"/>
+          <p:cNvPicPr>
+            <a:picLocks noChangeAspect="1"/>
+          </p:cNvPicPr>
+          <p:nvPr/>
+        </p:nvPicPr>
+        <p:blipFill>
+          <a:blip r:embed="rId2">
+            <a:extLst>
+              <a:ext uri="{28A0092B-C50C-407E-A947-70E740481C1C}">
+                <a14:useLocalDpi xmlns:a14="http://schemas.microsoft.com/office/drawing/2010/main" val="0"/>
+              </a:ext>
+            </a:extLst>
+          </a:blip>
+          <a:stretch>
+            <a:fillRect/>
+          </a:stretch>
+        </p:blipFill>
+        <p:spPr>
+          <a:xfrm>
             <a:off x="2648484" y="-121298"/>
             <a:ext cx="6858000" cy="6858000"/>
           </a:xfrm>
@@ -3376,18 +6636,13 @@
           <a:lstStyle/>
           <a:p>
             <a:r>
-              <a:rPr lang="en-US" b="1" dirty="0" smtClean="0">
+              <a:rPr lang="en-US" b="1" dirty="0">
                 <a:solidFill>
                   <a:srgbClr val="FF0000"/>
                 </a:solidFill>
               </a:rPr>
               <a:t>Limelight driving</a:t>
             </a:r>
-            <a:endParaRPr lang="en-US" b="1" dirty="0">
-              <a:solidFill>
-                <a:srgbClr val="FF0000"/>
-              </a:solidFill>
-            </a:endParaRPr>
           </a:p>
         </p:txBody>
       </p:sp>
@@ -3414,18 +6669,13 @@
           <a:lstStyle/>
           <a:p>
             <a:r>
-              <a:rPr lang="en-US" b="1" dirty="0" smtClean="0">
+              <a:rPr lang="en-US" b="1" dirty="0">
                 <a:solidFill>
                   <a:srgbClr val="FF0000"/>
                 </a:solidFill>
               </a:rPr>
               <a:t>Pivot left - Left front trigger</a:t>
             </a:r>
-            <a:endParaRPr lang="en-US" b="1" dirty="0">
-              <a:solidFill>
-                <a:srgbClr val="FF0000"/>
-              </a:solidFill>
-            </a:endParaRPr>
           </a:p>
         </p:txBody>
       </p:sp>
@@ -3452,18 +6702,13 @@
           <a:lstStyle/>
           <a:p>
             <a:r>
-              <a:rPr lang="en-US" b="1" dirty="0" smtClean="0">
+              <a:rPr lang="en-US" b="1" dirty="0">
                 <a:solidFill>
                   <a:srgbClr val="FF0000"/>
                 </a:solidFill>
               </a:rPr>
               <a:t>Right Pivot – Right front trigger</a:t>
             </a:r>
-            <a:endParaRPr lang="en-US" b="1" dirty="0">
-              <a:solidFill>
-                <a:srgbClr val="FF0000"/>
-              </a:solidFill>
-            </a:endParaRPr>
           </a:p>
         </p:txBody>
       </p:sp>
@@ -3676,21 +6921,8 @@
                   <a:srgbClr val="FF0000"/>
                 </a:solidFill>
               </a:rPr>
-              <a:t>Left Joystick </a:t>
-            </a:r>
-            <a:r>
-              <a:rPr lang="en-US" b="1" dirty="0" smtClean="0">
-                <a:solidFill>
-                  <a:srgbClr val="FF0000"/>
-                </a:solidFill>
-              </a:rPr>
-              <a:t>Speed</a:t>
-            </a:r>
-            <a:endParaRPr lang="en-US" b="1" dirty="0">
-              <a:solidFill>
-                <a:srgbClr val="FF0000"/>
-              </a:solidFill>
-            </a:endParaRPr>
+              <a:t>Left Joystick Speed</a:t>
+            </a:r>
           </a:p>
         </p:txBody>
       </p:sp>
@@ -3717,18 +6949,13 @@
           <a:lstStyle/>
           <a:p>
             <a:r>
-              <a:rPr lang="en-US" sz="3200" b="1" dirty="0" smtClean="0">
+              <a:rPr lang="en-US" sz="3200" b="1" dirty="0">
                 <a:solidFill>
                   <a:srgbClr val="FF0000"/>
                 </a:solidFill>
               </a:rPr>
               <a:t>DRIVER</a:t>
             </a:r>
-            <a:endParaRPr lang="en-US" sz="3200" b="1" dirty="0">
-              <a:solidFill>
-                <a:srgbClr val="FF0000"/>
-              </a:solidFill>
-            </a:endParaRPr>
           </a:p>
         </p:txBody>
       </p:sp>
@@ -3794,13 +7021,8 @@
           <a:p>
             <a:r>
               <a:rPr lang="en-US" b="1" dirty="0"/>
-              <a:t>Deploy hook </a:t>
-            </a:r>
-            <a:r>
-              <a:rPr lang="en-US" b="1" dirty="0" smtClean="0"/>
-              <a:t>safety</a:t>
-            </a:r>
-            <a:endParaRPr lang="en-US" b="1" dirty="0"/>
+              <a:t>Deploy hook safety</a:t>
+            </a:r>
           </a:p>
         </p:txBody>
       </p:sp>
@@ -3863,18 +7085,13 @@
           <a:lstStyle/>
           <a:p>
             <a:r>
-              <a:rPr lang="en-US" b="1" dirty="0" smtClean="0">
+              <a:rPr lang="en-US" b="1" dirty="0">
                 <a:solidFill>
                   <a:srgbClr val="FF0000"/>
                 </a:solidFill>
               </a:rPr>
               <a:t>Intake Arm up</a:t>
             </a:r>
-            <a:endParaRPr lang="en-US" b="1" dirty="0">
-              <a:solidFill>
-                <a:srgbClr val="FF0000"/>
-              </a:solidFill>
-            </a:endParaRPr>
           </a:p>
         </p:txBody>
       </p:sp>
@@ -3901,7 +7118,7 @@
           <a:lstStyle/>
           <a:p>
             <a:r>
-              <a:rPr lang="en-US" b="1" dirty="0" smtClean="0">
+              <a:rPr lang="en-US" b="1" dirty="0">
                 <a:solidFill>
                   <a:srgbClr val="FF0000"/>
                 </a:solidFill>
@@ -3911,18 +7128,13 @@
           </a:p>
           <a:p>
             <a:r>
-              <a:rPr lang="en-US" b="1" dirty="0" smtClean="0">
+              <a:rPr lang="en-US" b="1" dirty="0">
                 <a:solidFill>
                   <a:srgbClr val="FF0000"/>
                 </a:solidFill>
               </a:rPr>
               <a:t>Left Front Button</a:t>
             </a:r>
-            <a:endParaRPr lang="en-US" b="1" dirty="0">
-              <a:solidFill>
-                <a:srgbClr val="FF0000"/>
-              </a:solidFill>
-            </a:endParaRPr>
           </a:p>
         </p:txBody>
       </p:sp>
@@ -3985,10 +7197,9 @@
           <a:lstStyle/>
           <a:p>
             <a:r>
-              <a:rPr lang="en-US" b="1" dirty="0" smtClean="0"/>
+              <a:rPr lang="en-US" b="1" dirty="0"/>
               <a:t>Deploy hook – Right front button</a:t>
             </a:r>
-            <a:endParaRPr lang="en-US" b="1" dirty="0"/>
           </a:p>
         </p:txBody>
       </p:sp>
@@ -4094,31 +7305,18 @@
                   <a:srgbClr val="FF0000"/>
                 </a:solidFill>
               </a:rPr>
-              <a:t>Left Joystick </a:t>
-            </a:r>
-            <a:r>
-              <a:rPr lang="en-US" b="1" dirty="0" smtClean="0">
-                <a:solidFill>
-                  <a:srgbClr val="FF0000"/>
-                </a:solidFill>
-              </a:rPr>
-              <a:t>Push Down</a:t>
-            </a:r>
-          </a:p>
-          <a:p>
-            <a:r>
-              <a:rPr lang="en-US" b="1" dirty="0" smtClean="0">
+              <a:t>Left Joystick Push Down</a:t>
+            </a:r>
+          </a:p>
+          <a:p>
+            <a:r>
+              <a:rPr lang="en-US" b="1" dirty="0">
                 <a:solidFill>
                   <a:srgbClr val="FF0000"/>
                 </a:solidFill>
               </a:rPr>
               <a:t>Drive with full power</a:t>
             </a:r>
-            <a:endParaRPr lang="en-US" b="1" dirty="0">
-              <a:solidFill>
-                <a:srgbClr val="FF0000"/>
-              </a:solidFill>
-            </a:endParaRPr>
           </a:p>
         </p:txBody>
       </p:sp>
@@ -4186,31 +7384,18 @@
                   <a:srgbClr val="FF0000"/>
                 </a:solidFill>
               </a:rPr>
-              <a:t>Right Joystick </a:t>
-            </a:r>
-            <a:r>
-              <a:rPr lang="en-US" b="1" dirty="0" smtClean="0">
-                <a:solidFill>
-                  <a:srgbClr val="FF0000"/>
-                </a:solidFill>
-              </a:rPr>
-              <a:t>Push Down</a:t>
-            </a:r>
-          </a:p>
-          <a:p>
-            <a:r>
-              <a:rPr lang="en-US" b="1" dirty="0" smtClean="0">
+              <a:t>Right Joystick Push Down</a:t>
+            </a:r>
+          </a:p>
+          <a:p>
+            <a:r>
+              <a:rPr lang="en-US" b="1" dirty="0">
                 <a:solidFill>
                   <a:srgbClr val="FF0000"/>
                 </a:solidFill>
               </a:rPr>
               <a:t>Pivot with extra power</a:t>
             </a:r>
-            <a:endParaRPr lang="en-US" b="1" dirty="0">
-              <a:solidFill>
-                <a:srgbClr val="FF0000"/>
-              </a:solidFill>
-            </a:endParaRPr>
           </a:p>
         </p:txBody>
       </p:sp>
@@ -4514,18 +7699,13 @@
           <a:lstStyle/>
           <a:p>
             <a:r>
-              <a:rPr lang="en-US" b="1" dirty="0" smtClean="0">
+              <a:rPr lang="en-US" b="1" dirty="0">
                 <a:solidFill>
                   <a:srgbClr val="FF0000"/>
                 </a:solidFill>
               </a:rPr>
               <a:t>Not used</a:t>
             </a:r>
-            <a:endParaRPr lang="en-US" b="1" dirty="0">
-              <a:solidFill>
-                <a:srgbClr val="FF0000"/>
-              </a:solidFill>
-            </a:endParaRPr>
           </a:p>
         </p:txBody>
       </p:sp>
@@ -4552,7 +7732,7 @@
           <a:lstStyle/>
           <a:p>
             <a:r>
-              <a:rPr lang="en-US" b="1" dirty="0" smtClean="0">
+              <a:rPr lang="en-US" b="1" dirty="0">
                 <a:solidFill>
                   <a:srgbClr val="FF0000"/>
                 </a:solidFill>
@@ -4562,7 +7742,7 @@
           </a:p>
           <a:p>
             <a:r>
-              <a:rPr lang="en-US" b="1" dirty="0" smtClean="0">
+              <a:rPr lang="en-US" b="1" dirty="0">
                 <a:solidFill>
                   <a:srgbClr val="FF0000"/>
                 </a:solidFill>
@@ -4572,7 +7752,7 @@
           </a:p>
           <a:p>
             <a:r>
-              <a:rPr lang="en-US" b="1" dirty="0" smtClean="0">
+              <a:rPr lang="en-US" b="1" dirty="0">
                 <a:solidFill>
                   <a:srgbClr val="FF0000"/>
                 </a:solidFill>
@@ -4582,18 +7762,13 @@
           </a:p>
           <a:p>
             <a:r>
-              <a:rPr lang="en-US" b="1" dirty="0" smtClean="0">
+              <a:rPr lang="en-US" b="1" dirty="0">
                 <a:solidFill>
                   <a:srgbClr val="FF0000"/>
                 </a:solidFill>
               </a:rPr>
               <a:t>Camera </a:t>
             </a:r>
-            <a:endParaRPr lang="en-US" b="1" dirty="0">
-              <a:solidFill>
-                <a:srgbClr val="FF0000"/>
-              </a:solidFill>
-            </a:endParaRPr>
           </a:p>
         </p:txBody>
       </p:sp>
@@ -4620,7 +7795,7 @@
           <a:lstStyle/>
           <a:p>
             <a:r>
-              <a:rPr lang="en-US" b="1" dirty="0" smtClean="0">
+              <a:rPr lang="en-US" b="1" dirty="0">
                 <a:solidFill>
                   <a:srgbClr val="FF0000"/>
                 </a:solidFill>
@@ -4630,7 +7805,7 @@
           </a:p>
           <a:p>
             <a:r>
-              <a:rPr lang="en-US" b="1" dirty="0" smtClean="0">
+              <a:rPr lang="en-US" b="1" dirty="0">
                 <a:solidFill>
                   <a:srgbClr val="FF0000"/>
                 </a:solidFill>
@@ -4640,7 +7815,7 @@
           </a:p>
           <a:p>
             <a:r>
-              <a:rPr lang="en-US" b="1" dirty="0" smtClean="0">
+              <a:rPr lang="en-US" b="1" dirty="0">
                 <a:solidFill>
                   <a:srgbClr val="FF0000"/>
                 </a:solidFill>
@@ -4650,18 +7825,13 @@
           </a:p>
           <a:p>
             <a:r>
-              <a:rPr lang="en-US" b="1" dirty="0" smtClean="0">
+              <a:rPr lang="en-US" b="1" dirty="0">
                 <a:solidFill>
                   <a:srgbClr val="FF0000"/>
                 </a:solidFill>
               </a:rPr>
               <a:t>Target</a:t>
             </a:r>
-            <a:endParaRPr lang="en-US" b="1" dirty="0">
-              <a:solidFill>
-                <a:srgbClr val="FF0000"/>
-              </a:solidFill>
-            </a:endParaRPr>
           </a:p>
         </p:txBody>
       </p:sp>
@@ -4750,7 +7920,7 @@
 </p:sld>
 </file>
 
-<file path=ppt/slides/slide7.xml><?xml version="1.0" encoding="utf-8"?>
+<file path=ppt/slides/slide9.xml><?xml version="1.0" encoding="utf-8"?>
 <p:sld xmlns:a="http://schemas.openxmlformats.org/drawingml/2006/main" xmlns:r="http://schemas.openxmlformats.org/officeDocument/2006/relationships" xmlns:p="http://schemas.openxmlformats.org/presentationml/2006/main">
   <p:cSld>
     <p:spTree>
@@ -4820,18 +7990,13 @@
           <a:lstStyle/>
           <a:p>
             <a:r>
-              <a:rPr lang="en-US" sz="3200" b="1" dirty="0" smtClean="0">
+              <a:rPr lang="en-US" sz="3200" b="1" dirty="0">
                 <a:solidFill>
                   <a:srgbClr val="FF0000"/>
                 </a:solidFill>
               </a:rPr>
               <a:t>OPERATOR</a:t>
             </a:r>
-            <a:endParaRPr lang="en-US" sz="3200" b="1" dirty="0">
-              <a:solidFill>
-                <a:srgbClr val="FF0000"/>
-              </a:solidFill>
-            </a:endParaRPr>
           </a:p>
         </p:txBody>
       </p:sp>
@@ -4896,18 +8061,13 @@
           <a:lstStyle/>
           <a:p>
             <a:r>
-              <a:rPr lang="en-US" b="1" dirty="0" smtClean="0">
+              <a:rPr lang="en-US" b="1" dirty="0">
                 <a:solidFill>
                   <a:srgbClr val="FF0000"/>
                 </a:solidFill>
               </a:rPr>
               <a:t>Control Panel 3 turns </a:t>
             </a:r>
-            <a:endParaRPr lang="en-US" b="1" dirty="0">
-              <a:solidFill>
-                <a:srgbClr val="FF0000"/>
-              </a:solidFill>
-            </a:endParaRPr>
           </a:p>
         </p:txBody>
       </p:sp>
@@ -4939,21 +8099,8 @@
                   <a:srgbClr val="FF0000"/>
                 </a:solidFill>
               </a:rPr>
-              <a:t>Transfer </a:t>
-            </a:r>
-            <a:r>
-              <a:rPr lang="en-US" b="1" dirty="0" smtClean="0">
-                <a:solidFill>
-                  <a:srgbClr val="FF0000"/>
-                </a:solidFill>
-              </a:rPr>
-              <a:t>stuck - Left front trigger</a:t>
-            </a:r>
-            <a:endParaRPr lang="en-US" b="1" dirty="0">
-              <a:solidFill>
-                <a:srgbClr val="FF0000"/>
-              </a:solidFill>
-            </a:endParaRPr>
+              <a:t>Transfer stuck - Left front trigger</a:t>
+            </a:r>
           </a:p>
         </p:txBody>
       </p:sp>
@@ -4980,7 +8127,7 @@
           <a:lstStyle/>
           <a:p>
             <a:r>
-              <a:rPr lang="en-US" b="1" dirty="0" smtClean="0">
+              <a:rPr lang="en-US" b="1" dirty="0">
                 <a:solidFill>
                   <a:srgbClr val="FF0000"/>
                 </a:solidFill>
@@ -4990,18 +8137,13 @@
           </a:p>
           <a:p>
             <a:r>
-              <a:rPr lang="en-US" b="1" dirty="0" smtClean="0">
+              <a:rPr lang="en-US" b="1" dirty="0">
                 <a:solidFill>
                   <a:srgbClr val="FF0000"/>
                 </a:solidFill>
               </a:rPr>
               <a:t>Right front trigger</a:t>
             </a:r>
-            <a:endParaRPr lang="en-US" b="1" dirty="0">
-              <a:solidFill>
-                <a:srgbClr val="FF0000"/>
-              </a:solidFill>
-            </a:endParaRPr>
           </a:p>
         </p:txBody>
       </p:sp>
@@ -5204,10 +8346,9 @@
           <a:lstStyle/>
           <a:p>
             <a:r>
-              <a:rPr lang="en-US" b="1" dirty="0" smtClean="0"/>
+              <a:rPr lang="en-US" b="1" dirty="0"/>
               <a:t>Climb motor safety</a:t>
             </a:r>
-            <a:endParaRPr lang="en-US" b="1" dirty="0"/>
           </a:p>
         </p:txBody>
       </p:sp>
@@ -5270,7 +8411,7 @@
           <a:lstStyle/>
           <a:p>
             <a:r>
-              <a:rPr lang="en-US" b="1" dirty="0" smtClean="0">
+              <a:rPr lang="en-US" b="1" dirty="0">
                 <a:solidFill>
                   <a:srgbClr val="FF0000"/>
                 </a:solidFill>
@@ -5280,18 +8421,13 @@
           </a:p>
           <a:p>
             <a:r>
-              <a:rPr lang="en-US" b="1" dirty="0" smtClean="0">
+              <a:rPr lang="en-US" b="1" dirty="0">
                 <a:solidFill>
                   <a:srgbClr val="FF0000"/>
                 </a:solidFill>
               </a:rPr>
               <a:t>Limelight LED OFF </a:t>
             </a:r>
-            <a:endParaRPr lang="en-US" b="1" dirty="0">
-              <a:solidFill>
-                <a:srgbClr val="FF0000"/>
-              </a:solidFill>
-            </a:endParaRPr>
           </a:p>
         </p:txBody>
       </p:sp>
@@ -5318,7 +8454,7 @@
           <a:lstStyle/>
           <a:p>
             <a:r>
-              <a:rPr lang="en-US" b="1" dirty="0" smtClean="0">
+              <a:rPr lang="en-US" b="1" dirty="0">
                 <a:solidFill>
                   <a:srgbClr val="FF0000"/>
                 </a:solidFill>
@@ -5328,18 +8464,13 @@
           </a:p>
           <a:p>
             <a:r>
-              <a:rPr lang="en-US" b="1" dirty="0" smtClean="0">
+              <a:rPr lang="en-US" b="1" dirty="0">
                 <a:solidFill>
                   <a:srgbClr val="FF0000"/>
                 </a:solidFill>
               </a:rPr>
               <a:t>Left Front Button</a:t>
             </a:r>
-            <a:endParaRPr lang="en-US" b="1" dirty="0">
-              <a:solidFill>
-                <a:srgbClr val="FF0000"/>
-              </a:solidFill>
-            </a:endParaRPr>
           </a:p>
         </p:txBody>
       </p:sp>
@@ -5402,44 +8533,23 @@
           <a:lstStyle/>
           <a:p>
             <a:r>
-              <a:rPr lang="en-US" b="1" dirty="0" smtClean="0">
-                <a:solidFill>
-                  <a:srgbClr val="FF0000"/>
-                </a:solidFill>
-              </a:rPr>
-              <a:t>Shooter– </a:t>
-            </a:r>
-            <a:r>
               <a:rPr lang="en-US" b="1" dirty="0">
                 <a:solidFill>
                   <a:srgbClr val="FF0000"/>
                 </a:solidFill>
               </a:rPr>
-              <a:t>Right front </a:t>
-            </a:r>
-            <a:r>
-              <a:rPr lang="en-US" b="1" dirty="0" smtClean="0">
-                <a:solidFill>
-                  <a:srgbClr val="FF0000"/>
-                </a:solidFill>
-              </a:rPr>
-              <a:t>button</a:t>
-            </a:r>
-          </a:p>
-          <a:p>
-            <a:r>
-              <a:rPr lang="en-US" b="1" dirty="0" smtClean="0">
+              <a:t>Shooter– Right front button</a:t>
+            </a:r>
+          </a:p>
+          <a:p>
+            <a:r>
+              <a:rPr lang="en-US" b="1" dirty="0">
                 <a:solidFill>
                   <a:srgbClr val="FF0000"/>
                 </a:solidFill>
               </a:rPr>
               <a:t>Limelight LED ON</a:t>
             </a:r>
-            <a:endParaRPr lang="en-US" b="1" dirty="0">
-              <a:solidFill>
-                <a:srgbClr val="FF0000"/>
-              </a:solidFill>
-            </a:endParaRPr>
           </a:p>
         </p:txBody>
       </p:sp>
@@ -5542,18 +8652,13 @@
           <a:lstStyle/>
           <a:p>
             <a:r>
-              <a:rPr lang="en-US" b="1" dirty="0" smtClean="0">
+              <a:rPr lang="en-US" b="1" dirty="0">
                 <a:solidFill>
                   <a:srgbClr val="FF0000"/>
                 </a:solidFill>
               </a:rPr>
               <a:t>Control Panel Color Match</a:t>
             </a:r>
-            <a:endParaRPr lang="en-US" b="1" dirty="0">
-              <a:solidFill>
-                <a:srgbClr val="FF0000"/>
-              </a:solidFill>
-            </a:endParaRPr>
           </a:p>
         </p:txBody>
       </p:sp>
@@ -5621,31 +8726,18 @@
                   <a:srgbClr val="FF0000"/>
                 </a:solidFill>
               </a:rPr>
-              <a:t>Right Joystick </a:t>
-            </a:r>
-            <a:r>
-              <a:rPr lang="en-US" b="1" dirty="0" smtClean="0">
-                <a:solidFill>
-                  <a:srgbClr val="FF0000"/>
-                </a:solidFill>
-              </a:rPr>
-              <a:t>Push Down</a:t>
-            </a:r>
-          </a:p>
-          <a:p>
-            <a:r>
-              <a:rPr lang="en-US" b="1" dirty="0" smtClean="0">
+              <a:t>Right Joystick Push Down</a:t>
+            </a:r>
+          </a:p>
+          <a:p>
+            <a:r>
+              <a:rPr lang="en-US" b="1" dirty="0">
                 <a:solidFill>
                   <a:srgbClr val="FF0000"/>
                 </a:solidFill>
               </a:rPr>
               <a:t>Reverse the intake wheels</a:t>
             </a:r>
-            <a:endParaRPr lang="en-US" b="1" dirty="0">
-              <a:solidFill>
-                <a:srgbClr val="FF0000"/>
-              </a:solidFill>
-            </a:endParaRPr>
           </a:p>
         </p:txBody>
       </p:sp>
@@ -5713,31 +8805,18 @@
                   <a:srgbClr val="FF0000"/>
                 </a:solidFill>
               </a:rPr>
-              <a:t>Left Joystick </a:t>
-            </a:r>
-            <a:r>
-              <a:rPr lang="en-US" b="1" dirty="0" smtClean="0">
-                <a:solidFill>
-                  <a:srgbClr val="FF0000"/>
-                </a:solidFill>
-              </a:rPr>
-              <a:t>Push Down</a:t>
-            </a:r>
-          </a:p>
-          <a:p>
-            <a:r>
-              <a:rPr lang="en-US" b="1" dirty="0" smtClean="0">
+              <a:t>Left Joystick Push Down</a:t>
+            </a:r>
+          </a:p>
+          <a:p>
+            <a:r>
+              <a:rPr lang="en-US" b="1" dirty="0">
                 <a:solidFill>
                   <a:srgbClr val="FF0000"/>
                 </a:solidFill>
               </a:rPr>
               <a:t>Shoot to the low target</a:t>
             </a:r>
-            <a:endParaRPr lang="en-US" b="1" dirty="0">
-              <a:solidFill>
-                <a:srgbClr val="FF0000"/>
-              </a:solidFill>
-            </a:endParaRPr>
           </a:p>
         </p:txBody>
       </p:sp>
@@ -5986,898 +9065,6 @@
     <p:extLst>
       <p:ext uri="{BB962C8B-B14F-4D97-AF65-F5344CB8AC3E}">
         <p14:creationId xmlns:p14="http://schemas.microsoft.com/office/powerpoint/2010/main" val="441883121"/>
-      </p:ext>
-    </p:extLst>
-  </p:cSld>
-  <p:clrMapOvr>
-    <a:masterClrMapping/>
-  </p:clrMapOvr>
-</p:sld>
-</file>
-
-<file path=ppt/slides/slide8.xml><?xml version="1.0" encoding="utf-8"?>
-<p:sld xmlns:a="http://schemas.openxmlformats.org/drawingml/2006/main" xmlns:r="http://schemas.openxmlformats.org/officeDocument/2006/relationships" xmlns:p="http://schemas.openxmlformats.org/presentationml/2006/main">
-  <p:cSld>
-    <p:spTree>
-      <p:nvGrpSpPr>
-        <p:cNvPr id="1" name=""/>
-        <p:cNvGrpSpPr/>
-        <p:nvPr/>
-      </p:nvGrpSpPr>
-      <p:grpSpPr>
-        <a:xfrm>
-          <a:off x="0" y="0"/>
-          <a:ext cx="0" cy="0"/>
-          <a:chOff x="0" y="0"/>
-          <a:chExt cx="0" cy="0"/>
-        </a:xfrm>
-      </p:grpSpPr>
-      <p:pic>
-        <p:nvPicPr>
-          <p:cNvPr id="2" name="Picture 1"/>
-          <p:cNvPicPr>
-            <a:picLocks noChangeAspect="1"/>
-          </p:cNvPicPr>
-          <p:nvPr/>
-        </p:nvPicPr>
-        <p:blipFill>
-          <a:blip r:embed="rId2">
-            <a:extLst>
-              <a:ext uri="{28A0092B-C50C-407E-A947-70E740481C1C}">
-                <a14:useLocalDpi xmlns:a14="http://schemas.microsoft.com/office/drawing/2010/main" val="0"/>
-              </a:ext>
-            </a:extLst>
-          </a:blip>
-          <a:stretch>
-            <a:fillRect/>
-          </a:stretch>
-        </p:blipFill>
-        <p:spPr>
-          <a:xfrm>
-            <a:off x="2667000" y="0"/>
-            <a:ext cx="6858000" cy="6858000"/>
-          </a:xfrm>
-          <a:prstGeom prst="rect">
-            <a:avLst/>
-          </a:prstGeom>
-        </p:spPr>
-      </p:pic>
-      <p:cxnSp>
-        <p:nvCxnSpPr>
-          <p:cNvPr id="6" name="Straight Arrow Connector 5"/>
-          <p:cNvCxnSpPr/>
-          <p:nvPr/>
-        </p:nvCxnSpPr>
-        <p:spPr>
-          <a:xfrm flipH="1">
-            <a:off x="7277878" y="3023118"/>
-            <a:ext cx="1548881" cy="569168"/>
-          </a:xfrm>
-          <a:prstGeom prst="straightConnector1">
-            <a:avLst/>
-          </a:prstGeom>
-          <a:ln w="38100">
-            <a:solidFill>
-              <a:srgbClr val="FF0000"/>
-            </a:solidFill>
-            <a:tailEnd type="triangle"/>
-          </a:ln>
-        </p:spPr>
-        <p:style>
-          <a:lnRef idx="1">
-            <a:schemeClr val="accent1"/>
-          </a:lnRef>
-          <a:fillRef idx="0">
-            <a:schemeClr val="accent1"/>
-          </a:fillRef>
-          <a:effectRef idx="0">
-            <a:schemeClr val="accent1"/>
-          </a:effectRef>
-          <a:fontRef idx="minor">
-            <a:schemeClr val="tx1"/>
-          </a:fontRef>
-        </p:style>
-      </p:cxnSp>
-      <p:sp>
-        <p:nvSpPr>
-          <p:cNvPr id="8" name="TextBox 7"/>
-          <p:cNvSpPr txBox="1"/>
-          <p:nvPr/>
-        </p:nvSpPr>
-        <p:spPr>
-          <a:xfrm>
-            <a:off x="8826759" y="2745393"/>
-            <a:ext cx="2258008" cy="369332"/>
-          </a:xfrm>
-          <a:prstGeom prst="rect">
-            <a:avLst/>
-          </a:prstGeom>
-          <a:noFill/>
-        </p:spPr>
-        <p:txBody>
-          <a:bodyPr wrap="square" rtlCol="0">
-            <a:spAutoFit/>
-          </a:bodyPr>
-          <a:lstStyle/>
-          <a:p>
-            <a:r>
-              <a:rPr lang="en-US" b="1" dirty="0">
-                <a:solidFill>
-                  <a:srgbClr val="FF0000"/>
-                </a:solidFill>
-              </a:rPr>
-              <a:t>Button 0</a:t>
-            </a:r>
-          </a:p>
-        </p:txBody>
-      </p:sp>
-      <p:sp>
-        <p:nvSpPr>
-          <p:cNvPr id="9" name="TextBox 8"/>
-          <p:cNvSpPr txBox="1"/>
-          <p:nvPr/>
-        </p:nvSpPr>
-        <p:spPr>
-          <a:xfrm>
-            <a:off x="8826759" y="3307702"/>
-            <a:ext cx="2258008" cy="369332"/>
-          </a:xfrm>
-          <a:prstGeom prst="rect">
-            <a:avLst/>
-          </a:prstGeom>
-          <a:noFill/>
-        </p:spPr>
-        <p:txBody>
-          <a:bodyPr wrap="square" rtlCol="0">
-            <a:spAutoFit/>
-          </a:bodyPr>
-          <a:lstStyle/>
-          <a:p>
-            <a:r>
-              <a:rPr lang="en-US" b="1" dirty="0">
-                <a:solidFill>
-                  <a:srgbClr val="FF0000"/>
-                </a:solidFill>
-              </a:rPr>
-              <a:t>Button 1</a:t>
-            </a:r>
-          </a:p>
-        </p:txBody>
-      </p:sp>
-      <p:sp>
-        <p:nvSpPr>
-          <p:cNvPr id="10" name="TextBox 9"/>
-          <p:cNvSpPr txBox="1"/>
-          <p:nvPr/>
-        </p:nvSpPr>
-        <p:spPr>
-          <a:xfrm>
-            <a:off x="8826759" y="3963639"/>
-            <a:ext cx="2258008" cy="369332"/>
-          </a:xfrm>
-          <a:prstGeom prst="rect">
-            <a:avLst/>
-          </a:prstGeom>
-          <a:noFill/>
-        </p:spPr>
-        <p:txBody>
-          <a:bodyPr wrap="square" rtlCol="0">
-            <a:spAutoFit/>
-          </a:bodyPr>
-          <a:lstStyle/>
-          <a:p>
-            <a:r>
-              <a:rPr lang="en-US" b="1" dirty="0">
-                <a:solidFill>
-                  <a:srgbClr val="FF0000"/>
-                </a:solidFill>
-              </a:rPr>
-              <a:t>Button 3</a:t>
-            </a:r>
-          </a:p>
-        </p:txBody>
-      </p:sp>
-      <p:sp>
-        <p:nvSpPr>
-          <p:cNvPr id="11" name="TextBox 10"/>
-          <p:cNvSpPr txBox="1"/>
-          <p:nvPr/>
-        </p:nvSpPr>
-        <p:spPr>
-          <a:xfrm>
-            <a:off x="8826759" y="4615561"/>
-            <a:ext cx="2258008" cy="369332"/>
-          </a:xfrm>
-          <a:prstGeom prst="rect">
-            <a:avLst/>
-          </a:prstGeom>
-          <a:noFill/>
-        </p:spPr>
-        <p:txBody>
-          <a:bodyPr wrap="square" rtlCol="0">
-            <a:spAutoFit/>
-          </a:bodyPr>
-          <a:lstStyle/>
-          <a:p>
-            <a:r>
-              <a:rPr lang="en-US" b="1" dirty="0">
-                <a:solidFill>
-                  <a:srgbClr val="FF0000"/>
-                </a:solidFill>
-              </a:rPr>
-              <a:t>Button 2</a:t>
-            </a:r>
-          </a:p>
-        </p:txBody>
-      </p:sp>
-      <p:cxnSp>
-        <p:nvCxnSpPr>
-          <p:cNvPr id="12" name="Straight Arrow Connector 11"/>
-          <p:cNvCxnSpPr/>
-          <p:nvPr/>
-        </p:nvCxnSpPr>
-        <p:spPr>
-          <a:xfrm flipH="1" flipV="1">
-            <a:off x="6679361" y="4106056"/>
-            <a:ext cx="2147398" cy="24807"/>
-          </a:xfrm>
-          <a:prstGeom prst="straightConnector1">
-            <a:avLst/>
-          </a:prstGeom>
-          <a:ln w="38100">
-            <a:solidFill>
-              <a:srgbClr val="FF0000"/>
-            </a:solidFill>
-            <a:tailEnd type="triangle"/>
-          </a:ln>
-        </p:spPr>
-        <p:style>
-          <a:lnRef idx="1">
-            <a:schemeClr val="accent1"/>
-          </a:lnRef>
-          <a:fillRef idx="0">
-            <a:schemeClr val="accent1"/>
-          </a:fillRef>
-          <a:effectRef idx="0">
-            <a:schemeClr val="accent1"/>
-          </a:effectRef>
-          <a:fontRef idx="minor">
-            <a:schemeClr val="tx1"/>
-          </a:fontRef>
-        </p:style>
-      </p:cxnSp>
-      <p:cxnSp>
-        <p:nvCxnSpPr>
-          <p:cNvPr id="13" name="Straight Arrow Connector 12"/>
-          <p:cNvCxnSpPr/>
-          <p:nvPr/>
-        </p:nvCxnSpPr>
-        <p:spPr>
-          <a:xfrm flipH="1">
-            <a:off x="7555755" y="3502099"/>
-            <a:ext cx="1177698" cy="484326"/>
-          </a:xfrm>
-          <a:prstGeom prst="straightConnector1">
-            <a:avLst/>
-          </a:prstGeom>
-          <a:ln w="38100">
-            <a:solidFill>
-              <a:srgbClr val="FF0000"/>
-            </a:solidFill>
-            <a:tailEnd type="triangle"/>
-          </a:ln>
-        </p:spPr>
-        <p:style>
-          <a:lnRef idx="1">
-            <a:schemeClr val="accent1"/>
-          </a:lnRef>
-          <a:fillRef idx="0">
-            <a:schemeClr val="accent1"/>
-          </a:fillRef>
-          <a:effectRef idx="0">
-            <a:schemeClr val="accent1"/>
-          </a:effectRef>
-          <a:fontRef idx="minor">
-            <a:schemeClr val="tx1"/>
-          </a:fontRef>
-        </p:style>
-      </p:cxnSp>
-      <p:cxnSp>
-        <p:nvCxnSpPr>
-          <p:cNvPr id="14" name="Straight Arrow Connector 13"/>
-          <p:cNvCxnSpPr/>
-          <p:nvPr/>
-        </p:nvCxnSpPr>
-        <p:spPr>
-          <a:xfrm flipH="1" flipV="1">
-            <a:off x="7033925" y="4535078"/>
-            <a:ext cx="1792834" cy="224933"/>
-          </a:xfrm>
-          <a:prstGeom prst="straightConnector1">
-            <a:avLst/>
-          </a:prstGeom>
-          <a:ln w="38100">
-            <a:solidFill>
-              <a:srgbClr val="FF0000"/>
-            </a:solidFill>
-            <a:tailEnd type="triangle"/>
-          </a:ln>
-        </p:spPr>
-        <p:style>
-          <a:lnRef idx="1">
-            <a:schemeClr val="accent1"/>
-          </a:lnRef>
-          <a:fillRef idx="0">
-            <a:schemeClr val="accent1"/>
-          </a:fillRef>
-          <a:effectRef idx="0">
-            <a:schemeClr val="accent1"/>
-          </a:effectRef>
-          <a:fontRef idx="minor">
-            <a:schemeClr val="tx1"/>
-          </a:fontRef>
-        </p:style>
-      </p:cxnSp>
-      <p:sp>
-        <p:nvSpPr>
-          <p:cNvPr id="18" name="TextBox 17"/>
-          <p:cNvSpPr txBox="1"/>
-          <p:nvPr/>
-        </p:nvSpPr>
-        <p:spPr>
-          <a:xfrm>
-            <a:off x="9321282" y="755872"/>
-            <a:ext cx="2258008" cy="369332"/>
-          </a:xfrm>
-          <a:prstGeom prst="rect">
-            <a:avLst/>
-          </a:prstGeom>
-          <a:noFill/>
-        </p:spPr>
-        <p:txBody>
-          <a:bodyPr wrap="square" rtlCol="0">
-            <a:spAutoFit/>
-          </a:bodyPr>
-          <a:lstStyle/>
-          <a:p>
-            <a:r>
-              <a:rPr lang="en-US" b="1" dirty="0">
-                <a:solidFill>
-                  <a:srgbClr val="FF0000"/>
-                </a:solidFill>
-              </a:rPr>
-              <a:t>Button 4</a:t>
-            </a:r>
-          </a:p>
-        </p:txBody>
-      </p:sp>
-      <p:cxnSp>
-        <p:nvCxnSpPr>
-          <p:cNvPr id="19" name="Straight Arrow Connector 18"/>
-          <p:cNvCxnSpPr/>
-          <p:nvPr/>
-        </p:nvCxnSpPr>
-        <p:spPr>
-          <a:xfrm flipH="1">
-            <a:off x="8050278" y="950269"/>
-            <a:ext cx="1177698" cy="484326"/>
-          </a:xfrm>
-          <a:prstGeom prst="straightConnector1">
-            <a:avLst/>
-          </a:prstGeom>
-          <a:ln w="38100">
-            <a:solidFill>
-              <a:srgbClr val="FF0000"/>
-            </a:solidFill>
-            <a:tailEnd type="triangle"/>
-          </a:ln>
-        </p:spPr>
-        <p:style>
-          <a:lnRef idx="1">
-            <a:schemeClr val="accent1"/>
-          </a:lnRef>
-          <a:fillRef idx="0">
-            <a:schemeClr val="accent1"/>
-          </a:fillRef>
-          <a:effectRef idx="0">
-            <a:schemeClr val="accent1"/>
-          </a:effectRef>
-          <a:fontRef idx="minor">
-            <a:schemeClr val="tx1"/>
-          </a:fontRef>
-        </p:style>
-      </p:cxnSp>
-      <p:sp>
-        <p:nvSpPr>
-          <p:cNvPr id="20" name="TextBox 19"/>
-          <p:cNvSpPr txBox="1"/>
-          <p:nvPr/>
-        </p:nvSpPr>
-        <p:spPr>
-          <a:xfrm>
-            <a:off x="9321282" y="1540895"/>
-            <a:ext cx="2528596" cy="369332"/>
-          </a:xfrm>
-          <a:prstGeom prst="rect">
-            <a:avLst/>
-          </a:prstGeom>
-          <a:noFill/>
-        </p:spPr>
-        <p:txBody>
-          <a:bodyPr wrap="square" rtlCol="0">
-            <a:spAutoFit/>
-          </a:bodyPr>
-          <a:lstStyle/>
-          <a:p>
-            <a:r>
-              <a:rPr lang="en-US" b="1" dirty="0">
-                <a:solidFill>
-                  <a:srgbClr val="FF0000"/>
-                </a:solidFill>
-              </a:rPr>
-              <a:t>Button 6</a:t>
-            </a:r>
-          </a:p>
-        </p:txBody>
-      </p:sp>
-      <p:cxnSp>
-        <p:nvCxnSpPr>
-          <p:cNvPr id="21" name="Straight Arrow Connector 20"/>
-          <p:cNvCxnSpPr/>
-          <p:nvPr/>
-        </p:nvCxnSpPr>
-        <p:spPr>
-          <a:xfrm flipH="1">
-            <a:off x="8050278" y="1735292"/>
-            <a:ext cx="1177698" cy="484326"/>
-          </a:xfrm>
-          <a:prstGeom prst="straightConnector1">
-            <a:avLst/>
-          </a:prstGeom>
-          <a:ln w="38100">
-            <a:solidFill>
-              <a:srgbClr val="FF0000"/>
-            </a:solidFill>
-            <a:tailEnd type="triangle"/>
-          </a:ln>
-        </p:spPr>
-        <p:style>
-          <a:lnRef idx="1">
-            <a:schemeClr val="accent1"/>
-          </a:lnRef>
-          <a:fillRef idx="0">
-            <a:schemeClr val="accent1"/>
-          </a:fillRef>
-          <a:effectRef idx="0">
-            <a:schemeClr val="accent1"/>
-          </a:effectRef>
-          <a:fontRef idx="minor">
-            <a:schemeClr val="tx1"/>
-          </a:fontRef>
-        </p:style>
-      </p:cxnSp>
-      <p:sp>
-        <p:nvSpPr>
-          <p:cNvPr id="22" name="TextBox 21"/>
-          <p:cNvSpPr txBox="1"/>
-          <p:nvPr/>
-        </p:nvSpPr>
-        <p:spPr>
-          <a:xfrm>
-            <a:off x="2006082" y="950269"/>
-            <a:ext cx="1035698" cy="369332"/>
-          </a:xfrm>
-          <a:prstGeom prst="rect">
-            <a:avLst/>
-          </a:prstGeom>
-          <a:noFill/>
-        </p:spPr>
-        <p:txBody>
-          <a:bodyPr wrap="square" rtlCol="0">
-            <a:spAutoFit/>
-          </a:bodyPr>
-          <a:lstStyle/>
-          <a:p>
-            <a:r>
-              <a:rPr lang="en-US" b="1" dirty="0">
-                <a:solidFill>
-                  <a:srgbClr val="FF0000"/>
-                </a:solidFill>
-              </a:rPr>
-              <a:t>Button 5</a:t>
-            </a:r>
-          </a:p>
-        </p:txBody>
-      </p:sp>
-      <p:cxnSp>
-        <p:nvCxnSpPr>
-          <p:cNvPr id="23" name="Straight Arrow Connector 22"/>
-          <p:cNvCxnSpPr/>
-          <p:nvPr/>
-        </p:nvCxnSpPr>
-        <p:spPr>
-          <a:xfrm>
-            <a:off x="3041780" y="1125204"/>
-            <a:ext cx="1185814" cy="174935"/>
-          </a:xfrm>
-          <a:prstGeom prst="straightConnector1">
-            <a:avLst/>
-          </a:prstGeom>
-          <a:ln w="38100">
-            <a:solidFill>
-              <a:srgbClr val="FF0000"/>
-            </a:solidFill>
-            <a:tailEnd type="triangle"/>
-          </a:ln>
-        </p:spPr>
-        <p:style>
-          <a:lnRef idx="1">
-            <a:schemeClr val="accent1"/>
-          </a:lnRef>
-          <a:fillRef idx="0">
-            <a:schemeClr val="accent1"/>
-          </a:fillRef>
-          <a:effectRef idx="0">
-            <a:schemeClr val="accent1"/>
-          </a:effectRef>
-          <a:fontRef idx="minor">
-            <a:schemeClr val="tx1"/>
-          </a:fontRef>
-        </p:style>
-      </p:cxnSp>
-      <p:sp>
-        <p:nvSpPr>
-          <p:cNvPr id="24" name="TextBox 23"/>
-          <p:cNvSpPr txBox="1"/>
-          <p:nvPr/>
-        </p:nvSpPr>
-        <p:spPr>
-          <a:xfrm>
-            <a:off x="2006082" y="1753351"/>
-            <a:ext cx="1206759" cy="369332"/>
-          </a:xfrm>
-          <a:prstGeom prst="rect">
-            <a:avLst/>
-          </a:prstGeom>
-          <a:noFill/>
-        </p:spPr>
-        <p:txBody>
-          <a:bodyPr wrap="square" rtlCol="0">
-            <a:spAutoFit/>
-          </a:bodyPr>
-          <a:lstStyle/>
-          <a:p>
-            <a:r>
-              <a:rPr lang="en-US" b="1" dirty="0">
-                <a:solidFill>
-                  <a:srgbClr val="FF0000"/>
-                </a:solidFill>
-              </a:rPr>
-              <a:t>Button 7</a:t>
-            </a:r>
-          </a:p>
-        </p:txBody>
-      </p:sp>
-      <p:cxnSp>
-        <p:nvCxnSpPr>
-          <p:cNvPr id="25" name="Straight Arrow Connector 24"/>
-          <p:cNvCxnSpPr/>
-          <p:nvPr/>
-        </p:nvCxnSpPr>
-        <p:spPr>
-          <a:xfrm>
-            <a:off x="3041780" y="1910227"/>
-            <a:ext cx="1185814" cy="170067"/>
-          </a:xfrm>
-          <a:prstGeom prst="straightConnector1">
-            <a:avLst/>
-          </a:prstGeom>
-          <a:ln w="38100">
-            <a:solidFill>
-              <a:srgbClr val="FF0000"/>
-            </a:solidFill>
-            <a:tailEnd type="triangle"/>
-          </a:ln>
-        </p:spPr>
-        <p:style>
-          <a:lnRef idx="1">
-            <a:schemeClr val="accent1"/>
-          </a:lnRef>
-          <a:fillRef idx="0">
-            <a:schemeClr val="accent1"/>
-          </a:fillRef>
-          <a:effectRef idx="0">
-            <a:schemeClr val="accent1"/>
-          </a:effectRef>
-          <a:fontRef idx="minor">
-            <a:schemeClr val="tx1"/>
-          </a:fontRef>
-        </p:style>
-      </p:cxnSp>
-      <p:cxnSp>
-        <p:nvCxnSpPr>
-          <p:cNvPr id="28" name="Straight Arrow Connector 27"/>
-          <p:cNvCxnSpPr/>
-          <p:nvPr/>
-        </p:nvCxnSpPr>
-        <p:spPr>
-          <a:xfrm flipH="1">
-            <a:off x="4415519" y="3592286"/>
-            <a:ext cx="455061" cy="1869614"/>
-          </a:xfrm>
-          <a:prstGeom prst="straightConnector1">
-            <a:avLst/>
-          </a:prstGeom>
-          <a:ln w="38100">
-            <a:solidFill>
-              <a:srgbClr val="FF0000"/>
-            </a:solidFill>
-            <a:headEnd type="triangle" w="med" len="med"/>
-            <a:tailEnd type="triangle" w="med" len="med"/>
-          </a:ln>
-        </p:spPr>
-        <p:style>
-          <a:lnRef idx="1">
-            <a:schemeClr val="accent1"/>
-          </a:lnRef>
-          <a:fillRef idx="0">
-            <a:schemeClr val="accent1"/>
-          </a:fillRef>
-          <a:effectRef idx="0">
-            <a:schemeClr val="accent1"/>
-          </a:effectRef>
-          <a:fontRef idx="minor">
-            <a:schemeClr val="tx1"/>
-          </a:fontRef>
-        </p:style>
-      </p:cxnSp>
-      <p:cxnSp>
-        <p:nvCxnSpPr>
-          <p:cNvPr id="29" name="Straight Arrow Connector 28"/>
-          <p:cNvCxnSpPr/>
-          <p:nvPr/>
-        </p:nvCxnSpPr>
-        <p:spPr>
-          <a:xfrm flipH="1" flipV="1">
-            <a:off x="5474158" y="4589205"/>
-            <a:ext cx="1037055" cy="55428"/>
-          </a:xfrm>
-          <a:prstGeom prst="straightConnector1">
-            <a:avLst/>
-          </a:prstGeom>
-          <a:ln w="38100">
-            <a:solidFill>
-              <a:srgbClr val="FF0000"/>
-            </a:solidFill>
-            <a:headEnd type="triangle" w="med" len="med"/>
-            <a:tailEnd type="triangle" w="med" len="med"/>
-          </a:ln>
-        </p:spPr>
-        <p:style>
-          <a:lnRef idx="1">
-            <a:schemeClr val="accent1"/>
-          </a:lnRef>
-          <a:fillRef idx="0">
-            <a:schemeClr val="accent1"/>
-          </a:fillRef>
-          <a:effectRef idx="0">
-            <a:schemeClr val="accent1"/>
-          </a:effectRef>
-          <a:fontRef idx="minor">
-            <a:schemeClr val="tx1"/>
-          </a:fontRef>
-        </p:style>
-      </p:cxnSp>
-      <p:sp>
-        <p:nvSpPr>
-          <p:cNvPr id="30" name="TextBox 29"/>
-          <p:cNvSpPr txBox="1"/>
-          <p:nvPr/>
-        </p:nvSpPr>
-        <p:spPr>
-          <a:xfrm>
-            <a:off x="5992197" y="4723776"/>
-            <a:ext cx="1712945" cy="369332"/>
-          </a:xfrm>
-          <a:prstGeom prst="rect">
-            <a:avLst/>
-          </a:prstGeom>
-          <a:noFill/>
-        </p:spPr>
-        <p:txBody>
-          <a:bodyPr wrap="square" rtlCol="0">
-            <a:spAutoFit/>
-          </a:bodyPr>
-          <a:lstStyle/>
-          <a:p>
-            <a:r>
-              <a:rPr lang="en-US" b="1" dirty="0">
-                <a:solidFill>
-                  <a:srgbClr val="FF0000"/>
-                </a:solidFill>
-              </a:rPr>
-              <a:t>Right Joystick 2</a:t>
-            </a:r>
-          </a:p>
-        </p:txBody>
-      </p:sp>
-      <p:sp>
-        <p:nvSpPr>
-          <p:cNvPr id="31" name="TextBox 30"/>
-          <p:cNvSpPr txBox="1"/>
-          <p:nvPr/>
-        </p:nvSpPr>
-        <p:spPr>
-          <a:xfrm>
-            <a:off x="2986963" y="5577739"/>
-            <a:ext cx="2396800" cy="369332"/>
-          </a:xfrm>
-          <a:prstGeom prst="rect">
-            <a:avLst/>
-          </a:prstGeom>
-          <a:noFill/>
-        </p:spPr>
-        <p:txBody>
-          <a:bodyPr wrap="square" rtlCol="0">
-            <a:spAutoFit/>
-          </a:bodyPr>
-          <a:lstStyle/>
-          <a:p>
-            <a:r>
-              <a:rPr lang="en-US" b="1" dirty="0">
-                <a:solidFill>
-                  <a:srgbClr val="FF0000"/>
-                </a:solidFill>
-              </a:rPr>
-              <a:t>Left Joystick 1</a:t>
-            </a:r>
-          </a:p>
-        </p:txBody>
-      </p:sp>
-      <p:sp>
-        <p:nvSpPr>
-          <p:cNvPr id="27" name="TextBox 26"/>
-          <p:cNvSpPr txBox="1"/>
-          <p:nvPr/>
-        </p:nvSpPr>
-        <p:spPr>
-          <a:xfrm>
-            <a:off x="2496916" y="4350412"/>
-            <a:ext cx="1712945" cy="369332"/>
-          </a:xfrm>
-          <a:prstGeom prst="rect">
-            <a:avLst/>
-          </a:prstGeom>
-          <a:noFill/>
-        </p:spPr>
-        <p:txBody>
-          <a:bodyPr wrap="square" rtlCol="0">
-            <a:spAutoFit/>
-          </a:bodyPr>
-          <a:lstStyle/>
-          <a:p>
-            <a:r>
-              <a:rPr lang="en-US" b="1" dirty="0">
-                <a:solidFill>
-                  <a:srgbClr val="FF0000"/>
-                </a:solidFill>
-              </a:rPr>
-              <a:t>Left Joystick 0</a:t>
-            </a:r>
-          </a:p>
-        </p:txBody>
-      </p:sp>
-      <p:sp>
-        <p:nvSpPr>
-          <p:cNvPr id="32" name="TextBox 31"/>
-          <p:cNvSpPr txBox="1"/>
-          <p:nvPr/>
-        </p:nvSpPr>
-        <p:spPr>
-          <a:xfrm>
-            <a:off x="5747804" y="5682028"/>
-            <a:ext cx="2396800" cy="369332"/>
-          </a:xfrm>
-          <a:prstGeom prst="rect">
-            <a:avLst/>
-          </a:prstGeom>
-          <a:noFill/>
-        </p:spPr>
-        <p:txBody>
-          <a:bodyPr wrap="square" rtlCol="0">
-            <a:spAutoFit/>
-          </a:bodyPr>
-          <a:lstStyle/>
-          <a:p>
-            <a:r>
-              <a:rPr lang="en-US" b="1" dirty="0">
-                <a:solidFill>
-                  <a:srgbClr val="FF0000"/>
-                </a:solidFill>
-              </a:rPr>
-              <a:t>Right Joystick 4</a:t>
-            </a:r>
-          </a:p>
-        </p:txBody>
-      </p:sp>
-      <p:cxnSp>
-        <p:nvCxnSpPr>
-          <p:cNvPr id="33" name="Straight Arrow Connector 32"/>
-          <p:cNvCxnSpPr/>
-          <p:nvPr/>
-        </p:nvCxnSpPr>
-        <p:spPr>
-          <a:xfrm flipH="1" flipV="1">
-            <a:off x="4124521" y="4507364"/>
-            <a:ext cx="1037055" cy="55428"/>
-          </a:xfrm>
-          <a:prstGeom prst="straightConnector1">
-            <a:avLst/>
-          </a:prstGeom>
-          <a:ln w="38100">
-            <a:solidFill>
-              <a:srgbClr val="FF0000"/>
-            </a:solidFill>
-            <a:headEnd type="triangle" w="med" len="med"/>
-            <a:tailEnd type="triangle" w="med" len="med"/>
-          </a:ln>
-        </p:spPr>
-        <p:style>
-          <a:lnRef idx="1">
-            <a:schemeClr val="accent1"/>
-          </a:lnRef>
-          <a:fillRef idx="0">
-            <a:schemeClr val="accent1"/>
-          </a:fillRef>
-          <a:effectRef idx="0">
-            <a:schemeClr val="accent1"/>
-          </a:effectRef>
-          <a:fontRef idx="minor">
-            <a:schemeClr val="tx1"/>
-          </a:fontRef>
-        </p:style>
-      </p:cxnSp>
-      <p:cxnSp>
-        <p:nvCxnSpPr>
-          <p:cNvPr id="34" name="Straight Arrow Connector 33"/>
-          <p:cNvCxnSpPr/>
-          <p:nvPr/>
-        </p:nvCxnSpPr>
-        <p:spPr>
-          <a:xfrm flipH="1">
-            <a:off x="5769628" y="3654398"/>
-            <a:ext cx="455061" cy="1869614"/>
-          </a:xfrm>
-          <a:prstGeom prst="straightConnector1">
-            <a:avLst/>
-          </a:prstGeom>
-          <a:ln w="38100">
-            <a:solidFill>
-              <a:srgbClr val="FF0000"/>
-            </a:solidFill>
-            <a:headEnd type="triangle" w="med" len="med"/>
-            <a:tailEnd type="triangle" w="med" len="med"/>
-          </a:ln>
-        </p:spPr>
-        <p:style>
-          <a:lnRef idx="1">
-            <a:schemeClr val="accent1"/>
-          </a:lnRef>
-          <a:fillRef idx="0">
-            <a:schemeClr val="accent1"/>
-          </a:fillRef>
-          <a:effectRef idx="0">
-            <a:schemeClr val="accent1"/>
-          </a:effectRef>
-          <a:fontRef idx="minor">
-            <a:schemeClr val="tx1"/>
-          </a:fontRef>
-        </p:style>
-      </p:cxnSp>
-    </p:spTree>
-    <p:extLst>
-      <p:ext uri="{BB962C8B-B14F-4D97-AF65-F5344CB8AC3E}">
-        <p14:creationId xmlns:p14="http://schemas.microsoft.com/office/powerpoint/2010/main" val="4251703058"/>
       </p:ext>
     </p:extLst>
   </p:cSld>

--- a/2022 Joystick.pptx
+++ b/2022 Joystick.pptx
@@ -250,7 +250,7 @@
           <a:p>
             <a:fld id="{D683890E-4472-4958-AE87-37F5298C508C}" type="datetimeFigureOut">
               <a:rPr lang="en-US" smtClean="0"/>
-              <a:t>3/26/2022</a:t>
+              <a:t>3/29/2022</a:t>
             </a:fld>
             <a:endParaRPr lang="en-US"/>
           </a:p>
@@ -418,7 +418,7 @@
           <a:p>
             <a:fld id="{D683890E-4472-4958-AE87-37F5298C508C}" type="datetimeFigureOut">
               <a:rPr lang="en-US" smtClean="0"/>
-              <a:t>3/26/2022</a:t>
+              <a:t>3/29/2022</a:t>
             </a:fld>
             <a:endParaRPr lang="en-US"/>
           </a:p>
@@ -596,7 +596,7 @@
           <a:p>
             <a:fld id="{D683890E-4472-4958-AE87-37F5298C508C}" type="datetimeFigureOut">
               <a:rPr lang="en-US" smtClean="0"/>
-              <a:t>3/26/2022</a:t>
+              <a:t>3/29/2022</a:t>
             </a:fld>
             <a:endParaRPr lang="en-US"/>
           </a:p>
@@ -764,7 +764,7 @@
           <a:p>
             <a:fld id="{D683890E-4472-4958-AE87-37F5298C508C}" type="datetimeFigureOut">
               <a:rPr lang="en-US" smtClean="0"/>
-              <a:t>3/26/2022</a:t>
+              <a:t>3/29/2022</a:t>
             </a:fld>
             <a:endParaRPr lang="en-US"/>
           </a:p>
@@ -1009,7 +1009,7 @@
           <a:p>
             <a:fld id="{D683890E-4472-4958-AE87-37F5298C508C}" type="datetimeFigureOut">
               <a:rPr lang="en-US" smtClean="0"/>
-              <a:t>3/26/2022</a:t>
+              <a:t>3/29/2022</a:t>
             </a:fld>
             <a:endParaRPr lang="en-US"/>
           </a:p>
@@ -1238,7 +1238,7 @@
           <a:p>
             <a:fld id="{D683890E-4472-4958-AE87-37F5298C508C}" type="datetimeFigureOut">
               <a:rPr lang="en-US" smtClean="0"/>
-              <a:t>3/26/2022</a:t>
+              <a:t>3/29/2022</a:t>
             </a:fld>
             <a:endParaRPr lang="en-US"/>
           </a:p>
@@ -1602,7 +1602,7 @@
           <a:p>
             <a:fld id="{D683890E-4472-4958-AE87-37F5298C508C}" type="datetimeFigureOut">
               <a:rPr lang="en-US" smtClean="0"/>
-              <a:t>3/26/2022</a:t>
+              <a:t>3/29/2022</a:t>
             </a:fld>
             <a:endParaRPr lang="en-US"/>
           </a:p>
@@ -1719,7 +1719,7 @@
           <a:p>
             <a:fld id="{D683890E-4472-4958-AE87-37F5298C508C}" type="datetimeFigureOut">
               <a:rPr lang="en-US" smtClean="0"/>
-              <a:t>3/26/2022</a:t>
+              <a:t>3/29/2022</a:t>
             </a:fld>
             <a:endParaRPr lang="en-US"/>
           </a:p>
@@ -1814,7 +1814,7 @@
           <a:p>
             <a:fld id="{D683890E-4472-4958-AE87-37F5298C508C}" type="datetimeFigureOut">
               <a:rPr lang="en-US" smtClean="0"/>
-              <a:t>3/26/2022</a:t>
+              <a:t>3/29/2022</a:t>
             </a:fld>
             <a:endParaRPr lang="en-US"/>
           </a:p>
@@ -2089,7 +2089,7 @@
           <a:p>
             <a:fld id="{D683890E-4472-4958-AE87-37F5298C508C}" type="datetimeFigureOut">
               <a:rPr lang="en-US" smtClean="0"/>
-              <a:t>3/26/2022</a:t>
+              <a:t>3/29/2022</a:t>
             </a:fld>
             <a:endParaRPr lang="en-US"/>
           </a:p>
@@ -2341,7 +2341,7 @@
           <a:p>
             <a:fld id="{D683890E-4472-4958-AE87-37F5298C508C}" type="datetimeFigureOut">
               <a:rPr lang="en-US" smtClean="0"/>
-              <a:t>3/26/2022</a:t>
+              <a:t>3/29/2022</a:t>
             </a:fld>
             <a:endParaRPr lang="en-US"/>
           </a:p>
@@ -2552,7 +2552,7 @@
           <a:p>
             <a:fld id="{D683890E-4472-4958-AE87-37F5298C508C}" type="datetimeFigureOut">
               <a:rPr lang="en-US" smtClean="0"/>
-              <a:t>3/26/2022</a:t>
+              <a:t>3/29/2022</a:t>
             </a:fld>
             <a:endParaRPr lang="en-US"/>
           </a:p>
@@ -4094,7 +4094,7 @@
           <p:cNvPr id="12" name="Straight Arrow Connector 11">
             <a:extLst>
               <a:ext uri="{FF2B5EF4-FFF2-40B4-BE49-F238E27FC236}">
-                <a16:creationId xmlns:a16="http://schemas.microsoft.com/office/drawing/2014/main" id="{E90EF790-7188-42F6-B276-DD3BAAFFB86D}"/>
+                <a16:creationId xmlns="" xmlns:a16="http://schemas.microsoft.com/office/drawing/2014/main" id="{E90EF790-7188-42F6-B276-DD3BAAFFB86D}"/>
               </a:ext>
             </a:extLst>
           </p:cNvPr>
@@ -4139,7 +4139,7 @@
           <p:cNvPr id="17" name="Straight Arrow Connector 16">
             <a:extLst>
               <a:ext uri="{FF2B5EF4-FFF2-40B4-BE49-F238E27FC236}">
-                <a16:creationId xmlns:a16="http://schemas.microsoft.com/office/drawing/2014/main" id="{B94D510F-4540-4970-A2AC-550BC35A4BEB}"/>
+                <a16:creationId xmlns="" xmlns:a16="http://schemas.microsoft.com/office/drawing/2014/main" id="{B94D510F-4540-4970-A2AC-550BC35A4BEB}"/>
               </a:ext>
             </a:extLst>
           </p:cNvPr>
@@ -4184,7 +4184,7 @@
           <p:cNvPr id="22" name="TextBox 21">
             <a:extLst>
               <a:ext uri="{FF2B5EF4-FFF2-40B4-BE49-F238E27FC236}">
-                <a16:creationId xmlns:a16="http://schemas.microsoft.com/office/drawing/2014/main" id="{501EC76A-58B2-4DAF-B9D5-C6E3795FD2D8}"/>
+                <a16:creationId xmlns="" xmlns:a16="http://schemas.microsoft.com/office/drawing/2014/main" id="{501EC76A-58B2-4DAF-B9D5-C6E3795FD2D8}"/>
               </a:ext>
             </a:extLst>
           </p:cNvPr>
@@ -4224,7 +4224,7 @@
           <p:cNvPr id="25" name="TextBox 24">
             <a:extLst>
               <a:ext uri="{FF2B5EF4-FFF2-40B4-BE49-F238E27FC236}">
-                <a16:creationId xmlns:a16="http://schemas.microsoft.com/office/drawing/2014/main" id="{E291AD0D-9375-4E83-B2D9-B063EF1558A7}"/>
+                <a16:creationId xmlns="" xmlns:a16="http://schemas.microsoft.com/office/drawing/2014/main" id="{E291AD0D-9375-4E83-B2D9-B063EF1558A7}"/>
               </a:ext>
             </a:extLst>
           </p:cNvPr>
@@ -4264,7 +4264,7 @@
           <p:cNvPr id="32" name="TextBox 31">
             <a:extLst>
               <a:ext uri="{FF2B5EF4-FFF2-40B4-BE49-F238E27FC236}">
-                <a16:creationId xmlns:a16="http://schemas.microsoft.com/office/drawing/2014/main" id="{EC732D11-9DBF-4AE0-894F-A4104302527B}"/>
+                <a16:creationId xmlns="" xmlns:a16="http://schemas.microsoft.com/office/drawing/2014/main" id="{EC732D11-9DBF-4AE0-894F-A4104302527B}"/>
               </a:ext>
             </a:extLst>
           </p:cNvPr>
@@ -4304,7 +4304,7 @@
           <p:cNvPr id="33" name="TextBox 32">
             <a:extLst>
               <a:ext uri="{FF2B5EF4-FFF2-40B4-BE49-F238E27FC236}">
-                <a16:creationId xmlns:a16="http://schemas.microsoft.com/office/drawing/2014/main" id="{8C92D660-6E93-44F1-97F0-565DBBA5B7E7}"/>
+                <a16:creationId xmlns="" xmlns:a16="http://schemas.microsoft.com/office/drawing/2014/main" id="{8C92D660-6E93-44F1-97F0-565DBBA5B7E7}"/>
               </a:ext>
             </a:extLst>
           </p:cNvPr>
@@ -4344,7 +4344,7 @@
           <p:cNvPr id="34" name="TextBox 33">
             <a:extLst>
               <a:ext uri="{FF2B5EF4-FFF2-40B4-BE49-F238E27FC236}">
-                <a16:creationId xmlns:a16="http://schemas.microsoft.com/office/drawing/2014/main" id="{37527163-F972-4B33-A6ED-23E9224A1E55}"/>
+                <a16:creationId xmlns="" xmlns:a16="http://schemas.microsoft.com/office/drawing/2014/main" id="{37527163-F972-4B33-A6ED-23E9224A1E55}"/>
               </a:ext>
             </a:extLst>
           </p:cNvPr>
@@ -4384,7 +4384,7 @@
           <p:cNvPr id="35" name="TextBox 34">
             <a:extLst>
               <a:ext uri="{FF2B5EF4-FFF2-40B4-BE49-F238E27FC236}">
-                <a16:creationId xmlns:a16="http://schemas.microsoft.com/office/drawing/2014/main" id="{B8C2E5DF-8365-4685-811F-BAF212BF64B0}"/>
+                <a16:creationId xmlns="" xmlns:a16="http://schemas.microsoft.com/office/drawing/2014/main" id="{B8C2E5DF-8365-4685-811F-BAF212BF64B0}"/>
               </a:ext>
             </a:extLst>
           </p:cNvPr>
@@ -4424,7 +4424,7 @@
           <p:cNvPr id="44" name="Straight Arrow Connector 43">
             <a:extLst>
               <a:ext uri="{FF2B5EF4-FFF2-40B4-BE49-F238E27FC236}">
-                <a16:creationId xmlns:a16="http://schemas.microsoft.com/office/drawing/2014/main" id="{8766F88F-CE75-4075-A7FB-0016791A5FF0}"/>
+                <a16:creationId xmlns="" xmlns:a16="http://schemas.microsoft.com/office/drawing/2014/main" id="{8766F88F-CE75-4075-A7FB-0016791A5FF0}"/>
               </a:ext>
             </a:extLst>
           </p:cNvPr>
@@ -4468,7 +4468,7 @@
           <p:cNvPr id="46" name="Straight Arrow Connector 45">
             <a:extLst>
               <a:ext uri="{FF2B5EF4-FFF2-40B4-BE49-F238E27FC236}">
-                <a16:creationId xmlns:a16="http://schemas.microsoft.com/office/drawing/2014/main" id="{A1EFF5AC-23E1-46E4-9F3C-45143630E414}"/>
+                <a16:creationId xmlns="" xmlns:a16="http://schemas.microsoft.com/office/drawing/2014/main" id="{A1EFF5AC-23E1-46E4-9F3C-45143630E414}"/>
               </a:ext>
             </a:extLst>
           </p:cNvPr>
@@ -4512,7 +4512,7 @@
           <p:cNvPr id="48" name="Straight Arrow Connector 47">
             <a:extLst>
               <a:ext uri="{FF2B5EF4-FFF2-40B4-BE49-F238E27FC236}">
-                <a16:creationId xmlns:a16="http://schemas.microsoft.com/office/drawing/2014/main" id="{6B6BE7A2-D1BD-4F76-96BF-04F237C36B73}"/>
+                <a16:creationId xmlns="" xmlns:a16="http://schemas.microsoft.com/office/drawing/2014/main" id="{6B6BE7A2-D1BD-4F76-96BF-04F237C36B73}"/>
               </a:ext>
             </a:extLst>
           </p:cNvPr>
@@ -4556,7 +4556,7 @@
           <p:cNvPr id="50" name="Straight Arrow Connector 49">
             <a:extLst>
               <a:ext uri="{FF2B5EF4-FFF2-40B4-BE49-F238E27FC236}">
-                <a16:creationId xmlns:a16="http://schemas.microsoft.com/office/drawing/2014/main" id="{7AB12831-494E-4990-A797-2DC7053DE7F5}"/>
+                <a16:creationId xmlns="" xmlns:a16="http://schemas.microsoft.com/office/drawing/2014/main" id="{7AB12831-494E-4990-A797-2DC7053DE7F5}"/>
               </a:ext>
             </a:extLst>
           </p:cNvPr>
@@ -4600,7 +4600,7 @@
           <p:cNvPr id="4" name="TextBox 3">
             <a:extLst>
               <a:ext uri="{FF2B5EF4-FFF2-40B4-BE49-F238E27FC236}">
-                <a16:creationId xmlns:a16="http://schemas.microsoft.com/office/drawing/2014/main" id="{78AF2CA0-9118-445D-B2F7-3F39AC39A6B8}"/>
+                <a16:creationId xmlns="" xmlns:a16="http://schemas.microsoft.com/office/drawing/2014/main" id="{78AF2CA0-9118-445D-B2F7-3F39AC39A6B8}"/>
               </a:ext>
             </a:extLst>
           </p:cNvPr>
@@ -4729,7 +4729,7 @@
           <p:cNvPr id="12" name="Straight Arrow Connector 11">
             <a:extLst>
               <a:ext uri="{FF2B5EF4-FFF2-40B4-BE49-F238E27FC236}">
-                <a16:creationId xmlns:a16="http://schemas.microsoft.com/office/drawing/2014/main" id="{E90EF790-7188-42F6-B276-DD3BAAFFB86D}"/>
+                <a16:creationId xmlns="" xmlns:a16="http://schemas.microsoft.com/office/drawing/2014/main" id="{E90EF790-7188-42F6-B276-DD3BAAFFB86D}"/>
               </a:ext>
             </a:extLst>
           </p:cNvPr>
@@ -4774,7 +4774,7 @@
           <p:cNvPr id="21" name="Straight Arrow Connector 20">
             <a:extLst>
               <a:ext uri="{FF2B5EF4-FFF2-40B4-BE49-F238E27FC236}">
-                <a16:creationId xmlns:a16="http://schemas.microsoft.com/office/drawing/2014/main" id="{83275F49-69BD-41FC-8870-7A98460F90DE}"/>
+                <a16:creationId xmlns="" xmlns:a16="http://schemas.microsoft.com/office/drawing/2014/main" id="{83275F49-69BD-41FC-8870-7A98460F90DE}"/>
               </a:ext>
             </a:extLst>
           </p:cNvPr>
@@ -4819,7 +4819,7 @@
           <p:cNvPr id="22" name="TextBox 21">
             <a:extLst>
               <a:ext uri="{FF2B5EF4-FFF2-40B4-BE49-F238E27FC236}">
-                <a16:creationId xmlns:a16="http://schemas.microsoft.com/office/drawing/2014/main" id="{501EC76A-58B2-4DAF-B9D5-C6E3795FD2D8}"/>
+                <a16:creationId xmlns="" xmlns:a16="http://schemas.microsoft.com/office/drawing/2014/main" id="{501EC76A-58B2-4DAF-B9D5-C6E3795FD2D8}"/>
               </a:ext>
             </a:extLst>
           </p:cNvPr>
@@ -4859,7 +4859,7 @@
           <p:cNvPr id="24" name="TextBox 23">
             <a:extLst>
               <a:ext uri="{FF2B5EF4-FFF2-40B4-BE49-F238E27FC236}">
-                <a16:creationId xmlns:a16="http://schemas.microsoft.com/office/drawing/2014/main" id="{0ACF609C-5261-4435-A7C8-DF8E97856FD8}"/>
+                <a16:creationId xmlns="" xmlns:a16="http://schemas.microsoft.com/office/drawing/2014/main" id="{0ACF609C-5261-4435-A7C8-DF8E97856FD8}"/>
               </a:ext>
             </a:extLst>
           </p:cNvPr>
@@ -4899,7 +4899,7 @@
           <p:cNvPr id="31" name="TextBox 30">
             <a:extLst>
               <a:ext uri="{FF2B5EF4-FFF2-40B4-BE49-F238E27FC236}">
-                <a16:creationId xmlns:a16="http://schemas.microsoft.com/office/drawing/2014/main" id="{ECCBC355-B2DC-4F5E-8071-21D809982F15}"/>
+                <a16:creationId xmlns="" xmlns:a16="http://schemas.microsoft.com/office/drawing/2014/main" id="{ECCBC355-B2DC-4F5E-8071-21D809982F15}"/>
               </a:ext>
             </a:extLst>
           </p:cNvPr>
@@ -4939,7 +4939,7 @@
           <p:cNvPr id="32" name="TextBox 31">
             <a:extLst>
               <a:ext uri="{FF2B5EF4-FFF2-40B4-BE49-F238E27FC236}">
-                <a16:creationId xmlns:a16="http://schemas.microsoft.com/office/drawing/2014/main" id="{EC732D11-9DBF-4AE0-894F-A4104302527B}"/>
+                <a16:creationId xmlns="" xmlns:a16="http://schemas.microsoft.com/office/drawing/2014/main" id="{EC732D11-9DBF-4AE0-894F-A4104302527B}"/>
               </a:ext>
             </a:extLst>
           </p:cNvPr>
@@ -4979,7 +4979,7 @@
           <p:cNvPr id="33" name="TextBox 32">
             <a:extLst>
               <a:ext uri="{FF2B5EF4-FFF2-40B4-BE49-F238E27FC236}">
-                <a16:creationId xmlns:a16="http://schemas.microsoft.com/office/drawing/2014/main" id="{8C92D660-6E93-44F1-97F0-565DBBA5B7E7}"/>
+                <a16:creationId xmlns="" xmlns:a16="http://schemas.microsoft.com/office/drawing/2014/main" id="{8C92D660-6E93-44F1-97F0-565DBBA5B7E7}"/>
               </a:ext>
             </a:extLst>
           </p:cNvPr>
@@ -5019,7 +5019,7 @@
           <p:cNvPr id="34" name="TextBox 33">
             <a:extLst>
               <a:ext uri="{FF2B5EF4-FFF2-40B4-BE49-F238E27FC236}">
-                <a16:creationId xmlns:a16="http://schemas.microsoft.com/office/drawing/2014/main" id="{37527163-F972-4B33-A6ED-23E9224A1E55}"/>
+                <a16:creationId xmlns="" xmlns:a16="http://schemas.microsoft.com/office/drawing/2014/main" id="{37527163-F972-4B33-A6ED-23E9224A1E55}"/>
               </a:ext>
             </a:extLst>
           </p:cNvPr>
@@ -5059,7 +5059,7 @@
           <p:cNvPr id="35" name="TextBox 34">
             <a:extLst>
               <a:ext uri="{FF2B5EF4-FFF2-40B4-BE49-F238E27FC236}">
-                <a16:creationId xmlns:a16="http://schemas.microsoft.com/office/drawing/2014/main" id="{B8C2E5DF-8365-4685-811F-BAF212BF64B0}"/>
+                <a16:creationId xmlns="" xmlns:a16="http://schemas.microsoft.com/office/drawing/2014/main" id="{B8C2E5DF-8365-4685-811F-BAF212BF64B0}"/>
               </a:ext>
             </a:extLst>
           </p:cNvPr>
@@ -5099,7 +5099,7 @@
           <p:cNvPr id="36" name="Straight Arrow Connector 35">
             <a:extLst>
               <a:ext uri="{FF2B5EF4-FFF2-40B4-BE49-F238E27FC236}">
-                <a16:creationId xmlns:a16="http://schemas.microsoft.com/office/drawing/2014/main" id="{7D3EB286-A2E4-40A1-B2BB-89CCF6EAC0B7}"/>
+                <a16:creationId xmlns="" xmlns:a16="http://schemas.microsoft.com/office/drawing/2014/main" id="{7D3EB286-A2E4-40A1-B2BB-89CCF6EAC0B7}"/>
               </a:ext>
             </a:extLst>
           </p:cNvPr>
@@ -5143,7 +5143,7 @@
           <p:cNvPr id="44" name="Straight Arrow Connector 43">
             <a:extLst>
               <a:ext uri="{FF2B5EF4-FFF2-40B4-BE49-F238E27FC236}">
-                <a16:creationId xmlns:a16="http://schemas.microsoft.com/office/drawing/2014/main" id="{8766F88F-CE75-4075-A7FB-0016791A5FF0}"/>
+                <a16:creationId xmlns="" xmlns:a16="http://schemas.microsoft.com/office/drawing/2014/main" id="{8766F88F-CE75-4075-A7FB-0016791A5FF0}"/>
               </a:ext>
             </a:extLst>
           </p:cNvPr>
@@ -5187,7 +5187,7 @@
           <p:cNvPr id="46" name="Straight Arrow Connector 45">
             <a:extLst>
               <a:ext uri="{FF2B5EF4-FFF2-40B4-BE49-F238E27FC236}">
-                <a16:creationId xmlns:a16="http://schemas.microsoft.com/office/drawing/2014/main" id="{A1EFF5AC-23E1-46E4-9F3C-45143630E414}"/>
+                <a16:creationId xmlns="" xmlns:a16="http://schemas.microsoft.com/office/drawing/2014/main" id="{A1EFF5AC-23E1-46E4-9F3C-45143630E414}"/>
               </a:ext>
             </a:extLst>
           </p:cNvPr>
@@ -5231,7 +5231,7 @@
           <p:cNvPr id="48" name="Straight Arrow Connector 47">
             <a:extLst>
               <a:ext uri="{FF2B5EF4-FFF2-40B4-BE49-F238E27FC236}">
-                <a16:creationId xmlns:a16="http://schemas.microsoft.com/office/drawing/2014/main" id="{6B6BE7A2-D1BD-4F76-96BF-04F237C36B73}"/>
+                <a16:creationId xmlns="" xmlns:a16="http://schemas.microsoft.com/office/drawing/2014/main" id="{6B6BE7A2-D1BD-4F76-96BF-04F237C36B73}"/>
               </a:ext>
             </a:extLst>
           </p:cNvPr>
@@ -5275,7 +5275,7 @@
           <p:cNvPr id="50" name="Straight Arrow Connector 49">
             <a:extLst>
               <a:ext uri="{FF2B5EF4-FFF2-40B4-BE49-F238E27FC236}">
-                <a16:creationId xmlns:a16="http://schemas.microsoft.com/office/drawing/2014/main" id="{7AB12831-494E-4990-A797-2DC7053DE7F5}"/>
+                <a16:creationId xmlns="" xmlns:a16="http://schemas.microsoft.com/office/drawing/2014/main" id="{7AB12831-494E-4990-A797-2DC7053DE7F5}"/>
               </a:ext>
             </a:extLst>
           </p:cNvPr>
@@ -5319,7 +5319,7 @@
           <p:cNvPr id="37" name="TextBox 36">
             <a:extLst>
               <a:ext uri="{FF2B5EF4-FFF2-40B4-BE49-F238E27FC236}">
-                <a16:creationId xmlns:a16="http://schemas.microsoft.com/office/drawing/2014/main" id="{3C5D0C7D-1F01-4E3E-93A1-3BE0C20562CB}"/>
+                <a16:creationId xmlns="" xmlns:a16="http://schemas.microsoft.com/office/drawing/2014/main" id="{3C5D0C7D-1F01-4E3E-93A1-3BE0C20562CB}"/>
               </a:ext>
             </a:extLst>
           </p:cNvPr>
@@ -5448,7 +5448,7 @@
           <p:cNvPr id="12" name="Straight Arrow Connector 11">
             <a:extLst>
               <a:ext uri="{FF2B5EF4-FFF2-40B4-BE49-F238E27FC236}">
-                <a16:creationId xmlns:a16="http://schemas.microsoft.com/office/drawing/2014/main" id="{E90EF790-7188-42F6-B276-DD3BAAFFB86D}"/>
+                <a16:creationId xmlns="" xmlns:a16="http://schemas.microsoft.com/office/drawing/2014/main" id="{E90EF790-7188-42F6-B276-DD3BAAFFB86D}"/>
               </a:ext>
             </a:extLst>
           </p:cNvPr>
@@ -5493,7 +5493,7 @@
           <p:cNvPr id="15" name="Straight Arrow Connector 14">
             <a:extLst>
               <a:ext uri="{FF2B5EF4-FFF2-40B4-BE49-F238E27FC236}">
-                <a16:creationId xmlns:a16="http://schemas.microsoft.com/office/drawing/2014/main" id="{2A24ABB9-AC43-42AC-87D3-8C990CAC4439}"/>
+                <a16:creationId xmlns="" xmlns:a16="http://schemas.microsoft.com/office/drawing/2014/main" id="{2A24ABB9-AC43-42AC-87D3-8C990CAC4439}"/>
               </a:ext>
             </a:extLst>
           </p:cNvPr>
@@ -5538,7 +5538,7 @@
           <p:cNvPr id="17" name="Straight Arrow Connector 16">
             <a:extLst>
               <a:ext uri="{FF2B5EF4-FFF2-40B4-BE49-F238E27FC236}">
-                <a16:creationId xmlns:a16="http://schemas.microsoft.com/office/drawing/2014/main" id="{B94D510F-4540-4970-A2AC-550BC35A4BEB}"/>
+                <a16:creationId xmlns="" xmlns:a16="http://schemas.microsoft.com/office/drawing/2014/main" id="{B94D510F-4540-4970-A2AC-550BC35A4BEB}"/>
               </a:ext>
             </a:extLst>
           </p:cNvPr>
@@ -5583,7 +5583,7 @@
           <p:cNvPr id="21" name="Straight Arrow Connector 20">
             <a:extLst>
               <a:ext uri="{FF2B5EF4-FFF2-40B4-BE49-F238E27FC236}">
-                <a16:creationId xmlns:a16="http://schemas.microsoft.com/office/drawing/2014/main" id="{83275F49-69BD-41FC-8870-7A98460F90DE}"/>
+                <a16:creationId xmlns="" xmlns:a16="http://schemas.microsoft.com/office/drawing/2014/main" id="{83275F49-69BD-41FC-8870-7A98460F90DE}"/>
               </a:ext>
             </a:extLst>
           </p:cNvPr>
@@ -5628,7 +5628,7 @@
           <p:cNvPr id="22" name="TextBox 21">
             <a:extLst>
               <a:ext uri="{FF2B5EF4-FFF2-40B4-BE49-F238E27FC236}">
-                <a16:creationId xmlns:a16="http://schemas.microsoft.com/office/drawing/2014/main" id="{501EC76A-58B2-4DAF-B9D5-C6E3795FD2D8}"/>
+                <a16:creationId xmlns="" xmlns:a16="http://schemas.microsoft.com/office/drawing/2014/main" id="{501EC76A-58B2-4DAF-B9D5-C6E3795FD2D8}"/>
               </a:ext>
             </a:extLst>
           </p:cNvPr>
@@ -5668,7 +5668,7 @@
           <p:cNvPr id="23" name="TextBox 22">
             <a:extLst>
               <a:ext uri="{FF2B5EF4-FFF2-40B4-BE49-F238E27FC236}">
-                <a16:creationId xmlns:a16="http://schemas.microsoft.com/office/drawing/2014/main" id="{757B4EDE-6F62-4AFE-A271-6C0CBD966EDD}"/>
+                <a16:creationId xmlns="" xmlns:a16="http://schemas.microsoft.com/office/drawing/2014/main" id="{757B4EDE-6F62-4AFE-A271-6C0CBD966EDD}"/>
               </a:ext>
             </a:extLst>
           </p:cNvPr>
@@ -5708,7 +5708,7 @@
           <p:cNvPr id="24" name="TextBox 23">
             <a:extLst>
               <a:ext uri="{FF2B5EF4-FFF2-40B4-BE49-F238E27FC236}">
-                <a16:creationId xmlns:a16="http://schemas.microsoft.com/office/drawing/2014/main" id="{0ACF609C-5261-4435-A7C8-DF8E97856FD8}"/>
+                <a16:creationId xmlns="" xmlns:a16="http://schemas.microsoft.com/office/drawing/2014/main" id="{0ACF609C-5261-4435-A7C8-DF8E97856FD8}"/>
               </a:ext>
             </a:extLst>
           </p:cNvPr>
@@ -5748,7 +5748,7 @@
           <p:cNvPr id="25" name="TextBox 24">
             <a:extLst>
               <a:ext uri="{FF2B5EF4-FFF2-40B4-BE49-F238E27FC236}">
-                <a16:creationId xmlns:a16="http://schemas.microsoft.com/office/drawing/2014/main" id="{E291AD0D-9375-4E83-B2D9-B063EF1558A7}"/>
+                <a16:creationId xmlns="" xmlns:a16="http://schemas.microsoft.com/office/drawing/2014/main" id="{E291AD0D-9375-4E83-B2D9-B063EF1558A7}"/>
               </a:ext>
             </a:extLst>
           </p:cNvPr>
@@ -5788,7 +5788,7 @@
           <p:cNvPr id="26" name="Straight Arrow Connector 25">
             <a:extLst>
               <a:ext uri="{FF2B5EF4-FFF2-40B4-BE49-F238E27FC236}">
-                <a16:creationId xmlns:a16="http://schemas.microsoft.com/office/drawing/2014/main" id="{0F3B5E9B-C537-4A5D-ACE4-F79B7CFB9458}"/>
+                <a16:creationId xmlns="" xmlns:a16="http://schemas.microsoft.com/office/drawing/2014/main" id="{0F3B5E9B-C537-4A5D-ACE4-F79B7CFB9458}"/>
               </a:ext>
             </a:extLst>
           </p:cNvPr>
@@ -5832,7 +5832,7 @@
           <p:cNvPr id="28" name="TextBox 27">
             <a:extLst>
               <a:ext uri="{FF2B5EF4-FFF2-40B4-BE49-F238E27FC236}">
-                <a16:creationId xmlns:a16="http://schemas.microsoft.com/office/drawing/2014/main" id="{58A7AB82-4CED-48AC-A028-2D01782C9733}"/>
+                <a16:creationId xmlns="" xmlns:a16="http://schemas.microsoft.com/office/drawing/2014/main" id="{58A7AB82-4CED-48AC-A028-2D01782C9733}"/>
               </a:ext>
             </a:extLst>
           </p:cNvPr>
@@ -5841,8 +5841,8 @@
         </p:nvSpPr>
         <p:spPr>
           <a:xfrm>
-            <a:off x="4205003" y="3344060"/>
-            <a:ext cx="2186609" cy="369332"/>
+            <a:off x="6596184" y="3102807"/>
+            <a:ext cx="1418660" cy="369332"/>
           </a:xfrm>
           <a:prstGeom prst="rect">
             <a:avLst/>
@@ -5872,7 +5872,7 @@
           <p:cNvPr id="29" name="TextBox 28">
             <a:extLst>
               <a:ext uri="{FF2B5EF4-FFF2-40B4-BE49-F238E27FC236}">
-                <a16:creationId xmlns:a16="http://schemas.microsoft.com/office/drawing/2014/main" id="{DDA261A3-1970-4B59-B5C6-34B2D077E1BB}"/>
+                <a16:creationId xmlns="" xmlns:a16="http://schemas.microsoft.com/office/drawing/2014/main" id="{DDA261A3-1970-4B59-B5C6-34B2D077E1BB}"/>
               </a:ext>
             </a:extLst>
           </p:cNvPr>
@@ -5912,7 +5912,7 @@
           <p:cNvPr id="30" name="TextBox 29">
             <a:extLst>
               <a:ext uri="{FF2B5EF4-FFF2-40B4-BE49-F238E27FC236}">
-                <a16:creationId xmlns:a16="http://schemas.microsoft.com/office/drawing/2014/main" id="{20D526B3-D9A8-4378-8E52-1134477E15CF}"/>
+                <a16:creationId xmlns="" xmlns:a16="http://schemas.microsoft.com/office/drawing/2014/main" id="{20D526B3-D9A8-4378-8E52-1134477E15CF}"/>
               </a:ext>
             </a:extLst>
           </p:cNvPr>
@@ -5952,7 +5952,7 @@
           <p:cNvPr id="31" name="TextBox 30">
             <a:extLst>
               <a:ext uri="{FF2B5EF4-FFF2-40B4-BE49-F238E27FC236}">
-                <a16:creationId xmlns:a16="http://schemas.microsoft.com/office/drawing/2014/main" id="{ECCBC355-B2DC-4F5E-8071-21D809982F15}"/>
+                <a16:creationId xmlns="" xmlns:a16="http://schemas.microsoft.com/office/drawing/2014/main" id="{ECCBC355-B2DC-4F5E-8071-21D809982F15}"/>
               </a:ext>
             </a:extLst>
           </p:cNvPr>
@@ -5992,7 +5992,7 @@
           <p:cNvPr id="32" name="TextBox 31">
             <a:extLst>
               <a:ext uri="{FF2B5EF4-FFF2-40B4-BE49-F238E27FC236}">
-                <a16:creationId xmlns:a16="http://schemas.microsoft.com/office/drawing/2014/main" id="{EC732D11-9DBF-4AE0-894F-A4104302527B}"/>
+                <a16:creationId xmlns="" xmlns:a16="http://schemas.microsoft.com/office/drawing/2014/main" id="{EC732D11-9DBF-4AE0-894F-A4104302527B}"/>
               </a:ext>
             </a:extLst>
           </p:cNvPr>
@@ -6032,7 +6032,7 @@
           <p:cNvPr id="33" name="TextBox 32">
             <a:extLst>
               <a:ext uri="{FF2B5EF4-FFF2-40B4-BE49-F238E27FC236}">
-                <a16:creationId xmlns:a16="http://schemas.microsoft.com/office/drawing/2014/main" id="{8C92D660-6E93-44F1-97F0-565DBBA5B7E7}"/>
+                <a16:creationId xmlns="" xmlns:a16="http://schemas.microsoft.com/office/drawing/2014/main" id="{8C92D660-6E93-44F1-97F0-565DBBA5B7E7}"/>
               </a:ext>
             </a:extLst>
           </p:cNvPr>
@@ -6072,7 +6072,7 @@
           <p:cNvPr id="34" name="TextBox 33">
             <a:extLst>
               <a:ext uri="{FF2B5EF4-FFF2-40B4-BE49-F238E27FC236}">
-                <a16:creationId xmlns:a16="http://schemas.microsoft.com/office/drawing/2014/main" id="{37527163-F972-4B33-A6ED-23E9224A1E55}"/>
+                <a16:creationId xmlns="" xmlns:a16="http://schemas.microsoft.com/office/drawing/2014/main" id="{37527163-F972-4B33-A6ED-23E9224A1E55}"/>
               </a:ext>
             </a:extLst>
           </p:cNvPr>
@@ -6112,7 +6112,7 @@
           <p:cNvPr id="35" name="TextBox 34">
             <a:extLst>
               <a:ext uri="{FF2B5EF4-FFF2-40B4-BE49-F238E27FC236}">
-                <a16:creationId xmlns:a16="http://schemas.microsoft.com/office/drawing/2014/main" id="{B8C2E5DF-8365-4685-811F-BAF212BF64B0}"/>
+                <a16:creationId xmlns="" xmlns:a16="http://schemas.microsoft.com/office/drawing/2014/main" id="{B8C2E5DF-8365-4685-811F-BAF212BF64B0}"/>
               </a:ext>
             </a:extLst>
           </p:cNvPr>
@@ -6152,7 +6152,7 @@
           <p:cNvPr id="36" name="Straight Arrow Connector 35">
             <a:extLst>
               <a:ext uri="{FF2B5EF4-FFF2-40B4-BE49-F238E27FC236}">
-                <a16:creationId xmlns:a16="http://schemas.microsoft.com/office/drawing/2014/main" id="{7D3EB286-A2E4-40A1-B2BB-89CCF6EAC0B7}"/>
+                <a16:creationId xmlns="" xmlns:a16="http://schemas.microsoft.com/office/drawing/2014/main" id="{7D3EB286-A2E4-40A1-B2BB-89CCF6EAC0B7}"/>
               </a:ext>
             </a:extLst>
           </p:cNvPr>
@@ -6196,7 +6196,7 @@
           <p:cNvPr id="38" name="Straight Arrow Connector 37">
             <a:extLst>
               <a:ext uri="{FF2B5EF4-FFF2-40B4-BE49-F238E27FC236}">
-                <a16:creationId xmlns:a16="http://schemas.microsoft.com/office/drawing/2014/main" id="{6D0C58A2-BBFF-4A08-8956-B6846A78085F}"/>
+                <a16:creationId xmlns="" xmlns:a16="http://schemas.microsoft.com/office/drawing/2014/main" id="{6D0C58A2-BBFF-4A08-8956-B6846A78085F}"/>
               </a:ext>
             </a:extLst>
           </p:cNvPr>
@@ -6206,9 +6206,9 @@
           <p:nvPr/>
         </p:nvCxnSpPr>
         <p:spPr>
-          <a:xfrm>
-            <a:off x="5722889" y="3607517"/>
-            <a:ext cx="787831" cy="861808"/>
+          <a:xfrm flipH="1">
+            <a:off x="6510720" y="3235245"/>
+            <a:ext cx="245743" cy="1293227"/>
           </a:xfrm>
           <a:prstGeom prst="straightConnector1">
             <a:avLst/>
@@ -6240,7 +6240,7 @@
           <p:cNvPr id="41" name="Straight Arrow Connector 40">
             <a:extLst>
               <a:ext uri="{FF2B5EF4-FFF2-40B4-BE49-F238E27FC236}">
-                <a16:creationId xmlns:a16="http://schemas.microsoft.com/office/drawing/2014/main" id="{53F1F003-B170-45EA-90B5-FE1EAAD42A63}"/>
+                <a16:creationId xmlns="" xmlns:a16="http://schemas.microsoft.com/office/drawing/2014/main" id="{53F1F003-B170-45EA-90B5-FE1EAAD42A63}"/>
               </a:ext>
             </a:extLst>
           </p:cNvPr>
@@ -6284,7 +6284,7 @@
           <p:cNvPr id="44" name="Straight Arrow Connector 43">
             <a:extLst>
               <a:ext uri="{FF2B5EF4-FFF2-40B4-BE49-F238E27FC236}">
-                <a16:creationId xmlns:a16="http://schemas.microsoft.com/office/drawing/2014/main" id="{8766F88F-CE75-4075-A7FB-0016791A5FF0}"/>
+                <a16:creationId xmlns="" xmlns:a16="http://schemas.microsoft.com/office/drawing/2014/main" id="{8766F88F-CE75-4075-A7FB-0016791A5FF0}"/>
               </a:ext>
             </a:extLst>
           </p:cNvPr>
@@ -6328,7 +6328,7 @@
           <p:cNvPr id="46" name="Straight Arrow Connector 45">
             <a:extLst>
               <a:ext uri="{FF2B5EF4-FFF2-40B4-BE49-F238E27FC236}">
-                <a16:creationId xmlns:a16="http://schemas.microsoft.com/office/drawing/2014/main" id="{A1EFF5AC-23E1-46E4-9F3C-45143630E414}"/>
+                <a16:creationId xmlns="" xmlns:a16="http://schemas.microsoft.com/office/drawing/2014/main" id="{A1EFF5AC-23E1-46E4-9F3C-45143630E414}"/>
               </a:ext>
             </a:extLst>
           </p:cNvPr>
@@ -6372,7 +6372,7 @@
           <p:cNvPr id="48" name="Straight Arrow Connector 47">
             <a:extLst>
               <a:ext uri="{FF2B5EF4-FFF2-40B4-BE49-F238E27FC236}">
-                <a16:creationId xmlns:a16="http://schemas.microsoft.com/office/drawing/2014/main" id="{6B6BE7A2-D1BD-4F76-96BF-04F237C36B73}"/>
+                <a16:creationId xmlns="" xmlns:a16="http://schemas.microsoft.com/office/drawing/2014/main" id="{6B6BE7A2-D1BD-4F76-96BF-04F237C36B73}"/>
               </a:ext>
             </a:extLst>
           </p:cNvPr>
@@ -6416,7 +6416,7 @@
           <p:cNvPr id="50" name="Straight Arrow Connector 49">
             <a:extLst>
               <a:ext uri="{FF2B5EF4-FFF2-40B4-BE49-F238E27FC236}">
-                <a16:creationId xmlns:a16="http://schemas.microsoft.com/office/drawing/2014/main" id="{7AB12831-494E-4990-A797-2DC7053DE7F5}"/>
+                <a16:creationId xmlns="" xmlns:a16="http://schemas.microsoft.com/office/drawing/2014/main" id="{7AB12831-494E-4990-A797-2DC7053DE7F5}"/>
               </a:ext>
             </a:extLst>
           </p:cNvPr>
@@ -6429,6 +6429,394 @@
           <a:xfrm>
             <a:off x="2860519" y="2156864"/>
             <a:ext cx="1371994" cy="402769"/>
+          </a:xfrm>
+          <a:prstGeom prst="straightConnector1">
+            <a:avLst/>
+          </a:prstGeom>
+          <a:ln w="38100">
+            <a:solidFill>
+              <a:srgbClr val="FF0000"/>
+            </a:solidFill>
+            <a:tailEnd type="triangle"/>
+          </a:ln>
+        </p:spPr>
+        <p:style>
+          <a:lnRef idx="1">
+            <a:schemeClr val="accent1"/>
+          </a:lnRef>
+          <a:fillRef idx="0">
+            <a:schemeClr val="accent1"/>
+          </a:fillRef>
+          <a:effectRef idx="0">
+            <a:schemeClr val="accent1"/>
+          </a:effectRef>
+          <a:fontRef idx="minor">
+            <a:schemeClr val="tx1"/>
+          </a:fontRef>
+        </p:style>
+      </p:cxnSp>
+      <p:cxnSp>
+        <p:nvCxnSpPr>
+          <p:cNvPr id="39" name="Straight Arrow Connector 38">
+            <a:extLst>
+              <a:ext uri="{FF2B5EF4-FFF2-40B4-BE49-F238E27FC236}">
+                <a16:creationId xmlns="" xmlns:a16="http://schemas.microsoft.com/office/drawing/2014/main" id="{6D0C58A2-BBFF-4A08-8956-B6846A78085F}"/>
+              </a:ext>
+            </a:extLst>
+          </p:cNvPr>
+          <p:cNvCxnSpPr>
+            <a:cxnSpLocks/>
+          </p:cNvCxnSpPr>
+          <p:nvPr/>
+        </p:nvCxnSpPr>
+        <p:spPr>
+          <a:xfrm flipV="1">
+            <a:off x="2765571" y="5271841"/>
+            <a:ext cx="2118173" cy="612153"/>
+          </a:xfrm>
+          <a:prstGeom prst="straightConnector1">
+            <a:avLst/>
+          </a:prstGeom>
+          <a:ln w="38100">
+            <a:solidFill>
+              <a:srgbClr val="FF0000"/>
+            </a:solidFill>
+            <a:tailEnd type="triangle"/>
+          </a:ln>
+        </p:spPr>
+        <p:style>
+          <a:lnRef idx="1">
+            <a:schemeClr val="accent1"/>
+          </a:lnRef>
+          <a:fillRef idx="0">
+            <a:schemeClr val="accent1"/>
+          </a:fillRef>
+          <a:effectRef idx="0">
+            <a:schemeClr val="accent1"/>
+          </a:effectRef>
+          <a:fontRef idx="minor">
+            <a:schemeClr val="tx1"/>
+          </a:fontRef>
+        </p:style>
+      </p:cxnSp>
+      <p:sp>
+        <p:nvSpPr>
+          <p:cNvPr id="40" name="TextBox 39">
+            <a:extLst>
+              <a:ext uri="{FF2B5EF4-FFF2-40B4-BE49-F238E27FC236}">
+                <a16:creationId xmlns="" xmlns:a16="http://schemas.microsoft.com/office/drawing/2014/main" id="{757B4EDE-6F62-4AFE-A271-6C0CBD966EDD}"/>
+              </a:ext>
+            </a:extLst>
+          </p:cNvPr>
+          <p:cNvSpPr txBox="1"/>
+          <p:nvPr/>
+        </p:nvSpPr>
+        <p:spPr>
+          <a:xfrm>
+            <a:off x="397933" y="5628146"/>
+            <a:ext cx="2382109" cy="369332"/>
+          </a:xfrm>
+          <a:prstGeom prst="rect">
+            <a:avLst/>
+          </a:prstGeom>
+          <a:noFill/>
+        </p:spPr>
+        <p:txBody>
+          <a:bodyPr wrap="square" rtlCol="0">
+            <a:spAutoFit/>
+          </a:bodyPr>
+          <a:lstStyle/>
+          <a:p>
+            <a:pPr algn="ctr"/>
+            <a:r>
+              <a:rPr lang="en-US" b="1" dirty="0">
+                <a:solidFill>
+                  <a:srgbClr val="FF0000"/>
+                </a:solidFill>
+              </a:rPr>
+              <a:t>Joystick </a:t>
+            </a:r>
+            <a:r>
+              <a:rPr lang="en-US" b="1" dirty="0" smtClean="0">
+                <a:solidFill>
+                  <a:srgbClr val="FF0000"/>
+                </a:solidFill>
+              </a:rPr>
+              <a:t>Left Button 10</a:t>
+            </a:r>
+            <a:endParaRPr lang="en-US" b="1" dirty="0">
+              <a:solidFill>
+                <a:srgbClr val="FF0000"/>
+              </a:solidFill>
+            </a:endParaRPr>
+          </a:p>
+        </p:txBody>
+      </p:sp>
+      <p:sp>
+        <p:nvSpPr>
+          <p:cNvPr id="42" name="TextBox 41">
+            <a:extLst>
+              <a:ext uri="{FF2B5EF4-FFF2-40B4-BE49-F238E27FC236}">
+                <a16:creationId xmlns="" xmlns:a16="http://schemas.microsoft.com/office/drawing/2014/main" id="{757B4EDE-6F62-4AFE-A271-6C0CBD966EDD}"/>
+              </a:ext>
+            </a:extLst>
+          </p:cNvPr>
+          <p:cNvSpPr txBox="1"/>
+          <p:nvPr/>
+        </p:nvSpPr>
+        <p:spPr>
+          <a:xfrm>
+            <a:off x="8408484" y="5699328"/>
+            <a:ext cx="2886693" cy="369332"/>
+          </a:xfrm>
+          <a:prstGeom prst="rect">
+            <a:avLst/>
+          </a:prstGeom>
+          <a:noFill/>
+        </p:spPr>
+        <p:txBody>
+          <a:bodyPr wrap="square" rtlCol="0">
+            <a:spAutoFit/>
+          </a:bodyPr>
+          <a:lstStyle/>
+          <a:p>
+            <a:pPr algn="ctr"/>
+            <a:r>
+              <a:rPr lang="en-US" b="1" dirty="0">
+                <a:solidFill>
+                  <a:srgbClr val="FF0000"/>
+                </a:solidFill>
+              </a:rPr>
+              <a:t>Joystick </a:t>
+            </a:r>
+            <a:r>
+              <a:rPr lang="en-US" b="1" dirty="0" smtClean="0">
+                <a:solidFill>
+                  <a:srgbClr val="FF0000"/>
+                </a:solidFill>
+              </a:rPr>
+              <a:t>Right Button 11</a:t>
+            </a:r>
+            <a:endParaRPr lang="en-US" b="1" dirty="0">
+              <a:solidFill>
+                <a:srgbClr val="FF0000"/>
+              </a:solidFill>
+            </a:endParaRPr>
+          </a:p>
+        </p:txBody>
+      </p:sp>
+      <p:cxnSp>
+        <p:nvCxnSpPr>
+          <p:cNvPr id="43" name="Straight Arrow Connector 42">
+            <a:extLst>
+              <a:ext uri="{FF2B5EF4-FFF2-40B4-BE49-F238E27FC236}">
+                <a16:creationId xmlns="" xmlns:a16="http://schemas.microsoft.com/office/drawing/2014/main" id="{53F1F003-B170-45EA-90B5-FE1EAAD42A63}"/>
+              </a:ext>
+            </a:extLst>
+          </p:cNvPr>
+          <p:cNvCxnSpPr>
+            <a:cxnSpLocks/>
+          </p:cNvCxnSpPr>
+          <p:nvPr/>
+        </p:nvCxnSpPr>
+        <p:spPr>
+          <a:xfrm flipH="1" flipV="1">
+            <a:off x="6261295" y="5264804"/>
+            <a:ext cx="2363502" cy="610101"/>
+          </a:xfrm>
+          <a:prstGeom prst="straightConnector1">
+            <a:avLst/>
+          </a:prstGeom>
+          <a:ln w="38100">
+            <a:solidFill>
+              <a:srgbClr val="FF0000"/>
+            </a:solidFill>
+            <a:tailEnd type="triangle"/>
+          </a:ln>
+        </p:spPr>
+        <p:style>
+          <a:lnRef idx="1">
+            <a:schemeClr val="accent1"/>
+          </a:lnRef>
+          <a:fillRef idx="0">
+            <a:schemeClr val="accent1"/>
+          </a:fillRef>
+          <a:effectRef idx="0">
+            <a:schemeClr val="accent1"/>
+          </a:effectRef>
+          <a:fontRef idx="minor">
+            <a:schemeClr val="tx1"/>
+          </a:fontRef>
+        </p:style>
+      </p:cxnSp>
+      <p:sp>
+        <p:nvSpPr>
+          <p:cNvPr id="45" name="TextBox 44">
+            <a:extLst>
+              <a:ext uri="{FF2B5EF4-FFF2-40B4-BE49-F238E27FC236}">
+                <a16:creationId xmlns="" xmlns:a16="http://schemas.microsoft.com/office/drawing/2014/main" id="{58A7AB82-4CED-48AC-A028-2D01782C9733}"/>
+              </a:ext>
+            </a:extLst>
+          </p:cNvPr>
+          <p:cNvSpPr txBox="1"/>
+          <p:nvPr/>
+        </p:nvSpPr>
+        <p:spPr>
+          <a:xfrm>
+            <a:off x="4234636" y="3048065"/>
+            <a:ext cx="1418660" cy="369332"/>
+          </a:xfrm>
+          <a:prstGeom prst="rect">
+            <a:avLst/>
+          </a:prstGeom>
+          <a:noFill/>
+        </p:spPr>
+        <p:txBody>
+          <a:bodyPr wrap="square" rtlCol="0">
+            <a:spAutoFit/>
+          </a:bodyPr>
+          <a:lstStyle/>
+          <a:p>
+            <a:pPr algn="ctr"/>
+            <a:r>
+              <a:rPr lang="en-US" b="1" dirty="0">
+                <a:solidFill>
+                  <a:srgbClr val="FF0000"/>
+                </a:solidFill>
+              </a:rPr>
+              <a:t>Button </a:t>
+            </a:r>
+            <a:r>
+              <a:rPr lang="en-US" b="1" dirty="0" smtClean="0">
+                <a:solidFill>
+                  <a:srgbClr val="FF0000"/>
+                </a:solidFill>
+              </a:rPr>
+              <a:t>8</a:t>
+            </a:r>
+            <a:endParaRPr lang="en-US" b="1" dirty="0">
+              <a:solidFill>
+                <a:srgbClr val="FF0000"/>
+              </a:solidFill>
+            </a:endParaRPr>
+          </a:p>
+        </p:txBody>
+      </p:sp>
+      <p:sp>
+        <p:nvSpPr>
+          <p:cNvPr id="47" name="TextBox 46">
+            <a:extLst>
+              <a:ext uri="{FF2B5EF4-FFF2-40B4-BE49-F238E27FC236}">
+                <a16:creationId xmlns="" xmlns:a16="http://schemas.microsoft.com/office/drawing/2014/main" id="{58A7AB82-4CED-48AC-A028-2D01782C9733}"/>
+              </a:ext>
+            </a:extLst>
+          </p:cNvPr>
+          <p:cNvSpPr txBox="1"/>
+          <p:nvPr/>
+        </p:nvSpPr>
+        <p:spPr>
+          <a:xfrm>
+            <a:off x="5336574" y="3019569"/>
+            <a:ext cx="1418660" cy="369332"/>
+          </a:xfrm>
+          <a:prstGeom prst="rect">
+            <a:avLst/>
+          </a:prstGeom>
+          <a:noFill/>
+        </p:spPr>
+        <p:txBody>
+          <a:bodyPr wrap="square" rtlCol="0">
+            <a:spAutoFit/>
+          </a:bodyPr>
+          <a:lstStyle/>
+          <a:p>
+            <a:pPr algn="ctr"/>
+            <a:r>
+              <a:rPr lang="en-US" b="1" dirty="0">
+                <a:solidFill>
+                  <a:srgbClr val="FF0000"/>
+                </a:solidFill>
+              </a:rPr>
+              <a:t>Button </a:t>
+            </a:r>
+            <a:r>
+              <a:rPr lang="en-US" b="1" dirty="0" smtClean="0">
+                <a:solidFill>
+                  <a:srgbClr val="FF0000"/>
+                </a:solidFill>
+              </a:rPr>
+              <a:t>9</a:t>
+            </a:r>
+            <a:endParaRPr lang="en-US" b="1" dirty="0">
+              <a:solidFill>
+                <a:srgbClr val="FF0000"/>
+              </a:solidFill>
+            </a:endParaRPr>
+          </a:p>
+        </p:txBody>
+      </p:sp>
+      <p:cxnSp>
+        <p:nvCxnSpPr>
+          <p:cNvPr id="49" name="Straight Arrow Connector 48">
+            <a:extLst>
+              <a:ext uri="{FF2B5EF4-FFF2-40B4-BE49-F238E27FC236}">
+                <a16:creationId xmlns="" xmlns:a16="http://schemas.microsoft.com/office/drawing/2014/main" id="{7AB12831-494E-4990-A797-2DC7053DE7F5}"/>
+              </a:ext>
+            </a:extLst>
+          </p:cNvPr>
+          <p:cNvCxnSpPr>
+            <a:cxnSpLocks/>
+          </p:cNvCxnSpPr>
+          <p:nvPr/>
+        </p:nvCxnSpPr>
+        <p:spPr>
+          <a:xfrm flipH="1">
+            <a:off x="5125474" y="3397163"/>
+            <a:ext cx="6626" cy="749196"/>
+          </a:xfrm>
+          <a:prstGeom prst="straightConnector1">
+            <a:avLst/>
+          </a:prstGeom>
+          <a:ln w="38100">
+            <a:solidFill>
+              <a:srgbClr val="FF0000"/>
+            </a:solidFill>
+            <a:tailEnd type="triangle"/>
+          </a:ln>
+        </p:spPr>
+        <p:style>
+          <a:lnRef idx="1">
+            <a:schemeClr val="accent1"/>
+          </a:lnRef>
+          <a:fillRef idx="0">
+            <a:schemeClr val="accent1"/>
+          </a:fillRef>
+          <a:effectRef idx="0">
+            <a:schemeClr val="accent1"/>
+          </a:effectRef>
+          <a:fontRef idx="minor">
+            <a:schemeClr val="tx1"/>
+          </a:fontRef>
+        </p:style>
+      </p:cxnSp>
+      <p:cxnSp>
+        <p:nvCxnSpPr>
+          <p:cNvPr id="51" name="Straight Arrow Connector 50">
+            <a:extLst>
+              <a:ext uri="{FF2B5EF4-FFF2-40B4-BE49-F238E27FC236}">
+                <a16:creationId xmlns="" xmlns:a16="http://schemas.microsoft.com/office/drawing/2014/main" id="{7AB12831-494E-4990-A797-2DC7053DE7F5}"/>
+              </a:ext>
+            </a:extLst>
+          </p:cNvPr>
+          <p:cNvCxnSpPr>
+            <a:cxnSpLocks/>
+          </p:cNvCxnSpPr>
+          <p:nvPr/>
+        </p:nvCxnSpPr>
+        <p:spPr>
+          <a:xfrm flipH="1">
+            <a:off x="6039278" y="3413740"/>
+            <a:ext cx="6626" cy="749196"/>
           </a:xfrm>
           <a:prstGeom prst="straightConnector1">
             <a:avLst/>

--- a/2022 Joystick.pptx
+++ b/2022 Joystick.pptx
@@ -8,16 +8,17 @@
     <p:sldId id="268" r:id="rId2"/>
     <p:sldId id="273" r:id="rId3"/>
     <p:sldId id="275" r:id="rId4"/>
-    <p:sldId id="278" r:id="rId5"/>
-    <p:sldId id="279" r:id="rId6"/>
-    <p:sldId id="277" r:id="rId7"/>
-    <p:sldId id="272" r:id="rId8"/>
-    <p:sldId id="269" r:id="rId9"/>
-    <p:sldId id="270" r:id="rId10"/>
-    <p:sldId id="271" r:id="rId11"/>
+    <p:sldId id="279" r:id="rId5"/>
+    <p:sldId id="280" r:id="rId6"/>
+    <p:sldId id="281" r:id="rId7"/>
+    <p:sldId id="282" r:id="rId8"/>
+    <p:sldId id="272" r:id="rId9"/>
+    <p:sldId id="269" r:id="rId10"/>
+    <p:sldId id="270" r:id="rId11"/>
+    <p:sldId id="271" r:id="rId12"/>
   </p:sldIdLst>
   <p:sldSz cx="12192000" cy="6858000"/>
-  <p:notesSz cx="6858000" cy="9144000"/>
+  <p:notesSz cx="7102475" cy="9388475"/>
   <p:defaultTextStyle>
     <a:defPPr>
       <a:defRPr lang="en-US"/>
@@ -250,7 +251,7 @@
           <a:p>
             <a:fld id="{D683890E-4472-4958-AE87-37F5298C508C}" type="datetimeFigureOut">
               <a:rPr lang="en-US" smtClean="0"/>
-              <a:t>3/29/2022</a:t>
+              <a:t>3/31/2022</a:t>
             </a:fld>
             <a:endParaRPr lang="en-US"/>
           </a:p>
@@ -418,7 +419,7 @@
           <a:p>
             <a:fld id="{D683890E-4472-4958-AE87-37F5298C508C}" type="datetimeFigureOut">
               <a:rPr lang="en-US" smtClean="0"/>
-              <a:t>3/29/2022</a:t>
+              <a:t>3/31/2022</a:t>
             </a:fld>
             <a:endParaRPr lang="en-US"/>
           </a:p>
@@ -596,7 +597,7 @@
           <a:p>
             <a:fld id="{D683890E-4472-4958-AE87-37F5298C508C}" type="datetimeFigureOut">
               <a:rPr lang="en-US" smtClean="0"/>
-              <a:t>3/29/2022</a:t>
+              <a:t>3/31/2022</a:t>
             </a:fld>
             <a:endParaRPr lang="en-US"/>
           </a:p>
@@ -764,7 +765,7 @@
           <a:p>
             <a:fld id="{D683890E-4472-4958-AE87-37F5298C508C}" type="datetimeFigureOut">
               <a:rPr lang="en-US" smtClean="0"/>
-              <a:t>3/29/2022</a:t>
+              <a:t>3/31/2022</a:t>
             </a:fld>
             <a:endParaRPr lang="en-US"/>
           </a:p>
@@ -1009,7 +1010,7 @@
           <a:p>
             <a:fld id="{D683890E-4472-4958-AE87-37F5298C508C}" type="datetimeFigureOut">
               <a:rPr lang="en-US" smtClean="0"/>
-              <a:t>3/29/2022</a:t>
+              <a:t>3/31/2022</a:t>
             </a:fld>
             <a:endParaRPr lang="en-US"/>
           </a:p>
@@ -1238,7 +1239,7 @@
           <a:p>
             <a:fld id="{D683890E-4472-4958-AE87-37F5298C508C}" type="datetimeFigureOut">
               <a:rPr lang="en-US" smtClean="0"/>
-              <a:t>3/29/2022</a:t>
+              <a:t>3/31/2022</a:t>
             </a:fld>
             <a:endParaRPr lang="en-US"/>
           </a:p>
@@ -1602,7 +1603,7 @@
           <a:p>
             <a:fld id="{D683890E-4472-4958-AE87-37F5298C508C}" type="datetimeFigureOut">
               <a:rPr lang="en-US" smtClean="0"/>
-              <a:t>3/29/2022</a:t>
+              <a:t>3/31/2022</a:t>
             </a:fld>
             <a:endParaRPr lang="en-US"/>
           </a:p>
@@ -1719,7 +1720,7 @@
           <a:p>
             <a:fld id="{D683890E-4472-4958-AE87-37F5298C508C}" type="datetimeFigureOut">
               <a:rPr lang="en-US" smtClean="0"/>
-              <a:t>3/29/2022</a:t>
+              <a:t>3/31/2022</a:t>
             </a:fld>
             <a:endParaRPr lang="en-US"/>
           </a:p>
@@ -1814,7 +1815,7 @@
           <a:p>
             <a:fld id="{D683890E-4472-4958-AE87-37F5298C508C}" type="datetimeFigureOut">
               <a:rPr lang="en-US" smtClean="0"/>
-              <a:t>3/29/2022</a:t>
+              <a:t>3/31/2022</a:t>
             </a:fld>
             <a:endParaRPr lang="en-US"/>
           </a:p>
@@ -2089,7 +2090,7 @@
           <a:p>
             <a:fld id="{D683890E-4472-4958-AE87-37F5298C508C}" type="datetimeFigureOut">
               <a:rPr lang="en-US" smtClean="0"/>
-              <a:t>3/29/2022</a:t>
+              <a:t>3/31/2022</a:t>
             </a:fld>
             <a:endParaRPr lang="en-US"/>
           </a:p>
@@ -2341,7 +2342,7 @@
           <a:p>
             <a:fld id="{D683890E-4472-4958-AE87-37F5298C508C}" type="datetimeFigureOut">
               <a:rPr lang="en-US" smtClean="0"/>
-              <a:t>3/29/2022</a:t>
+              <a:t>3/31/2022</a:t>
             </a:fld>
             <a:endParaRPr lang="en-US"/>
           </a:p>
@@ -2552,7 +2553,7 @@
           <a:p>
             <a:fld id="{D683890E-4472-4958-AE87-37F5298C508C}" type="datetimeFigureOut">
               <a:rPr lang="en-US" smtClean="0"/>
-              <a:t>3/29/2022</a:t>
+              <a:t>3/31/2022</a:t>
             </a:fld>
             <a:endParaRPr lang="en-US"/>
           </a:p>
@@ -3039,6 +3040,1160 @@
         </p:blipFill>
         <p:spPr>
           <a:xfrm>
+            <a:off x="2683933" y="0"/>
+            <a:ext cx="6858000" cy="6858000"/>
+          </a:xfrm>
+          <a:prstGeom prst="rect">
+            <a:avLst/>
+          </a:prstGeom>
+        </p:spPr>
+      </p:pic>
+      <p:sp>
+        <p:nvSpPr>
+          <p:cNvPr id="32" name="TextBox 31"/>
+          <p:cNvSpPr txBox="1"/>
+          <p:nvPr/>
+        </p:nvSpPr>
+        <p:spPr>
+          <a:xfrm>
+            <a:off x="195381" y="280738"/>
+            <a:ext cx="2258008" cy="584775"/>
+          </a:xfrm>
+          <a:prstGeom prst="rect">
+            <a:avLst/>
+          </a:prstGeom>
+          <a:noFill/>
+        </p:spPr>
+        <p:txBody>
+          <a:bodyPr wrap="square" rtlCol="0">
+            <a:spAutoFit/>
+          </a:bodyPr>
+          <a:lstStyle/>
+          <a:p>
+            <a:r>
+              <a:rPr lang="en-US" sz="3200" b="1" dirty="0">
+                <a:solidFill>
+                  <a:srgbClr val="FF0000"/>
+                </a:solidFill>
+              </a:rPr>
+              <a:t>OPERATOR</a:t>
+            </a:r>
+          </a:p>
+        </p:txBody>
+      </p:sp>
+      <p:cxnSp>
+        <p:nvCxnSpPr>
+          <p:cNvPr id="27" name="Straight Arrow Connector 26"/>
+          <p:cNvCxnSpPr>
+            <a:stCxn id="29" idx="1"/>
+          </p:cNvCxnSpPr>
+          <p:nvPr/>
+        </p:nvCxnSpPr>
+        <p:spPr>
+          <a:xfrm flipH="1">
+            <a:off x="7277881" y="2716221"/>
+            <a:ext cx="1548878" cy="876065"/>
+          </a:xfrm>
+          <a:prstGeom prst="straightConnector1">
+            <a:avLst/>
+          </a:prstGeom>
+          <a:ln w="38100">
+            <a:solidFill>
+              <a:srgbClr val="FF0000"/>
+            </a:solidFill>
+            <a:tailEnd type="triangle"/>
+          </a:ln>
+        </p:spPr>
+        <p:style>
+          <a:lnRef idx="1">
+            <a:schemeClr val="accent1"/>
+          </a:lnRef>
+          <a:fillRef idx="0">
+            <a:schemeClr val="accent1"/>
+          </a:fillRef>
+          <a:effectRef idx="0">
+            <a:schemeClr val="accent1"/>
+          </a:effectRef>
+          <a:fontRef idx="minor">
+            <a:schemeClr val="tx1"/>
+          </a:fontRef>
+        </p:style>
+      </p:cxnSp>
+      <p:sp>
+        <p:nvSpPr>
+          <p:cNvPr id="29" name="TextBox 28"/>
+          <p:cNvSpPr txBox="1"/>
+          <p:nvPr/>
+        </p:nvSpPr>
+        <p:spPr>
+          <a:xfrm>
+            <a:off x="8826759" y="2531555"/>
+            <a:ext cx="2258008" cy="369332"/>
+          </a:xfrm>
+          <a:prstGeom prst="rect">
+            <a:avLst/>
+          </a:prstGeom>
+          <a:noFill/>
+        </p:spPr>
+        <p:txBody>
+          <a:bodyPr wrap="square" rtlCol="0">
+            <a:spAutoFit/>
+          </a:bodyPr>
+          <a:lstStyle/>
+          <a:p>
+            <a:r>
+              <a:rPr lang="en-US" b="1" dirty="0">
+                <a:solidFill>
+                  <a:srgbClr val="FF0000"/>
+                </a:solidFill>
+              </a:rPr>
+              <a:t>Control Panel 3 turns </a:t>
+            </a:r>
+          </a:p>
+        </p:txBody>
+      </p:sp>
+      <p:sp>
+        <p:nvSpPr>
+          <p:cNvPr id="33" name="TextBox 32"/>
+          <p:cNvSpPr txBox="1"/>
+          <p:nvPr/>
+        </p:nvSpPr>
+        <p:spPr>
+          <a:xfrm>
+            <a:off x="8826759" y="1827654"/>
+            <a:ext cx="3289040" cy="369332"/>
+          </a:xfrm>
+          <a:prstGeom prst="rect">
+            <a:avLst/>
+          </a:prstGeom>
+          <a:noFill/>
+        </p:spPr>
+        <p:txBody>
+          <a:bodyPr wrap="square" rtlCol="0">
+            <a:spAutoFit/>
+          </a:bodyPr>
+          <a:lstStyle/>
+          <a:p>
+            <a:r>
+              <a:rPr lang="en-US" b="1" dirty="0">
+                <a:solidFill>
+                  <a:srgbClr val="FF0000"/>
+                </a:solidFill>
+              </a:rPr>
+              <a:t>Transfer stuck - Left front trigger</a:t>
+            </a:r>
+          </a:p>
+        </p:txBody>
+      </p:sp>
+      <p:sp>
+        <p:nvSpPr>
+          <p:cNvPr id="34" name="TextBox 33"/>
+          <p:cNvSpPr txBox="1"/>
+          <p:nvPr/>
+        </p:nvSpPr>
+        <p:spPr>
+          <a:xfrm>
+            <a:off x="110067" y="1827654"/>
+            <a:ext cx="3146316" cy="646331"/>
+          </a:xfrm>
+          <a:prstGeom prst="rect">
+            <a:avLst/>
+          </a:prstGeom>
+          <a:noFill/>
+        </p:spPr>
+        <p:txBody>
+          <a:bodyPr wrap="square" rtlCol="0">
+            <a:spAutoFit/>
+          </a:bodyPr>
+          <a:lstStyle/>
+          <a:p>
+            <a:r>
+              <a:rPr lang="en-US" b="1" dirty="0">
+                <a:solidFill>
+                  <a:srgbClr val="FF0000"/>
+                </a:solidFill>
+              </a:rPr>
+              <a:t>Transfer to shooter – </a:t>
+            </a:r>
+          </a:p>
+          <a:p>
+            <a:r>
+              <a:rPr lang="en-US" b="1" dirty="0">
+                <a:solidFill>
+                  <a:srgbClr val="FF0000"/>
+                </a:solidFill>
+              </a:rPr>
+              <a:t>Right front trigger</a:t>
+            </a:r>
+          </a:p>
+        </p:txBody>
+      </p:sp>
+      <p:cxnSp>
+        <p:nvCxnSpPr>
+          <p:cNvPr id="35" name="Straight Arrow Connector 34"/>
+          <p:cNvCxnSpPr>
+            <a:stCxn id="33" idx="1"/>
+          </p:cNvCxnSpPr>
+          <p:nvPr/>
+        </p:nvCxnSpPr>
+        <p:spPr>
+          <a:xfrm flipH="1">
+            <a:off x="8052319" y="2012320"/>
+            <a:ext cx="774440" cy="22260"/>
+          </a:xfrm>
+          <a:prstGeom prst="straightConnector1">
+            <a:avLst/>
+          </a:prstGeom>
+          <a:ln w="38100">
+            <a:solidFill>
+              <a:srgbClr val="FF0000"/>
+            </a:solidFill>
+            <a:tailEnd type="triangle"/>
+          </a:ln>
+        </p:spPr>
+        <p:style>
+          <a:lnRef idx="1">
+            <a:schemeClr val="accent1"/>
+          </a:lnRef>
+          <a:fillRef idx="0">
+            <a:schemeClr val="accent1"/>
+          </a:fillRef>
+          <a:effectRef idx="0">
+            <a:schemeClr val="accent1"/>
+          </a:effectRef>
+          <a:fontRef idx="minor">
+            <a:schemeClr val="tx1"/>
+          </a:fontRef>
+        </p:style>
+      </p:cxnSp>
+      <p:cxnSp>
+        <p:nvCxnSpPr>
+          <p:cNvPr id="36" name="Straight Arrow Connector 35"/>
+          <p:cNvCxnSpPr/>
+          <p:nvPr/>
+        </p:nvCxnSpPr>
+        <p:spPr>
+          <a:xfrm flipH="1">
+            <a:off x="4210266" y="3751893"/>
+            <a:ext cx="790446" cy="2606574"/>
+          </a:xfrm>
+          <a:prstGeom prst="straightConnector1">
+            <a:avLst/>
+          </a:prstGeom>
+          <a:ln w="38100">
+            <a:solidFill>
+              <a:srgbClr val="FF0000"/>
+            </a:solidFill>
+            <a:headEnd type="triangle" w="med" len="med"/>
+            <a:tailEnd type="triangle" w="med" len="med"/>
+          </a:ln>
+        </p:spPr>
+        <p:style>
+          <a:lnRef idx="1">
+            <a:schemeClr val="accent1"/>
+          </a:lnRef>
+          <a:fillRef idx="0">
+            <a:schemeClr val="accent1"/>
+          </a:fillRef>
+          <a:effectRef idx="0">
+            <a:schemeClr val="accent1"/>
+          </a:effectRef>
+          <a:fontRef idx="minor">
+            <a:schemeClr val="tx1"/>
+          </a:fontRef>
+        </p:style>
+      </p:cxnSp>
+      <p:cxnSp>
+        <p:nvCxnSpPr>
+          <p:cNvPr id="37" name="Straight Arrow Connector 36"/>
+          <p:cNvCxnSpPr/>
+          <p:nvPr/>
+        </p:nvCxnSpPr>
+        <p:spPr>
+          <a:xfrm>
+            <a:off x="3328208" y="2034580"/>
+            <a:ext cx="920528" cy="20846"/>
+          </a:xfrm>
+          <a:prstGeom prst="straightConnector1">
+            <a:avLst/>
+          </a:prstGeom>
+          <a:ln w="38100">
+            <a:solidFill>
+              <a:srgbClr val="FF0000"/>
+            </a:solidFill>
+            <a:tailEnd type="triangle"/>
+          </a:ln>
+        </p:spPr>
+        <p:style>
+          <a:lnRef idx="1">
+            <a:schemeClr val="accent1"/>
+          </a:lnRef>
+          <a:fillRef idx="0">
+            <a:schemeClr val="accent1"/>
+          </a:fillRef>
+          <a:effectRef idx="0">
+            <a:schemeClr val="accent1"/>
+          </a:effectRef>
+          <a:fontRef idx="minor">
+            <a:schemeClr val="tx1"/>
+          </a:fontRef>
+        </p:style>
+      </p:cxnSp>
+      <p:sp>
+        <p:nvSpPr>
+          <p:cNvPr id="40" name="TextBox 39"/>
+          <p:cNvSpPr txBox="1"/>
+          <p:nvPr/>
+        </p:nvSpPr>
+        <p:spPr>
+          <a:xfrm>
+            <a:off x="1210733" y="6173801"/>
+            <a:ext cx="2982352" cy="369332"/>
+          </a:xfrm>
+          <a:prstGeom prst="rect">
+            <a:avLst/>
+          </a:prstGeom>
+          <a:noFill/>
+        </p:spPr>
+        <p:txBody>
+          <a:bodyPr wrap="square" rtlCol="0">
+            <a:spAutoFit/>
+          </a:bodyPr>
+          <a:lstStyle/>
+          <a:p>
+            <a:r>
+              <a:rPr lang="en-US" b="1" dirty="0"/>
+              <a:t>Climb motor - Left Joystick 1</a:t>
+            </a:r>
+          </a:p>
+        </p:txBody>
+      </p:sp>
+      <p:cxnSp>
+        <p:nvCxnSpPr>
+          <p:cNvPr id="41" name="Straight Arrow Connector 40"/>
+          <p:cNvCxnSpPr/>
+          <p:nvPr/>
+        </p:nvCxnSpPr>
+        <p:spPr>
+          <a:xfrm flipH="1">
+            <a:off x="7699981" y="3429406"/>
+            <a:ext cx="1548881" cy="569168"/>
+          </a:xfrm>
+          <a:prstGeom prst="straightConnector1">
+            <a:avLst/>
+          </a:prstGeom>
+          <a:ln w="38100">
+            <a:solidFill>
+              <a:srgbClr val="FF0000"/>
+            </a:solidFill>
+            <a:tailEnd type="triangle"/>
+          </a:ln>
+        </p:spPr>
+        <p:style>
+          <a:lnRef idx="1">
+            <a:schemeClr val="accent1"/>
+          </a:lnRef>
+          <a:fillRef idx="0">
+            <a:schemeClr val="accent1"/>
+          </a:fillRef>
+          <a:effectRef idx="0">
+            <a:schemeClr val="accent1"/>
+          </a:effectRef>
+          <a:fontRef idx="minor">
+            <a:schemeClr val="tx1"/>
+          </a:fontRef>
+        </p:style>
+      </p:cxnSp>
+      <p:sp>
+        <p:nvSpPr>
+          <p:cNvPr id="42" name="TextBox 41"/>
+          <p:cNvSpPr txBox="1"/>
+          <p:nvPr/>
+        </p:nvSpPr>
+        <p:spPr>
+          <a:xfrm>
+            <a:off x="9268019" y="3263896"/>
+            <a:ext cx="2022022" cy="369332"/>
+          </a:xfrm>
+          <a:prstGeom prst="rect">
+            <a:avLst/>
+          </a:prstGeom>
+          <a:noFill/>
+        </p:spPr>
+        <p:txBody>
+          <a:bodyPr wrap="square" rtlCol="0">
+            <a:spAutoFit/>
+          </a:bodyPr>
+          <a:lstStyle/>
+          <a:p>
+            <a:r>
+              <a:rPr lang="en-US" b="1" dirty="0"/>
+              <a:t>Climb motor safety</a:t>
+            </a:r>
+          </a:p>
+        </p:txBody>
+      </p:sp>
+      <p:cxnSp>
+        <p:nvCxnSpPr>
+          <p:cNvPr id="43" name="Straight Arrow Connector 42"/>
+          <p:cNvCxnSpPr/>
+          <p:nvPr/>
+        </p:nvCxnSpPr>
+        <p:spPr>
+          <a:xfrm flipH="1" flipV="1">
+            <a:off x="7008652" y="4527093"/>
+            <a:ext cx="1818106" cy="528087"/>
+          </a:xfrm>
+          <a:prstGeom prst="straightConnector1">
+            <a:avLst/>
+          </a:prstGeom>
+          <a:ln w="38100">
+            <a:solidFill>
+              <a:srgbClr val="FF0000"/>
+            </a:solidFill>
+            <a:tailEnd type="triangle"/>
+          </a:ln>
+        </p:spPr>
+        <p:style>
+          <a:lnRef idx="1">
+            <a:schemeClr val="accent1"/>
+          </a:lnRef>
+          <a:fillRef idx="0">
+            <a:schemeClr val="accent1"/>
+          </a:fillRef>
+          <a:effectRef idx="0">
+            <a:schemeClr val="accent1"/>
+          </a:effectRef>
+          <a:fontRef idx="minor">
+            <a:schemeClr val="tx1"/>
+          </a:fontRef>
+        </p:style>
+      </p:cxnSp>
+      <p:sp>
+        <p:nvSpPr>
+          <p:cNvPr id="44" name="TextBox 43"/>
+          <p:cNvSpPr txBox="1"/>
+          <p:nvPr/>
+        </p:nvSpPr>
+        <p:spPr>
+          <a:xfrm>
+            <a:off x="8826758" y="4870514"/>
+            <a:ext cx="2258008" cy="646331"/>
+          </a:xfrm>
+          <a:prstGeom prst="rect">
+            <a:avLst/>
+          </a:prstGeom>
+          <a:noFill/>
+        </p:spPr>
+        <p:txBody>
+          <a:bodyPr wrap="square" rtlCol="0">
+            <a:spAutoFit/>
+          </a:bodyPr>
+          <a:lstStyle/>
+          <a:p>
+            <a:r>
+              <a:rPr lang="en-US" b="1" dirty="0">
+                <a:solidFill>
+                  <a:srgbClr val="FF0000"/>
+                </a:solidFill>
+              </a:rPr>
+              <a:t>Intake Arm up</a:t>
+            </a:r>
+          </a:p>
+          <a:p>
+            <a:r>
+              <a:rPr lang="en-US" b="1" dirty="0">
+                <a:solidFill>
+                  <a:srgbClr val="FF0000"/>
+                </a:solidFill>
+              </a:rPr>
+              <a:t>Limelight LED OFF </a:t>
+            </a:r>
+          </a:p>
+        </p:txBody>
+      </p:sp>
+      <p:sp>
+        <p:nvSpPr>
+          <p:cNvPr id="45" name="TextBox 44"/>
+          <p:cNvSpPr txBox="1"/>
+          <p:nvPr/>
+        </p:nvSpPr>
+        <p:spPr>
+          <a:xfrm>
+            <a:off x="8826759" y="562117"/>
+            <a:ext cx="2990363" cy="646331"/>
+          </a:xfrm>
+          <a:prstGeom prst="rect">
+            <a:avLst/>
+          </a:prstGeom>
+          <a:noFill/>
+        </p:spPr>
+        <p:txBody>
+          <a:bodyPr wrap="square" rtlCol="0">
+            <a:spAutoFit/>
+          </a:bodyPr>
+          <a:lstStyle/>
+          <a:p>
+            <a:r>
+              <a:rPr lang="en-US" b="1" dirty="0">
+                <a:solidFill>
+                  <a:srgbClr val="FF0000"/>
+                </a:solidFill>
+              </a:rPr>
+              <a:t>Intake / Lower arm – </a:t>
+            </a:r>
+          </a:p>
+          <a:p>
+            <a:r>
+              <a:rPr lang="en-US" b="1" dirty="0">
+                <a:solidFill>
+                  <a:srgbClr val="FF0000"/>
+                </a:solidFill>
+              </a:rPr>
+              <a:t>Left Front Button</a:t>
+            </a:r>
+          </a:p>
+        </p:txBody>
+      </p:sp>
+      <p:cxnSp>
+        <p:nvCxnSpPr>
+          <p:cNvPr id="46" name="Straight Arrow Connector 45"/>
+          <p:cNvCxnSpPr/>
+          <p:nvPr/>
+        </p:nvCxnSpPr>
+        <p:spPr>
+          <a:xfrm flipH="1">
+            <a:off x="8052321" y="1136396"/>
+            <a:ext cx="880012" cy="201506"/>
+          </a:xfrm>
+          <a:prstGeom prst="straightConnector1">
+            <a:avLst/>
+          </a:prstGeom>
+          <a:ln w="38100">
+            <a:solidFill>
+              <a:srgbClr val="FF0000"/>
+            </a:solidFill>
+            <a:tailEnd type="triangle"/>
+          </a:ln>
+        </p:spPr>
+        <p:style>
+          <a:lnRef idx="1">
+            <a:schemeClr val="accent1"/>
+          </a:lnRef>
+          <a:fillRef idx="0">
+            <a:schemeClr val="accent1"/>
+          </a:fillRef>
+          <a:effectRef idx="0">
+            <a:schemeClr val="accent1"/>
+          </a:effectRef>
+          <a:fontRef idx="minor">
+            <a:schemeClr val="tx1"/>
+          </a:fontRef>
+        </p:style>
+      </p:cxnSp>
+      <p:sp>
+        <p:nvSpPr>
+          <p:cNvPr id="47" name="TextBox 46"/>
+          <p:cNvSpPr txBox="1"/>
+          <p:nvPr/>
+        </p:nvSpPr>
+        <p:spPr>
+          <a:xfrm>
+            <a:off x="408744" y="1122373"/>
+            <a:ext cx="2919464" cy="646331"/>
+          </a:xfrm>
+          <a:prstGeom prst="rect">
+            <a:avLst/>
+          </a:prstGeom>
+          <a:noFill/>
+        </p:spPr>
+        <p:txBody>
+          <a:bodyPr wrap="square" rtlCol="0">
+            <a:spAutoFit/>
+          </a:bodyPr>
+          <a:lstStyle/>
+          <a:p>
+            <a:r>
+              <a:rPr lang="en-US" b="1" dirty="0">
+                <a:solidFill>
+                  <a:srgbClr val="FF0000"/>
+                </a:solidFill>
+              </a:rPr>
+              <a:t>Shooter– Right front button</a:t>
+            </a:r>
+          </a:p>
+          <a:p>
+            <a:r>
+              <a:rPr lang="en-US" b="1" dirty="0">
+                <a:solidFill>
+                  <a:srgbClr val="FF0000"/>
+                </a:solidFill>
+              </a:rPr>
+              <a:t>Limelight LED ON</a:t>
+            </a:r>
+          </a:p>
+        </p:txBody>
+      </p:sp>
+      <p:cxnSp>
+        <p:nvCxnSpPr>
+          <p:cNvPr id="48" name="Straight Arrow Connector 47"/>
+          <p:cNvCxnSpPr>
+            <a:stCxn id="47" idx="3"/>
+          </p:cNvCxnSpPr>
+          <p:nvPr/>
+        </p:nvCxnSpPr>
+        <p:spPr>
+          <a:xfrm flipV="1">
+            <a:off x="3328208" y="1350145"/>
+            <a:ext cx="992353" cy="95394"/>
+          </a:xfrm>
+          <a:prstGeom prst="straightConnector1">
+            <a:avLst/>
+          </a:prstGeom>
+          <a:ln w="38100">
+            <a:solidFill>
+              <a:srgbClr val="FF0000"/>
+            </a:solidFill>
+            <a:tailEnd type="triangle"/>
+          </a:ln>
+        </p:spPr>
+        <p:style>
+          <a:lnRef idx="1">
+            <a:schemeClr val="accent1"/>
+          </a:lnRef>
+          <a:fillRef idx="0">
+            <a:schemeClr val="accent1"/>
+          </a:fillRef>
+          <a:effectRef idx="0">
+            <a:schemeClr val="accent1"/>
+          </a:effectRef>
+          <a:fontRef idx="minor">
+            <a:schemeClr val="tx1"/>
+          </a:fontRef>
+        </p:style>
+      </p:cxnSp>
+      <p:cxnSp>
+        <p:nvCxnSpPr>
+          <p:cNvPr id="51" name="Straight Arrow Connector 50"/>
+          <p:cNvCxnSpPr>
+            <a:stCxn id="52" idx="1"/>
+          </p:cNvCxnSpPr>
+          <p:nvPr/>
+        </p:nvCxnSpPr>
+        <p:spPr>
+          <a:xfrm flipH="1" flipV="1">
+            <a:off x="6871534" y="4042007"/>
+            <a:ext cx="2001780" cy="222383"/>
+          </a:xfrm>
+          <a:prstGeom prst="straightConnector1">
+            <a:avLst/>
+          </a:prstGeom>
+          <a:ln w="38100">
+            <a:solidFill>
+              <a:srgbClr val="FF0000"/>
+            </a:solidFill>
+            <a:tailEnd type="triangle"/>
+          </a:ln>
+        </p:spPr>
+        <p:style>
+          <a:lnRef idx="1">
+            <a:schemeClr val="accent1"/>
+          </a:lnRef>
+          <a:fillRef idx="0">
+            <a:schemeClr val="accent1"/>
+          </a:fillRef>
+          <a:effectRef idx="0">
+            <a:schemeClr val="accent1"/>
+          </a:effectRef>
+          <a:fontRef idx="minor">
+            <a:schemeClr val="tx1"/>
+          </a:fontRef>
+        </p:style>
+      </p:cxnSp>
+      <p:sp>
+        <p:nvSpPr>
+          <p:cNvPr id="52" name="TextBox 51"/>
+          <p:cNvSpPr txBox="1"/>
+          <p:nvPr/>
+        </p:nvSpPr>
+        <p:spPr>
+          <a:xfrm>
+            <a:off x="8873314" y="4079724"/>
+            <a:ext cx="2723115" cy="369332"/>
+          </a:xfrm>
+          <a:prstGeom prst="rect">
+            <a:avLst/>
+          </a:prstGeom>
+          <a:noFill/>
+        </p:spPr>
+        <p:txBody>
+          <a:bodyPr wrap="square" rtlCol="0">
+            <a:spAutoFit/>
+          </a:bodyPr>
+          <a:lstStyle/>
+          <a:p>
+            <a:r>
+              <a:rPr lang="en-US" b="1" dirty="0">
+                <a:solidFill>
+                  <a:srgbClr val="FF0000"/>
+                </a:solidFill>
+              </a:rPr>
+              <a:t>Control Panel Color Match</a:t>
+            </a:r>
+          </a:p>
+        </p:txBody>
+      </p:sp>
+      <p:cxnSp>
+        <p:nvCxnSpPr>
+          <p:cNvPr id="22" name="Straight Arrow Connector 21"/>
+          <p:cNvCxnSpPr/>
+          <p:nvPr/>
+        </p:nvCxnSpPr>
+        <p:spPr>
+          <a:xfrm flipH="1" flipV="1">
+            <a:off x="6362269" y="4851822"/>
+            <a:ext cx="2728069" cy="931614"/>
+          </a:xfrm>
+          <a:prstGeom prst="straightConnector1">
+            <a:avLst/>
+          </a:prstGeom>
+          <a:ln w="38100">
+            <a:solidFill>
+              <a:srgbClr val="FF0000"/>
+            </a:solidFill>
+            <a:tailEnd type="triangle"/>
+          </a:ln>
+        </p:spPr>
+        <p:style>
+          <a:lnRef idx="1">
+            <a:schemeClr val="accent1"/>
+          </a:lnRef>
+          <a:fillRef idx="0">
+            <a:schemeClr val="accent1"/>
+          </a:fillRef>
+          <a:effectRef idx="0">
+            <a:schemeClr val="accent1"/>
+          </a:effectRef>
+          <a:fontRef idx="minor">
+            <a:schemeClr val="tx1"/>
+          </a:fontRef>
+        </p:style>
+      </p:cxnSp>
+      <p:sp>
+        <p:nvSpPr>
+          <p:cNvPr id="24" name="TextBox 23"/>
+          <p:cNvSpPr txBox="1"/>
+          <p:nvPr/>
+        </p:nvSpPr>
+        <p:spPr>
+          <a:xfrm>
+            <a:off x="8863812" y="5997552"/>
+            <a:ext cx="2717800" cy="646331"/>
+          </a:xfrm>
+          <a:prstGeom prst="rect">
+            <a:avLst/>
+          </a:prstGeom>
+          <a:noFill/>
+        </p:spPr>
+        <p:txBody>
+          <a:bodyPr wrap="square" rtlCol="0">
+            <a:spAutoFit/>
+          </a:bodyPr>
+          <a:lstStyle/>
+          <a:p>
+            <a:r>
+              <a:rPr lang="en-US" b="1" dirty="0">
+                <a:solidFill>
+                  <a:srgbClr val="FF0000"/>
+                </a:solidFill>
+              </a:rPr>
+              <a:t>Right Joystick Push Down</a:t>
+            </a:r>
+          </a:p>
+          <a:p>
+            <a:r>
+              <a:rPr lang="en-US" b="1" dirty="0">
+                <a:solidFill>
+                  <a:srgbClr val="FF0000"/>
+                </a:solidFill>
+              </a:rPr>
+              <a:t>Reverse the intake wheels</a:t>
+            </a:r>
+          </a:p>
+        </p:txBody>
+      </p:sp>
+      <p:cxnSp>
+        <p:nvCxnSpPr>
+          <p:cNvPr id="25" name="Straight Arrow Connector 24"/>
+          <p:cNvCxnSpPr/>
+          <p:nvPr/>
+        </p:nvCxnSpPr>
+        <p:spPr>
+          <a:xfrm>
+            <a:off x="2683933" y="4448293"/>
+            <a:ext cx="1770077" cy="53499"/>
+          </a:xfrm>
+          <a:prstGeom prst="straightConnector1">
+            <a:avLst/>
+          </a:prstGeom>
+          <a:ln w="38100">
+            <a:solidFill>
+              <a:srgbClr val="FF0000"/>
+            </a:solidFill>
+            <a:tailEnd type="triangle"/>
+          </a:ln>
+        </p:spPr>
+        <p:style>
+          <a:lnRef idx="1">
+            <a:schemeClr val="accent1"/>
+          </a:lnRef>
+          <a:fillRef idx="0">
+            <a:schemeClr val="accent1"/>
+          </a:fillRef>
+          <a:effectRef idx="0">
+            <a:schemeClr val="accent1"/>
+          </a:effectRef>
+          <a:fontRef idx="minor">
+            <a:schemeClr val="tx1"/>
+          </a:fontRef>
+        </p:style>
+      </p:cxnSp>
+      <p:sp>
+        <p:nvSpPr>
+          <p:cNvPr id="28" name="TextBox 27"/>
+          <p:cNvSpPr txBox="1"/>
+          <p:nvPr/>
+        </p:nvSpPr>
+        <p:spPr>
+          <a:xfrm>
+            <a:off x="140490" y="4097512"/>
+            <a:ext cx="2529219" cy="646331"/>
+          </a:xfrm>
+          <a:prstGeom prst="rect">
+            <a:avLst/>
+          </a:prstGeom>
+          <a:noFill/>
+        </p:spPr>
+        <p:txBody>
+          <a:bodyPr wrap="square" rtlCol="0">
+            <a:spAutoFit/>
+          </a:bodyPr>
+          <a:lstStyle/>
+          <a:p>
+            <a:r>
+              <a:rPr lang="en-US" b="1" dirty="0">
+                <a:solidFill>
+                  <a:srgbClr val="FF0000"/>
+                </a:solidFill>
+              </a:rPr>
+              <a:t>Left Joystick Push Down</a:t>
+            </a:r>
+          </a:p>
+          <a:p>
+            <a:r>
+              <a:rPr lang="en-US" b="1" dirty="0">
+                <a:solidFill>
+                  <a:srgbClr val="FF0000"/>
+                </a:solidFill>
+              </a:rPr>
+              <a:t>Shoot to the low target</a:t>
+            </a:r>
+          </a:p>
+        </p:txBody>
+      </p:sp>
+      <p:grpSp>
+        <p:nvGrpSpPr>
+          <p:cNvPr id="20" name="Group 19"/>
+          <p:cNvGrpSpPr/>
+          <p:nvPr/>
+        </p:nvGrpSpPr>
+        <p:grpSpPr>
+          <a:xfrm>
+            <a:off x="10814674" y="4929763"/>
+            <a:ext cx="494524" cy="475042"/>
+            <a:chOff x="11234552" y="164726"/>
+            <a:chExt cx="494524" cy="475042"/>
+          </a:xfrm>
+        </p:grpSpPr>
+        <p:cxnSp>
+          <p:nvCxnSpPr>
+            <p:cNvPr id="18" name="Straight Connector 17"/>
+            <p:cNvCxnSpPr/>
+            <p:nvPr/>
+          </p:nvCxnSpPr>
+          <p:spPr>
+            <a:xfrm>
+              <a:off x="11234553" y="164726"/>
+              <a:ext cx="494523" cy="475042"/>
+            </a:xfrm>
+            <a:prstGeom prst="line">
+              <a:avLst/>
+            </a:prstGeom>
+            <a:ln w="38100">
+              <a:solidFill>
+                <a:srgbClr val="7030A0"/>
+              </a:solidFill>
+              <a:prstDash val="sysDash"/>
+            </a:ln>
+          </p:spPr>
+          <p:style>
+            <a:lnRef idx="1">
+              <a:schemeClr val="accent1"/>
+            </a:lnRef>
+            <a:fillRef idx="0">
+              <a:schemeClr val="accent1"/>
+            </a:fillRef>
+            <a:effectRef idx="0">
+              <a:schemeClr val="accent1"/>
+            </a:effectRef>
+            <a:fontRef idx="minor">
+              <a:schemeClr val="tx1"/>
+            </a:fontRef>
+          </p:style>
+        </p:cxnSp>
+        <p:cxnSp>
+          <p:nvCxnSpPr>
+            <p:cNvPr id="50" name="Straight Connector 49"/>
+            <p:cNvCxnSpPr/>
+            <p:nvPr/>
+          </p:nvCxnSpPr>
+          <p:spPr>
+            <a:xfrm flipV="1">
+              <a:off x="11234552" y="181934"/>
+              <a:ext cx="494524" cy="431042"/>
+            </a:xfrm>
+            <a:prstGeom prst="line">
+              <a:avLst/>
+            </a:prstGeom>
+            <a:ln w="38100">
+              <a:solidFill>
+                <a:srgbClr val="7030A0"/>
+              </a:solidFill>
+              <a:prstDash val="sysDash"/>
+            </a:ln>
+          </p:spPr>
+          <p:style>
+            <a:lnRef idx="1">
+              <a:schemeClr val="accent1"/>
+            </a:lnRef>
+            <a:fillRef idx="0">
+              <a:schemeClr val="accent1"/>
+            </a:fillRef>
+            <a:effectRef idx="0">
+              <a:schemeClr val="accent1"/>
+            </a:effectRef>
+            <a:fontRef idx="minor">
+              <a:schemeClr val="tx1"/>
+            </a:fontRef>
+          </p:style>
+        </p:cxnSp>
+      </p:grpSp>
+      <p:sp>
+        <p:nvSpPr>
+          <p:cNvPr id="56" name="Isosceles Triangle 55"/>
+          <p:cNvSpPr/>
+          <p:nvPr/>
+        </p:nvSpPr>
+        <p:spPr>
+          <a:xfrm>
+            <a:off x="11084766" y="2417762"/>
+            <a:ext cx="527081" cy="419878"/>
+          </a:xfrm>
+          <a:prstGeom prst="triangle">
+            <a:avLst/>
+          </a:prstGeom>
+          <a:solidFill>
+            <a:srgbClr val="92D050"/>
+          </a:solidFill>
+          <a:ln w="38100">
+            <a:solidFill>
+              <a:srgbClr val="00B050"/>
+            </a:solidFill>
+            <a:prstDash val="sysDash"/>
+          </a:ln>
+        </p:spPr>
+        <p:style>
+          <a:lnRef idx="2">
+            <a:schemeClr val="accent1">
+              <a:shade val="50000"/>
+            </a:schemeClr>
+          </a:lnRef>
+          <a:fillRef idx="1">
+            <a:schemeClr val="accent1"/>
+          </a:fillRef>
+          <a:effectRef idx="0">
+            <a:schemeClr val="accent1"/>
+          </a:effectRef>
+          <a:fontRef idx="minor">
+            <a:schemeClr val="lt1"/>
+          </a:fontRef>
+        </p:style>
+        <p:txBody>
+          <a:bodyPr rtlCol="0" anchor="ctr"/>
+          <a:lstStyle/>
+          <a:p>
+            <a:pPr algn="ctr"/>
+            <a:endParaRPr lang="en-US">
+              <a:solidFill>
+                <a:srgbClr val="0000FF"/>
+              </a:solidFill>
+            </a:endParaRPr>
+          </a:p>
+        </p:txBody>
+      </p:sp>
+      <p:sp>
+        <p:nvSpPr>
+          <p:cNvPr id="57" name="Oval 56"/>
+          <p:cNvSpPr/>
+          <p:nvPr/>
+        </p:nvSpPr>
+        <p:spPr>
+          <a:xfrm>
+            <a:off x="11264771" y="3236167"/>
+            <a:ext cx="522514" cy="501619"/>
+          </a:xfrm>
+          <a:prstGeom prst="ellipse">
+            <a:avLst/>
+          </a:prstGeom>
+          <a:solidFill>
+            <a:srgbClr val="FC4532"/>
+          </a:solidFill>
+          <a:ln w="38100">
+            <a:solidFill>
+              <a:srgbClr val="FF0000"/>
+            </a:solidFill>
+            <a:prstDash val="dash"/>
+          </a:ln>
+        </p:spPr>
+        <p:style>
+          <a:lnRef idx="2">
+            <a:schemeClr val="accent1">
+              <a:shade val="50000"/>
+            </a:schemeClr>
+          </a:lnRef>
+          <a:fillRef idx="1">
+            <a:schemeClr val="accent1"/>
+          </a:fillRef>
+          <a:effectRef idx="0">
+            <a:schemeClr val="accent1"/>
+          </a:effectRef>
+          <a:fontRef idx="minor">
+            <a:schemeClr val="lt1"/>
+          </a:fontRef>
+        </p:style>
+        <p:txBody>
+          <a:bodyPr rtlCol="0" anchor="ctr"/>
+          <a:lstStyle/>
+          <a:p>
+            <a:pPr algn="ctr"/>
+            <a:endParaRPr lang="en-US"/>
+          </a:p>
+        </p:txBody>
+      </p:sp>
+      <p:sp>
+        <p:nvSpPr>
+          <p:cNvPr id="58" name="Rectangle 57"/>
+          <p:cNvSpPr/>
+          <p:nvPr/>
+        </p:nvSpPr>
+        <p:spPr>
+          <a:xfrm>
+            <a:off x="11526028" y="4040500"/>
+            <a:ext cx="494523" cy="475042"/>
+          </a:xfrm>
+          <a:prstGeom prst="rect">
+            <a:avLst/>
+          </a:prstGeom>
+          <a:solidFill>
+            <a:schemeClr val="accent2">
+              <a:lumMod val="60000"/>
+              <a:lumOff val="40000"/>
+            </a:schemeClr>
+          </a:solidFill>
+          <a:ln w="38100">
+            <a:solidFill>
+              <a:schemeClr val="accent2"/>
+            </a:solidFill>
+            <a:prstDash val="sysDash"/>
+          </a:ln>
+        </p:spPr>
+        <p:style>
+          <a:lnRef idx="2">
+            <a:schemeClr val="accent1">
+              <a:shade val="50000"/>
+            </a:schemeClr>
+          </a:lnRef>
+          <a:fillRef idx="1">
+            <a:schemeClr val="accent1"/>
+          </a:fillRef>
+          <a:effectRef idx="0">
+            <a:schemeClr val="accent1"/>
+          </a:effectRef>
+          <a:fontRef idx="minor">
+            <a:schemeClr val="lt1"/>
+          </a:fontRef>
+        </p:style>
+        <p:txBody>
+          <a:bodyPr rtlCol="0" anchor="ctr"/>
+          <a:lstStyle/>
+          <a:p>
+            <a:pPr algn="ctr"/>
+            <a:endParaRPr lang="en-US"/>
+          </a:p>
+        </p:txBody>
+      </p:sp>
+    </p:spTree>
+    <p:extLst>
+      <p:ext uri="{BB962C8B-B14F-4D97-AF65-F5344CB8AC3E}">
+        <p14:creationId xmlns:p14="http://schemas.microsoft.com/office/powerpoint/2010/main" val="441883121"/>
+      </p:ext>
+    </p:extLst>
+  </p:cSld>
+  <p:clrMapOvr>
+    <a:masterClrMapping/>
+  </p:clrMapOvr>
+</p:sld>
+</file>
+
+<file path=ppt/slides/slide11.xml><?xml version="1.0" encoding="utf-8"?>
+<p:sld xmlns:a="http://schemas.openxmlformats.org/drawingml/2006/main" xmlns:r="http://schemas.openxmlformats.org/officeDocument/2006/relationships" xmlns:p="http://schemas.openxmlformats.org/presentationml/2006/main">
+  <p:cSld>
+    <p:spTree>
+      <p:nvGrpSpPr>
+        <p:cNvPr id="1" name=""/>
+        <p:cNvGrpSpPr/>
+        <p:nvPr/>
+      </p:nvGrpSpPr>
+      <p:grpSpPr>
+        <a:xfrm>
+          <a:off x="0" y="0"/>
+          <a:ext cx="0" cy="0"/>
+          <a:chOff x="0" y="0"/>
+          <a:chExt cx="0" cy="0"/>
+        </a:xfrm>
+      </p:grpSpPr>
+      <p:pic>
+        <p:nvPicPr>
+          <p:cNvPr id="2" name="Picture 1"/>
+          <p:cNvPicPr>
+            <a:picLocks noChangeAspect="1"/>
+          </p:cNvPicPr>
+          <p:nvPr/>
+        </p:nvPicPr>
+        <p:blipFill>
+          <a:blip r:embed="rId2">
+            <a:extLst>
+              <a:ext uri="{28A0092B-C50C-407E-A947-70E740481C1C}">
+                <a14:useLocalDpi xmlns:a14="http://schemas.microsoft.com/office/drawing/2010/main" val="0"/>
+              </a:ext>
+            </a:extLst>
+          </a:blip>
+          <a:stretch>
+            <a:fillRect/>
+          </a:stretch>
+        </p:blipFill>
+        <p:spPr>
+          <a:xfrm>
             <a:off x="2667000" y="0"/>
             <a:ext cx="6858000" cy="6858000"/>
           </a:xfrm>
@@ -4094,7 +5249,7 @@
           <p:cNvPr id="12" name="Straight Arrow Connector 11">
             <a:extLst>
               <a:ext uri="{FF2B5EF4-FFF2-40B4-BE49-F238E27FC236}">
-                <a16:creationId xmlns="" xmlns:a16="http://schemas.microsoft.com/office/drawing/2014/main" id="{E90EF790-7188-42F6-B276-DD3BAAFFB86D}"/>
+                <a16:creationId xmlns:a16="http://schemas.microsoft.com/office/drawing/2014/main" xmlns="" id="{E90EF790-7188-42F6-B276-DD3BAAFFB86D}"/>
               </a:ext>
             </a:extLst>
           </p:cNvPr>
@@ -4104,9 +5259,9 @@
           <p:nvPr/>
         </p:nvCxnSpPr>
         <p:spPr>
-          <a:xfrm>
-            <a:off x="4985363" y="4359965"/>
-            <a:ext cx="2546" cy="1755460"/>
+          <a:xfrm flipH="1">
+            <a:off x="4969052" y="4626907"/>
+            <a:ext cx="16311" cy="1080995"/>
           </a:xfrm>
           <a:prstGeom prst="straightConnector1">
             <a:avLst/>
@@ -4136,10 +5291,10 @@
       </p:cxnSp>
       <p:cxnSp>
         <p:nvCxnSpPr>
-          <p:cNvPr id="17" name="Straight Arrow Connector 16">
+          <p:cNvPr id="21" name="Straight Arrow Connector 20">
             <a:extLst>
               <a:ext uri="{FF2B5EF4-FFF2-40B4-BE49-F238E27FC236}">
-                <a16:creationId xmlns="" xmlns:a16="http://schemas.microsoft.com/office/drawing/2014/main" id="{B94D510F-4540-4970-A2AC-550BC35A4BEB}"/>
+                <a16:creationId xmlns:a16="http://schemas.microsoft.com/office/drawing/2014/main" xmlns="" id="{83275F49-69BD-41FC-8870-7A98460F90DE}"/>
               </a:ext>
             </a:extLst>
           </p:cNvPr>
@@ -4149,9 +5304,9 @@
           <p:nvPr/>
         </p:nvCxnSpPr>
         <p:spPr>
-          <a:xfrm>
-            <a:off x="5603619" y="5167404"/>
-            <a:ext cx="1075476" cy="0"/>
+          <a:xfrm flipH="1">
+            <a:off x="6200992" y="4626907"/>
+            <a:ext cx="16311" cy="1080995"/>
           </a:xfrm>
           <a:prstGeom prst="straightConnector1">
             <a:avLst/>
@@ -4184,7 +5339,7 @@
           <p:cNvPr id="22" name="TextBox 21">
             <a:extLst>
               <a:ext uri="{FF2B5EF4-FFF2-40B4-BE49-F238E27FC236}">
-                <a16:creationId xmlns="" xmlns:a16="http://schemas.microsoft.com/office/drawing/2014/main" id="{501EC76A-58B2-4DAF-B9D5-C6E3795FD2D8}"/>
+                <a16:creationId xmlns:a16="http://schemas.microsoft.com/office/drawing/2014/main" xmlns="" id="{501EC76A-58B2-4DAF-B9D5-C6E3795FD2D8}"/>
               </a:ext>
             </a:extLst>
           </p:cNvPr>
@@ -4193,8 +5348,8 @@
         </p:nvSpPr>
         <p:spPr>
           <a:xfrm>
-            <a:off x="3656832" y="6050108"/>
-            <a:ext cx="2657062" cy="369332"/>
+            <a:off x="3857911" y="5648622"/>
+            <a:ext cx="2186609" cy="369332"/>
           </a:xfrm>
           <a:prstGeom prst="rect">
             <a:avLst/>
@@ -4214,17 +5369,17 @@
                   <a:srgbClr val="FF0000"/>
                 </a:solidFill>
               </a:rPr>
-              <a:t>Drive Forward/Backward</a:t>
-            </a:r>
-          </a:p>
-        </p:txBody>
-      </p:sp>
-      <p:sp>
-        <p:nvSpPr>
-          <p:cNvPr id="25" name="TextBox 24">
+              <a:t>Spring Arms</a:t>
+            </a:r>
+          </a:p>
+        </p:txBody>
+      </p:sp>
+      <p:sp>
+        <p:nvSpPr>
+          <p:cNvPr id="24" name="TextBox 23">
             <a:extLst>
               <a:ext uri="{FF2B5EF4-FFF2-40B4-BE49-F238E27FC236}">
-                <a16:creationId xmlns="" xmlns:a16="http://schemas.microsoft.com/office/drawing/2014/main" id="{E291AD0D-9375-4E83-B2D9-B063EF1558A7}"/>
+                <a16:creationId xmlns:a16="http://schemas.microsoft.com/office/drawing/2014/main" xmlns="" id="{0ACF609C-5261-4435-A7C8-DF8E97856FD8}"/>
               </a:ext>
             </a:extLst>
           </p:cNvPr>
@@ -4233,7 +5388,7 @@
         </p:nvSpPr>
         <p:spPr>
           <a:xfrm>
-            <a:off x="6383387" y="4969473"/>
+            <a:off x="5298307" y="5667213"/>
             <a:ext cx="2186609" cy="369332"/>
           </a:xfrm>
           <a:prstGeom prst="rect">
@@ -4254,17 +5409,17 @@
                   <a:srgbClr val="FF0000"/>
                 </a:solidFill>
               </a:rPr>
-              <a:t>Turn Left/Right</a:t>
-            </a:r>
-          </a:p>
-        </p:txBody>
-      </p:sp>
-      <p:sp>
-        <p:nvSpPr>
-          <p:cNvPr id="32" name="TextBox 31">
+              <a:t>Climb Arms</a:t>
+            </a:r>
+          </a:p>
+        </p:txBody>
+      </p:sp>
+      <p:sp>
+        <p:nvSpPr>
+          <p:cNvPr id="31" name="TextBox 30">
             <a:extLst>
               <a:ext uri="{FF2B5EF4-FFF2-40B4-BE49-F238E27FC236}">
-                <a16:creationId xmlns="" xmlns:a16="http://schemas.microsoft.com/office/drawing/2014/main" id="{EC732D11-9DBF-4AE0-894F-A4104302527B}"/>
+                <a16:creationId xmlns:a16="http://schemas.microsoft.com/office/drawing/2014/main" xmlns="" id="{ECCBC355-B2DC-4F5E-8071-21D809982F15}"/>
               </a:ext>
             </a:extLst>
           </p:cNvPr>
@@ -4273,8 +5428,8 @@
         </p:nvSpPr>
         <p:spPr>
           <a:xfrm>
-            <a:off x="1166191" y="1948336"/>
-            <a:ext cx="2186609" cy="369332"/>
+            <a:off x="8185575" y="4093223"/>
+            <a:ext cx="3616958" cy="369332"/>
           </a:xfrm>
           <a:prstGeom prst="rect">
             <a:avLst/>
@@ -4294,17 +5449,17 @@
                   <a:srgbClr val="FF0000"/>
                 </a:solidFill>
               </a:rPr>
-              <a:t>Pivot Right</a:t>
-            </a:r>
-          </a:p>
-        </p:txBody>
-      </p:sp>
-      <p:sp>
-        <p:nvSpPr>
-          <p:cNvPr id="33" name="TextBox 32">
+              <a:t>Intake Motor with increased speed</a:t>
+            </a:r>
+          </a:p>
+        </p:txBody>
+      </p:sp>
+      <p:sp>
+        <p:nvSpPr>
+          <p:cNvPr id="32" name="TextBox 31">
             <a:extLst>
               <a:ext uri="{FF2B5EF4-FFF2-40B4-BE49-F238E27FC236}">
-                <a16:creationId xmlns="" xmlns:a16="http://schemas.microsoft.com/office/drawing/2014/main" id="{8C92D660-6E93-44F1-97F0-565DBBA5B7E7}"/>
+                <a16:creationId xmlns:a16="http://schemas.microsoft.com/office/drawing/2014/main" xmlns="" id="{EC732D11-9DBF-4AE0-894F-A4104302527B}"/>
               </a:ext>
             </a:extLst>
           </p:cNvPr>
@@ -4313,7 +5468,7 @@
         </p:nvSpPr>
         <p:spPr>
           <a:xfrm>
-            <a:off x="8000485" y="1173663"/>
+            <a:off x="1076940" y="1972198"/>
             <a:ext cx="2186609" cy="369332"/>
           </a:xfrm>
           <a:prstGeom prst="rect">
@@ -4334,17 +5489,17 @@
                   <a:srgbClr val="FF0000"/>
                 </a:solidFill>
               </a:rPr>
-              <a:t>Record Path Start</a:t>
-            </a:r>
-          </a:p>
-        </p:txBody>
-      </p:sp>
-      <p:sp>
-        <p:nvSpPr>
-          <p:cNvPr id="34" name="TextBox 33">
+              <a:t>Intake Motor</a:t>
+            </a:r>
+          </a:p>
+        </p:txBody>
+      </p:sp>
+      <p:sp>
+        <p:nvSpPr>
+          <p:cNvPr id="33" name="TextBox 32">
             <a:extLst>
               <a:ext uri="{FF2B5EF4-FFF2-40B4-BE49-F238E27FC236}">
-                <a16:creationId xmlns="" xmlns:a16="http://schemas.microsoft.com/office/drawing/2014/main" id="{37527163-F972-4B33-A6ED-23E9224A1E55}"/>
+                <a16:creationId xmlns:a16="http://schemas.microsoft.com/office/drawing/2014/main" xmlns="" id="{8C92D660-6E93-44F1-97F0-565DBBA5B7E7}"/>
               </a:ext>
             </a:extLst>
           </p:cNvPr>
@@ -4353,7 +5508,7 @@
         </p:nvSpPr>
         <p:spPr>
           <a:xfrm>
-            <a:off x="1135766" y="1250091"/>
+            <a:off x="7987979" y="1316553"/>
             <a:ext cx="2186609" cy="369332"/>
           </a:xfrm>
           <a:prstGeom prst="rect">
@@ -4374,17 +5529,17 @@
                   <a:srgbClr val="FF0000"/>
                 </a:solidFill>
               </a:rPr>
-              <a:t>Record Path Stop</a:t>
-            </a:r>
-          </a:p>
-        </p:txBody>
-      </p:sp>
-      <p:sp>
-        <p:nvSpPr>
-          <p:cNvPr id="35" name="TextBox 34">
+              <a:t>Intake Arm UP</a:t>
+            </a:r>
+          </a:p>
+        </p:txBody>
+      </p:sp>
+      <p:sp>
+        <p:nvSpPr>
+          <p:cNvPr id="34" name="TextBox 33">
             <a:extLst>
               <a:ext uri="{FF2B5EF4-FFF2-40B4-BE49-F238E27FC236}">
-                <a16:creationId xmlns="" xmlns:a16="http://schemas.microsoft.com/office/drawing/2014/main" id="{B8C2E5DF-8365-4685-811F-BAF212BF64B0}"/>
+                <a16:creationId xmlns:a16="http://schemas.microsoft.com/office/drawing/2014/main" xmlns="" id="{37527163-F972-4B33-A6ED-23E9224A1E55}"/>
               </a:ext>
             </a:extLst>
           </p:cNvPr>
@@ -4393,7 +5548,7 @@
         </p:nvSpPr>
         <p:spPr>
           <a:xfrm>
-            <a:off x="7714086" y="1977250"/>
+            <a:off x="1462307" y="1363666"/>
             <a:ext cx="2186609" cy="369332"/>
           </a:xfrm>
           <a:prstGeom prst="rect">
@@ -4414,17 +5569,101 @@
                   <a:srgbClr val="FF0000"/>
                 </a:solidFill>
               </a:rPr>
-              <a:t>Pivot Left</a:t>
-            </a:r>
-          </a:p>
-        </p:txBody>
-      </p:sp>
+              <a:t>Shooter</a:t>
+            </a:r>
+          </a:p>
+        </p:txBody>
+      </p:sp>
+      <p:sp>
+        <p:nvSpPr>
+          <p:cNvPr id="35" name="TextBox 34">
+            <a:extLst>
+              <a:ext uri="{FF2B5EF4-FFF2-40B4-BE49-F238E27FC236}">
+                <a16:creationId xmlns:a16="http://schemas.microsoft.com/office/drawing/2014/main" xmlns="" id="{B8C2E5DF-8365-4685-811F-BAF212BF64B0}"/>
+              </a:ext>
+            </a:extLst>
+          </p:cNvPr>
+          <p:cNvSpPr txBox="1"/>
+          <p:nvPr/>
+        </p:nvSpPr>
+        <p:spPr>
+          <a:xfrm>
+            <a:off x="8118137" y="1904184"/>
+            <a:ext cx="2186609" cy="369332"/>
+          </a:xfrm>
+          <a:prstGeom prst="rect">
+            <a:avLst/>
+          </a:prstGeom>
+          <a:noFill/>
+        </p:spPr>
+        <p:txBody>
+          <a:bodyPr wrap="square" rtlCol="0">
+            <a:spAutoFit/>
+          </a:bodyPr>
+          <a:lstStyle/>
+          <a:p>
+            <a:pPr algn="ctr"/>
+            <a:r>
+              <a:rPr lang="en-US" b="1" dirty="0">
+                <a:solidFill>
+                  <a:srgbClr val="FF0000"/>
+                </a:solidFill>
+              </a:rPr>
+              <a:t>Intake Arm DOWN</a:t>
+            </a:r>
+          </a:p>
+        </p:txBody>
+      </p:sp>
+      <p:cxnSp>
+        <p:nvCxnSpPr>
+          <p:cNvPr id="36" name="Straight Arrow Connector 35">
+            <a:extLst>
+              <a:ext uri="{FF2B5EF4-FFF2-40B4-BE49-F238E27FC236}">
+                <a16:creationId xmlns:a16="http://schemas.microsoft.com/office/drawing/2014/main" xmlns="" id="{7D3EB286-A2E4-40A1-B2BB-89CCF6EAC0B7}"/>
+              </a:ext>
+            </a:extLst>
+          </p:cNvPr>
+          <p:cNvCxnSpPr>
+            <a:cxnSpLocks/>
+          </p:cNvCxnSpPr>
+          <p:nvPr/>
+        </p:nvCxnSpPr>
+        <p:spPr>
+          <a:xfrm flipH="1">
+            <a:off x="7100675" y="4350269"/>
+            <a:ext cx="1221690" cy="136010"/>
+          </a:xfrm>
+          <a:prstGeom prst="straightConnector1">
+            <a:avLst/>
+          </a:prstGeom>
+          <a:ln w="38100">
+            <a:solidFill>
+              <a:srgbClr val="FF0000"/>
+            </a:solidFill>
+            <a:tailEnd type="triangle"/>
+          </a:ln>
+        </p:spPr>
+        <p:style>
+          <a:lnRef idx="1">
+            <a:schemeClr val="accent1"/>
+          </a:lnRef>
+          <a:fillRef idx="0">
+            <a:schemeClr val="accent1"/>
+          </a:fillRef>
+          <a:effectRef idx="0">
+            <a:schemeClr val="accent1"/>
+          </a:effectRef>
+          <a:fontRef idx="minor">
+            <a:schemeClr val="tx1"/>
+          </a:fontRef>
+        </p:style>
+      </p:cxnSp>
       <p:cxnSp>
         <p:nvCxnSpPr>
           <p:cNvPr id="44" name="Straight Arrow Connector 43">
             <a:extLst>
               <a:ext uri="{FF2B5EF4-FFF2-40B4-BE49-F238E27FC236}">
-                <a16:creationId xmlns="" xmlns:a16="http://schemas.microsoft.com/office/drawing/2014/main" id="{8766F88F-CE75-4075-A7FB-0016791A5FF0}"/>
+                <a16:creationId xmlns:a16="http://schemas.microsoft.com/office/drawing/2014/main" xmlns="" id="{8766F88F-CE75-4075-A7FB-0016791A5FF0}"/>
               </a:ext>
             </a:extLst>
           </p:cNvPr>
@@ -4468,7 +5707,7 @@
           <p:cNvPr id="46" name="Straight Arrow Connector 45">
             <a:extLst>
               <a:ext uri="{FF2B5EF4-FFF2-40B4-BE49-F238E27FC236}">
-                <a16:creationId xmlns="" xmlns:a16="http://schemas.microsoft.com/office/drawing/2014/main" id="{A1EFF5AC-23E1-46E4-9F3C-45143630E414}"/>
+                <a16:creationId xmlns:a16="http://schemas.microsoft.com/office/drawing/2014/main" xmlns="" id="{A1EFF5AC-23E1-46E4-9F3C-45143630E414}"/>
               </a:ext>
             </a:extLst>
           </p:cNvPr>
@@ -4512,7 +5751,7 @@
           <p:cNvPr id="48" name="Straight Arrow Connector 47">
             <a:extLst>
               <a:ext uri="{FF2B5EF4-FFF2-40B4-BE49-F238E27FC236}">
-                <a16:creationId xmlns="" xmlns:a16="http://schemas.microsoft.com/office/drawing/2014/main" id="{6B6BE7A2-D1BD-4F76-96BF-04F237C36B73}"/>
+                <a16:creationId xmlns:a16="http://schemas.microsoft.com/office/drawing/2014/main" xmlns="" id="{6B6BE7A2-D1BD-4F76-96BF-04F237C36B73}"/>
               </a:ext>
             </a:extLst>
           </p:cNvPr>
@@ -4556,7 +5795,7 @@
           <p:cNvPr id="50" name="Straight Arrow Connector 49">
             <a:extLst>
               <a:ext uri="{FF2B5EF4-FFF2-40B4-BE49-F238E27FC236}">
-                <a16:creationId xmlns="" xmlns:a16="http://schemas.microsoft.com/office/drawing/2014/main" id="{7AB12831-494E-4990-A797-2DC7053DE7F5}"/>
+                <a16:creationId xmlns:a16="http://schemas.microsoft.com/office/drawing/2014/main" xmlns="" id="{7AB12831-494E-4990-A797-2DC7053DE7F5}"/>
               </a:ext>
             </a:extLst>
           </p:cNvPr>
@@ -4597,10 +5836,10 @@
       </p:cxnSp>
       <p:sp>
         <p:nvSpPr>
-          <p:cNvPr id="4" name="TextBox 3">
+          <p:cNvPr id="37" name="TextBox 36">
             <a:extLst>
               <a:ext uri="{FF2B5EF4-FFF2-40B4-BE49-F238E27FC236}">
-                <a16:creationId xmlns="" xmlns:a16="http://schemas.microsoft.com/office/drawing/2014/main" id="{78AF2CA0-9118-445D-B2F7-3F39AC39A6B8}"/>
+                <a16:creationId xmlns:a16="http://schemas.microsoft.com/office/drawing/2014/main" xmlns="" id="{3C5D0C7D-1F01-4E3E-93A1-3BE0C20562CB}"/>
               </a:ext>
             </a:extLst>
           </p:cNvPr>
@@ -4610,7 +5849,7 @@
         <p:spPr>
           <a:xfrm>
             <a:off x="357809" y="424070"/>
-            <a:ext cx="1616765" cy="584775"/>
+            <a:ext cx="2185582" cy="584775"/>
           </a:xfrm>
           <a:prstGeom prst="rect">
             <a:avLst/>
@@ -4629,15 +5868,193 @@
                   <a:srgbClr val="FF0000"/>
                 </a:solidFill>
               </a:rPr>
-              <a:t>DRIVER</a:t>
-            </a:r>
-          </a:p>
-        </p:txBody>
-      </p:sp>
+              <a:t>OPERATOR</a:t>
+            </a:r>
+          </a:p>
+        </p:txBody>
+      </p:sp>
+      <p:sp>
+        <p:nvSpPr>
+          <p:cNvPr id="20" name="TextBox 19">
+            <a:extLst>
+              <a:ext uri="{FF2B5EF4-FFF2-40B4-BE49-F238E27FC236}">
+                <a16:creationId xmlns:a16="http://schemas.microsoft.com/office/drawing/2014/main" xmlns="" id="{58A7AB82-4CED-48AC-A028-2D01782C9733}"/>
+              </a:ext>
+            </a:extLst>
+          </p:cNvPr>
+          <p:cNvSpPr txBox="1"/>
+          <p:nvPr/>
+        </p:nvSpPr>
+        <p:spPr>
+          <a:xfrm>
+            <a:off x="6596183" y="3102807"/>
+            <a:ext cx="2200269" cy="369332"/>
+          </a:xfrm>
+          <a:prstGeom prst="rect">
+            <a:avLst/>
+          </a:prstGeom>
+          <a:noFill/>
+        </p:spPr>
+        <p:txBody>
+          <a:bodyPr wrap="square" rtlCol="0">
+            <a:spAutoFit/>
+          </a:bodyPr>
+          <a:lstStyle/>
+          <a:p>
+            <a:pPr algn="ctr"/>
+            <a:r>
+              <a:rPr lang="en-US" b="1" dirty="0">
+                <a:solidFill>
+                  <a:srgbClr val="FF0000"/>
+                </a:solidFill>
+              </a:rPr>
+              <a:t>Transfer Release</a:t>
+            </a:r>
+            <a:endParaRPr lang="en-US" b="1" dirty="0">
+              <a:solidFill>
+                <a:srgbClr val="FF0000"/>
+              </a:solidFill>
+            </a:endParaRPr>
+          </a:p>
+        </p:txBody>
+      </p:sp>
+      <p:sp>
+        <p:nvSpPr>
+          <p:cNvPr id="25" name="TextBox 24">
+            <a:extLst>
+              <a:ext uri="{FF2B5EF4-FFF2-40B4-BE49-F238E27FC236}">
+                <a16:creationId xmlns:a16="http://schemas.microsoft.com/office/drawing/2014/main" xmlns="" id="{20D526B3-D9A8-4378-8E52-1134477E15CF}"/>
+              </a:ext>
+            </a:extLst>
+          </p:cNvPr>
+          <p:cNvSpPr txBox="1"/>
+          <p:nvPr/>
+        </p:nvSpPr>
+        <p:spPr>
+          <a:xfrm>
+            <a:off x="8263908" y="4635014"/>
+            <a:ext cx="2683492" cy="369332"/>
+          </a:xfrm>
+          <a:prstGeom prst="rect">
+            <a:avLst/>
+          </a:prstGeom>
+          <a:noFill/>
+        </p:spPr>
+        <p:txBody>
+          <a:bodyPr wrap="square" rtlCol="0">
+            <a:spAutoFit/>
+          </a:bodyPr>
+          <a:lstStyle/>
+          <a:p>
+            <a:pPr algn="ctr"/>
+            <a:r>
+              <a:rPr lang="en-US" b="1" dirty="0" smtClean="0">
+                <a:solidFill>
+                  <a:srgbClr val="FF0000"/>
+                </a:solidFill>
+              </a:rPr>
+              <a:t>Intake Reverse</a:t>
+            </a:r>
+            <a:endParaRPr lang="en-US" b="1" dirty="0">
+              <a:solidFill>
+                <a:srgbClr val="FF0000"/>
+              </a:solidFill>
+            </a:endParaRPr>
+          </a:p>
+        </p:txBody>
+      </p:sp>
+      <p:cxnSp>
+        <p:nvCxnSpPr>
+          <p:cNvPr id="26" name="Straight Arrow Connector 25">
+            <a:extLst>
+              <a:ext uri="{FF2B5EF4-FFF2-40B4-BE49-F238E27FC236}">
+                <a16:creationId xmlns:a16="http://schemas.microsoft.com/office/drawing/2014/main" xmlns="" id="{6D0C58A2-BBFF-4A08-8956-B6846A78085F}"/>
+              </a:ext>
+            </a:extLst>
+          </p:cNvPr>
+          <p:cNvCxnSpPr>
+            <a:cxnSpLocks/>
+          </p:cNvCxnSpPr>
+          <p:nvPr/>
+        </p:nvCxnSpPr>
+        <p:spPr>
+          <a:xfrm flipH="1">
+            <a:off x="6510720" y="3235245"/>
+            <a:ext cx="245743" cy="1293227"/>
+          </a:xfrm>
+          <a:prstGeom prst="straightConnector1">
+            <a:avLst/>
+          </a:prstGeom>
+          <a:ln w="38100">
+            <a:solidFill>
+              <a:srgbClr val="FF0000"/>
+            </a:solidFill>
+            <a:tailEnd type="triangle"/>
+          </a:ln>
+        </p:spPr>
+        <p:style>
+          <a:lnRef idx="1">
+            <a:schemeClr val="accent1"/>
+          </a:lnRef>
+          <a:fillRef idx="0">
+            <a:schemeClr val="accent1"/>
+          </a:fillRef>
+          <a:effectRef idx="0">
+            <a:schemeClr val="accent1"/>
+          </a:effectRef>
+          <a:fontRef idx="minor">
+            <a:schemeClr val="tx1"/>
+          </a:fontRef>
+        </p:style>
+      </p:cxnSp>
+      <p:cxnSp>
+        <p:nvCxnSpPr>
+          <p:cNvPr id="27" name="Straight Arrow Connector 26">
+            <a:extLst>
+              <a:ext uri="{FF2B5EF4-FFF2-40B4-BE49-F238E27FC236}">
+                <a16:creationId xmlns:a16="http://schemas.microsoft.com/office/drawing/2014/main" xmlns="" id="{53F1F003-B170-45EA-90B5-FE1EAAD42A63}"/>
+              </a:ext>
+            </a:extLst>
+          </p:cNvPr>
+          <p:cNvCxnSpPr>
+            <a:cxnSpLocks/>
+          </p:cNvCxnSpPr>
+          <p:nvPr/>
+        </p:nvCxnSpPr>
+        <p:spPr>
+          <a:xfrm flipH="1" flipV="1">
+            <a:off x="6735382" y="4782090"/>
+            <a:ext cx="2061071" cy="26543"/>
+          </a:xfrm>
+          <a:prstGeom prst="straightConnector1">
+            <a:avLst/>
+          </a:prstGeom>
+          <a:ln w="38100">
+            <a:solidFill>
+              <a:srgbClr val="FF0000"/>
+            </a:solidFill>
+            <a:tailEnd type="triangle"/>
+          </a:ln>
+        </p:spPr>
+        <p:style>
+          <a:lnRef idx="1">
+            <a:schemeClr val="accent1"/>
+          </a:lnRef>
+          <a:fillRef idx="0">
+            <a:schemeClr val="accent1"/>
+          </a:fillRef>
+          <a:effectRef idx="0">
+            <a:schemeClr val="accent1"/>
+          </a:effectRef>
+          <a:fontRef idx="minor">
+            <a:schemeClr val="tx1"/>
+          </a:fontRef>
+        </p:style>
+      </p:cxnSp>
     </p:spTree>
     <p:extLst>
       <p:ext uri="{BB962C8B-B14F-4D97-AF65-F5344CB8AC3E}">
-        <p14:creationId xmlns:p14="http://schemas.microsoft.com/office/powerpoint/2010/main" val="1548786198"/>
+        <p14:creationId xmlns:p14="http://schemas.microsoft.com/office/powerpoint/2010/main" val="3706289862"/>
       </p:ext>
     </p:extLst>
   </p:cSld>
@@ -4729,7 +6146,7 @@
           <p:cNvPr id="12" name="Straight Arrow Connector 11">
             <a:extLst>
               <a:ext uri="{FF2B5EF4-FFF2-40B4-BE49-F238E27FC236}">
-                <a16:creationId xmlns="" xmlns:a16="http://schemas.microsoft.com/office/drawing/2014/main" id="{E90EF790-7188-42F6-B276-DD3BAAFFB86D}"/>
+                <a16:creationId xmlns:a16="http://schemas.microsoft.com/office/drawing/2014/main" xmlns="" id="{E90EF790-7188-42F6-B276-DD3BAAFFB86D}"/>
               </a:ext>
             </a:extLst>
           </p:cNvPr>
@@ -4771,10 +6188,10 @@
       </p:cxnSp>
       <p:cxnSp>
         <p:nvCxnSpPr>
-          <p:cNvPr id="21" name="Straight Arrow Connector 20">
+          <p:cNvPr id="17" name="Straight Arrow Connector 16">
             <a:extLst>
               <a:ext uri="{FF2B5EF4-FFF2-40B4-BE49-F238E27FC236}">
-                <a16:creationId xmlns="" xmlns:a16="http://schemas.microsoft.com/office/drawing/2014/main" id="{83275F49-69BD-41FC-8870-7A98460F90DE}"/>
+                <a16:creationId xmlns:a16="http://schemas.microsoft.com/office/drawing/2014/main" xmlns="" id="{B94D510F-4540-4970-A2AC-550BC35A4BEB}"/>
               </a:ext>
             </a:extLst>
           </p:cNvPr>
@@ -4784,9 +6201,9 @@
           <p:nvPr/>
         </p:nvCxnSpPr>
         <p:spPr>
-          <a:xfrm flipH="1">
-            <a:off x="6200992" y="4626907"/>
-            <a:ext cx="16311" cy="1080995"/>
+          <a:xfrm>
+            <a:off x="5722889" y="5167404"/>
+            <a:ext cx="956206" cy="0"/>
           </a:xfrm>
           <a:prstGeom prst="straightConnector1">
             <a:avLst/>
@@ -4814,292 +6231,12 @@
           </a:fontRef>
         </p:style>
       </p:cxnSp>
-      <p:sp>
-        <p:nvSpPr>
-          <p:cNvPr id="22" name="TextBox 21">
-            <a:extLst>
-              <a:ext uri="{FF2B5EF4-FFF2-40B4-BE49-F238E27FC236}">
-                <a16:creationId xmlns="" xmlns:a16="http://schemas.microsoft.com/office/drawing/2014/main" id="{501EC76A-58B2-4DAF-B9D5-C6E3795FD2D8}"/>
-              </a:ext>
-            </a:extLst>
-          </p:cNvPr>
-          <p:cNvSpPr txBox="1"/>
-          <p:nvPr/>
-        </p:nvSpPr>
-        <p:spPr>
-          <a:xfrm>
-            <a:off x="3857911" y="5648622"/>
-            <a:ext cx="2186609" cy="369332"/>
-          </a:xfrm>
-          <a:prstGeom prst="rect">
-            <a:avLst/>
-          </a:prstGeom>
-          <a:noFill/>
-        </p:spPr>
-        <p:txBody>
-          <a:bodyPr wrap="square" rtlCol="0">
-            <a:spAutoFit/>
-          </a:bodyPr>
-          <a:lstStyle/>
-          <a:p>
-            <a:pPr algn="ctr"/>
-            <a:r>
-              <a:rPr lang="en-US" b="1" dirty="0">
-                <a:solidFill>
-                  <a:srgbClr val="FF0000"/>
-                </a:solidFill>
-              </a:rPr>
-              <a:t>Spring Arms</a:t>
-            </a:r>
-          </a:p>
-        </p:txBody>
-      </p:sp>
-      <p:sp>
-        <p:nvSpPr>
-          <p:cNvPr id="24" name="TextBox 23">
-            <a:extLst>
-              <a:ext uri="{FF2B5EF4-FFF2-40B4-BE49-F238E27FC236}">
-                <a16:creationId xmlns="" xmlns:a16="http://schemas.microsoft.com/office/drawing/2014/main" id="{0ACF609C-5261-4435-A7C8-DF8E97856FD8}"/>
-              </a:ext>
-            </a:extLst>
-          </p:cNvPr>
-          <p:cNvSpPr txBox="1"/>
-          <p:nvPr/>
-        </p:nvSpPr>
-        <p:spPr>
-          <a:xfrm>
-            <a:off x="5298307" y="5667213"/>
-            <a:ext cx="2186609" cy="369332"/>
-          </a:xfrm>
-          <a:prstGeom prst="rect">
-            <a:avLst/>
-          </a:prstGeom>
-          <a:noFill/>
-        </p:spPr>
-        <p:txBody>
-          <a:bodyPr wrap="square" rtlCol="0">
-            <a:spAutoFit/>
-          </a:bodyPr>
-          <a:lstStyle/>
-          <a:p>
-            <a:pPr algn="ctr"/>
-            <a:r>
-              <a:rPr lang="en-US" b="1" dirty="0">
-                <a:solidFill>
-                  <a:srgbClr val="FF0000"/>
-                </a:solidFill>
-              </a:rPr>
-              <a:t>Climb Arms</a:t>
-            </a:r>
-          </a:p>
-        </p:txBody>
-      </p:sp>
-      <p:sp>
-        <p:nvSpPr>
-          <p:cNvPr id="31" name="TextBox 30">
-            <a:extLst>
-              <a:ext uri="{FF2B5EF4-FFF2-40B4-BE49-F238E27FC236}">
-                <a16:creationId xmlns="" xmlns:a16="http://schemas.microsoft.com/office/drawing/2014/main" id="{ECCBC355-B2DC-4F5E-8071-21D809982F15}"/>
-              </a:ext>
-            </a:extLst>
-          </p:cNvPr>
-          <p:cNvSpPr txBox="1"/>
-          <p:nvPr/>
-        </p:nvSpPr>
-        <p:spPr>
-          <a:xfrm>
-            <a:off x="8185575" y="4093223"/>
-            <a:ext cx="2186609" cy="646331"/>
-          </a:xfrm>
-          <a:prstGeom prst="rect">
-            <a:avLst/>
-          </a:prstGeom>
-          <a:noFill/>
-        </p:spPr>
-        <p:txBody>
-          <a:bodyPr wrap="square" rtlCol="0">
-            <a:spAutoFit/>
-          </a:bodyPr>
-          <a:lstStyle/>
-          <a:p>
-            <a:pPr algn="ctr"/>
-            <a:r>
-              <a:rPr lang="en-US" b="1" dirty="0">
-                <a:solidFill>
-                  <a:srgbClr val="FF0000"/>
-                </a:solidFill>
-              </a:rPr>
-              <a:t>Intake Motor with increased speed</a:t>
-            </a:r>
-          </a:p>
-        </p:txBody>
-      </p:sp>
-      <p:sp>
-        <p:nvSpPr>
-          <p:cNvPr id="32" name="TextBox 31">
-            <a:extLst>
-              <a:ext uri="{FF2B5EF4-FFF2-40B4-BE49-F238E27FC236}">
-                <a16:creationId xmlns="" xmlns:a16="http://schemas.microsoft.com/office/drawing/2014/main" id="{EC732D11-9DBF-4AE0-894F-A4104302527B}"/>
-              </a:ext>
-            </a:extLst>
-          </p:cNvPr>
-          <p:cNvSpPr txBox="1"/>
-          <p:nvPr/>
-        </p:nvSpPr>
-        <p:spPr>
-          <a:xfrm>
-            <a:off x="1076940" y="1972198"/>
-            <a:ext cx="2186609" cy="369332"/>
-          </a:xfrm>
-          <a:prstGeom prst="rect">
-            <a:avLst/>
-          </a:prstGeom>
-          <a:noFill/>
-        </p:spPr>
-        <p:txBody>
-          <a:bodyPr wrap="square" rtlCol="0">
-            <a:spAutoFit/>
-          </a:bodyPr>
-          <a:lstStyle/>
-          <a:p>
-            <a:pPr algn="ctr"/>
-            <a:r>
-              <a:rPr lang="en-US" b="1" dirty="0">
-                <a:solidFill>
-                  <a:srgbClr val="FF0000"/>
-                </a:solidFill>
-              </a:rPr>
-              <a:t>Intake Motor</a:t>
-            </a:r>
-          </a:p>
-        </p:txBody>
-      </p:sp>
-      <p:sp>
-        <p:nvSpPr>
-          <p:cNvPr id="33" name="TextBox 32">
-            <a:extLst>
-              <a:ext uri="{FF2B5EF4-FFF2-40B4-BE49-F238E27FC236}">
-                <a16:creationId xmlns="" xmlns:a16="http://schemas.microsoft.com/office/drawing/2014/main" id="{8C92D660-6E93-44F1-97F0-565DBBA5B7E7}"/>
-              </a:ext>
-            </a:extLst>
-          </p:cNvPr>
-          <p:cNvSpPr txBox="1"/>
-          <p:nvPr/>
-        </p:nvSpPr>
-        <p:spPr>
-          <a:xfrm>
-            <a:off x="7987979" y="1316553"/>
-            <a:ext cx="2186609" cy="369332"/>
-          </a:xfrm>
-          <a:prstGeom prst="rect">
-            <a:avLst/>
-          </a:prstGeom>
-          <a:noFill/>
-        </p:spPr>
-        <p:txBody>
-          <a:bodyPr wrap="square" rtlCol="0">
-            <a:spAutoFit/>
-          </a:bodyPr>
-          <a:lstStyle/>
-          <a:p>
-            <a:pPr algn="ctr"/>
-            <a:r>
-              <a:rPr lang="en-US" b="1" dirty="0">
-                <a:solidFill>
-                  <a:srgbClr val="FF0000"/>
-                </a:solidFill>
-              </a:rPr>
-              <a:t>Intake Arm UP</a:t>
-            </a:r>
-          </a:p>
-        </p:txBody>
-      </p:sp>
-      <p:sp>
-        <p:nvSpPr>
-          <p:cNvPr id="34" name="TextBox 33">
-            <a:extLst>
-              <a:ext uri="{FF2B5EF4-FFF2-40B4-BE49-F238E27FC236}">
-                <a16:creationId xmlns="" xmlns:a16="http://schemas.microsoft.com/office/drawing/2014/main" id="{37527163-F972-4B33-A6ED-23E9224A1E55}"/>
-              </a:ext>
-            </a:extLst>
-          </p:cNvPr>
-          <p:cNvSpPr txBox="1"/>
-          <p:nvPr/>
-        </p:nvSpPr>
-        <p:spPr>
-          <a:xfrm>
-            <a:off x="1462307" y="1363666"/>
-            <a:ext cx="2186609" cy="369332"/>
-          </a:xfrm>
-          <a:prstGeom prst="rect">
-            <a:avLst/>
-          </a:prstGeom>
-          <a:noFill/>
-        </p:spPr>
-        <p:txBody>
-          <a:bodyPr wrap="square" rtlCol="0">
-            <a:spAutoFit/>
-          </a:bodyPr>
-          <a:lstStyle/>
-          <a:p>
-            <a:pPr algn="ctr"/>
-            <a:r>
-              <a:rPr lang="en-US" b="1" dirty="0">
-                <a:solidFill>
-                  <a:srgbClr val="FF0000"/>
-                </a:solidFill>
-              </a:rPr>
-              <a:t>Shooter</a:t>
-            </a:r>
-          </a:p>
-        </p:txBody>
-      </p:sp>
-      <p:sp>
-        <p:nvSpPr>
-          <p:cNvPr id="35" name="TextBox 34">
-            <a:extLst>
-              <a:ext uri="{FF2B5EF4-FFF2-40B4-BE49-F238E27FC236}">
-                <a16:creationId xmlns="" xmlns:a16="http://schemas.microsoft.com/office/drawing/2014/main" id="{B8C2E5DF-8365-4685-811F-BAF212BF64B0}"/>
-              </a:ext>
-            </a:extLst>
-          </p:cNvPr>
-          <p:cNvSpPr txBox="1"/>
-          <p:nvPr/>
-        </p:nvSpPr>
-        <p:spPr>
-          <a:xfrm>
-            <a:off x="8118137" y="1904184"/>
-            <a:ext cx="2186609" cy="369332"/>
-          </a:xfrm>
-          <a:prstGeom prst="rect">
-            <a:avLst/>
-          </a:prstGeom>
-          <a:noFill/>
-        </p:spPr>
-        <p:txBody>
-          <a:bodyPr wrap="square" rtlCol="0">
-            <a:spAutoFit/>
-          </a:bodyPr>
-          <a:lstStyle/>
-          <a:p>
-            <a:pPr algn="ctr"/>
-            <a:r>
-              <a:rPr lang="en-US" b="1" dirty="0">
-                <a:solidFill>
-                  <a:srgbClr val="FF0000"/>
-                </a:solidFill>
-              </a:rPr>
-              <a:t>Intake Arm DOWN</a:t>
-            </a:r>
-          </a:p>
-        </p:txBody>
-      </p:sp>
       <p:cxnSp>
         <p:nvCxnSpPr>
-          <p:cNvPr id="36" name="Straight Arrow Connector 35">
+          <p:cNvPr id="26" name="Straight Arrow Connector 25">
             <a:extLst>
               <a:ext uri="{FF2B5EF4-FFF2-40B4-BE49-F238E27FC236}">
-                <a16:creationId xmlns="" xmlns:a16="http://schemas.microsoft.com/office/drawing/2014/main" id="{7D3EB286-A2E4-40A1-B2BB-89CCF6EAC0B7}"/>
+                <a16:creationId xmlns:a16="http://schemas.microsoft.com/office/drawing/2014/main" xmlns="" id="{0F3B5E9B-C537-4A5D-ACE4-F79B7CFB9458}"/>
               </a:ext>
             </a:extLst>
           </p:cNvPr>
@@ -5110,8 +6247,328 @@
         </p:nvCxnSpPr>
         <p:spPr>
           <a:xfrm flipH="1">
+            <a:off x="6764809" y="3796893"/>
+            <a:ext cx="934167" cy="411332"/>
+          </a:xfrm>
+          <a:prstGeom prst="straightConnector1">
+            <a:avLst/>
+          </a:prstGeom>
+          <a:ln w="38100">
+            <a:solidFill>
+              <a:srgbClr val="FF0000"/>
+            </a:solidFill>
+            <a:tailEnd type="triangle"/>
+          </a:ln>
+        </p:spPr>
+        <p:style>
+          <a:lnRef idx="1">
+            <a:schemeClr val="accent1"/>
+          </a:lnRef>
+          <a:fillRef idx="0">
+            <a:schemeClr val="accent1"/>
+          </a:fillRef>
+          <a:effectRef idx="0">
+            <a:schemeClr val="accent1"/>
+          </a:effectRef>
+          <a:fontRef idx="minor">
+            <a:schemeClr val="tx1"/>
+          </a:fontRef>
+        </p:style>
+      </p:cxnSp>
+      <p:sp>
+        <p:nvSpPr>
+          <p:cNvPr id="28" name="TextBox 27">
+            <a:extLst>
+              <a:ext uri="{FF2B5EF4-FFF2-40B4-BE49-F238E27FC236}">
+                <a16:creationId xmlns:a16="http://schemas.microsoft.com/office/drawing/2014/main" xmlns="" id="{58A7AB82-4CED-48AC-A028-2D01782C9733}"/>
+              </a:ext>
+            </a:extLst>
+          </p:cNvPr>
+          <p:cNvSpPr txBox="1"/>
+          <p:nvPr/>
+        </p:nvSpPr>
+        <p:spPr>
+          <a:xfrm>
+            <a:off x="6596184" y="3102807"/>
+            <a:ext cx="2547816" cy="369332"/>
+          </a:xfrm>
+          <a:prstGeom prst="rect">
+            <a:avLst/>
+          </a:prstGeom>
+          <a:noFill/>
+        </p:spPr>
+        <p:txBody>
+          <a:bodyPr wrap="square" rtlCol="0">
+            <a:spAutoFit/>
+          </a:bodyPr>
+          <a:lstStyle/>
+          <a:p>
+            <a:pPr algn="ctr"/>
+            <a:r>
+              <a:rPr lang="en-US" b="1" dirty="0">
+                <a:solidFill>
+                  <a:srgbClr val="FF0000"/>
+                </a:solidFill>
+              </a:rPr>
+              <a:t>Set Limelight to Vision</a:t>
+            </a:r>
+            <a:endParaRPr lang="en-US" b="1" dirty="0">
+              <a:solidFill>
+                <a:srgbClr val="FF0000"/>
+              </a:solidFill>
+            </a:endParaRPr>
+          </a:p>
+        </p:txBody>
+      </p:sp>
+      <p:sp>
+        <p:nvSpPr>
+          <p:cNvPr id="29" name="TextBox 28">
+            <a:extLst>
+              <a:ext uri="{FF2B5EF4-FFF2-40B4-BE49-F238E27FC236}">
+                <a16:creationId xmlns:a16="http://schemas.microsoft.com/office/drawing/2014/main" xmlns="" id="{DDA261A3-1970-4B59-B5C6-34B2D077E1BB}"/>
+              </a:ext>
+            </a:extLst>
+          </p:cNvPr>
+          <p:cNvSpPr txBox="1"/>
+          <p:nvPr/>
+        </p:nvSpPr>
+        <p:spPr>
+          <a:xfrm>
+            <a:off x="7682154" y="3503976"/>
+            <a:ext cx="2003713" cy="369332"/>
+          </a:xfrm>
+          <a:prstGeom prst="rect">
+            <a:avLst/>
+          </a:prstGeom>
+          <a:noFill/>
+        </p:spPr>
+        <p:txBody>
+          <a:bodyPr wrap="square" rtlCol="0">
+            <a:spAutoFit/>
+          </a:bodyPr>
+          <a:lstStyle/>
+          <a:p>
+            <a:pPr algn="ctr"/>
+            <a:r>
+              <a:rPr lang="en-US" b="1" dirty="0">
+                <a:solidFill>
+                  <a:srgbClr val="FF0000"/>
+                </a:solidFill>
+              </a:rPr>
+              <a:t>Limelight LED </a:t>
+            </a:r>
+            <a:r>
+              <a:rPr lang="en-US" b="1" dirty="0" smtClean="0">
+                <a:solidFill>
+                  <a:srgbClr val="FF0000"/>
+                </a:solidFill>
+              </a:rPr>
+              <a:t>ON</a:t>
+            </a:r>
+            <a:endParaRPr lang="en-US" b="1" dirty="0">
+              <a:solidFill>
+                <a:srgbClr val="FF0000"/>
+              </a:solidFill>
+            </a:endParaRPr>
+          </a:p>
+        </p:txBody>
+      </p:sp>
+      <p:sp>
+        <p:nvSpPr>
+          <p:cNvPr id="30" name="TextBox 29">
+            <a:extLst>
+              <a:ext uri="{FF2B5EF4-FFF2-40B4-BE49-F238E27FC236}">
+                <a16:creationId xmlns:a16="http://schemas.microsoft.com/office/drawing/2014/main" xmlns="" id="{20D526B3-D9A8-4378-8E52-1134477E15CF}"/>
+              </a:ext>
+            </a:extLst>
+          </p:cNvPr>
+          <p:cNvSpPr txBox="1"/>
+          <p:nvPr/>
+        </p:nvSpPr>
+        <p:spPr>
+          <a:xfrm>
+            <a:off x="8517905" y="4635014"/>
+            <a:ext cx="3606359" cy="369332"/>
+          </a:xfrm>
+          <a:prstGeom prst="rect">
+            <a:avLst/>
+          </a:prstGeom>
+          <a:noFill/>
+        </p:spPr>
+        <p:txBody>
+          <a:bodyPr wrap="square" rtlCol="0">
+            <a:spAutoFit/>
+          </a:bodyPr>
+          <a:lstStyle/>
+          <a:p>
+            <a:pPr algn="ctr"/>
+            <a:r>
+              <a:rPr lang="en-US" b="1" dirty="0">
+                <a:solidFill>
+                  <a:srgbClr val="FF0000"/>
+                </a:solidFill>
+              </a:rPr>
+              <a:t>Set Limelight to Camera Mode</a:t>
+            </a:r>
+            <a:endParaRPr lang="en-US" b="1" dirty="0">
+              <a:solidFill>
+                <a:srgbClr val="FF0000"/>
+              </a:solidFill>
+            </a:endParaRPr>
+          </a:p>
+        </p:txBody>
+      </p:sp>
+      <p:sp>
+        <p:nvSpPr>
+          <p:cNvPr id="31" name="TextBox 30">
+            <a:extLst>
+              <a:ext uri="{FF2B5EF4-FFF2-40B4-BE49-F238E27FC236}">
+                <a16:creationId xmlns:a16="http://schemas.microsoft.com/office/drawing/2014/main" xmlns="" id="{ECCBC355-B2DC-4F5E-8071-21D809982F15}"/>
+              </a:ext>
+            </a:extLst>
+          </p:cNvPr>
+          <p:cNvSpPr txBox="1"/>
+          <p:nvPr/>
+        </p:nvSpPr>
+        <p:spPr>
+          <a:xfrm>
+            <a:off x="8408057" y="4143175"/>
+            <a:ext cx="1989010" cy="369332"/>
+          </a:xfrm>
+          <a:prstGeom prst="rect">
+            <a:avLst/>
+          </a:prstGeom>
+          <a:noFill/>
+        </p:spPr>
+        <p:txBody>
+          <a:bodyPr wrap="square" rtlCol="0">
+            <a:spAutoFit/>
+          </a:bodyPr>
+          <a:lstStyle/>
+          <a:p>
+            <a:pPr algn="ctr"/>
+            <a:r>
+              <a:rPr lang="en-US" b="1" dirty="0">
+                <a:solidFill>
+                  <a:srgbClr val="FF0000"/>
+                </a:solidFill>
+              </a:rPr>
+              <a:t>Limelight LED OFF</a:t>
+            </a:r>
+            <a:endParaRPr lang="en-US" b="1" dirty="0">
+              <a:solidFill>
+                <a:srgbClr val="FF0000"/>
+              </a:solidFill>
+            </a:endParaRPr>
+          </a:p>
+        </p:txBody>
+      </p:sp>
+      <p:cxnSp>
+        <p:nvCxnSpPr>
+          <p:cNvPr id="36" name="Straight Arrow Connector 35">
+            <a:extLst>
+              <a:ext uri="{FF2B5EF4-FFF2-40B4-BE49-F238E27FC236}">
+                <a16:creationId xmlns:a16="http://schemas.microsoft.com/office/drawing/2014/main" xmlns="" id="{7D3EB286-A2E4-40A1-B2BB-89CCF6EAC0B7}"/>
+              </a:ext>
+            </a:extLst>
+          </p:cNvPr>
+          <p:cNvCxnSpPr>
+            <a:cxnSpLocks/>
+          </p:cNvCxnSpPr>
+          <p:nvPr/>
+        </p:nvCxnSpPr>
+        <p:spPr>
+          <a:xfrm flipH="1">
             <a:off x="7100675" y="4350269"/>
             <a:ext cx="1221690" cy="136010"/>
+          </a:xfrm>
+          <a:prstGeom prst="straightConnector1">
+            <a:avLst/>
+          </a:prstGeom>
+          <a:ln w="38100">
+            <a:solidFill>
+              <a:srgbClr val="FF0000"/>
+            </a:solidFill>
+            <a:tailEnd type="triangle"/>
+          </a:ln>
+        </p:spPr>
+        <p:style>
+          <a:lnRef idx="1">
+            <a:schemeClr val="accent1"/>
+          </a:lnRef>
+          <a:fillRef idx="0">
+            <a:schemeClr val="accent1"/>
+          </a:fillRef>
+          <a:effectRef idx="0">
+            <a:schemeClr val="accent1"/>
+          </a:effectRef>
+          <a:fontRef idx="minor">
+            <a:schemeClr val="tx1"/>
+          </a:fontRef>
+        </p:style>
+      </p:cxnSp>
+      <p:cxnSp>
+        <p:nvCxnSpPr>
+          <p:cNvPr id="38" name="Straight Arrow Connector 37">
+            <a:extLst>
+              <a:ext uri="{FF2B5EF4-FFF2-40B4-BE49-F238E27FC236}">
+                <a16:creationId xmlns:a16="http://schemas.microsoft.com/office/drawing/2014/main" xmlns="" id="{6D0C58A2-BBFF-4A08-8956-B6846A78085F}"/>
+              </a:ext>
+            </a:extLst>
+          </p:cNvPr>
+          <p:cNvCxnSpPr>
+            <a:cxnSpLocks/>
+          </p:cNvCxnSpPr>
+          <p:nvPr/>
+        </p:nvCxnSpPr>
+        <p:spPr>
+          <a:xfrm flipH="1">
+            <a:off x="6510720" y="3235245"/>
+            <a:ext cx="245743" cy="1293227"/>
+          </a:xfrm>
+          <a:prstGeom prst="straightConnector1">
+            <a:avLst/>
+          </a:prstGeom>
+          <a:ln w="38100">
+            <a:solidFill>
+              <a:srgbClr val="FF0000"/>
+            </a:solidFill>
+            <a:tailEnd type="triangle"/>
+          </a:ln>
+        </p:spPr>
+        <p:style>
+          <a:lnRef idx="1">
+            <a:schemeClr val="accent1"/>
+          </a:lnRef>
+          <a:fillRef idx="0">
+            <a:schemeClr val="accent1"/>
+          </a:fillRef>
+          <a:effectRef idx="0">
+            <a:schemeClr val="accent1"/>
+          </a:effectRef>
+          <a:fontRef idx="minor">
+            <a:schemeClr val="tx1"/>
+          </a:fontRef>
+        </p:style>
+      </p:cxnSp>
+      <p:cxnSp>
+        <p:nvCxnSpPr>
+          <p:cNvPr id="41" name="Straight Arrow Connector 40">
+            <a:extLst>
+              <a:ext uri="{FF2B5EF4-FFF2-40B4-BE49-F238E27FC236}">
+                <a16:creationId xmlns:a16="http://schemas.microsoft.com/office/drawing/2014/main" xmlns="" id="{53F1F003-B170-45EA-90B5-FE1EAAD42A63}"/>
+              </a:ext>
+            </a:extLst>
+          </p:cNvPr>
+          <p:cNvCxnSpPr>
+            <a:cxnSpLocks/>
+          </p:cNvCxnSpPr>
+          <p:nvPr/>
+        </p:nvCxnSpPr>
+        <p:spPr>
+          <a:xfrm flipH="1" flipV="1">
+            <a:off x="6735382" y="4782090"/>
+            <a:ext cx="2061071" cy="26543"/>
           </a:xfrm>
           <a:prstGeom prst="straightConnector1">
             <a:avLst/>
@@ -5143,7 +6600,7 @@
           <p:cNvPr id="44" name="Straight Arrow Connector 43">
             <a:extLst>
               <a:ext uri="{FF2B5EF4-FFF2-40B4-BE49-F238E27FC236}">
-                <a16:creationId xmlns="" xmlns:a16="http://schemas.microsoft.com/office/drawing/2014/main" id="{8766F88F-CE75-4075-A7FB-0016791A5FF0}"/>
+                <a16:creationId xmlns:a16="http://schemas.microsoft.com/office/drawing/2014/main" xmlns="" id="{8766F88F-CE75-4075-A7FB-0016791A5FF0}"/>
               </a:ext>
             </a:extLst>
           </p:cNvPr>
@@ -5187,7 +6644,7 @@
           <p:cNvPr id="46" name="Straight Arrow Connector 45">
             <a:extLst>
               <a:ext uri="{FF2B5EF4-FFF2-40B4-BE49-F238E27FC236}">
-                <a16:creationId xmlns="" xmlns:a16="http://schemas.microsoft.com/office/drawing/2014/main" id="{A1EFF5AC-23E1-46E4-9F3C-45143630E414}"/>
+                <a16:creationId xmlns:a16="http://schemas.microsoft.com/office/drawing/2014/main" xmlns="" id="{A1EFF5AC-23E1-46E4-9F3C-45143630E414}"/>
               </a:ext>
             </a:extLst>
           </p:cNvPr>
@@ -5231,7 +6688,7 @@
           <p:cNvPr id="48" name="Straight Arrow Connector 47">
             <a:extLst>
               <a:ext uri="{FF2B5EF4-FFF2-40B4-BE49-F238E27FC236}">
-                <a16:creationId xmlns="" xmlns:a16="http://schemas.microsoft.com/office/drawing/2014/main" id="{6B6BE7A2-D1BD-4F76-96BF-04F237C36B73}"/>
+                <a16:creationId xmlns:a16="http://schemas.microsoft.com/office/drawing/2014/main" xmlns="" id="{6B6BE7A2-D1BD-4F76-96BF-04F237C36B73}"/>
               </a:ext>
             </a:extLst>
           </p:cNvPr>
@@ -5275,7 +6732,7 @@
           <p:cNvPr id="50" name="Straight Arrow Connector 49">
             <a:extLst>
               <a:ext uri="{FF2B5EF4-FFF2-40B4-BE49-F238E27FC236}">
-                <a16:creationId xmlns="" xmlns:a16="http://schemas.microsoft.com/office/drawing/2014/main" id="{7AB12831-494E-4990-A797-2DC7053DE7F5}"/>
+                <a16:creationId xmlns:a16="http://schemas.microsoft.com/office/drawing/2014/main" xmlns="" id="{7AB12831-494E-4990-A797-2DC7053DE7F5}"/>
               </a:ext>
             </a:extLst>
           </p:cNvPr>
@@ -5314,12 +6771,56 @@
           </a:fontRef>
         </p:style>
       </p:cxnSp>
-      <p:sp>
-        <p:nvSpPr>
-          <p:cNvPr id="37" name="TextBox 36">
+      <p:cxnSp>
+        <p:nvCxnSpPr>
+          <p:cNvPr id="39" name="Straight Arrow Connector 38">
             <a:extLst>
               <a:ext uri="{FF2B5EF4-FFF2-40B4-BE49-F238E27FC236}">
-                <a16:creationId xmlns="" xmlns:a16="http://schemas.microsoft.com/office/drawing/2014/main" id="{3C5D0C7D-1F01-4E3E-93A1-3BE0C20562CB}"/>
+                <a16:creationId xmlns:a16="http://schemas.microsoft.com/office/drawing/2014/main" xmlns="" id="{6D0C58A2-BBFF-4A08-8956-B6846A78085F}"/>
+              </a:ext>
+            </a:extLst>
+          </p:cNvPr>
+          <p:cNvCxnSpPr>
+            <a:cxnSpLocks/>
+          </p:cNvCxnSpPr>
+          <p:nvPr/>
+        </p:nvCxnSpPr>
+        <p:spPr>
+          <a:xfrm flipV="1">
+            <a:off x="2765571" y="5271841"/>
+            <a:ext cx="2118173" cy="612153"/>
+          </a:xfrm>
+          <a:prstGeom prst="straightConnector1">
+            <a:avLst/>
+          </a:prstGeom>
+          <a:ln w="38100">
+            <a:solidFill>
+              <a:srgbClr val="FF0000"/>
+            </a:solidFill>
+            <a:tailEnd type="triangle"/>
+          </a:ln>
+        </p:spPr>
+        <p:style>
+          <a:lnRef idx="1">
+            <a:schemeClr val="accent1"/>
+          </a:lnRef>
+          <a:fillRef idx="0">
+            <a:schemeClr val="accent1"/>
+          </a:fillRef>
+          <a:effectRef idx="0">
+            <a:schemeClr val="accent1"/>
+          </a:effectRef>
+          <a:fontRef idx="minor">
+            <a:schemeClr val="tx1"/>
+          </a:fontRef>
+        </p:style>
+      </p:cxnSp>
+      <p:sp>
+        <p:nvSpPr>
+          <p:cNvPr id="40" name="TextBox 39">
+            <a:extLst>
+              <a:ext uri="{FF2B5EF4-FFF2-40B4-BE49-F238E27FC236}">
+                <a16:creationId xmlns:a16="http://schemas.microsoft.com/office/drawing/2014/main" xmlns="" id="{757B4EDE-6F62-4AFE-A271-6C0CBD966EDD}"/>
               </a:ext>
             </a:extLst>
           </p:cNvPr>
@@ -5328,8 +6829,8 @@
         </p:nvSpPr>
         <p:spPr>
           <a:xfrm>
-            <a:off x="357809" y="424070"/>
-            <a:ext cx="2185582" cy="584775"/>
+            <a:off x="397933" y="5628146"/>
+            <a:ext cx="2382109" cy="646331"/>
           </a:xfrm>
           <a:prstGeom prst="rect">
             <a:avLst/>
@@ -5342,13 +6843,646 @@
           </a:bodyPr>
           <a:lstStyle/>
           <a:p>
+            <a:pPr algn="ctr"/>
+            <a:r>
+              <a:rPr lang="en-US" b="1" dirty="0">
+                <a:solidFill>
+                  <a:srgbClr val="FF0000"/>
+                </a:solidFill>
+              </a:rPr>
+              <a:t>Start Driving with Limelight</a:t>
+            </a:r>
+            <a:endParaRPr lang="en-US" b="1" dirty="0">
+              <a:solidFill>
+                <a:srgbClr val="FF0000"/>
+              </a:solidFill>
+            </a:endParaRPr>
+          </a:p>
+        </p:txBody>
+      </p:sp>
+      <p:sp>
+        <p:nvSpPr>
+          <p:cNvPr id="42" name="TextBox 41">
+            <a:extLst>
+              <a:ext uri="{FF2B5EF4-FFF2-40B4-BE49-F238E27FC236}">
+                <a16:creationId xmlns:a16="http://schemas.microsoft.com/office/drawing/2014/main" xmlns="" id="{757B4EDE-6F62-4AFE-A271-6C0CBD966EDD}"/>
+              </a:ext>
+            </a:extLst>
+          </p:cNvPr>
+          <p:cNvSpPr txBox="1"/>
+          <p:nvPr/>
+        </p:nvSpPr>
+        <p:spPr>
+          <a:xfrm>
+            <a:off x="8624797" y="5699328"/>
+            <a:ext cx="2670380" cy="646331"/>
+          </a:xfrm>
+          <a:prstGeom prst="rect">
+            <a:avLst/>
+          </a:prstGeom>
+          <a:noFill/>
+        </p:spPr>
+        <p:txBody>
+          <a:bodyPr wrap="square" rtlCol="0">
+            <a:spAutoFit/>
+          </a:bodyPr>
+          <a:lstStyle/>
+          <a:p>
+            <a:pPr algn="ctr"/>
+            <a:r>
+              <a:rPr lang="en-US" b="1" dirty="0">
+                <a:solidFill>
+                  <a:srgbClr val="FF0000"/>
+                </a:solidFill>
+              </a:rPr>
+              <a:t>Stop Driving with Limelight</a:t>
+            </a:r>
+            <a:endParaRPr lang="en-US" b="1" dirty="0">
+              <a:solidFill>
+                <a:srgbClr val="FF0000"/>
+              </a:solidFill>
+            </a:endParaRPr>
+          </a:p>
+        </p:txBody>
+      </p:sp>
+      <p:cxnSp>
+        <p:nvCxnSpPr>
+          <p:cNvPr id="43" name="Straight Arrow Connector 42">
+            <a:extLst>
+              <a:ext uri="{FF2B5EF4-FFF2-40B4-BE49-F238E27FC236}">
+                <a16:creationId xmlns:a16="http://schemas.microsoft.com/office/drawing/2014/main" xmlns="" id="{53F1F003-B170-45EA-90B5-FE1EAAD42A63}"/>
+              </a:ext>
+            </a:extLst>
+          </p:cNvPr>
+          <p:cNvCxnSpPr>
+            <a:cxnSpLocks/>
+          </p:cNvCxnSpPr>
+          <p:nvPr/>
+        </p:nvCxnSpPr>
+        <p:spPr>
+          <a:xfrm flipH="1" flipV="1">
+            <a:off x="6261295" y="5264804"/>
+            <a:ext cx="2363502" cy="610101"/>
+          </a:xfrm>
+          <a:prstGeom prst="straightConnector1">
+            <a:avLst/>
+          </a:prstGeom>
+          <a:ln w="38100">
+            <a:solidFill>
+              <a:srgbClr val="FF0000"/>
+            </a:solidFill>
+            <a:tailEnd type="triangle"/>
+          </a:ln>
+        </p:spPr>
+        <p:style>
+          <a:lnRef idx="1">
+            <a:schemeClr val="accent1"/>
+          </a:lnRef>
+          <a:fillRef idx="0">
+            <a:schemeClr val="accent1"/>
+          </a:fillRef>
+          <a:effectRef idx="0">
+            <a:schemeClr val="accent1"/>
+          </a:effectRef>
+          <a:fontRef idx="minor">
+            <a:schemeClr val="tx1"/>
+          </a:fontRef>
+        </p:style>
+      </p:cxnSp>
+      <p:sp>
+        <p:nvSpPr>
+          <p:cNvPr id="45" name="TextBox 44">
+            <a:extLst>
+              <a:ext uri="{FF2B5EF4-FFF2-40B4-BE49-F238E27FC236}">
+                <a16:creationId xmlns:a16="http://schemas.microsoft.com/office/drawing/2014/main" xmlns="" id="{58A7AB82-4CED-48AC-A028-2D01782C9733}"/>
+              </a:ext>
+            </a:extLst>
+          </p:cNvPr>
+          <p:cNvSpPr txBox="1"/>
+          <p:nvPr/>
+        </p:nvSpPr>
+        <p:spPr>
+          <a:xfrm>
+            <a:off x="4234636" y="2726327"/>
+            <a:ext cx="1418660" cy="646331"/>
+          </a:xfrm>
+          <a:prstGeom prst="rect">
+            <a:avLst/>
+          </a:prstGeom>
+          <a:noFill/>
+        </p:spPr>
+        <p:txBody>
+          <a:bodyPr wrap="square" rtlCol="0">
+            <a:spAutoFit/>
+          </a:bodyPr>
+          <a:lstStyle/>
+          <a:p>
+            <a:pPr algn="ctr"/>
+            <a:r>
+              <a:rPr lang="en-US" b="1" dirty="0">
+                <a:solidFill>
+                  <a:srgbClr val="FF0000"/>
+                </a:solidFill>
+              </a:rPr>
+              <a:t>Load Pipeline 0</a:t>
+            </a:r>
+            <a:endParaRPr lang="en-US" b="1" dirty="0">
+              <a:solidFill>
+                <a:srgbClr val="FF0000"/>
+              </a:solidFill>
+            </a:endParaRPr>
+          </a:p>
+        </p:txBody>
+      </p:sp>
+      <p:sp>
+        <p:nvSpPr>
+          <p:cNvPr id="47" name="TextBox 46">
+            <a:extLst>
+              <a:ext uri="{FF2B5EF4-FFF2-40B4-BE49-F238E27FC236}">
+                <a16:creationId xmlns:a16="http://schemas.microsoft.com/office/drawing/2014/main" xmlns="" id="{58A7AB82-4CED-48AC-A028-2D01782C9733}"/>
+              </a:ext>
+            </a:extLst>
+          </p:cNvPr>
+          <p:cNvSpPr txBox="1"/>
+          <p:nvPr/>
+        </p:nvSpPr>
+        <p:spPr>
+          <a:xfrm>
+            <a:off x="5336574" y="2714774"/>
+            <a:ext cx="1418660" cy="646331"/>
+          </a:xfrm>
+          <a:prstGeom prst="rect">
+            <a:avLst/>
+          </a:prstGeom>
+          <a:noFill/>
+        </p:spPr>
+        <p:txBody>
+          <a:bodyPr wrap="square" rtlCol="0">
+            <a:spAutoFit/>
+          </a:bodyPr>
+          <a:lstStyle/>
+          <a:p>
+            <a:pPr algn="ctr"/>
+            <a:r>
+              <a:rPr lang="en-US" b="1" dirty="0">
+                <a:solidFill>
+                  <a:srgbClr val="FF0000"/>
+                </a:solidFill>
+              </a:rPr>
+              <a:t>Load Pipeline </a:t>
+            </a:r>
+            <a:r>
+              <a:rPr lang="en-US" b="1" dirty="0" smtClean="0">
+                <a:solidFill>
+                  <a:srgbClr val="FF0000"/>
+                </a:solidFill>
+              </a:rPr>
+              <a:t>1</a:t>
+            </a:r>
+            <a:endParaRPr lang="en-US" b="1" dirty="0">
+              <a:solidFill>
+                <a:srgbClr val="FF0000"/>
+              </a:solidFill>
+            </a:endParaRPr>
+          </a:p>
+        </p:txBody>
+      </p:sp>
+      <p:cxnSp>
+        <p:nvCxnSpPr>
+          <p:cNvPr id="49" name="Straight Arrow Connector 48">
+            <a:extLst>
+              <a:ext uri="{FF2B5EF4-FFF2-40B4-BE49-F238E27FC236}">
+                <a16:creationId xmlns:a16="http://schemas.microsoft.com/office/drawing/2014/main" xmlns="" id="{7AB12831-494E-4990-A797-2DC7053DE7F5}"/>
+              </a:ext>
+            </a:extLst>
+          </p:cNvPr>
+          <p:cNvCxnSpPr>
+            <a:cxnSpLocks/>
+          </p:cNvCxnSpPr>
+          <p:nvPr/>
+        </p:nvCxnSpPr>
+        <p:spPr>
+          <a:xfrm flipH="1">
+            <a:off x="5125474" y="3397163"/>
+            <a:ext cx="6626" cy="749196"/>
+          </a:xfrm>
+          <a:prstGeom prst="straightConnector1">
+            <a:avLst/>
+          </a:prstGeom>
+          <a:ln w="38100">
+            <a:solidFill>
+              <a:srgbClr val="FF0000"/>
+            </a:solidFill>
+            <a:tailEnd type="triangle"/>
+          </a:ln>
+        </p:spPr>
+        <p:style>
+          <a:lnRef idx="1">
+            <a:schemeClr val="accent1"/>
+          </a:lnRef>
+          <a:fillRef idx="0">
+            <a:schemeClr val="accent1"/>
+          </a:fillRef>
+          <a:effectRef idx="0">
+            <a:schemeClr val="accent1"/>
+          </a:effectRef>
+          <a:fontRef idx="minor">
+            <a:schemeClr val="tx1"/>
+          </a:fontRef>
+        </p:style>
+      </p:cxnSp>
+      <p:cxnSp>
+        <p:nvCxnSpPr>
+          <p:cNvPr id="51" name="Straight Arrow Connector 50">
+            <a:extLst>
+              <a:ext uri="{FF2B5EF4-FFF2-40B4-BE49-F238E27FC236}">
+                <a16:creationId xmlns:a16="http://schemas.microsoft.com/office/drawing/2014/main" xmlns="" id="{7AB12831-494E-4990-A797-2DC7053DE7F5}"/>
+              </a:ext>
+            </a:extLst>
+          </p:cNvPr>
+          <p:cNvCxnSpPr>
+            <a:cxnSpLocks/>
+          </p:cNvCxnSpPr>
+          <p:nvPr/>
+        </p:nvCxnSpPr>
+        <p:spPr>
+          <a:xfrm flipH="1">
+            <a:off x="6039278" y="3413740"/>
+            <a:ext cx="6626" cy="749196"/>
+          </a:xfrm>
+          <a:prstGeom prst="straightConnector1">
+            <a:avLst/>
+          </a:prstGeom>
+          <a:ln w="38100">
+            <a:solidFill>
+              <a:srgbClr val="FF0000"/>
+            </a:solidFill>
+            <a:tailEnd type="triangle"/>
+          </a:ln>
+        </p:spPr>
+        <p:style>
+          <a:lnRef idx="1">
+            <a:schemeClr val="accent1"/>
+          </a:lnRef>
+          <a:fillRef idx="0">
+            <a:schemeClr val="accent1"/>
+          </a:fillRef>
+          <a:effectRef idx="0">
+            <a:schemeClr val="accent1"/>
+          </a:effectRef>
+          <a:fontRef idx="minor">
+            <a:schemeClr val="tx1"/>
+          </a:fontRef>
+        </p:style>
+      </p:cxnSp>
+      <p:sp>
+        <p:nvSpPr>
+          <p:cNvPr id="37" name="TextBox 36">
+            <a:extLst>
+              <a:ext uri="{FF2B5EF4-FFF2-40B4-BE49-F238E27FC236}">
+                <a16:creationId xmlns:a16="http://schemas.microsoft.com/office/drawing/2014/main" xmlns="" id="{501EC76A-58B2-4DAF-B9D5-C6E3795FD2D8}"/>
+              </a:ext>
+            </a:extLst>
+          </p:cNvPr>
+          <p:cNvSpPr txBox="1"/>
+          <p:nvPr/>
+        </p:nvSpPr>
+        <p:spPr>
+          <a:xfrm>
+            <a:off x="4393891" y="5762237"/>
+            <a:ext cx="1267841" cy="646331"/>
+          </a:xfrm>
+          <a:prstGeom prst="rect">
+            <a:avLst/>
+          </a:prstGeom>
+          <a:noFill/>
+        </p:spPr>
+        <p:txBody>
+          <a:bodyPr wrap="square" rtlCol="0">
+            <a:spAutoFit/>
+          </a:bodyPr>
+          <a:lstStyle/>
+          <a:p>
+            <a:pPr algn="ctr"/>
+            <a:r>
+              <a:rPr lang="en-US" b="1" dirty="0">
+                <a:solidFill>
+                  <a:srgbClr val="FF0000"/>
+                </a:solidFill>
+              </a:rPr>
+              <a:t>Y </a:t>
+            </a:r>
+            <a:r>
+              <a:rPr lang="en-US" b="1" dirty="0" smtClean="0">
+                <a:solidFill>
+                  <a:srgbClr val="FF0000"/>
+                </a:solidFill>
+              </a:rPr>
+              <a:t>Throttle</a:t>
+            </a:r>
+          </a:p>
+          <a:p>
+            <a:pPr algn="ctr"/>
+            <a:r>
+              <a:rPr lang="en-US" b="1" dirty="0" smtClean="0">
+                <a:solidFill>
+                  <a:srgbClr val="FF0000"/>
+                </a:solidFill>
+              </a:rPr>
+              <a:t>move</a:t>
+            </a:r>
+            <a:endParaRPr lang="en-US" b="1" dirty="0">
+              <a:solidFill>
+                <a:srgbClr val="FF0000"/>
+              </a:solidFill>
+            </a:endParaRPr>
+          </a:p>
+        </p:txBody>
+      </p:sp>
+      <p:sp>
+        <p:nvSpPr>
+          <p:cNvPr id="52" name="TextBox 51">
+            <a:extLst>
+              <a:ext uri="{FF2B5EF4-FFF2-40B4-BE49-F238E27FC236}">
+                <a16:creationId xmlns:a16="http://schemas.microsoft.com/office/drawing/2014/main" xmlns="" id="{E291AD0D-9375-4E83-B2D9-B063EF1558A7}"/>
+              </a:ext>
+            </a:extLst>
+          </p:cNvPr>
+          <p:cNvSpPr txBox="1"/>
+          <p:nvPr/>
+        </p:nvSpPr>
+        <p:spPr>
+          <a:xfrm>
+            <a:off x="5464749" y="5758779"/>
+            <a:ext cx="1612508" cy="646331"/>
+          </a:xfrm>
+          <a:prstGeom prst="rect">
+            <a:avLst/>
+          </a:prstGeom>
+          <a:noFill/>
+        </p:spPr>
+        <p:txBody>
+          <a:bodyPr wrap="square" rtlCol="0">
+            <a:spAutoFit/>
+          </a:bodyPr>
+          <a:lstStyle/>
+          <a:p>
+            <a:pPr algn="ctr"/>
+            <a:r>
+              <a:rPr lang="en-US" b="1" dirty="0">
+                <a:solidFill>
+                  <a:srgbClr val="FF0000"/>
+                </a:solidFill>
+              </a:rPr>
+              <a:t>X Wheel </a:t>
+            </a:r>
+            <a:r>
+              <a:rPr lang="en-US" b="1" dirty="0" smtClean="0">
+                <a:solidFill>
+                  <a:srgbClr val="FF0000"/>
+                </a:solidFill>
+              </a:rPr>
+              <a:t> </a:t>
+            </a:r>
+            <a:r>
+              <a:rPr lang="en-US" b="1" dirty="0">
+                <a:solidFill>
+                  <a:srgbClr val="FF0000"/>
+                </a:solidFill>
+              </a:rPr>
+              <a:t>Steering</a:t>
+            </a:r>
+            <a:endParaRPr lang="en-US" b="1" dirty="0">
+              <a:solidFill>
+                <a:srgbClr val="FF0000"/>
+              </a:solidFill>
+            </a:endParaRPr>
+          </a:p>
+        </p:txBody>
+      </p:sp>
+      <p:sp>
+        <p:nvSpPr>
+          <p:cNvPr id="53" name="TextBox 52">
+            <a:extLst>
+              <a:ext uri="{FF2B5EF4-FFF2-40B4-BE49-F238E27FC236}">
+                <a16:creationId xmlns:a16="http://schemas.microsoft.com/office/drawing/2014/main" xmlns="" id="{EC732D11-9DBF-4AE0-894F-A4104302527B}"/>
+              </a:ext>
+            </a:extLst>
+          </p:cNvPr>
+          <p:cNvSpPr txBox="1"/>
+          <p:nvPr/>
+        </p:nvSpPr>
+        <p:spPr>
+          <a:xfrm>
+            <a:off x="1196420" y="1956331"/>
+            <a:ext cx="2186609" cy="369332"/>
+          </a:xfrm>
+          <a:prstGeom prst="rect">
+            <a:avLst/>
+          </a:prstGeom>
+          <a:noFill/>
+        </p:spPr>
+        <p:txBody>
+          <a:bodyPr wrap="square" rtlCol="0">
+            <a:spAutoFit/>
+          </a:bodyPr>
+          <a:lstStyle/>
+          <a:p>
+            <a:pPr algn="ctr"/>
+            <a:r>
+              <a:rPr lang="en-US" b="1" dirty="0">
+                <a:solidFill>
+                  <a:srgbClr val="FF0000"/>
+                </a:solidFill>
+              </a:rPr>
+              <a:t>Pivot </a:t>
+            </a:r>
+            <a:r>
+              <a:rPr lang="en-US" b="1" dirty="0" smtClean="0">
+                <a:solidFill>
+                  <a:srgbClr val="FF0000"/>
+                </a:solidFill>
+              </a:rPr>
+              <a:t>Right</a:t>
+            </a:r>
+            <a:endParaRPr lang="en-US" b="1" dirty="0">
+              <a:solidFill>
+                <a:srgbClr val="FF0000"/>
+              </a:solidFill>
+            </a:endParaRPr>
+          </a:p>
+        </p:txBody>
+      </p:sp>
+      <p:sp>
+        <p:nvSpPr>
+          <p:cNvPr id="54" name="TextBox 53">
+            <a:extLst>
+              <a:ext uri="{FF2B5EF4-FFF2-40B4-BE49-F238E27FC236}">
+                <a16:creationId xmlns:a16="http://schemas.microsoft.com/office/drawing/2014/main" xmlns="" id="{8C92D660-6E93-44F1-97F0-565DBBA5B7E7}"/>
+              </a:ext>
+            </a:extLst>
+          </p:cNvPr>
+          <p:cNvSpPr txBox="1"/>
+          <p:nvPr/>
+        </p:nvSpPr>
+        <p:spPr>
+          <a:xfrm>
+            <a:off x="8309257" y="1311659"/>
+            <a:ext cx="2186609" cy="369332"/>
+          </a:xfrm>
+          <a:prstGeom prst="rect">
+            <a:avLst/>
+          </a:prstGeom>
+          <a:noFill/>
+        </p:spPr>
+        <p:txBody>
+          <a:bodyPr wrap="square" rtlCol="0">
+            <a:spAutoFit/>
+          </a:bodyPr>
+          <a:lstStyle/>
+          <a:p>
+            <a:pPr algn="ctr"/>
+            <a:r>
+              <a:rPr lang="en-US" b="1" dirty="0">
+                <a:solidFill>
+                  <a:srgbClr val="FF0000"/>
+                </a:solidFill>
+              </a:rPr>
+              <a:t>Start Recording Auto</a:t>
+            </a:r>
+            <a:endParaRPr lang="en-US" b="1" dirty="0">
+              <a:solidFill>
+                <a:srgbClr val="FF0000"/>
+              </a:solidFill>
+            </a:endParaRPr>
+          </a:p>
+        </p:txBody>
+      </p:sp>
+      <p:sp>
+        <p:nvSpPr>
+          <p:cNvPr id="55" name="TextBox 54">
+            <a:extLst>
+              <a:ext uri="{FF2B5EF4-FFF2-40B4-BE49-F238E27FC236}">
+                <a16:creationId xmlns:a16="http://schemas.microsoft.com/office/drawing/2014/main" xmlns="" id="{37527163-F972-4B33-A6ED-23E9224A1E55}"/>
+              </a:ext>
+            </a:extLst>
+          </p:cNvPr>
+          <p:cNvSpPr txBox="1"/>
+          <p:nvPr/>
+        </p:nvSpPr>
+        <p:spPr>
+          <a:xfrm>
+            <a:off x="852705" y="1363666"/>
+            <a:ext cx="2186609" cy="369332"/>
+          </a:xfrm>
+          <a:prstGeom prst="rect">
+            <a:avLst/>
+          </a:prstGeom>
+          <a:noFill/>
+        </p:spPr>
+        <p:txBody>
+          <a:bodyPr wrap="square" rtlCol="0">
+            <a:spAutoFit/>
+          </a:bodyPr>
+          <a:lstStyle/>
+          <a:p>
+            <a:pPr algn="ctr"/>
+            <a:r>
+              <a:rPr lang="en-US" b="1" dirty="0">
+                <a:solidFill>
+                  <a:srgbClr val="FF0000"/>
+                </a:solidFill>
+              </a:rPr>
+              <a:t>Stop Recording Auto</a:t>
+            </a:r>
+            <a:endParaRPr lang="en-US" b="1" dirty="0">
+              <a:solidFill>
+                <a:srgbClr val="FF0000"/>
+              </a:solidFill>
+            </a:endParaRPr>
+          </a:p>
+        </p:txBody>
+      </p:sp>
+      <p:sp>
+        <p:nvSpPr>
+          <p:cNvPr id="56" name="TextBox 55">
+            <a:extLst>
+              <a:ext uri="{FF2B5EF4-FFF2-40B4-BE49-F238E27FC236}">
+                <a16:creationId xmlns:a16="http://schemas.microsoft.com/office/drawing/2014/main" xmlns="" id="{B8C2E5DF-8365-4685-811F-BAF212BF64B0}"/>
+              </a:ext>
+            </a:extLst>
+          </p:cNvPr>
+          <p:cNvSpPr txBox="1"/>
+          <p:nvPr/>
+        </p:nvSpPr>
+        <p:spPr>
+          <a:xfrm>
+            <a:off x="7678604" y="1973286"/>
+            <a:ext cx="2186609" cy="369332"/>
+          </a:xfrm>
+          <a:prstGeom prst="rect">
+            <a:avLst/>
+          </a:prstGeom>
+          <a:noFill/>
+        </p:spPr>
+        <p:txBody>
+          <a:bodyPr wrap="square" rtlCol="0">
+            <a:spAutoFit/>
+          </a:bodyPr>
+          <a:lstStyle/>
+          <a:p>
+            <a:pPr algn="ctr"/>
+            <a:r>
+              <a:rPr lang="en-US" b="1" dirty="0">
+                <a:solidFill>
+                  <a:srgbClr val="FF0000"/>
+                </a:solidFill>
+              </a:rPr>
+              <a:t>Pivot Left</a:t>
+            </a:r>
+            <a:endParaRPr lang="en-US" b="1" dirty="0">
+              <a:solidFill>
+                <a:srgbClr val="FF0000"/>
+              </a:solidFill>
+            </a:endParaRPr>
+          </a:p>
+        </p:txBody>
+      </p:sp>
+      <p:sp>
+        <p:nvSpPr>
+          <p:cNvPr id="57" name="TextBox 56">
+            <a:extLst>
+              <a:ext uri="{FF2B5EF4-FFF2-40B4-BE49-F238E27FC236}">
+                <a16:creationId xmlns:a16="http://schemas.microsoft.com/office/drawing/2014/main" xmlns="" id="{78AF2CA0-9118-445D-B2F7-3F39AC39A6B8}"/>
+              </a:ext>
+            </a:extLst>
+          </p:cNvPr>
+          <p:cNvSpPr txBox="1"/>
+          <p:nvPr/>
+        </p:nvSpPr>
+        <p:spPr>
+          <a:xfrm>
+            <a:off x="357809" y="424070"/>
+            <a:ext cx="1616765" cy="584775"/>
+          </a:xfrm>
+          <a:prstGeom prst="rect">
+            <a:avLst/>
+          </a:prstGeom>
+          <a:noFill/>
+        </p:spPr>
+        <p:txBody>
+          <a:bodyPr wrap="square" rtlCol="0">
+            <a:spAutoFit/>
+          </a:bodyPr>
+          <a:lstStyle/>
+          <a:p>
             <a:r>
               <a:rPr lang="en-US" sz="3200" b="1" dirty="0">
                 <a:solidFill>
                   <a:srgbClr val="FF0000"/>
                 </a:solidFill>
               </a:rPr>
-              <a:t>OPERATOR</a:t>
+              <a:t>DRIVER</a:t>
             </a:r>
           </a:p>
         </p:txBody>
@@ -5356,7 +7490,7 @@
     </p:spTree>
     <p:extLst>
       <p:ext uri="{BB962C8B-B14F-4D97-AF65-F5344CB8AC3E}">
-        <p14:creationId xmlns:p14="http://schemas.microsoft.com/office/powerpoint/2010/main" val="3706289862"/>
+        <p14:creationId xmlns:p14="http://schemas.microsoft.com/office/powerpoint/2010/main" val="1501292199"/>
       </p:ext>
     </p:extLst>
   </p:cSld>
@@ -5448,7 +7582,7 @@
           <p:cNvPr id="12" name="Straight Arrow Connector 11">
             <a:extLst>
               <a:ext uri="{FF2B5EF4-FFF2-40B4-BE49-F238E27FC236}">
-                <a16:creationId xmlns="" xmlns:a16="http://schemas.microsoft.com/office/drawing/2014/main" id="{E90EF790-7188-42F6-B276-DD3BAAFFB86D}"/>
+                <a16:creationId xmlns:a16="http://schemas.microsoft.com/office/drawing/2014/main" xmlns="" id="{E90EF790-7188-42F6-B276-DD3BAAFFB86D}"/>
               </a:ext>
             </a:extLst>
           </p:cNvPr>
@@ -5493,7 +7627,7 @@
           <p:cNvPr id="15" name="Straight Arrow Connector 14">
             <a:extLst>
               <a:ext uri="{FF2B5EF4-FFF2-40B4-BE49-F238E27FC236}">
-                <a16:creationId xmlns="" xmlns:a16="http://schemas.microsoft.com/office/drawing/2014/main" id="{2A24ABB9-AC43-42AC-87D3-8C990CAC4439}"/>
+                <a16:creationId xmlns:a16="http://schemas.microsoft.com/office/drawing/2014/main" xmlns="" id="{2A24ABB9-AC43-42AC-87D3-8C990CAC4439}"/>
               </a:ext>
             </a:extLst>
           </p:cNvPr>
@@ -5538,7 +7672,7 @@
           <p:cNvPr id="17" name="Straight Arrow Connector 16">
             <a:extLst>
               <a:ext uri="{FF2B5EF4-FFF2-40B4-BE49-F238E27FC236}">
-                <a16:creationId xmlns="" xmlns:a16="http://schemas.microsoft.com/office/drawing/2014/main" id="{B94D510F-4540-4970-A2AC-550BC35A4BEB}"/>
+                <a16:creationId xmlns:a16="http://schemas.microsoft.com/office/drawing/2014/main" xmlns="" id="{B94D510F-4540-4970-A2AC-550BC35A4BEB}"/>
               </a:ext>
             </a:extLst>
           </p:cNvPr>
@@ -5583,7 +7717,7 @@
           <p:cNvPr id="21" name="Straight Arrow Connector 20">
             <a:extLst>
               <a:ext uri="{FF2B5EF4-FFF2-40B4-BE49-F238E27FC236}">
-                <a16:creationId xmlns="" xmlns:a16="http://schemas.microsoft.com/office/drawing/2014/main" id="{83275F49-69BD-41FC-8870-7A98460F90DE}"/>
+                <a16:creationId xmlns:a16="http://schemas.microsoft.com/office/drawing/2014/main" xmlns="" id="{83275F49-69BD-41FC-8870-7A98460F90DE}"/>
               </a:ext>
             </a:extLst>
           </p:cNvPr>
@@ -5628,7 +7762,7 @@
           <p:cNvPr id="22" name="TextBox 21">
             <a:extLst>
               <a:ext uri="{FF2B5EF4-FFF2-40B4-BE49-F238E27FC236}">
-                <a16:creationId xmlns="" xmlns:a16="http://schemas.microsoft.com/office/drawing/2014/main" id="{501EC76A-58B2-4DAF-B9D5-C6E3795FD2D8}"/>
+                <a16:creationId xmlns:a16="http://schemas.microsoft.com/office/drawing/2014/main" xmlns="" id="{501EC76A-58B2-4DAF-B9D5-C6E3795FD2D8}"/>
               </a:ext>
             </a:extLst>
           </p:cNvPr>
@@ -5668,7 +7802,7 @@
           <p:cNvPr id="23" name="TextBox 22">
             <a:extLst>
               <a:ext uri="{FF2B5EF4-FFF2-40B4-BE49-F238E27FC236}">
-                <a16:creationId xmlns="" xmlns:a16="http://schemas.microsoft.com/office/drawing/2014/main" id="{757B4EDE-6F62-4AFE-A271-6C0CBD966EDD}"/>
+                <a16:creationId xmlns:a16="http://schemas.microsoft.com/office/drawing/2014/main" xmlns="" id="{757B4EDE-6F62-4AFE-A271-6C0CBD966EDD}"/>
               </a:ext>
             </a:extLst>
           </p:cNvPr>
@@ -5708,7 +7842,7 @@
           <p:cNvPr id="24" name="TextBox 23">
             <a:extLst>
               <a:ext uri="{FF2B5EF4-FFF2-40B4-BE49-F238E27FC236}">
-                <a16:creationId xmlns="" xmlns:a16="http://schemas.microsoft.com/office/drawing/2014/main" id="{0ACF609C-5261-4435-A7C8-DF8E97856FD8}"/>
+                <a16:creationId xmlns:a16="http://schemas.microsoft.com/office/drawing/2014/main" xmlns="" id="{0ACF609C-5261-4435-A7C8-DF8E97856FD8}"/>
               </a:ext>
             </a:extLst>
           </p:cNvPr>
@@ -5748,7 +7882,7 @@
           <p:cNvPr id="25" name="TextBox 24">
             <a:extLst>
               <a:ext uri="{FF2B5EF4-FFF2-40B4-BE49-F238E27FC236}">
-                <a16:creationId xmlns="" xmlns:a16="http://schemas.microsoft.com/office/drawing/2014/main" id="{E291AD0D-9375-4E83-B2D9-B063EF1558A7}"/>
+                <a16:creationId xmlns:a16="http://schemas.microsoft.com/office/drawing/2014/main" xmlns="" id="{E291AD0D-9375-4E83-B2D9-B063EF1558A7}"/>
               </a:ext>
             </a:extLst>
           </p:cNvPr>
@@ -5788,7 +7922,7 @@
           <p:cNvPr id="26" name="Straight Arrow Connector 25">
             <a:extLst>
               <a:ext uri="{FF2B5EF4-FFF2-40B4-BE49-F238E27FC236}">
-                <a16:creationId xmlns="" xmlns:a16="http://schemas.microsoft.com/office/drawing/2014/main" id="{0F3B5E9B-C537-4A5D-ACE4-F79B7CFB9458}"/>
+                <a16:creationId xmlns:a16="http://schemas.microsoft.com/office/drawing/2014/main" xmlns="" id="{0F3B5E9B-C537-4A5D-ACE4-F79B7CFB9458}"/>
               </a:ext>
             </a:extLst>
           </p:cNvPr>
@@ -5832,7 +7966,7 @@
           <p:cNvPr id="28" name="TextBox 27">
             <a:extLst>
               <a:ext uri="{FF2B5EF4-FFF2-40B4-BE49-F238E27FC236}">
-                <a16:creationId xmlns="" xmlns:a16="http://schemas.microsoft.com/office/drawing/2014/main" id="{58A7AB82-4CED-48AC-A028-2D01782C9733}"/>
+                <a16:creationId xmlns:a16="http://schemas.microsoft.com/office/drawing/2014/main" xmlns="" id="{58A7AB82-4CED-48AC-A028-2D01782C9733}"/>
               </a:ext>
             </a:extLst>
           </p:cNvPr>
@@ -5872,7 +8006,7 @@
           <p:cNvPr id="29" name="TextBox 28">
             <a:extLst>
               <a:ext uri="{FF2B5EF4-FFF2-40B4-BE49-F238E27FC236}">
-                <a16:creationId xmlns="" xmlns:a16="http://schemas.microsoft.com/office/drawing/2014/main" id="{DDA261A3-1970-4B59-B5C6-34B2D077E1BB}"/>
+                <a16:creationId xmlns:a16="http://schemas.microsoft.com/office/drawing/2014/main" xmlns="" id="{DDA261A3-1970-4B59-B5C6-34B2D077E1BB}"/>
               </a:ext>
             </a:extLst>
           </p:cNvPr>
@@ -5912,7 +8046,7 @@
           <p:cNvPr id="30" name="TextBox 29">
             <a:extLst>
               <a:ext uri="{FF2B5EF4-FFF2-40B4-BE49-F238E27FC236}">
-                <a16:creationId xmlns="" xmlns:a16="http://schemas.microsoft.com/office/drawing/2014/main" id="{20D526B3-D9A8-4378-8E52-1134477E15CF}"/>
+                <a16:creationId xmlns:a16="http://schemas.microsoft.com/office/drawing/2014/main" xmlns="" id="{20D526B3-D9A8-4378-8E52-1134477E15CF}"/>
               </a:ext>
             </a:extLst>
           </p:cNvPr>
@@ -5952,7 +8086,7 @@
           <p:cNvPr id="31" name="TextBox 30">
             <a:extLst>
               <a:ext uri="{FF2B5EF4-FFF2-40B4-BE49-F238E27FC236}">
-                <a16:creationId xmlns="" xmlns:a16="http://schemas.microsoft.com/office/drawing/2014/main" id="{ECCBC355-B2DC-4F5E-8071-21D809982F15}"/>
+                <a16:creationId xmlns:a16="http://schemas.microsoft.com/office/drawing/2014/main" xmlns="" id="{ECCBC355-B2DC-4F5E-8071-21D809982F15}"/>
               </a:ext>
             </a:extLst>
           </p:cNvPr>
@@ -5992,7 +8126,7 @@
           <p:cNvPr id="32" name="TextBox 31">
             <a:extLst>
               <a:ext uri="{FF2B5EF4-FFF2-40B4-BE49-F238E27FC236}">
-                <a16:creationId xmlns="" xmlns:a16="http://schemas.microsoft.com/office/drawing/2014/main" id="{EC732D11-9DBF-4AE0-894F-A4104302527B}"/>
+                <a16:creationId xmlns:a16="http://schemas.microsoft.com/office/drawing/2014/main" xmlns="" id="{EC732D11-9DBF-4AE0-894F-A4104302527B}"/>
               </a:ext>
             </a:extLst>
           </p:cNvPr>
@@ -6032,7 +8166,7 @@
           <p:cNvPr id="33" name="TextBox 32">
             <a:extLst>
               <a:ext uri="{FF2B5EF4-FFF2-40B4-BE49-F238E27FC236}">
-                <a16:creationId xmlns="" xmlns:a16="http://schemas.microsoft.com/office/drawing/2014/main" id="{8C92D660-6E93-44F1-97F0-565DBBA5B7E7}"/>
+                <a16:creationId xmlns:a16="http://schemas.microsoft.com/office/drawing/2014/main" xmlns="" id="{8C92D660-6E93-44F1-97F0-565DBBA5B7E7}"/>
               </a:ext>
             </a:extLst>
           </p:cNvPr>
@@ -6072,7 +8206,7 @@
           <p:cNvPr id="34" name="TextBox 33">
             <a:extLst>
               <a:ext uri="{FF2B5EF4-FFF2-40B4-BE49-F238E27FC236}">
-                <a16:creationId xmlns="" xmlns:a16="http://schemas.microsoft.com/office/drawing/2014/main" id="{37527163-F972-4B33-A6ED-23E9224A1E55}"/>
+                <a16:creationId xmlns:a16="http://schemas.microsoft.com/office/drawing/2014/main" xmlns="" id="{37527163-F972-4B33-A6ED-23E9224A1E55}"/>
               </a:ext>
             </a:extLst>
           </p:cNvPr>
@@ -6112,7 +8246,7 @@
           <p:cNvPr id="35" name="TextBox 34">
             <a:extLst>
               <a:ext uri="{FF2B5EF4-FFF2-40B4-BE49-F238E27FC236}">
-                <a16:creationId xmlns="" xmlns:a16="http://schemas.microsoft.com/office/drawing/2014/main" id="{B8C2E5DF-8365-4685-811F-BAF212BF64B0}"/>
+                <a16:creationId xmlns:a16="http://schemas.microsoft.com/office/drawing/2014/main" xmlns="" id="{B8C2E5DF-8365-4685-811F-BAF212BF64B0}"/>
               </a:ext>
             </a:extLst>
           </p:cNvPr>
@@ -6152,7 +8286,7 @@
           <p:cNvPr id="36" name="Straight Arrow Connector 35">
             <a:extLst>
               <a:ext uri="{FF2B5EF4-FFF2-40B4-BE49-F238E27FC236}">
-                <a16:creationId xmlns="" xmlns:a16="http://schemas.microsoft.com/office/drawing/2014/main" id="{7D3EB286-A2E4-40A1-B2BB-89CCF6EAC0B7}"/>
+                <a16:creationId xmlns:a16="http://schemas.microsoft.com/office/drawing/2014/main" xmlns="" id="{7D3EB286-A2E4-40A1-B2BB-89CCF6EAC0B7}"/>
               </a:ext>
             </a:extLst>
           </p:cNvPr>
@@ -6196,7 +8330,7 @@
           <p:cNvPr id="38" name="Straight Arrow Connector 37">
             <a:extLst>
               <a:ext uri="{FF2B5EF4-FFF2-40B4-BE49-F238E27FC236}">
-                <a16:creationId xmlns="" xmlns:a16="http://schemas.microsoft.com/office/drawing/2014/main" id="{6D0C58A2-BBFF-4A08-8956-B6846A78085F}"/>
+                <a16:creationId xmlns:a16="http://schemas.microsoft.com/office/drawing/2014/main" xmlns="" id="{6D0C58A2-BBFF-4A08-8956-B6846A78085F}"/>
               </a:ext>
             </a:extLst>
           </p:cNvPr>
@@ -6240,7 +8374,7 @@
           <p:cNvPr id="41" name="Straight Arrow Connector 40">
             <a:extLst>
               <a:ext uri="{FF2B5EF4-FFF2-40B4-BE49-F238E27FC236}">
-                <a16:creationId xmlns="" xmlns:a16="http://schemas.microsoft.com/office/drawing/2014/main" id="{53F1F003-B170-45EA-90B5-FE1EAAD42A63}"/>
+                <a16:creationId xmlns:a16="http://schemas.microsoft.com/office/drawing/2014/main" xmlns="" id="{53F1F003-B170-45EA-90B5-FE1EAAD42A63}"/>
               </a:ext>
             </a:extLst>
           </p:cNvPr>
@@ -6284,7 +8418,7 @@
           <p:cNvPr id="44" name="Straight Arrow Connector 43">
             <a:extLst>
               <a:ext uri="{FF2B5EF4-FFF2-40B4-BE49-F238E27FC236}">
-                <a16:creationId xmlns="" xmlns:a16="http://schemas.microsoft.com/office/drawing/2014/main" id="{8766F88F-CE75-4075-A7FB-0016791A5FF0}"/>
+                <a16:creationId xmlns:a16="http://schemas.microsoft.com/office/drawing/2014/main" xmlns="" id="{8766F88F-CE75-4075-A7FB-0016791A5FF0}"/>
               </a:ext>
             </a:extLst>
           </p:cNvPr>
@@ -6328,7 +8462,7 @@
           <p:cNvPr id="46" name="Straight Arrow Connector 45">
             <a:extLst>
               <a:ext uri="{FF2B5EF4-FFF2-40B4-BE49-F238E27FC236}">
-                <a16:creationId xmlns="" xmlns:a16="http://schemas.microsoft.com/office/drawing/2014/main" id="{A1EFF5AC-23E1-46E4-9F3C-45143630E414}"/>
+                <a16:creationId xmlns:a16="http://schemas.microsoft.com/office/drawing/2014/main" xmlns="" id="{A1EFF5AC-23E1-46E4-9F3C-45143630E414}"/>
               </a:ext>
             </a:extLst>
           </p:cNvPr>
@@ -6372,7 +8506,7 @@
           <p:cNvPr id="48" name="Straight Arrow Connector 47">
             <a:extLst>
               <a:ext uri="{FF2B5EF4-FFF2-40B4-BE49-F238E27FC236}">
-                <a16:creationId xmlns="" xmlns:a16="http://schemas.microsoft.com/office/drawing/2014/main" id="{6B6BE7A2-D1BD-4F76-96BF-04F237C36B73}"/>
+                <a16:creationId xmlns:a16="http://schemas.microsoft.com/office/drawing/2014/main" xmlns="" id="{6B6BE7A2-D1BD-4F76-96BF-04F237C36B73}"/>
               </a:ext>
             </a:extLst>
           </p:cNvPr>
@@ -6416,7 +8550,7 @@
           <p:cNvPr id="50" name="Straight Arrow Connector 49">
             <a:extLst>
               <a:ext uri="{FF2B5EF4-FFF2-40B4-BE49-F238E27FC236}">
-                <a16:creationId xmlns="" xmlns:a16="http://schemas.microsoft.com/office/drawing/2014/main" id="{7AB12831-494E-4990-A797-2DC7053DE7F5}"/>
+                <a16:creationId xmlns:a16="http://schemas.microsoft.com/office/drawing/2014/main" xmlns="" id="{7AB12831-494E-4990-A797-2DC7053DE7F5}"/>
               </a:ext>
             </a:extLst>
           </p:cNvPr>
@@ -6460,7 +8594,7 @@
           <p:cNvPr id="39" name="Straight Arrow Connector 38">
             <a:extLst>
               <a:ext uri="{FF2B5EF4-FFF2-40B4-BE49-F238E27FC236}">
-                <a16:creationId xmlns="" xmlns:a16="http://schemas.microsoft.com/office/drawing/2014/main" id="{6D0C58A2-BBFF-4A08-8956-B6846A78085F}"/>
+                <a16:creationId xmlns:a16="http://schemas.microsoft.com/office/drawing/2014/main" xmlns="" id="{6D0C58A2-BBFF-4A08-8956-B6846A78085F}"/>
               </a:ext>
             </a:extLst>
           </p:cNvPr>
@@ -6504,7 +8638,7 @@
           <p:cNvPr id="40" name="TextBox 39">
             <a:extLst>
               <a:ext uri="{FF2B5EF4-FFF2-40B4-BE49-F238E27FC236}">
-                <a16:creationId xmlns="" xmlns:a16="http://schemas.microsoft.com/office/drawing/2014/main" id="{757B4EDE-6F62-4AFE-A271-6C0CBD966EDD}"/>
+                <a16:creationId xmlns:a16="http://schemas.microsoft.com/office/drawing/2014/main" xmlns="" id="{757B4EDE-6F62-4AFE-A271-6C0CBD966EDD}"/>
               </a:ext>
             </a:extLst>
           </p:cNvPr>
@@ -6557,7 +8691,7 @@
           <p:cNvPr id="42" name="TextBox 41">
             <a:extLst>
               <a:ext uri="{FF2B5EF4-FFF2-40B4-BE49-F238E27FC236}">
-                <a16:creationId xmlns="" xmlns:a16="http://schemas.microsoft.com/office/drawing/2014/main" id="{757B4EDE-6F62-4AFE-A271-6C0CBD966EDD}"/>
+                <a16:creationId xmlns:a16="http://schemas.microsoft.com/office/drawing/2014/main" xmlns="" id="{757B4EDE-6F62-4AFE-A271-6C0CBD966EDD}"/>
               </a:ext>
             </a:extLst>
           </p:cNvPr>
@@ -6610,7 +8744,7 @@
           <p:cNvPr id="43" name="Straight Arrow Connector 42">
             <a:extLst>
               <a:ext uri="{FF2B5EF4-FFF2-40B4-BE49-F238E27FC236}">
-                <a16:creationId xmlns="" xmlns:a16="http://schemas.microsoft.com/office/drawing/2014/main" id="{53F1F003-B170-45EA-90B5-FE1EAAD42A63}"/>
+                <a16:creationId xmlns:a16="http://schemas.microsoft.com/office/drawing/2014/main" xmlns="" id="{53F1F003-B170-45EA-90B5-FE1EAAD42A63}"/>
               </a:ext>
             </a:extLst>
           </p:cNvPr>
@@ -6654,7 +8788,7 @@
           <p:cNvPr id="45" name="TextBox 44">
             <a:extLst>
               <a:ext uri="{FF2B5EF4-FFF2-40B4-BE49-F238E27FC236}">
-                <a16:creationId xmlns="" xmlns:a16="http://schemas.microsoft.com/office/drawing/2014/main" id="{58A7AB82-4CED-48AC-A028-2D01782C9733}"/>
+                <a16:creationId xmlns:a16="http://schemas.microsoft.com/office/drawing/2014/main" xmlns="" id="{58A7AB82-4CED-48AC-A028-2D01782C9733}"/>
               </a:ext>
             </a:extLst>
           </p:cNvPr>
@@ -6707,7 +8841,7 @@
           <p:cNvPr id="47" name="TextBox 46">
             <a:extLst>
               <a:ext uri="{FF2B5EF4-FFF2-40B4-BE49-F238E27FC236}">
-                <a16:creationId xmlns="" xmlns:a16="http://schemas.microsoft.com/office/drawing/2014/main" id="{58A7AB82-4CED-48AC-A028-2D01782C9733}"/>
+                <a16:creationId xmlns:a16="http://schemas.microsoft.com/office/drawing/2014/main" xmlns="" id="{58A7AB82-4CED-48AC-A028-2D01782C9733}"/>
               </a:ext>
             </a:extLst>
           </p:cNvPr>
@@ -6760,7 +8894,7 @@
           <p:cNvPr id="49" name="Straight Arrow Connector 48">
             <a:extLst>
               <a:ext uri="{FF2B5EF4-FFF2-40B4-BE49-F238E27FC236}">
-                <a16:creationId xmlns="" xmlns:a16="http://schemas.microsoft.com/office/drawing/2014/main" id="{7AB12831-494E-4990-A797-2DC7053DE7F5}"/>
+                <a16:creationId xmlns:a16="http://schemas.microsoft.com/office/drawing/2014/main" xmlns="" id="{7AB12831-494E-4990-A797-2DC7053DE7F5}"/>
               </a:ext>
             </a:extLst>
           </p:cNvPr>
@@ -6804,7 +8938,7 @@
           <p:cNvPr id="51" name="Straight Arrow Connector 50">
             <a:extLst>
               <a:ext uri="{FF2B5EF4-FFF2-40B4-BE49-F238E27FC236}">
-                <a16:creationId xmlns="" xmlns:a16="http://schemas.microsoft.com/office/drawing/2014/main" id="{7AB12831-494E-4990-A797-2DC7053DE7F5}"/>
+                <a16:creationId xmlns:a16="http://schemas.microsoft.com/office/drawing/2014/main" xmlns="" id="{7AB12831-494E-4990-A797-2DC7053DE7F5}"/>
               </a:ext>
             </a:extLst>
           </p:cNvPr>
@@ -6846,7 +8980,7 @@
     </p:spTree>
     <p:extLst>
       <p:ext uri="{BB962C8B-B14F-4D97-AF65-F5344CB8AC3E}">
-        <p14:creationId xmlns:p14="http://schemas.microsoft.com/office/powerpoint/2010/main" val="2312648096"/>
+        <p14:creationId xmlns:p14="http://schemas.microsoft.com/office/powerpoint/2010/main" val="4044417406"/>
       </p:ext>
     </p:extLst>
   </p:cSld>
@@ -6895,6 +9029,1496 @@
         </p:blipFill>
         <p:spPr>
           <a:xfrm>
+            <a:off x="3499917" y="3429000"/>
+            <a:ext cx="4207405" cy="2621108"/>
+          </a:xfrm>
+          <a:prstGeom prst="rect">
+            <a:avLst/>
+          </a:prstGeom>
+        </p:spPr>
+      </p:pic>
+      <p:pic>
+        <p:nvPicPr>
+          <p:cNvPr id="3" name="Picture 2"/>
+          <p:cNvPicPr>
+            <a:picLocks noChangeAspect="1"/>
+          </p:cNvPicPr>
+          <p:nvPr/>
+        </p:nvPicPr>
+        <p:blipFill>
+          <a:blip r:embed="rId3">
+            <a:extLst>
+              <a:ext uri="{28A0092B-C50C-407E-A947-70E740481C1C}">
+                <a14:useLocalDpi xmlns:a14="http://schemas.microsoft.com/office/drawing/2010/main" val="0"/>
+              </a:ext>
+            </a:extLst>
+          </a:blip>
+          <a:stretch>
+            <a:fillRect/>
+          </a:stretch>
+        </p:blipFill>
+        <p:spPr>
+          <a:xfrm>
+            <a:off x="3437996" y="939799"/>
+            <a:ext cx="4331248" cy="2105025"/>
+          </a:xfrm>
+          <a:prstGeom prst="rect">
+            <a:avLst/>
+          </a:prstGeom>
+        </p:spPr>
+      </p:pic>
+      <p:cxnSp>
+        <p:nvCxnSpPr>
+          <p:cNvPr id="12" name="Straight Arrow Connector 11">
+            <a:extLst>
+              <a:ext uri="{FF2B5EF4-FFF2-40B4-BE49-F238E27FC236}">
+                <a16:creationId xmlns:a16="http://schemas.microsoft.com/office/drawing/2014/main" xmlns="" id="{E90EF790-7188-42F6-B276-DD3BAAFFB86D}"/>
+              </a:ext>
+            </a:extLst>
+          </p:cNvPr>
+          <p:cNvCxnSpPr>
+            <a:cxnSpLocks/>
+          </p:cNvCxnSpPr>
+          <p:nvPr/>
+        </p:nvCxnSpPr>
+        <p:spPr>
+          <a:xfrm flipH="1">
+            <a:off x="4969052" y="4626907"/>
+            <a:ext cx="16311" cy="1080995"/>
+          </a:xfrm>
+          <a:prstGeom prst="straightConnector1">
+            <a:avLst/>
+          </a:prstGeom>
+          <a:ln w="38100">
+            <a:solidFill>
+              <a:srgbClr val="FF0000"/>
+            </a:solidFill>
+            <a:headEnd type="triangle" w="med" len="med"/>
+            <a:tailEnd type="triangle" w="med" len="med"/>
+          </a:ln>
+        </p:spPr>
+        <p:style>
+          <a:lnRef idx="1">
+            <a:schemeClr val="accent1"/>
+          </a:lnRef>
+          <a:fillRef idx="0">
+            <a:schemeClr val="accent1"/>
+          </a:fillRef>
+          <a:effectRef idx="0">
+            <a:schemeClr val="accent1"/>
+          </a:effectRef>
+          <a:fontRef idx="minor">
+            <a:schemeClr val="tx1"/>
+          </a:fontRef>
+        </p:style>
+      </p:cxnSp>
+      <p:cxnSp>
+        <p:nvCxnSpPr>
+          <p:cNvPr id="15" name="Straight Arrow Connector 14">
+            <a:extLst>
+              <a:ext uri="{FF2B5EF4-FFF2-40B4-BE49-F238E27FC236}">
+                <a16:creationId xmlns:a16="http://schemas.microsoft.com/office/drawing/2014/main" xmlns="" id="{2A24ABB9-AC43-42AC-87D3-8C990CAC4439}"/>
+              </a:ext>
+            </a:extLst>
+          </p:cNvPr>
+          <p:cNvCxnSpPr>
+            <a:cxnSpLocks/>
+          </p:cNvCxnSpPr>
+          <p:nvPr/>
+        </p:nvCxnSpPr>
+        <p:spPr>
+          <a:xfrm>
+            <a:off x="4439478" y="5167405"/>
+            <a:ext cx="1059149" cy="0"/>
+          </a:xfrm>
+          <a:prstGeom prst="straightConnector1">
+            <a:avLst/>
+          </a:prstGeom>
+          <a:ln w="38100">
+            <a:solidFill>
+              <a:srgbClr val="FF0000"/>
+            </a:solidFill>
+            <a:headEnd type="triangle" w="med" len="med"/>
+            <a:tailEnd type="triangle" w="med" len="med"/>
+          </a:ln>
+        </p:spPr>
+        <p:style>
+          <a:lnRef idx="1">
+            <a:schemeClr val="accent1"/>
+          </a:lnRef>
+          <a:fillRef idx="0">
+            <a:schemeClr val="accent1"/>
+          </a:fillRef>
+          <a:effectRef idx="0">
+            <a:schemeClr val="accent1"/>
+          </a:effectRef>
+          <a:fontRef idx="minor">
+            <a:schemeClr val="tx1"/>
+          </a:fontRef>
+        </p:style>
+      </p:cxnSp>
+      <p:cxnSp>
+        <p:nvCxnSpPr>
+          <p:cNvPr id="17" name="Straight Arrow Connector 16">
+            <a:extLst>
+              <a:ext uri="{FF2B5EF4-FFF2-40B4-BE49-F238E27FC236}">
+                <a16:creationId xmlns:a16="http://schemas.microsoft.com/office/drawing/2014/main" xmlns="" id="{B94D510F-4540-4970-A2AC-550BC35A4BEB}"/>
+              </a:ext>
+            </a:extLst>
+          </p:cNvPr>
+          <p:cNvCxnSpPr>
+            <a:cxnSpLocks/>
+          </p:cNvCxnSpPr>
+          <p:nvPr/>
+        </p:nvCxnSpPr>
+        <p:spPr>
+          <a:xfrm>
+            <a:off x="5722889" y="5167404"/>
+            <a:ext cx="956206" cy="0"/>
+          </a:xfrm>
+          <a:prstGeom prst="straightConnector1">
+            <a:avLst/>
+          </a:prstGeom>
+          <a:ln w="38100">
+            <a:solidFill>
+              <a:srgbClr val="FF0000"/>
+            </a:solidFill>
+            <a:headEnd type="triangle" w="med" len="med"/>
+            <a:tailEnd type="triangle" w="med" len="med"/>
+          </a:ln>
+        </p:spPr>
+        <p:style>
+          <a:lnRef idx="1">
+            <a:schemeClr val="accent1"/>
+          </a:lnRef>
+          <a:fillRef idx="0">
+            <a:schemeClr val="accent1"/>
+          </a:fillRef>
+          <a:effectRef idx="0">
+            <a:schemeClr val="accent1"/>
+          </a:effectRef>
+          <a:fontRef idx="minor">
+            <a:schemeClr val="tx1"/>
+          </a:fontRef>
+        </p:style>
+      </p:cxnSp>
+      <p:cxnSp>
+        <p:nvCxnSpPr>
+          <p:cNvPr id="21" name="Straight Arrow Connector 20">
+            <a:extLst>
+              <a:ext uri="{FF2B5EF4-FFF2-40B4-BE49-F238E27FC236}">
+                <a16:creationId xmlns:a16="http://schemas.microsoft.com/office/drawing/2014/main" xmlns="" id="{83275F49-69BD-41FC-8870-7A98460F90DE}"/>
+              </a:ext>
+            </a:extLst>
+          </p:cNvPr>
+          <p:cNvCxnSpPr>
+            <a:cxnSpLocks/>
+          </p:cNvCxnSpPr>
+          <p:nvPr/>
+        </p:nvCxnSpPr>
+        <p:spPr>
+          <a:xfrm flipH="1">
+            <a:off x="6200992" y="4626907"/>
+            <a:ext cx="16311" cy="1080995"/>
+          </a:xfrm>
+          <a:prstGeom prst="straightConnector1">
+            <a:avLst/>
+          </a:prstGeom>
+          <a:ln w="38100">
+            <a:solidFill>
+              <a:srgbClr val="FF0000"/>
+            </a:solidFill>
+            <a:headEnd type="triangle" w="med" len="med"/>
+            <a:tailEnd type="triangle" w="med" len="med"/>
+          </a:ln>
+        </p:spPr>
+        <p:style>
+          <a:lnRef idx="1">
+            <a:schemeClr val="accent1"/>
+          </a:lnRef>
+          <a:fillRef idx="0">
+            <a:schemeClr val="accent1"/>
+          </a:fillRef>
+          <a:effectRef idx="0">
+            <a:schemeClr val="accent1"/>
+          </a:effectRef>
+          <a:fontRef idx="minor">
+            <a:schemeClr val="tx1"/>
+          </a:fontRef>
+        </p:style>
+      </p:cxnSp>
+      <p:sp>
+        <p:nvSpPr>
+          <p:cNvPr id="22" name="TextBox 21">
+            <a:extLst>
+              <a:ext uri="{FF2B5EF4-FFF2-40B4-BE49-F238E27FC236}">
+                <a16:creationId xmlns:a16="http://schemas.microsoft.com/office/drawing/2014/main" xmlns="" id="{501EC76A-58B2-4DAF-B9D5-C6E3795FD2D8}"/>
+              </a:ext>
+            </a:extLst>
+          </p:cNvPr>
+          <p:cNvSpPr txBox="1"/>
+          <p:nvPr/>
+        </p:nvSpPr>
+        <p:spPr>
+          <a:xfrm>
+            <a:off x="3346173" y="5712613"/>
+            <a:ext cx="2186609" cy="369332"/>
+          </a:xfrm>
+          <a:prstGeom prst="rect">
+            <a:avLst/>
+          </a:prstGeom>
+          <a:noFill/>
+        </p:spPr>
+        <p:txBody>
+          <a:bodyPr wrap="square" rtlCol="0">
+            <a:spAutoFit/>
+          </a:bodyPr>
+          <a:lstStyle/>
+          <a:p>
+            <a:pPr algn="ctr"/>
+            <a:r>
+              <a:rPr lang="en-US" b="1" dirty="0">
+                <a:solidFill>
+                  <a:srgbClr val="FF0000"/>
+                </a:solidFill>
+              </a:rPr>
+              <a:t>Joystick Axis 1</a:t>
+            </a:r>
+          </a:p>
+        </p:txBody>
+      </p:sp>
+      <p:sp>
+        <p:nvSpPr>
+          <p:cNvPr id="23" name="TextBox 22">
+            <a:extLst>
+              <a:ext uri="{FF2B5EF4-FFF2-40B4-BE49-F238E27FC236}">
+                <a16:creationId xmlns:a16="http://schemas.microsoft.com/office/drawing/2014/main" xmlns="" id="{757B4EDE-6F62-4AFE-A271-6C0CBD966EDD}"/>
+              </a:ext>
+            </a:extLst>
+          </p:cNvPr>
+          <p:cNvSpPr txBox="1"/>
+          <p:nvPr/>
+        </p:nvSpPr>
+        <p:spPr>
+          <a:xfrm>
+            <a:off x="2543391" y="4987449"/>
+            <a:ext cx="2186609" cy="369332"/>
+          </a:xfrm>
+          <a:prstGeom prst="rect">
+            <a:avLst/>
+          </a:prstGeom>
+          <a:noFill/>
+        </p:spPr>
+        <p:txBody>
+          <a:bodyPr wrap="square" rtlCol="0">
+            <a:spAutoFit/>
+          </a:bodyPr>
+          <a:lstStyle/>
+          <a:p>
+            <a:pPr algn="ctr"/>
+            <a:r>
+              <a:rPr lang="en-US" b="1" dirty="0">
+                <a:solidFill>
+                  <a:srgbClr val="FF0000"/>
+                </a:solidFill>
+              </a:rPr>
+              <a:t>Joystick Axis 0</a:t>
+            </a:r>
+          </a:p>
+        </p:txBody>
+      </p:sp>
+      <p:sp>
+        <p:nvSpPr>
+          <p:cNvPr id="24" name="TextBox 23">
+            <a:extLst>
+              <a:ext uri="{FF2B5EF4-FFF2-40B4-BE49-F238E27FC236}">
+                <a16:creationId xmlns:a16="http://schemas.microsoft.com/office/drawing/2014/main" xmlns="" id="{0ACF609C-5261-4435-A7C8-DF8E97856FD8}"/>
+              </a:ext>
+            </a:extLst>
+          </p:cNvPr>
+          <p:cNvSpPr txBox="1"/>
+          <p:nvPr/>
+        </p:nvSpPr>
+        <p:spPr>
+          <a:xfrm>
+            <a:off x="5603619" y="5667213"/>
+            <a:ext cx="2186609" cy="369332"/>
+          </a:xfrm>
+          <a:prstGeom prst="rect">
+            <a:avLst/>
+          </a:prstGeom>
+          <a:noFill/>
+        </p:spPr>
+        <p:txBody>
+          <a:bodyPr wrap="square" rtlCol="0">
+            <a:spAutoFit/>
+          </a:bodyPr>
+          <a:lstStyle/>
+          <a:p>
+            <a:pPr algn="ctr"/>
+            <a:r>
+              <a:rPr lang="en-US" b="1" dirty="0">
+                <a:solidFill>
+                  <a:srgbClr val="FF0000"/>
+                </a:solidFill>
+              </a:rPr>
+              <a:t>Joystick Axis 3</a:t>
+            </a:r>
+          </a:p>
+        </p:txBody>
+      </p:sp>
+      <p:sp>
+        <p:nvSpPr>
+          <p:cNvPr id="25" name="TextBox 24">
+            <a:extLst>
+              <a:ext uri="{FF2B5EF4-FFF2-40B4-BE49-F238E27FC236}">
+                <a16:creationId xmlns:a16="http://schemas.microsoft.com/office/drawing/2014/main" xmlns="" id="{E291AD0D-9375-4E83-B2D9-B063EF1558A7}"/>
+              </a:ext>
+            </a:extLst>
+          </p:cNvPr>
+          <p:cNvSpPr txBox="1"/>
+          <p:nvPr/>
+        </p:nvSpPr>
+        <p:spPr>
+          <a:xfrm>
+            <a:off x="6438188" y="4987449"/>
+            <a:ext cx="2186609" cy="369332"/>
+          </a:xfrm>
+          <a:prstGeom prst="rect">
+            <a:avLst/>
+          </a:prstGeom>
+          <a:noFill/>
+        </p:spPr>
+        <p:txBody>
+          <a:bodyPr wrap="square" rtlCol="0">
+            <a:spAutoFit/>
+          </a:bodyPr>
+          <a:lstStyle/>
+          <a:p>
+            <a:pPr algn="ctr"/>
+            <a:r>
+              <a:rPr lang="en-US" b="1" dirty="0">
+                <a:solidFill>
+                  <a:srgbClr val="FF0000"/>
+                </a:solidFill>
+              </a:rPr>
+              <a:t>Joystick Axis 2</a:t>
+            </a:r>
+          </a:p>
+        </p:txBody>
+      </p:sp>
+      <p:cxnSp>
+        <p:nvCxnSpPr>
+          <p:cNvPr id="26" name="Straight Arrow Connector 25">
+            <a:extLst>
+              <a:ext uri="{FF2B5EF4-FFF2-40B4-BE49-F238E27FC236}">
+                <a16:creationId xmlns:a16="http://schemas.microsoft.com/office/drawing/2014/main" xmlns="" id="{0F3B5E9B-C537-4A5D-ACE4-F79B7CFB9458}"/>
+              </a:ext>
+            </a:extLst>
+          </p:cNvPr>
+          <p:cNvCxnSpPr>
+            <a:cxnSpLocks/>
+          </p:cNvCxnSpPr>
+          <p:nvPr/>
+        </p:nvCxnSpPr>
+        <p:spPr>
+          <a:xfrm flipH="1">
+            <a:off x="6764809" y="3796893"/>
+            <a:ext cx="934167" cy="411332"/>
+          </a:xfrm>
+          <a:prstGeom prst="straightConnector1">
+            <a:avLst/>
+          </a:prstGeom>
+          <a:ln w="38100">
+            <a:solidFill>
+              <a:srgbClr val="FF0000"/>
+            </a:solidFill>
+            <a:tailEnd type="triangle"/>
+          </a:ln>
+        </p:spPr>
+        <p:style>
+          <a:lnRef idx="1">
+            <a:schemeClr val="accent1"/>
+          </a:lnRef>
+          <a:fillRef idx="0">
+            <a:schemeClr val="accent1"/>
+          </a:fillRef>
+          <a:effectRef idx="0">
+            <a:schemeClr val="accent1"/>
+          </a:effectRef>
+          <a:fontRef idx="minor">
+            <a:schemeClr val="tx1"/>
+          </a:fontRef>
+        </p:style>
+      </p:cxnSp>
+      <p:sp>
+        <p:nvSpPr>
+          <p:cNvPr id="28" name="TextBox 27">
+            <a:extLst>
+              <a:ext uri="{FF2B5EF4-FFF2-40B4-BE49-F238E27FC236}">
+                <a16:creationId xmlns:a16="http://schemas.microsoft.com/office/drawing/2014/main" xmlns="" id="{58A7AB82-4CED-48AC-A028-2D01782C9733}"/>
+              </a:ext>
+            </a:extLst>
+          </p:cNvPr>
+          <p:cNvSpPr txBox="1"/>
+          <p:nvPr/>
+        </p:nvSpPr>
+        <p:spPr>
+          <a:xfrm>
+            <a:off x="6596184" y="3102807"/>
+            <a:ext cx="1418660" cy="369332"/>
+          </a:xfrm>
+          <a:prstGeom prst="rect">
+            <a:avLst/>
+          </a:prstGeom>
+          <a:noFill/>
+        </p:spPr>
+        <p:txBody>
+          <a:bodyPr wrap="square" rtlCol="0">
+            <a:spAutoFit/>
+          </a:bodyPr>
+          <a:lstStyle/>
+          <a:p>
+            <a:pPr algn="ctr"/>
+            <a:r>
+              <a:rPr lang="en-US" b="1" dirty="0">
+                <a:solidFill>
+                  <a:srgbClr val="FF0000"/>
+                </a:solidFill>
+              </a:rPr>
+              <a:t>Button 0</a:t>
+            </a:r>
+          </a:p>
+        </p:txBody>
+      </p:sp>
+      <p:sp>
+        <p:nvSpPr>
+          <p:cNvPr id="29" name="TextBox 28">
+            <a:extLst>
+              <a:ext uri="{FF2B5EF4-FFF2-40B4-BE49-F238E27FC236}">
+                <a16:creationId xmlns:a16="http://schemas.microsoft.com/office/drawing/2014/main" xmlns="" id="{DDA261A3-1970-4B59-B5C6-34B2D077E1BB}"/>
+              </a:ext>
+            </a:extLst>
+          </p:cNvPr>
+          <p:cNvSpPr txBox="1"/>
+          <p:nvPr/>
+        </p:nvSpPr>
+        <p:spPr>
+          <a:xfrm>
+            <a:off x="7072755" y="3580390"/>
+            <a:ext cx="2186609" cy="369332"/>
+          </a:xfrm>
+          <a:prstGeom prst="rect">
+            <a:avLst/>
+          </a:prstGeom>
+          <a:noFill/>
+        </p:spPr>
+        <p:txBody>
+          <a:bodyPr wrap="square" rtlCol="0">
+            <a:spAutoFit/>
+          </a:bodyPr>
+          <a:lstStyle/>
+          <a:p>
+            <a:pPr algn="ctr"/>
+            <a:r>
+              <a:rPr lang="en-US" b="1" dirty="0">
+                <a:solidFill>
+                  <a:srgbClr val="FF0000"/>
+                </a:solidFill>
+              </a:rPr>
+              <a:t>Button 3</a:t>
+            </a:r>
+          </a:p>
+        </p:txBody>
+      </p:sp>
+      <p:sp>
+        <p:nvSpPr>
+          <p:cNvPr id="30" name="TextBox 29">
+            <a:extLst>
+              <a:ext uri="{FF2B5EF4-FFF2-40B4-BE49-F238E27FC236}">
+                <a16:creationId xmlns:a16="http://schemas.microsoft.com/office/drawing/2014/main" xmlns="" id="{20D526B3-D9A8-4378-8E52-1134477E15CF}"/>
+              </a:ext>
+            </a:extLst>
+          </p:cNvPr>
+          <p:cNvSpPr txBox="1"/>
+          <p:nvPr/>
+        </p:nvSpPr>
+        <p:spPr>
+          <a:xfrm>
+            <a:off x="8263908" y="4635014"/>
+            <a:ext cx="2186609" cy="369332"/>
+          </a:xfrm>
+          <a:prstGeom prst="rect">
+            <a:avLst/>
+          </a:prstGeom>
+          <a:noFill/>
+        </p:spPr>
+        <p:txBody>
+          <a:bodyPr wrap="square" rtlCol="0">
+            <a:spAutoFit/>
+          </a:bodyPr>
+          <a:lstStyle/>
+          <a:p>
+            <a:pPr algn="ctr"/>
+            <a:r>
+              <a:rPr lang="en-US" b="1" dirty="0">
+                <a:solidFill>
+                  <a:srgbClr val="FF0000"/>
+                </a:solidFill>
+              </a:rPr>
+              <a:t>Button 1</a:t>
+            </a:r>
+          </a:p>
+        </p:txBody>
+      </p:sp>
+      <p:sp>
+        <p:nvSpPr>
+          <p:cNvPr id="31" name="TextBox 30">
+            <a:extLst>
+              <a:ext uri="{FF2B5EF4-FFF2-40B4-BE49-F238E27FC236}">
+                <a16:creationId xmlns:a16="http://schemas.microsoft.com/office/drawing/2014/main" xmlns="" id="{ECCBC355-B2DC-4F5E-8071-21D809982F15}"/>
+              </a:ext>
+            </a:extLst>
+          </p:cNvPr>
+          <p:cNvSpPr txBox="1"/>
+          <p:nvPr/>
+        </p:nvSpPr>
+        <p:spPr>
+          <a:xfrm>
+            <a:off x="7698976" y="4142511"/>
+            <a:ext cx="2186609" cy="369332"/>
+          </a:xfrm>
+          <a:prstGeom prst="rect">
+            <a:avLst/>
+          </a:prstGeom>
+          <a:noFill/>
+        </p:spPr>
+        <p:txBody>
+          <a:bodyPr wrap="square" rtlCol="0">
+            <a:spAutoFit/>
+          </a:bodyPr>
+          <a:lstStyle/>
+          <a:p>
+            <a:pPr algn="ctr"/>
+            <a:r>
+              <a:rPr lang="en-US" b="1" dirty="0">
+                <a:solidFill>
+                  <a:srgbClr val="FF0000"/>
+                </a:solidFill>
+              </a:rPr>
+              <a:t>Button 2</a:t>
+            </a:r>
+          </a:p>
+        </p:txBody>
+      </p:sp>
+      <p:sp>
+        <p:nvSpPr>
+          <p:cNvPr id="32" name="TextBox 31">
+            <a:extLst>
+              <a:ext uri="{FF2B5EF4-FFF2-40B4-BE49-F238E27FC236}">
+                <a16:creationId xmlns:a16="http://schemas.microsoft.com/office/drawing/2014/main" xmlns="" id="{EC732D11-9DBF-4AE0-894F-A4104302527B}"/>
+              </a:ext>
+            </a:extLst>
+          </p:cNvPr>
+          <p:cNvSpPr txBox="1"/>
+          <p:nvPr/>
+        </p:nvSpPr>
+        <p:spPr>
+          <a:xfrm>
+            <a:off x="1289555" y="1956331"/>
+            <a:ext cx="2186609" cy="369332"/>
+          </a:xfrm>
+          <a:prstGeom prst="rect">
+            <a:avLst/>
+          </a:prstGeom>
+          <a:noFill/>
+        </p:spPr>
+        <p:txBody>
+          <a:bodyPr wrap="square" rtlCol="0">
+            <a:spAutoFit/>
+          </a:bodyPr>
+          <a:lstStyle/>
+          <a:p>
+            <a:pPr algn="ctr"/>
+            <a:r>
+              <a:rPr lang="en-US" b="1" dirty="0">
+                <a:solidFill>
+                  <a:srgbClr val="FF0000"/>
+                </a:solidFill>
+              </a:rPr>
+              <a:t>Button 7</a:t>
+            </a:r>
+          </a:p>
+        </p:txBody>
+      </p:sp>
+      <p:sp>
+        <p:nvSpPr>
+          <p:cNvPr id="33" name="TextBox 32">
+            <a:extLst>
+              <a:ext uri="{FF2B5EF4-FFF2-40B4-BE49-F238E27FC236}">
+                <a16:creationId xmlns:a16="http://schemas.microsoft.com/office/drawing/2014/main" xmlns="" id="{8C92D660-6E93-44F1-97F0-565DBBA5B7E7}"/>
+              </a:ext>
+            </a:extLst>
+          </p:cNvPr>
+          <p:cNvSpPr txBox="1"/>
+          <p:nvPr/>
+        </p:nvSpPr>
+        <p:spPr>
+          <a:xfrm>
+            <a:off x="7736188" y="1252446"/>
+            <a:ext cx="2186609" cy="369332"/>
+          </a:xfrm>
+          <a:prstGeom prst="rect">
+            <a:avLst/>
+          </a:prstGeom>
+          <a:noFill/>
+        </p:spPr>
+        <p:txBody>
+          <a:bodyPr wrap="square" rtlCol="0">
+            <a:spAutoFit/>
+          </a:bodyPr>
+          <a:lstStyle/>
+          <a:p>
+            <a:pPr algn="ctr"/>
+            <a:r>
+              <a:rPr lang="en-US" b="1" dirty="0">
+                <a:solidFill>
+                  <a:srgbClr val="FF0000"/>
+                </a:solidFill>
+              </a:rPr>
+              <a:t>Button 4</a:t>
+            </a:r>
+          </a:p>
+        </p:txBody>
+      </p:sp>
+      <p:sp>
+        <p:nvSpPr>
+          <p:cNvPr id="34" name="TextBox 33">
+            <a:extLst>
+              <a:ext uri="{FF2B5EF4-FFF2-40B4-BE49-F238E27FC236}">
+                <a16:creationId xmlns:a16="http://schemas.microsoft.com/office/drawing/2014/main" xmlns="" id="{37527163-F972-4B33-A6ED-23E9224A1E55}"/>
+              </a:ext>
+            </a:extLst>
+          </p:cNvPr>
+          <p:cNvSpPr txBox="1"/>
+          <p:nvPr/>
+        </p:nvSpPr>
+        <p:spPr>
+          <a:xfrm>
+            <a:off x="1462307" y="1363666"/>
+            <a:ext cx="2186609" cy="369332"/>
+          </a:xfrm>
+          <a:prstGeom prst="rect">
+            <a:avLst/>
+          </a:prstGeom>
+          <a:noFill/>
+        </p:spPr>
+        <p:txBody>
+          <a:bodyPr wrap="square" rtlCol="0">
+            <a:spAutoFit/>
+          </a:bodyPr>
+          <a:lstStyle/>
+          <a:p>
+            <a:pPr algn="ctr"/>
+            <a:r>
+              <a:rPr lang="en-US" b="1" dirty="0">
+                <a:solidFill>
+                  <a:srgbClr val="FF0000"/>
+                </a:solidFill>
+              </a:rPr>
+              <a:t>Button 5</a:t>
+            </a:r>
+          </a:p>
+        </p:txBody>
+      </p:sp>
+      <p:sp>
+        <p:nvSpPr>
+          <p:cNvPr id="35" name="TextBox 34">
+            <a:extLst>
+              <a:ext uri="{FF2B5EF4-FFF2-40B4-BE49-F238E27FC236}">
+                <a16:creationId xmlns:a16="http://schemas.microsoft.com/office/drawing/2014/main" xmlns="" id="{B8C2E5DF-8365-4685-811F-BAF212BF64B0}"/>
+              </a:ext>
+            </a:extLst>
+          </p:cNvPr>
+          <p:cNvSpPr txBox="1"/>
+          <p:nvPr/>
+        </p:nvSpPr>
+        <p:spPr>
+          <a:xfrm>
+            <a:off x="7678604" y="1973286"/>
+            <a:ext cx="2186609" cy="369332"/>
+          </a:xfrm>
+          <a:prstGeom prst="rect">
+            <a:avLst/>
+          </a:prstGeom>
+          <a:noFill/>
+        </p:spPr>
+        <p:txBody>
+          <a:bodyPr wrap="square" rtlCol="0">
+            <a:spAutoFit/>
+          </a:bodyPr>
+          <a:lstStyle/>
+          <a:p>
+            <a:pPr algn="ctr"/>
+            <a:r>
+              <a:rPr lang="en-US" b="1" dirty="0">
+                <a:solidFill>
+                  <a:srgbClr val="FF0000"/>
+                </a:solidFill>
+              </a:rPr>
+              <a:t>Button 6</a:t>
+            </a:r>
+          </a:p>
+        </p:txBody>
+      </p:sp>
+      <p:cxnSp>
+        <p:nvCxnSpPr>
+          <p:cNvPr id="36" name="Straight Arrow Connector 35">
+            <a:extLst>
+              <a:ext uri="{FF2B5EF4-FFF2-40B4-BE49-F238E27FC236}">
+                <a16:creationId xmlns:a16="http://schemas.microsoft.com/office/drawing/2014/main" xmlns="" id="{7D3EB286-A2E4-40A1-B2BB-89CCF6EAC0B7}"/>
+              </a:ext>
+            </a:extLst>
+          </p:cNvPr>
+          <p:cNvCxnSpPr>
+            <a:cxnSpLocks/>
+          </p:cNvCxnSpPr>
+          <p:nvPr/>
+        </p:nvCxnSpPr>
+        <p:spPr>
+          <a:xfrm flipH="1">
+            <a:off x="7100675" y="4350269"/>
+            <a:ext cx="1221690" cy="136010"/>
+          </a:xfrm>
+          <a:prstGeom prst="straightConnector1">
+            <a:avLst/>
+          </a:prstGeom>
+          <a:ln w="38100">
+            <a:solidFill>
+              <a:srgbClr val="FF0000"/>
+            </a:solidFill>
+            <a:tailEnd type="triangle"/>
+          </a:ln>
+        </p:spPr>
+        <p:style>
+          <a:lnRef idx="1">
+            <a:schemeClr val="accent1"/>
+          </a:lnRef>
+          <a:fillRef idx="0">
+            <a:schemeClr val="accent1"/>
+          </a:fillRef>
+          <a:effectRef idx="0">
+            <a:schemeClr val="accent1"/>
+          </a:effectRef>
+          <a:fontRef idx="minor">
+            <a:schemeClr val="tx1"/>
+          </a:fontRef>
+        </p:style>
+      </p:cxnSp>
+      <p:cxnSp>
+        <p:nvCxnSpPr>
+          <p:cNvPr id="38" name="Straight Arrow Connector 37">
+            <a:extLst>
+              <a:ext uri="{FF2B5EF4-FFF2-40B4-BE49-F238E27FC236}">
+                <a16:creationId xmlns:a16="http://schemas.microsoft.com/office/drawing/2014/main" xmlns="" id="{6D0C58A2-BBFF-4A08-8956-B6846A78085F}"/>
+              </a:ext>
+            </a:extLst>
+          </p:cNvPr>
+          <p:cNvCxnSpPr>
+            <a:cxnSpLocks/>
+          </p:cNvCxnSpPr>
+          <p:nvPr/>
+        </p:nvCxnSpPr>
+        <p:spPr>
+          <a:xfrm flipH="1">
+            <a:off x="6510720" y="3235245"/>
+            <a:ext cx="245743" cy="1293227"/>
+          </a:xfrm>
+          <a:prstGeom prst="straightConnector1">
+            <a:avLst/>
+          </a:prstGeom>
+          <a:ln w="38100">
+            <a:solidFill>
+              <a:srgbClr val="FF0000"/>
+            </a:solidFill>
+            <a:tailEnd type="triangle"/>
+          </a:ln>
+        </p:spPr>
+        <p:style>
+          <a:lnRef idx="1">
+            <a:schemeClr val="accent1"/>
+          </a:lnRef>
+          <a:fillRef idx="0">
+            <a:schemeClr val="accent1"/>
+          </a:fillRef>
+          <a:effectRef idx="0">
+            <a:schemeClr val="accent1"/>
+          </a:effectRef>
+          <a:fontRef idx="minor">
+            <a:schemeClr val="tx1"/>
+          </a:fontRef>
+        </p:style>
+      </p:cxnSp>
+      <p:cxnSp>
+        <p:nvCxnSpPr>
+          <p:cNvPr id="41" name="Straight Arrow Connector 40">
+            <a:extLst>
+              <a:ext uri="{FF2B5EF4-FFF2-40B4-BE49-F238E27FC236}">
+                <a16:creationId xmlns:a16="http://schemas.microsoft.com/office/drawing/2014/main" xmlns="" id="{53F1F003-B170-45EA-90B5-FE1EAAD42A63}"/>
+              </a:ext>
+            </a:extLst>
+          </p:cNvPr>
+          <p:cNvCxnSpPr>
+            <a:cxnSpLocks/>
+          </p:cNvCxnSpPr>
+          <p:nvPr/>
+        </p:nvCxnSpPr>
+        <p:spPr>
+          <a:xfrm flipH="1" flipV="1">
+            <a:off x="6735382" y="4782090"/>
+            <a:ext cx="2061071" cy="26543"/>
+          </a:xfrm>
+          <a:prstGeom prst="straightConnector1">
+            <a:avLst/>
+          </a:prstGeom>
+          <a:ln w="38100">
+            <a:solidFill>
+              <a:srgbClr val="FF0000"/>
+            </a:solidFill>
+            <a:tailEnd type="triangle"/>
+          </a:ln>
+        </p:spPr>
+        <p:style>
+          <a:lnRef idx="1">
+            <a:schemeClr val="accent1"/>
+          </a:lnRef>
+          <a:fillRef idx="0">
+            <a:schemeClr val="accent1"/>
+          </a:fillRef>
+          <a:effectRef idx="0">
+            <a:schemeClr val="accent1"/>
+          </a:effectRef>
+          <a:fontRef idx="minor">
+            <a:schemeClr val="tx1"/>
+          </a:fontRef>
+        </p:style>
+      </p:cxnSp>
+      <p:cxnSp>
+        <p:nvCxnSpPr>
+          <p:cNvPr id="44" name="Straight Arrow Connector 43">
+            <a:extLst>
+              <a:ext uri="{FF2B5EF4-FFF2-40B4-BE49-F238E27FC236}">
+                <a16:creationId xmlns:a16="http://schemas.microsoft.com/office/drawing/2014/main" xmlns="" id="{8766F88F-CE75-4075-A7FB-0016791A5FF0}"/>
+              </a:ext>
+            </a:extLst>
+          </p:cNvPr>
+          <p:cNvCxnSpPr>
+            <a:cxnSpLocks/>
+          </p:cNvCxnSpPr>
+          <p:nvPr/>
+        </p:nvCxnSpPr>
+        <p:spPr>
+          <a:xfrm flipH="1">
+            <a:off x="7064408" y="1501219"/>
+            <a:ext cx="1257957" cy="491092"/>
+          </a:xfrm>
+          <a:prstGeom prst="straightConnector1">
+            <a:avLst/>
+          </a:prstGeom>
+          <a:ln w="38100">
+            <a:solidFill>
+              <a:srgbClr val="FF0000"/>
+            </a:solidFill>
+            <a:tailEnd type="triangle"/>
+          </a:ln>
+        </p:spPr>
+        <p:style>
+          <a:lnRef idx="1">
+            <a:schemeClr val="accent1"/>
+          </a:lnRef>
+          <a:fillRef idx="0">
+            <a:schemeClr val="accent1"/>
+          </a:fillRef>
+          <a:effectRef idx="0">
+            <a:schemeClr val="accent1"/>
+          </a:effectRef>
+          <a:fontRef idx="minor">
+            <a:schemeClr val="tx1"/>
+          </a:fontRef>
+        </p:style>
+      </p:cxnSp>
+      <p:cxnSp>
+        <p:nvCxnSpPr>
+          <p:cNvPr id="46" name="Straight Arrow Connector 45">
+            <a:extLst>
+              <a:ext uri="{FF2B5EF4-FFF2-40B4-BE49-F238E27FC236}">
+                <a16:creationId xmlns:a16="http://schemas.microsoft.com/office/drawing/2014/main" xmlns="" id="{A1EFF5AC-23E1-46E4-9F3C-45143630E414}"/>
+              </a:ext>
+            </a:extLst>
+          </p:cNvPr>
+          <p:cNvCxnSpPr>
+            <a:cxnSpLocks/>
+          </p:cNvCxnSpPr>
+          <p:nvPr/>
+        </p:nvCxnSpPr>
+        <p:spPr>
+          <a:xfrm flipH="1">
+            <a:off x="6930293" y="2183198"/>
+            <a:ext cx="1333615" cy="344679"/>
+          </a:xfrm>
+          <a:prstGeom prst="straightConnector1">
+            <a:avLst/>
+          </a:prstGeom>
+          <a:ln w="38100">
+            <a:solidFill>
+              <a:srgbClr val="FF0000"/>
+            </a:solidFill>
+            <a:tailEnd type="triangle"/>
+          </a:ln>
+        </p:spPr>
+        <p:style>
+          <a:lnRef idx="1">
+            <a:schemeClr val="accent1"/>
+          </a:lnRef>
+          <a:fillRef idx="0">
+            <a:schemeClr val="accent1"/>
+          </a:fillRef>
+          <a:effectRef idx="0">
+            <a:schemeClr val="accent1"/>
+          </a:effectRef>
+          <a:fontRef idx="minor">
+            <a:schemeClr val="tx1"/>
+          </a:fontRef>
+        </p:style>
+      </p:cxnSp>
+      <p:cxnSp>
+        <p:nvCxnSpPr>
+          <p:cNvPr id="48" name="Straight Arrow Connector 47">
+            <a:extLst>
+              <a:ext uri="{FF2B5EF4-FFF2-40B4-BE49-F238E27FC236}">
+                <a16:creationId xmlns:a16="http://schemas.microsoft.com/office/drawing/2014/main" xmlns="" id="{6B6BE7A2-D1BD-4F76-96BF-04F237C36B73}"/>
+              </a:ext>
+            </a:extLst>
+          </p:cNvPr>
+          <p:cNvCxnSpPr>
+            <a:cxnSpLocks/>
+          </p:cNvCxnSpPr>
+          <p:nvPr/>
+        </p:nvCxnSpPr>
+        <p:spPr>
+          <a:xfrm>
+            <a:off x="3048000" y="1621778"/>
+            <a:ext cx="1154953" cy="375171"/>
+          </a:xfrm>
+          <a:prstGeom prst="straightConnector1">
+            <a:avLst/>
+          </a:prstGeom>
+          <a:ln w="38100">
+            <a:solidFill>
+              <a:srgbClr val="FF0000"/>
+            </a:solidFill>
+            <a:tailEnd type="triangle"/>
+          </a:ln>
+        </p:spPr>
+        <p:style>
+          <a:lnRef idx="1">
+            <a:schemeClr val="accent1"/>
+          </a:lnRef>
+          <a:fillRef idx="0">
+            <a:schemeClr val="accent1"/>
+          </a:fillRef>
+          <a:effectRef idx="0">
+            <a:schemeClr val="accent1"/>
+          </a:effectRef>
+          <a:fontRef idx="minor">
+            <a:schemeClr val="tx1"/>
+          </a:fontRef>
+        </p:style>
+      </p:cxnSp>
+      <p:cxnSp>
+        <p:nvCxnSpPr>
+          <p:cNvPr id="50" name="Straight Arrow Connector 49">
+            <a:extLst>
+              <a:ext uri="{FF2B5EF4-FFF2-40B4-BE49-F238E27FC236}">
+                <a16:creationId xmlns:a16="http://schemas.microsoft.com/office/drawing/2014/main" xmlns="" id="{7AB12831-494E-4990-A797-2DC7053DE7F5}"/>
+              </a:ext>
+            </a:extLst>
+          </p:cNvPr>
+          <p:cNvCxnSpPr>
+            <a:cxnSpLocks/>
+          </p:cNvCxnSpPr>
+          <p:nvPr/>
+        </p:nvCxnSpPr>
+        <p:spPr>
+          <a:xfrm>
+            <a:off x="2860519" y="2156864"/>
+            <a:ext cx="1371994" cy="402769"/>
+          </a:xfrm>
+          <a:prstGeom prst="straightConnector1">
+            <a:avLst/>
+          </a:prstGeom>
+          <a:ln w="38100">
+            <a:solidFill>
+              <a:srgbClr val="FF0000"/>
+            </a:solidFill>
+            <a:tailEnd type="triangle"/>
+          </a:ln>
+        </p:spPr>
+        <p:style>
+          <a:lnRef idx="1">
+            <a:schemeClr val="accent1"/>
+          </a:lnRef>
+          <a:fillRef idx="0">
+            <a:schemeClr val="accent1"/>
+          </a:fillRef>
+          <a:effectRef idx="0">
+            <a:schemeClr val="accent1"/>
+          </a:effectRef>
+          <a:fontRef idx="minor">
+            <a:schemeClr val="tx1"/>
+          </a:fontRef>
+        </p:style>
+      </p:cxnSp>
+      <p:cxnSp>
+        <p:nvCxnSpPr>
+          <p:cNvPr id="39" name="Straight Arrow Connector 38">
+            <a:extLst>
+              <a:ext uri="{FF2B5EF4-FFF2-40B4-BE49-F238E27FC236}">
+                <a16:creationId xmlns:a16="http://schemas.microsoft.com/office/drawing/2014/main" xmlns="" id="{6D0C58A2-BBFF-4A08-8956-B6846A78085F}"/>
+              </a:ext>
+            </a:extLst>
+          </p:cNvPr>
+          <p:cNvCxnSpPr>
+            <a:cxnSpLocks/>
+          </p:cNvCxnSpPr>
+          <p:nvPr/>
+        </p:nvCxnSpPr>
+        <p:spPr>
+          <a:xfrm flipV="1">
+            <a:off x="2765571" y="5271841"/>
+            <a:ext cx="2118173" cy="612153"/>
+          </a:xfrm>
+          <a:prstGeom prst="straightConnector1">
+            <a:avLst/>
+          </a:prstGeom>
+          <a:ln w="38100">
+            <a:solidFill>
+              <a:srgbClr val="FF0000"/>
+            </a:solidFill>
+            <a:tailEnd type="triangle"/>
+          </a:ln>
+        </p:spPr>
+        <p:style>
+          <a:lnRef idx="1">
+            <a:schemeClr val="accent1"/>
+          </a:lnRef>
+          <a:fillRef idx="0">
+            <a:schemeClr val="accent1"/>
+          </a:fillRef>
+          <a:effectRef idx="0">
+            <a:schemeClr val="accent1"/>
+          </a:effectRef>
+          <a:fontRef idx="minor">
+            <a:schemeClr val="tx1"/>
+          </a:fontRef>
+        </p:style>
+      </p:cxnSp>
+      <p:sp>
+        <p:nvSpPr>
+          <p:cNvPr id="40" name="TextBox 39">
+            <a:extLst>
+              <a:ext uri="{FF2B5EF4-FFF2-40B4-BE49-F238E27FC236}">
+                <a16:creationId xmlns:a16="http://schemas.microsoft.com/office/drawing/2014/main" xmlns="" id="{757B4EDE-6F62-4AFE-A271-6C0CBD966EDD}"/>
+              </a:ext>
+            </a:extLst>
+          </p:cNvPr>
+          <p:cNvSpPr txBox="1"/>
+          <p:nvPr/>
+        </p:nvSpPr>
+        <p:spPr>
+          <a:xfrm>
+            <a:off x="397933" y="5628146"/>
+            <a:ext cx="2382109" cy="369332"/>
+          </a:xfrm>
+          <a:prstGeom prst="rect">
+            <a:avLst/>
+          </a:prstGeom>
+          <a:noFill/>
+        </p:spPr>
+        <p:txBody>
+          <a:bodyPr wrap="square" rtlCol="0">
+            <a:spAutoFit/>
+          </a:bodyPr>
+          <a:lstStyle/>
+          <a:p>
+            <a:pPr algn="ctr"/>
+            <a:r>
+              <a:rPr lang="en-US" b="1" dirty="0">
+                <a:solidFill>
+                  <a:srgbClr val="FF0000"/>
+                </a:solidFill>
+              </a:rPr>
+              <a:t>Joystick </a:t>
+            </a:r>
+            <a:r>
+              <a:rPr lang="en-US" b="1" dirty="0" smtClean="0">
+                <a:solidFill>
+                  <a:srgbClr val="FF0000"/>
+                </a:solidFill>
+              </a:rPr>
+              <a:t>Left Button 10</a:t>
+            </a:r>
+            <a:endParaRPr lang="en-US" b="1" dirty="0">
+              <a:solidFill>
+                <a:srgbClr val="FF0000"/>
+              </a:solidFill>
+            </a:endParaRPr>
+          </a:p>
+        </p:txBody>
+      </p:sp>
+      <p:sp>
+        <p:nvSpPr>
+          <p:cNvPr id="42" name="TextBox 41">
+            <a:extLst>
+              <a:ext uri="{FF2B5EF4-FFF2-40B4-BE49-F238E27FC236}">
+                <a16:creationId xmlns:a16="http://schemas.microsoft.com/office/drawing/2014/main" xmlns="" id="{757B4EDE-6F62-4AFE-A271-6C0CBD966EDD}"/>
+              </a:ext>
+            </a:extLst>
+          </p:cNvPr>
+          <p:cNvSpPr txBox="1"/>
+          <p:nvPr/>
+        </p:nvSpPr>
+        <p:spPr>
+          <a:xfrm>
+            <a:off x="8408484" y="5699328"/>
+            <a:ext cx="2886693" cy="369332"/>
+          </a:xfrm>
+          <a:prstGeom prst="rect">
+            <a:avLst/>
+          </a:prstGeom>
+          <a:noFill/>
+        </p:spPr>
+        <p:txBody>
+          <a:bodyPr wrap="square" rtlCol="0">
+            <a:spAutoFit/>
+          </a:bodyPr>
+          <a:lstStyle/>
+          <a:p>
+            <a:pPr algn="ctr"/>
+            <a:r>
+              <a:rPr lang="en-US" b="1" dirty="0">
+                <a:solidFill>
+                  <a:srgbClr val="FF0000"/>
+                </a:solidFill>
+              </a:rPr>
+              <a:t>Joystick </a:t>
+            </a:r>
+            <a:r>
+              <a:rPr lang="en-US" b="1" dirty="0" smtClean="0">
+                <a:solidFill>
+                  <a:srgbClr val="FF0000"/>
+                </a:solidFill>
+              </a:rPr>
+              <a:t>Right Button 11</a:t>
+            </a:r>
+            <a:endParaRPr lang="en-US" b="1" dirty="0">
+              <a:solidFill>
+                <a:srgbClr val="FF0000"/>
+              </a:solidFill>
+            </a:endParaRPr>
+          </a:p>
+        </p:txBody>
+      </p:sp>
+      <p:cxnSp>
+        <p:nvCxnSpPr>
+          <p:cNvPr id="43" name="Straight Arrow Connector 42">
+            <a:extLst>
+              <a:ext uri="{FF2B5EF4-FFF2-40B4-BE49-F238E27FC236}">
+                <a16:creationId xmlns:a16="http://schemas.microsoft.com/office/drawing/2014/main" xmlns="" id="{53F1F003-B170-45EA-90B5-FE1EAAD42A63}"/>
+              </a:ext>
+            </a:extLst>
+          </p:cNvPr>
+          <p:cNvCxnSpPr>
+            <a:cxnSpLocks/>
+          </p:cNvCxnSpPr>
+          <p:nvPr/>
+        </p:nvCxnSpPr>
+        <p:spPr>
+          <a:xfrm flipH="1" flipV="1">
+            <a:off x="6261295" y="5264804"/>
+            <a:ext cx="2363502" cy="610101"/>
+          </a:xfrm>
+          <a:prstGeom prst="straightConnector1">
+            <a:avLst/>
+          </a:prstGeom>
+          <a:ln w="38100">
+            <a:solidFill>
+              <a:srgbClr val="FF0000"/>
+            </a:solidFill>
+            <a:tailEnd type="triangle"/>
+          </a:ln>
+        </p:spPr>
+        <p:style>
+          <a:lnRef idx="1">
+            <a:schemeClr val="accent1"/>
+          </a:lnRef>
+          <a:fillRef idx="0">
+            <a:schemeClr val="accent1"/>
+          </a:fillRef>
+          <a:effectRef idx="0">
+            <a:schemeClr val="accent1"/>
+          </a:effectRef>
+          <a:fontRef idx="minor">
+            <a:schemeClr val="tx1"/>
+          </a:fontRef>
+        </p:style>
+      </p:cxnSp>
+      <p:sp>
+        <p:nvSpPr>
+          <p:cNvPr id="45" name="TextBox 44">
+            <a:extLst>
+              <a:ext uri="{FF2B5EF4-FFF2-40B4-BE49-F238E27FC236}">
+                <a16:creationId xmlns:a16="http://schemas.microsoft.com/office/drawing/2014/main" xmlns="" id="{58A7AB82-4CED-48AC-A028-2D01782C9733}"/>
+              </a:ext>
+            </a:extLst>
+          </p:cNvPr>
+          <p:cNvSpPr txBox="1"/>
+          <p:nvPr/>
+        </p:nvSpPr>
+        <p:spPr>
+          <a:xfrm>
+            <a:off x="4234636" y="3048065"/>
+            <a:ext cx="1418660" cy="369332"/>
+          </a:xfrm>
+          <a:prstGeom prst="rect">
+            <a:avLst/>
+          </a:prstGeom>
+          <a:noFill/>
+        </p:spPr>
+        <p:txBody>
+          <a:bodyPr wrap="square" rtlCol="0">
+            <a:spAutoFit/>
+          </a:bodyPr>
+          <a:lstStyle/>
+          <a:p>
+            <a:pPr algn="ctr"/>
+            <a:r>
+              <a:rPr lang="en-US" b="1" dirty="0">
+                <a:solidFill>
+                  <a:srgbClr val="FF0000"/>
+                </a:solidFill>
+              </a:rPr>
+              <a:t>Button </a:t>
+            </a:r>
+            <a:r>
+              <a:rPr lang="en-US" b="1" dirty="0" smtClean="0">
+                <a:solidFill>
+                  <a:srgbClr val="FF0000"/>
+                </a:solidFill>
+              </a:rPr>
+              <a:t>8</a:t>
+            </a:r>
+            <a:endParaRPr lang="en-US" b="1" dirty="0">
+              <a:solidFill>
+                <a:srgbClr val="FF0000"/>
+              </a:solidFill>
+            </a:endParaRPr>
+          </a:p>
+        </p:txBody>
+      </p:sp>
+      <p:sp>
+        <p:nvSpPr>
+          <p:cNvPr id="47" name="TextBox 46">
+            <a:extLst>
+              <a:ext uri="{FF2B5EF4-FFF2-40B4-BE49-F238E27FC236}">
+                <a16:creationId xmlns:a16="http://schemas.microsoft.com/office/drawing/2014/main" xmlns="" id="{58A7AB82-4CED-48AC-A028-2D01782C9733}"/>
+              </a:ext>
+            </a:extLst>
+          </p:cNvPr>
+          <p:cNvSpPr txBox="1"/>
+          <p:nvPr/>
+        </p:nvSpPr>
+        <p:spPr>
+          <a:xfrm>
+            <a:off x="5336574" y="3019569"/>
+            <a:ext cx="1418660" cy="369332"/>
+          </a:xfrm>
+          <a:prstGeom prst="rect">
+            <a:avLst/>
+          </a:prstGeom>
+          <a:noFill/>
+        </p:spPr>
+        <p:txBody>
+          <a:bodyPr wrap="square" rtlCol="0">
+            <a:spAutoFit/>
+          </a:bodyPr>
+          <a:lstStyle/>
+          <a:p>
+            <a:pPr algn="ctr"/>
+            <a:r>
+              <a:rPr lang="en-US" b="1" dirty="0">
+                <a:solidFill>
+                  <a:srgbClr val="FF0000"/>
+                </a:solidFill>
+              </a:rPr>
+              <a:t>Button </a:t>
+            </a:r>
+            <a:r>
+              <a:rPr lang="en-US" b="1" dirty="0" smtClean="0">
+                <a:solidFill>
+                  <a:srgbClr val="FF0000"/>
+                </a:solidFill>
+              </a:rPr>
+              <a:t>9</a:t>
+            </a:r>
+            <a:endParaRPr lang="en-US" b="1" dirty="0">
+              <a:solidFill>
+                <a:srgbClr val="FF0000"/>
+              </a:solidFill>
+            </a:endParaRPr>
+          </a:p>
+        </p:txBody>
+      </p:sp>
+      <p:cxnSp>
+        <p:nvCxnSpPr>
+          <p:cNvPr id="49" name="Straight Arrow Connector 48">
+            <a:extLst>
+              <a:ext uri="{FF2B5EF4-FFF2-40B4-BE49-F238E27FC236}">
+                <a16:creationId xmlns:a16="http://schemas.microsoft.com/office/drawing/2014/main" xmlns="" id="{7AB12831-494E-4990-A797-2DC7053DE7F5}"/>
+              </a:ext>
+            </a:extLst>
+          </p:cNvPr>
+          <p:cNvCxnSpPr>
+            <a:cxnSpLocks/>
+          </p:cNvCxnSpPr>
+          <p:nvPr/>
+        </p:nvCxnSpPr>
+        <p:spPr>
+          <a:xfrm flipH="1">
+            <a:off x="5125474" y="3397163"/>
+            <a:ext cx="6626" cy="749196"/>
+          </a:xfrm>
+          <a:prstGeom prst="straightConnector1">
+            <a:avLst/>
+          </a:prstGeom>
+          <a:ln w="38100">
+            <a:solidFill>
+              <a:srgbClr val="FF0000"/>
+            </a:solidFill>
+            <a:tailEnd type="triangle"/>
+          </a:ln>
+        </p:spPr>
+        <p:style>
+          <a:lnRef idx="1">
+            <a:schemeClr val="accent1"/>
+          </a:lnRef>
+          <a:fillRef idx="0">
+            <a:schemeClr val="accent1"/>
+          </a:fillRef>
+          <a:effectRef idx="0">
+            <a:schemeClr val="accent1"/>
+          </a:effectRef>
+          <a:fontRef idx="minor">
+            <a:schemeClr val="tx1"/>
+          </a:fontRef>
+        </p:style>
+      </p:cxnSp>
+      <p:cxnSp>
+        <p:nvCxnSpPr>
+          <p:cNvPr id="51" name="Straight Arrow Connector 50">
+            <a:extLst>
+              <a:ext uri="{FF2B5EF4-FFF2-40B4-BE49-F238E27FC236}">
+                <a16:creationId xmlns:a16="http://schemas.microsoft.com/office/drawing/2014/main" xmlns="" id="{7AB12831-494E-4990-A797-2DC7053DE7F5}"/>
+              </a:ext>
+            </a:extLst>
+          </p:cNvPr>
+          <p:cNvCxnSpPr>
+            <a:cxnSpLocks/>
+          </p:cNvCxnSpPr>
+          <p:nvPr/>
+        </p:nvCxnSpPr>
+        <p:spPr>
+          <a:xfrm flipH="1">
+            <a:off x="6039278" y="3413740"/>
+            <a:ext cx="6626" cy="749196"/>
+          </a:xfrm>
+          <a:prstGeom prst="straightConnector1">
+            <a:avLst/>
+          </a:prstGeom>
+          <a:ln w="38100">
+            <a:solidFill>
+              <a:srgbClr val="FF0000"/>
+            </a:solidFill>
+            <a:tailEnd type="triangle"/>
+          </a:ln>
+        </p:spPr>
+        <p:style>
+          <a:lnRef idx="1">
+            <a:schemeClr val="accent1"/>
+          </a:lnRef>
+          <a:fillRef idx="0">
+            <a:schemeClr val="accent1"/>
+          </a:fillRef>
+          <a:effectRef idx="0">
+            <a:schemeClr val="accent1"/>
+          </a:effectRef>
+          <a:fontRef idx="minor">
+            <a:schemeClr val="tx1"/>
+          </a:fontRef>
+        </p:style>
+      </p:cxnSp>
+    </p:spTree>
+    <p:extLst>
+      <p:ext uri="{BB962C8B-B14F-4D97-AF65-F5344CB8AC3E}">
+        <p14:creationId xmlns:p14="http://schemas.microsoft.com/office/powerpoint/2010/main" val="3975085301"/>
+      </p:ext>
+    </p:extLst>
+  </p:cSld>
+  <p:clrMapOvr>
+    <a:masterClrMapping/>
+  </p:clrMapOvr>
+</p:sld>
+</file>
+
+<file path=ppt/slides/slide8.xml><?xml version="1.0" encoding="utf-8"?>
+<p:sld xmlns:a="http://schemas.openxmlformats.org/drawingml/2006/main" xmlns:r="http://schemas.openxmlformats.org/officeDocument/2006/relationships" xmlns:p="http://schemas.openxmlformats.org/presentationml/2006/main">
+  <p:cSld>
+    <p:spTree>
+      <p:nvGrpSpPr>
+        <p:cNvPr id="1" name=""/>
+        <p:cNvGrpSpPr/>
+        <p:nvPr/>
+      </p:nvGrpSpPr>
+      <p:grpSpPr>
+        <a:xfrm>
+          <a:off x="0" y="0"/>
+          <a:ext cx="0" cy="0"/>
+          <a:chOff x="0" y="0"/>
+          <a:chExt cx="0" cy="0"/>
+        </a:xfrm>
+      </p:grpSpPr>
+      <p:pic>
+        <p:nvPicPr>
+          <p:cNvPr id="2" name="Picture 1"/>
+          <p:cNvPicPr>
+            <a:picLocks noChangeAspect="1"/>
+          </p:cNvPicPr>
+          <p:nvPr/>
+        </p:nvPicPr>
+        <p:blipFill>
+          <a:blip r:embed="rId2">
+            <a:extLst>
+              <a:ext uri="{28A0092B-C50C-407E-A947-70E740481C1C}">
+                <a14:useLocalDpi xmlns:a14="http://schemas.microsoft.com/office/drawing/2010/main" val="0"/>
+              </a:ext>
+            </a:extLst>
+          </a:blip>
+          <a:stretch>
+            <a:fillRect/>
+          </a:stretch>
+        </p:blipFill>
+        <p:spPr>
+          <a:xfrm>
             <a:off x="2667000" y="0"/>
             <a:ext cx="6858000" cy="6858000"/>
           </a:xfrm>
@@ -6916,7 +10540,7 @@
 </p:sld>
 </file>
 
-<file path=ppt/slides/slide8.xml><?xml version="1.0" encoding="utf-8"?>
+<file path=ppt/slides/slide9.xml><?xml version="1.0" encoding="utf-8"?>
 <p:sld xmlns:a="http://schemas.openxmlformats.org/drawingml/2006/main" xmlns:r="http://schemas.openxmlformats.org/officeDocument/2006/relationships" xmlns:p="http://schemas.openxmlformats.org/presentationml/2006/main">
   <p:cSld>
     <p:spTree>
@@ -8299,1160 +11923,6 @@
     <p:extLst>
       <p:ext uri="{BB962C8B-B14F-4D97-AF65-F5344CB8AC3E}">
         <p14:creationId xmlns:p14="http://schemas.microsoft.com/office/powerpoint/2010/main" val="2312342977"/>
-      </p:ext>
-    </p:extLst>
-  </p:cSld>
-  <p:clrMapOvr>
-    <a:masterClrMapping/>
-  </p:clrMapOvr>
-</p:sld>
-</file>
-
-<file path=ppt/slides/slide9.xml><?xml version="1.0" encoding="utf-8"?>
-<p:sld xmlns:a="http://schemas.openxmlformats.org/drawingml/2006/main" xmlns:r="http://schemas.openxmlformats.org/officeDocument/2006/relationships" xmlns:p="http://schemas.openxmlformats.org/presentationml/2006/main">
-  <p:cSld>
-    <p:spTree>
-      <p:nvGrpSpPr>
-        <p:cNvPr id="1" name=""/>
-        <p:cNvGrpSpPr/>
-        <p:nvPr/>
-      </p:nvGrpSpPr>
-      <p:grpSpPr>
-        <a:xfrm>
-          <a:off x="0" y="0"/>
-          <a:ext cx="0" cy="0"/>
-          <a:chOff x="0" y="0"/>
-          <a:chExt cx="0" cy="0"/>
-        </a:xfrm>
-      </p:grpSpPr>
-      <p:pic>
-        <p:nvPicPr>
-          <p:cNvPr id="2" name="Picture 1"/>
-          <p:cNvPicPr>
-            <a:picLocks noChangeAspect="1"/>
-          </p:cNvPicPr>
-          <p:nvPr/>
-        </p:nvPicPr>
-        <p:blipFill>
-          <a:blip r:embed="rId2">
-            <a:extLst>
-              <a:ext uri="{28A0092B-C50C-407E-A947-70E740481C1C}">
-                <a14:useLocalDpi xmlns:a14="http://schemas.microsoft.com/office/drawing/2010/main" val="0"/>
-              </a:ext>
-            </a:extLst>
-          </a:blip>
-          <a:stretch>
-            <a:fillRect/>
-          </a:stretch>
-        </p:blipFill>
-        <p:spPr>
-          <a:xfrm>
-            <a:off x="2683933" y="0"/>
-            <a:ext cx="6858000" cy="6858000"/>
-          </a:xfrm>
-          <a:prstGeom prst="rect">
-            <a:avLst/>
-          </a:prstGeom>
-        </p:spPr>
-      </p:pic>
-      <p:sp>
-        <p:nvSpPr>
-          <p:cNvPr id="32" name="TextBox 31"/>
-          <p:cNvSpPr txBox="1"/>
-          <p:nvPr/>
-        </p:nvSpPr>
-        <p:spPr>
-          <a:xfrm>
-            <a:off x="195381" y="280738"/>
-            <a:ext cx="2258008" cy="584775"/>
-          </a:xfrm>
-          <a:prstGeom prst="rect">
-            <a:avLst/>
-          </a:prstGeom>
-          <a:noFill/>
-        </p:spPr>
-        <p:txBody>
-          <a:bodyPr wrap="square" rtlCol="0">
-            <a:spAutoFit/>
-          </a:bodyPr>
-          <a:lstStyle/>
-          <a:p>
-            <a:r>
-              <a:rPr lang="en-US" sz="3200" b="1" dirty="0">
-                <a:solidFill>
-                  <a:srgbClr val="FF0000"/>
-                </a:solidFill>
-              </a:rPr>
-              <a:t>OPERATOR</a:t>
-            </a:r>
-          </a:p>
-        </p:txBody>
-      </p:sp>
-      <p:cxnSp>
-        <p:nvCxnSpPr>
-          <p:cNvPr id="27" name="Straight Arrow Connector 26"/>
-          <p:cNvCxnSpPr>
-            <a:stCxn id="29" idx="1"/>
-          </p:cNvCxnSpPr>
-          <p:nvPr/>
-        </p:nvCxnSpPr>
-        <p:spPr>
-          <a:xfrm flipH="1">
-            <a:off x="7277881" y="2716221"/>
-            <a:ext cx="1548878" cy="876065"/>
-          </a:xfrm>
-          <a:prstGeom prst="straightConnector1">
-            <a:avLst/>
-          </a:prstGeom>
-          <a:ln w="38100">
-            <a:solidFill>
-              <a:srgbClr val="FF0000"/>
-            </a:solidFill>
-            <a:tailEnd type="triangle"/>
-          </a:ln>
-        </p:spPr>
-        <p:style>
-          <a:lnRef idx="1">
-            <a:schemeClr val="accent1"/>
-          </a:lnRef>
-          <a:fillRef idx="0">
-            <a:schemeClr val="accent1"/>
-          </a:fillRef>
-          <a:effectRef idx="0">
-            <a:schemeClr val="accent1"/>
-          </a:effectRef>
-          <a:fontRef idx="minor">
-            <a:schemeClr val="tx1"/>
-          </a:fontRef>
-        </p:style>
-      </p:cxnSp>
-      <p:sp>
-        <p:nvSpPr>
-          <p:cNvPr id="29" name="TextBox 28"/>
-          <p:cNvSpPr txBox="1"/>
-          <p:nvPr/>
-        </p:nvSpPr>
-        <p:spPr>
-          <a:xfrm>
-            <a:off x="8826759" y="2531555"/>
-            <a:ext cx="2258008" cy="369332"/>
-          </a:xfrm>
-          <a:prstGeom prst="rect">
-            <a:avLst/>
-          </a:prstGeom>
-          <a:noFill/>
-        </p:spPr>
-        <p:txBody>
-          <a:bodyPr wrap="square" rtlCol="0">
-            <a:spAutoFit/>
-          </a:bodyPr>
-          <a:lstStyle/>
-          <a:p>
-            <a:r>
-              <a:rPr lang="en-US" b="1" dirty="0">
-                <a:solidFill>
-                  <a:srgbClr val="FF0000"/>
-                </a:solidFill>
-              </a:rPr>
-              <a:t>Control Panel 3 turns </a:t>
-            </a:r>
-          </a:p>
-        </p:txBody>
-      </p:sp>
-      <p:sp>
-        <p:nvSpPr>
-          <p:cNvPr id="33" name="TextBox 32"/>
-          <p:cNvSpPr txBox="1"/>
-          <p:nvPr/>
-        </p:nvSpPr>
-        <p:spPr>
-          <a:xfrm>
-            <a:off x="8826759" y="1827654"/>
-            <a:ext cx="3289040" cy="369332"/>
-          </a:xfrm>
-          <a:prstGeom prst="rect">
-            <a:avLst/>
-          </a:prstGeom>
-          <a:noFill/>
-        </p:spPr>
-        <p:txBody>
-          <a:bodyPr wrap="square" rtlCol="0">
-            <a:spAutoFit/>
-          </a:bodyPr>
-          <a:lstStyle/>
-          <a:p>
-            <a:r>
-              <a:rPr lang="en-US" b="1" dirty="0">
-                <a:solidFill>
-                  <a:srgbClr val="FF0000"/>
-                </a:solidFill>
-              </a:rPr>
-              <a:t>Transfer stuck - Left front trigger</a:t>
-            </a:r>
-          </a:p>
-        </p:txBody>
-      </p:sp>
-      <p:sp>
-        <p:nvSpPr>
-          <p:cNvPr id="34" name="TextBox 33"/>
-          <p:cNvSpPr txBox="1"/>
-          <p:nvPr/>
-        </p:nvSpPr>
-        <p:spPr>
-          <a:xfrm>
-            <a:off x="110067" y="1827654"/>
-            <a:ext cx="3146316" cy="646331"/>
-          </a:xfrm>
-          <a:prstGeom prst="rect">
-            <a:avLst/>
-          </a:prstGeom>
-          <a:noFill/>
-        </p:spPr>
-        <p:txBody>
-          <a:bodyPr wrap="square" rtlCol="0">
-            <a:spAutoFit/>
-          </a:bodyPr>
-          <a:lstStyle/>
-          <a:p>
-            <a:r>
-              <a:rPr lang="en-US" b="1" dirty="0">
-                <a:solidFill>
-                  <a:srgbClr val="FF0000"/>
-                </a:solidFill>
-              </a:rPr>
-              <a:t>Transfer to shooter – </a:t>
-            </a:r>
-          </a:p>
-          <a:p>
-            <a:r>
-              <a:rPr lang="en-US" b="1" dirty="0">
-                <a:solidFill>
-                  <a:srgbClr val="FF0000"/>
-                </a:solidFill>
-              </a:rPr>
-              <a:t>Right front trigger</a:t>
-            </a:r>
-          </a:p>
-        </p:txBody>
-      </p:sp>
-      <p:cxnSp>
-        <p:nvCxnSpPr>
-          <p:cNvPr id="35" name="Straight Arrow Connector 34"/>
-          <p:cNvCxnSpPr>
-            <a:stCxn id="33" idx="1"/>
-          </p:cNvCxnSpPr>
-          <p:nvPr/>
-        </p:nvCxnSpPr>
-        <p:spPr>
-          <a:xfrm flipH="1">
-            <a:off x="8052319" y="2012320"/>
-            <a:ext cx="774440" cy="22260"/>
-          </a:xfrm>
-          <a:prstGeom prst="straightConnector1">
-            <a:avLst/>
-          </a:prstGeom>
-          <a:ln w="38100">
-            <a:solidFill>
-              <a:srgbClr val="FF0000"/>
-            </a:solidFill>
-            <a:tailEnd type="triangle"/>
-          </a:ln>
-        </p:spPr>
-        <p:style>
-          <a:lnRef idx="1">
-            <a:schemeClr val="accent1"/>
-          </a:lnRef>
-          <a:fillRef idx="0">
-            <a:schemeClr val="accent1"/>
-          </a:fillRef>
-          <a:effectRef idx="0">
-            <a:schemeClr val="accent1"/>
-          </a:effectRef>
-          <a:fontRef idx="minor">
-            <a:schemeClr val="tx1"/>
-          </a:fontRef>
-        </p:style>
-      </p:cxnSp>
-      <p:cxnSp>
-        <p:nvCxnSpPr>
-          <p:cNvPr id="36" name="Straight Arrow Connector 35"/>
-          <p:cNvCxnSpPr/>
-          <p:nvPr/>
-        </p:nvCxnSpPr>
-        <p:spPr>
-          <a:xfrm flipH="1">
-            <a:off x="4210266" y="3751893"/>
-            <a:ext cx="790446" cy="2606574"/>
-          </a:xfrm>
-          <a:prstGeom prst="straightConnector1">
-            <a:avLst/>
-          </a:prstGeom>
-          <a:ln w="38100">
-            <a:solidFill>
-              <a:srgbClr val="FF0000"/>
-            </a:solidFill>
-            <a:headEnd type="triangle" w="med" len="med"/>
-            <a:tailEnd type="triangle" w="med" len="med"/>
-          </a:ln>
-        </p:spPr>
-        <p:style>
-          <a:lnRef idx="1">
-            <a:schemeClr val="accent1"/>
-          </a:lnRef>
-          <a:fillRef idx="0">
-            <a:schemeClr val="accent1"/>
-          </a:fillRef>
-          <a:effectRef idx="0">
-            <a:schemeClr val="accent1"/>
-          </a:effectRef>
-          <a:fontRef idx="minor">
-            <a:schemeClr val="tx1"/>
-          </a:fontRef>
-        </p:style>
-      </p:cxnSp>
-      <p:cxnSp>
-        <p:nvCxnSpPr>
-          <p:cNvPr id="37" name="Straight Arrow Connector 36"/>
-          <p:cNvCxnSpPr/>
-          <p:nvPr/>
-        </p:nvCxnSpPr>
-        <p:spPr>
-          <a:xfrm>
-            <a:off x="3328208" y="2034580"/>
-            <a:ext cx="920528" cy="20846"/>
-          </a:xfrm>
-          <a:prstGeom prst="straightConnector1">
-            <a:avLst/>
-          </a:prstGeom>
-          <a:ln w="38100">
-            <a:solidFill>
-              <a:srgbClr val="FF0000"/>
-            </a:solidFill>
-            <a:tailEnd type="triangle"/>
-          </a:ln>
-        </p:spPr>
-        <p:style>
-          <a:lnRef idx="1">
-            <a:schemeClr val="accent1"/>
-          </a:lnRef>
-          <a:fillRef idx="0">
-            <a:schemeClr val="accent1"/>
-          </a:fillRef>
-          <a:effectRef idx="0">
-            <a:schemeClr val="accent1"/>
-          </a:effectRef>
-          <a:fontRef idx="minor">
-            <a:schemeClr val="tx1"/>
-          </a:fontRef>
-        </p:style>
-      </p:cxnSp>
-      <p:sp>
-        <p:nvSpPr>
-          <p:cNvPr id="40" name="TextBox 39"/>
-          <p:cNvSpPr txBox="1"/>
-          <p:nvPr/>
-        </p:nvSpPr>
-        <p:spPr>
-          <a:xfrm>
-            <a:off x="1210733" y="6173801"/>
-            <a:ext cx="2982352" cy="369332"/>
-          </a:xfrm>
-          <a:prstGeom prst="rect">
-            <a:avLst/>
-          </a:prstGeom>
-          <a:noFill/>
-        </p:spPr>
-        <p:txBody>
-          <a:bodyPr wrap="square" rtlCol="0">
-            <a:spAutoFit/>
-          </a:bodyPr>
-          <a:lstStyle/>
-          <a:p>
-            <a:r>
-              <a:rPr lang="en-US" b="1" dirty="0"/>
-              <a:t>Climb motor - Left Joystick 1</a:t>
-            </a:r>
-          </a:p>
-        </p:txBody>
-      </p:sp>
-      <p:cxnSp>
-        <p:nvCxnSpPr>
-          <p:cNvPr id="41" name="Straight Arrow Connector 40"/>
-          <p:cNvCxnSpPr/>
-          <p:nvPr/>
-        </p:nvCxnSpPr>
-        <p:spPr>
-          <a:xfrm flipH="1">
-            <a:off x="7699981" y="3429406"/>
-            <a:ext cx="1548881" cy="569168"/>
-          </a:xfrm>
-          <a:prstGeom prst="straightConnector1">
-            <a:avLst/>
-          </a:prstGeom>
-          <a:ln w="38100">
-            <a:solidFill>
-              <a:srgbClr val="FF0000"/>
-            </a:solidFill>
-            <a:tailEnd type="triangle"/>
-          </a:ln>
-        </p:spPr>
-        <p:style>
-          <a:lnRef idx="1">
-            <a:schemeClr val="accent1"/>
-          </a:lnRef>
-          <a:fillRef idx="0">
-            <a:schemeClr val="accent1"/>
-          </a:fillRef>
-          <a:effectRef idx="0">
-            <a:schemeClr val="accent1"/>
-          </a:effectRef>
-          <a:fontRef idx="minor">
-            <a:schemeClr val="tx1"/>
-          </a:fontRef>
-        </p:style>
-      </p:cxnSp>
-      <p:sp>
-        <p:nvSpPr>
-          <p:cNvPr id="42" name="TextBox 41"/>
-          <p:cNvSpPr txBox="1"/>
-          <p:nvPr/>
-        </p:nvSpPr>
-        <p:spPr>
-          <a:xfrm>
-            <a:off x="9268019" y="3263896"/>
-            <a:ext cx="2022022" cy="369332"/>
-          </a:xfrm>
-          <a:prstGeom prst="rect">
-            <a:avLst/>
-          </a:prstGeom>
-          <a:noFill/>
-        </p:spPr>
-        <p:txBody>
-          <a:bodyPr wrap="square" rtlCol="0">
-            <a:spAutoFit/>
-          </a:bodyPr>
-          <a:lstStyle/>
-          <a:p>
-            <a:r>
-              <a:rPr lang="en-US" b="1" dirty="0"/>
-              <a:t>Climb motor safety</a:t>
-            </a:r>
-          </a:p>
-        </p:txBody>
-      </p:sp>
-      <p:cxnSp>
-        <p:nvCxnSpPr>
-          <p:cNvPr id="43" name="Straight Arrow Connector 42"/>
-          <p:cNvCxnSpPr/>
-          <p:nvPr/>
-        </p:nvCxnSpPr>
-        <p:spPr>
-          <a:xfrm flipH="1" flipV="1">
-            <a:off x="7008652" y="4527093"/>
-            <a:ext cx="1818106" cy="528087"/>
-          </a:xfrm>
-          <a:prstGeom prst="straightConnector1">
-            <a:avLst/>
-          </a:prstGeom>
-          <a:ln w="38100">
-            <a:solidFill>
-              <a:srgbClr val="FF0000"/>
-            </a:solidFill>
-            <a:tailEnd type="triangle"/>
-          </a:ln>
-        </p:spPr>
-        <p:style>
-          <a:lnRef idx="1">
-            <a:schemeClr val="accent1"/>
-          </a:lnRef>
-          <a:fillRef idx="0">
-            <a:schemeClr val="accent1"/>
-          </a:fillRef>
-          <a:effectRef idx="0">
-            <a:schemeClr val="accent1"/>
-          </a:effectRef>
-          <a:fontRef idx="minor">
-            <a:schemeClr val="tx1"/>
-          </a:fontRef>
-        </p:style>
-      </p:cxnSp>
-      <p:sp>
-        <p:nvSpPr>
-          <p:cNvPr id="44" name="TextBox 43"/>
-          <p:cNvSpPr txBox="1"/>
-          <p:nvPr/>
-        </p:nvSpPr>
-        <p:spPr>
-          <a:xfrm>
-            <a:off x="8826758" y="4870514"/>
-            <a:ext cx="2258008" cy="646331"/>
-          </a:xfrm>
-          <a:prstGeom prst="rect">
-            <a:avLst/>
-          </a:prstGeom>
-          <a:noFill/>
-        </p:spPr>
-        <p:txBody>
-          <a:bodyPr wrap="square" rtlCol="0">
-            <a:spAutoFit/>
-          </a:bodyPr>
-          <a:lstStyle/>
-          <a:p>
-            <a:r>
-              <a:rPr lang="en-US" b="1" dirty="0">
-                <a:solidFill>
-                  <a:srgbClr val="FF0000"/>
-                </a:solidFill>
-              </a:rPr>
-              <a:t>Intake Arm up</a:t>
-            </a:r>
-          </a:p>
-          <a:p>
-            <a:r>
-              <a:rPr lang="en-US" b="1" dirty="0">
-                <a:solidFill>
-                  <a:srgbClr val="FF0000"/>
-                </a:solidFill>
-              </a:rPr>
-              <a:t>Limelight LED OFF </a:t>
-            </a:r>
-          </a:p>
-        </p:txBody>
-      </p:sp>
-      <p:sp>
-        <p:nvSpPr>
-          <p:cNvPr id="45" name="TextBox 44"/>
-          <p:cNvSpPr txBox="1"/>
-          <p:nvPr/>
-        </p:nvSpPr>
-        <p:spPr>
-          <a:xfrm>
-            <a:off x="8826759" y="562117"/>
-            <a:ext cx="2990363" cy="646331"/>
-          </a:xfrm>
-          <a:prstGeom prst="rect">
-            <a:avLst/>
-          </a:prstGeom>
-          <a:noFill/>
-        </p:spPr>
-        <p:txBody>
-          <a:bodyPr wrap="square" rtlCol="0">
-            <a:spAutoFit/>
-          </a:bodyPr>
-          <a:lstStyle/>
-          <a:p>
-            <a:r>
-              <a:rPr lang="en-US" b="1" dirty="0">
-                <a:solidFill>
-                  <a:srgbClr val="FF0000"/>
-                </a:solidFill>
-              </a:rPr>
-              <a:t>Intake / Lower arm – </a:t>
-            </a:r>
-          </a:p>
-          <a:p>
-            <a:r>
-              <a:rPr lang="en-US" b="1" dirty="0">
-                <a:solidFill>
-                  <a:srgbClr val="FF0000"/>
-                </a:solidFill>
-              </a:rPr>
-              <a:t>Left Front Button</a:t>
-            </a:r>
-          </a:p>
-        </p:txBody>
-      </p:sp>
-      <p:cxnSp>
-        <p:nvCxnSpPr>
-          <p:cNvPr id="46" name="Straight Arrow Connector 45"/>
-          <p:cNvCxnSpPr/>
-          <p:nvPr/>
-        </p:nvCxnSpPr>
-        <p:spPr>
-          <a:xfrm flipH="1">
-            <a:off x="8052321" y="1136396"/>
-            <a:ext cx="880012" cy="201506"/>
-          </a:xfrm>
-          <a:prstGeom prst="straightConnector1">
-            <a:avLst/>
-          </a:prstGeom>
-          <a:ln w="38100">
-            <a:solidFill>
-              <a:srgbClr val="FF0000"/>
-            </a:solidFill>
-            <a:tailEnd type="triangle"/>
-          </a:ln>
-        </p:spPr>
-        <p:style>
-          <a:lnRef idx="1">
-            <a:schemeClr val="accent1"/>
-          </a:lnRef>
-          <a:fillRef idx="0">
-            <a:schemeClr val="accent1"/>
-          </a:fillRef>
-          <a:effectRef idx="0">
-            <a:schemeClr val="accent1"/>
-          </a:effectRef>
-          <a:fontRef idx="minor">
-            <a:schemeClr val="tx1"/>
-          </a:fontRef>
-        </p:style>
-      </p:cxnSp>
-      <p:sp>
-        <p:nvSpPr>
-          <p:cNvPr id="47" name="TextBox 46"/>
-          <p:cNvSpPr txBox="1"/>
-          <p:nvPr/>
-        </p:nvSpPr>
-        <p:spPr>
-          <a:xfrm>
-            <a:off x="408744" y="1122373"/>
-            <a:ext cx="2919464" cy="646331"/>
-          </a:xfrm>
-          <a:prstGeom prst="rect">
-            <a:avLst/>
-          </a:prstGeom>
-          <a:noFill/>
-        </p:spPr>
-        <p:txBody>
-          <a:bodyPr wrap="square" rtlCol="0">
-            <a:spAutoFit/>
-          </a:bodyPr>
-          <a:lstStyle/>
-          <a:p>
-            <a:r>
-              <a:rPr lang="en-US" b="1" dirty="0">
-                <a:solidFill>
-                  <a:srgbClr val="FF0000"/>
-                </a:solidFill>
-              </a:rPr>
-              <a:t>Shooter– Right front button</a:t>
-            </a:r>
-          </a:p>
-          <a:p>
-            <a:r>
-              <a:rPr lang="en-US" b="1" dirty="0">
-                <a:solidFill>
-                  <a:srgbClr val="FF0000"/>
-                </a:solidFill>
-              </a:rPr>
-              <a:t>Limelight LED ON</a:t>
-            </a:r>
-          </a:p>
-        </p:txBody>
-      </p:sp>
-      <p:cxnSp>
-        <p:nvCxnSpPr>
-          <p:cNvPr id="48" name="Straight Arrow Connector 47"/>
-          <p:cNvCxnSpPr>
-            <a:stCxn id="47" idx="3"/>
-          </p:cNvCxnSpPr>
-          <p:nvPr/>
-        </p:nvCxnSpPr>
-        <p:spPr>
-          <a:xfrm flipV="1">
-            <a:off x="3328208" y="1350145"/>
-            <a:ext cx="992353" cy="95394"/>
-          </a:xfrm>
-          <a:prstGeom prst="straightConnector1">
-            <a:avLst/>
-          </a:prstGeom>
-          <a:ln w="38100">
-            <a:solidFill>
-              <a:srgbClr val="FF0000"/>
-            </a:solidFill>
-            <a:tailEnd type="triangle"/>
-          </a:ln>
-        </p:spPr>
-        <p:style>
-          <a:lnRef idx="1">
-            <a:schemeClr val="accent1"/>
-          </a:lnRef>
-          <a:fillRef idx="0">
-            <a:schemeClr val="accent1"/>
-          </a:fillRef>
-          <a:effectRef idx="0">
-            <a:schemeClr val="accent1"/>
-          </a:effectRef>
-          <a:fontRef idx="minor">
-            <a:schemeClr val="tx1"/>
-          </a:fontRef>
-        </p:style>
-      </p:cxnSp>
-      <p:cxnSp>
-        <p:nvCxnSpPr>
-          <p:cNvPr id="51" name="Straight Arrow Connector 50"/>
-          <p:cNvCxnSpPr>
-            <a:stCxn id="52" idx="1"/>
-          </p:cNvCxnSpPr>
-          <p:nvPr/>
-        </p:nvCxnSpPr>
-        <p:spPr>
-          <a:xfrm flipH="1" flipV="1">
-            <a:off x="6871534" y="4042007"/>
-            <a:ext cx="2001780" cy="222383"/>
-          </a:xfrm>
-          <a:prstGeom prst="straightConnector1">
-            <a:avLst/>
-          </a:prstGeom>
-          <a:ln w="38100">
-            <a:solidFill>
-              <a:srgbClr val="FF0000"/>
-            </a:solidFill>
-            <a:tailEnd type="triangle"/>
-          </a:ln>
-        </p:spPr>
-        <p:style>
-          <a:lnRef idx="1">
-            <a:schemeClr val="accent1"/>
-          </a:lnRef>
-          <a:fillRef idx="0">
-            <a:schemeClr val="accent1"/>
-          </a:fillRef>
-          <a:effectRef idx="0">
-            <a:schemeClr val="accent1"/>
-          </a:effectRef>
-          <a:fontRef idx="minor">
-            <a:schemeClr val="tx1"/>
-          </a:fontRef>
-        </p:style>
-      </p:cxnSp>
-      <p:sp>
-        <p:nvSpPr>
-          <p:cNvPr id="52" name="TextBox 51"/>
-          <p:cNvSpPr txBox="1"/>
-          <p:nvPr/>
-        </p:nvSpPr>
-        <p:spPr>
-          <a:xfrm>
-            <a:off x="8873314" y="4079724"/>
-            <a:ext cx="2723115" cy="369332"/>
-          </a:xfrm>
-          <a:prstGeom prst="rect">
-            <a:avLst/>
-          </a:prstGeom>
-          <a:noFill/>
-        </p:spPr>
-        <p:txBody>
-          <a:bodyPr wrap="square" rtlCol="0">
-            <a:spAutoFit/>
-          </a:bodyPr>
-          <a:lstStyle/>
-          <a:p>
-            <a:r>
-              <a:rPr lang="en-US" b="1" dirty="0">
-                <a:solidFill>
-                  <a:srgbClr val="FF0000"/>
-                </a:solidFill>
-              </a:rPr>
-              <a:t>Control Panel Color Match</a:t>
-            </a:r>
-          </a:p>
-        </p:txBody>
-      </p:sp>
-      <p:cxnSp>
-        <p:nvCxnSpPr>
-          <p:cNvPr id="22" name="Straight Arrow Connector 21"/>
-          <p:cNvCxnSpPr/>
-          <p:nvPr/>
-        </p:nvCxnSpPr>
-        <p:spPr>
-          <a:xfrm flipH="1" flipV="1">
-            <a:off x="6362269" y="4851822"/>
-            <a:ext cx="2728069" cy="931614"/>
-          </a:xfrm>
-          <a:prstGeom prst="straightConnector1">
-            <a:avLst/>
-          </a:prstGeom>
-          <a:ln w="38100">
-            <a:solidFill>
-              <a:srgbClr val="FF0000"/>
-            </a:solidFill>
-            <a:tailEnd type="triangle"/>
-          </a:ln>
-        </p:spPr>
-        <p:style>
-          <a:lnRef idx="1">
-            <a:schemeClr val="accent1"/>
-          </a:lnRef>
-          <a:fillRef idx="0">
-            <a:schemeClr val="accent1"/>
-          </a:fillRef>
-          <a:effectRef idx="0">
-            <a:schemeClr val="accent1"/>
-          </a:effectRef>
-          <a:fontRef idx="minor">
-            <a:schemeClr val="tx1"/>
-          </a:fontRef>
-        </p:style>
-      </p:cxnSp>
-      <p:sp>
-        <p:nvSpPr>
-          <p:cNvPr id="24" name="TextBox 23"/>
-          <p:cNvSpPr txBox="1"/>
-          <p:nvPr/>
-        </p:nvSpPr>
-        <p:spPr>
-          <a:xfrm>
-            <a:off x="8863812" y="5997552"/>
-            <a:ext cx="2717800" cy="646331"/>
-          </a:xfrm>
-          <a:prstGeom prst="rect">
-            <a:avLst/>
-          </a:prstGeom>
-          <a:noFill/>
-        </p:spPr>
-        <p:txBody>
-          <a:bodyPr wrap="square" rtlCol="0">
-            <a:spAutoFit/>
-          </a:bodyPr>
-          <a:lstStyle/>
-          <a:p>
-            <a:r>
-              <a:rPr lang="en-US" b="1" dirty="0">
-                <a:solidFill>
-                  <a:srgbClr val="FF0000"/>
-                </a:solidFill>
-              </a:rPr>
-              <a:t>Right Joystick Push Down</a:t>
-            </a:r>
-          </a:p>
-          <a:p>
-            <a:r>
-              <a:rPr lang="en-US" b="1" dirty="0">
-                <a:solidFill>
-                  <a:srgbClr val="FF0000"/>
-                </a:solidFill>
-              </a:rPr>
-              <a:t>Reverse the intake wheels</a:t>
-            </a:r>
-          </a:p>
-        </p:txBody>
-      </p:sp>
-      <p:cxnSp>
-        <p:nvCxnSpPr>
-          <p:cNvPr id="25" name="Straight Arrow Connector 24"/>
-          <p:cNvCxnSpPr/>
-          <p:nvPr/>
-        </p:nvCxnSpPr>
-        <p:spPr>
-          <a:xfrm>
-            <a:off x="2683933" y="4448293"/>
-            <a:ext cx="1770077" cy="53499"/>
-          </a:xfrm>
-          <a:prstGeom prst="straightConnector1">
-            <a:avLst/>
-          </a:prstGeom>
-          <a:ln w="38100">
-            <a:solidFill>
-              <a:srgbClr val="FF0000"/>
-            </a:solidFill>
-            <a:tailEnd type="triangle"/>
-          </a:ln>
-        </p:spPr>
-        <p:style>
-          <a:lnRef idx="1">
-            <a:schemeClr val="accent1"/>
-          </a:lnRef>
-          <a:fillRef idx="0">
-            <a:schemeClr val="accent1"/>
-          </a:fillRef>
-          <a:effectRef idx="0">
-            <a:schemeClr val="accent1"/>
-          </a:effectRef>
-          <a:fontRef idx="minor">
-            <a:schemeClr val="tx1"/>
-          </a:fontRef>
-        </p:style>
-      </p:cxnSp>
-      <p:sp>
-        <p:nvSpPr>
-          <p:cNvPr id="28" name="TextBox 27"/>
-          <p:cNvSpPr txBox="1"/>
-          <p:nvPr/>
-        </p:nvSpPr>
-        <p:spPr>
-          <a:xfrm>
-            <a:off x="140490" y="4097512"/>
-            <a:ext cx="2529219" cy="646331"/>
-          </a:xfrm>
-          <a:prstGeom prst="rect">
-            <a:avLst/>
-          </a:prstGeom>
-          <a:noFill/>
-        </p:spPr>
-        <p:txBody>
-          <a:bodyPr wrap="square" rtlCol="0">
-            <a:spAutoFit/>
-          </a:bodyPr>
-          <a:lstStyle/>
-          <a:p>
-            <a:r>
-              <a:rPr lang="en-US" b="1" dirty="0">
-                <a:solidFill>
-                  <a:srgbClr val="FF0000"/>
-                </a:solidFill>
-              </a:rPr>
-              <a:t>Left Joystick Push Down</a:t>
-            </a:r>
-          </a:p>
-          <a:p>
-            <a:r>
-              <a:rPr lang="en-US" b="1" dirty="0">
-                <a:solidFill>
-                  <a:srgbClr val="FF0000"/>
-                </a:solidFill>
-              </a:rPr>
-              <a:t>Shoot to the low target</a:t>
-            </a:r>
-          </a:p>
-        </p:txBody>
-      </p:sp>
-      <p:grpSp>
-        <p:nvGrpSpPr>
-          <p:cNvPr id="20" name="Group 19"/>
-          <p:cNvGrpSpPr/>
-          <p:nvPr/>
-        </p:nvGrpSpPr>
-        <p:grpSpPr>
-          <a:xfrm>
-            <a:off x="10814674" y="4929763"/>
-            <a:ext cx="494524" cy="475042"/>
-            <a:chOff x="11234552" y="164726"/>
-            <a:chExt cx="494524" cy="475042"/>
-          </a:xfrm>
-        </p:grpSpPr>
-        <p:cxnSp>
-          <p:nvCxnSpPr>
-            <p:cNvPr id="18" name="Straight Connector 17"/>
-            <p:cNvCxnSpPr/>
-            <p:nvPr/>
-          </p:nvCxnSpPr>
-          <p:spPr>
-            <a:xfrm>
-              <a:off x="11234553" y="164726"/>
-              <a:ext cx="494523" cy="475042"/>
-            </a:xfrm>
-            <a:prstGeom prst="line">
-              <a:avLst/>
-            </a:prstGeom>
-            <a:ln w="38100">
-              <a:solidFill>
-                <a:srgbClr val="7030A0"/>
-              </a:solidFill>
-              <a:prstDash val="sysDash"/>
-            </a:ln>
-          </p:spPr>
-          <p:style>
-            <a:lnRef idx="1">
-              <a:schemeClr val="accent1"/>
-            </a:lnRef>
-            <a:fillRef idx="0">
-              <a:schemeClr val="accent1"/>
-            </a:fillRef>
-            <a:effectRef idx="0">
-              <a:schemeClr val="accent1"/>
-            </a:effectRef>
-            <a:fontRef idx="minor">
-              <a:schemeClr val="tx1"/>
-            </a:fontRef>
-          </p:style>
-        </p:cxnSp>
-        <p:cxnSp>
-          <p:nvCxnSpPr>
-            <p:cNvPr id="50" name="Straight Connector 49"/>
-            <p:cNvCxnSpPr/>
-            <p:nvPr/>
-          </p:nvCxnSpPr>
-          <p:spPr>
-            <a:xfrm flipV="1">
-              <a:off x="11234552" y="181934"/>
-              <a:ext cx="494524" cy="431042"/>
-            </a:xfrm>
-            <a:prstGeom prst="line">
-              <a:avLst/>
-            </a:prstGeom>
-            <a:ln w="38100">
-              <a:solidFill>
-                <a:srgbClr val="7030A0"/>
-              </a:solidFill>
-              <a:prstDash val="sysDash"/>
-            </a:ln>
-          </p:spPr>
-          <p:style>
-            <a:lnRef idx="1">
-              <a:schemeClr val="accent1"/>
-            </a:lnRef>
-            <a:fillRef idx="0">
-              <a:schemeClr val="accent1"/>
-            </a:fillRef>
-            <a:effectRef idx="0">
-              <a:schemeClr val="accent1"/>
-            </a:effectRef>
-            <a:fontRef idx="minor">
-              <a:schemeClr val="tx1"/>
-            </a:fontRef>
-          </p:style>
-        </p:cxnSp>
-      </p:grpSp>
-      <p:sp>
-        <p:nvSpPr>
-          <p:cNvPr id="56" name="Isosceles Triangle 55"/>
-          <p:cNvSpPr/>
-          <p:nvPr/>
-        </p:nvSpPr>
-        <p:spPr>
-          <a:xfrm>
-            <a:off x="11084766" y="2417762"/>
-            <a:ext cx="527081" cy="419878"/>
-          </a:xfrm>
-          <a:prstGeom prst="triangle">
-            <a:avLst/>
-          </a:prstGeom>
-          <a:solidFill>
-            <a:srgbClr val="92D050"/>
-          </a:solidFill>
-          <a:ln w="38100">
-            <a:solidFill>
-              <a:srgbClr val="00B050"/>
-            </a:solidFill>
-            <a:prstDash val="sysDash"/>
-          </a:ln>
-        </p:spPr>
-        <p:style>
-          <a:lnRef idx="2">
-            <a:schemeClr val="accent1">
-              <a:shade val="50000"/>
-            </a:schemeClr>
-          </a:lnRef>
-          <a:fillRef idx="1">
-            <a:schemeClr val="accent1"/>
-          </a:fillRef>
-          <a:effectRef idx="0">
-            <a:schemeClr val="accent1"/>
-          </a:effectRef>
-          <a:fontRef idx="minor">
-            <a:schemeClr val="lt1"/>
-          </a:fontRef>
-        </p:style>
-        <p:txBody>
-          <a:bodyPr rtlCol="0" anchor="ctr"/>
-          <a:lstStyle/>
-          <a:p>
-            <a:pPr algn="ctr"/>
-            <a:endParaRPr lang="en-US">
-              <a:solidFill>
-                <a:srgbClr val="0000FF"/>
-              </a:solidFill>
-            </a:endParaRPr>
-          </a:p>
-        </p:txBody>
-      </p:sp>
-      <p:sp>
-        <p:nvSpPr>
-          <p:cNvPr id="57" name="Oval 56"/>
-          <p:cNvSpPr/>
-          <p:nvPr/>
-        </p:nvSpPr>
-        <p:spPr>
-          <a:xfrm>
-            <a:off x="11264771" y="3236167"/>
-            <a:ext cx="522514" cy="501619"/>
-          </a:xfrm>
-          <a:prstGeom prst="ellipse">
-            <a:avLst/>
-          </a:prstGeom>
-          <a:solidFill>
-            <a:srgbClr val="FC4532"/>
-          </a:solidFill>
-          <a:ln w="38100">
-            <a:solidFill>
-              <a:srgbClr val="FF0000"/>
-            </a:solidFill>
-            <a:prstDash val="dash"/>
-          </a:ln>
-        </p:spPr>
-        <p:style>
-          <a:lnRef idx="2">
-            <a:schemeClr val="accent1">
-              <a:shade val="50000"/>
-            </a:schemeClr>
-          </a:lnRef>
-          <a:fillRef idx="1">
-            <a:schemeClr val="accent1"/>
-          </a:fillRef>
-          <a:effectRef idx="0">
-            <a:schemeClr val="accent1"/>
-          </a:effectRef>
-          <a:fontRef idx="minor">
-            <a:schemeClr val="lt1"/>
-          </a:fontRef>
-        </p:style>
-        <p:txBody>
-          <a:bodyPr rtlCol="0" anchor="ctr"/>
-          <a:lstStyle/>
-          <a:p>
-            <a:pPr algn="ctr"/>
-            <a:endParaRPr lang="en-US"/>
-          </a:p>
-        </p:txBody>
-      </p:sp>
-      <p:sp>
-        <p:nvSpPr>
-          <p:cNvPr id="58" name="Rectangle 57"/>
-          <p:cNvSpPr/>
-          <p:nvPr/>
-        </p:nvSpPr>
-        <p:spPr>
-          <a:xfrm>
-            <a:off x="11526028" y="4040500"/>
-            <a:ext cx="494523" cy="475042"/>
-          </a:xfrm>
-          <a:prstGeom prst="rect">
-            <a:avLst/>
-          </a:prstGeom>
-          <a:solidFill>
-            <a:schemeClr val="accent2">
-              <a:lumMod val="60000"/>
-              <a:lumOff val="40000"/>
-            </a:schemeClr>
-          </a:solidFill>
-          <a:ln w="38100">
-            <a:solidFill>
-              <a:schemeClr val="accent2"/>
-            </a:solidFill>
-            <a:prstDash val="sysDash"/>
-          </a:ln>
-        </p:spPr>
-        <p:style>
-          <a:lnRef idx="2">
-            <a:schemeClr val="accent1">
-              <a:shade val="50000"/>
-            </a:schemeClr>
-          </a:lnRef>
-          <a:fillRef idx="1">
-            <a:schemeClr val="accent1"/>
-          </a:fillRef>
-          <a:effectRef idx="0">
-            <a:schemeClr val="accent1"/>
-          </a:effectRef>
-          <a:fontRef idx="minor">
-            <a:schemeClr val="lt1"/>
-          </a:fontRef>
-        </p:style>
-        <p:txBody>
-          <a:bodyPr rtlCol="0" anchor="ctr"/>
-          <a:lstStyle/>
-          <a:p>
-            <a:pPr algn="ctr"/>
-            <a:endParaRPr lang="en-US"/>
-          </a:p>
-        </p:txBody>
-      </p:sp>
-    </p:spTree>
-    <p:extLst>
-      <p:ext uri="{BB962C8B-B14F-4D97-AF65-F5344CB8AC3E}">
-        <p14:creationId xmlns:p14="http://schemas.microsoft.com/office/powerpoint/2010/main" val="441883121"/>
       </p:ext>
     </p:extLst>
   </p:cSld>
